--- a/UsingCloudApplicationServices.pptx
+++ b/UsingCloudApplicationServices.pptx
@@ -6,21 +6,30 @@
     <p:sldMasterId id="2147483779" r:id="rId5"/>
   </p:sldMasterIdLst>
   <p:notesMasterIdLst>
-    <p:notesMasterId r:id="rId10"/>
+    <p:notesMasterId r:id="rId19"/>
   </p:notesMasterIdLst>
   <p:handoutMasterIdLst>
-    <p:handoutMasterId r:id="rId11"/>
+    <p:handoutMasterId r:id="rId20"/>
   </p:handoutMasterIdLst>
   <p:sldIdLst>
     <p:sldId id="296" r:id="rId6"/>
     <p:sldId id="293" r:id="rId7"/>
     <p:sldId id="257" r:id="rId8"/>
-    <p:sldId id="292" r:id="rId9"/>
+    <p:sldId id="297" r:id="rId9"/>
+    <p:sldId id="298" r:id="rId10"/>
+    <p:sldId id="299" r:id="rId11"/>
+    <p:sldId id="300" r:id="rId12"/>
+    <p:sldId id="301" r:id="rId13"/>
+    <p:sldId id="302" r:id="rId14"/>
+    <p:sldId id="303" r:id="rId15"/>
+    <p:sldId id="304" r:id="rId16"/>
+    <p:sldId id="305" r:id="rId17"/>
+    <p:sldId id="292" r:id="rId18"/>
   </p:sldIdLst>
   <p:sldSz cx="12188825" cy="6858000"/>
   <p:notesSz cx="6858000" cy="9296400"/>
   <p:custDataLst>
-    <p:tags r:id="rId12"/>
+    <p:tags r:id="rId21"/>
   </p:custDataLst>
   <p:defaultTextStyle>
     <a:defPPr>
@@ -267,7 +276,7 @@
               <a:rPr lang="en-US" smtClean="0">
                 <a:latin typeface="Segoe UI" pitchFamily="34" charset="0"/>
               </a:rPr>
-              <a:t>11/8/2012</a:t>
+              <a:t>11/30/2012</a:t>
             </a:fld>
             <a:endParaRPr lang="en-US" dirty="0">
               <a:latin typeface="Segoe UI" pitchFamily="34" charset="0"/>
@@ -449,7 +458,7 @@
             <a:fld id="{CAE3F082-F902-42D8-A765-720E172C3194}" type="datetimeFigureOut">
               <a:rPr lang="en-US" smtClean="0"/>
               <a:pPr/>
-              <a:t>11/8/2012</a:t>
+              <a:t>11/30/2012</a:t>
             </a:fld>
             <a:endParaRPr lang="en-US" dirty="0"/>
           </a:p>
@@ -720,6 +729,107 @@
     </a:lvl9pPr>
   </p:notesStyle>
 </p:notesMaster>
+</file>
+
+<file path=ppt/notesSlides/notesSlide1.xml><?xml version="1.0" encoding="utf-8"?>
+<p:notes xmlns:a="http://schemas.openxmlformats.org/drawingml/2006/main" xmlns:r="http://schemas.openxmlformats.org/officeDocument/2006/relationships" xmlns:p="http://schemas.openxmlformats.org/presentationml/2006/main">
+  <p:cSld>
+    <p:spTree>
+      <p:nvGrpSpPr>
+        <p:cNvPr id="1" name=""/>
+        <p:cNvGrpSpPr/>
+        <p:nvPr/>
+      </p:nvGrpSpPr>
+      <p:grpSpPr>
+        <a:xfrm>
+          <a:off x="0" y="0"/>
+          <a:ext cx="0" cy="0"/>
+          <a:chOff x="0" y="0"/>
+          <a:chExt cx="0" cy="0"/>
+        </a:xfrm>
+      </p:grpSpPr>
+      <p:sp>
+        <p:nvSpPr>
+          <p:cNvPr id="2" name="Slide Image Placeholder 1"/>
+          <p:cNvSpPr>
+            <a:spLocks noGrp="1" noRot="1" noChangeAspect="1"/>
+          </p:cNvSpPr>
+          <p:nvPr>
+            <p:ph type="sldImg"/>
+          </p:nvPr>
+        </p:nvSpPr>
+        <p:spPr/>
+      </p:sp>
+      <p:sp>
+        <p:nvSpPr>
+          <p:cNvPr id="3" name="Notes Placeholder 2"/>
+          <p:cNvSpPr>
+            <a:spLocks noGrp="1"/>
+          </p:cNvSpPr>
+          <p:nvPr>
+            <p:ph type="body" idx="1"/>
+          </p:nvPr>
+        </p:nvSpPr>
+        <p:spPr/>
+        <p:txBody>
+          <a:bodyPr/>
+          <a:lstStyle/>
+          <a:p>
+            <a:r>
+              <a:rPr lang="en-US" b="1" dirty="0" smtClean="0"/>
+              <a:t>Speaker Notes:</a:t>
+            </a:r>
+          </a:p>
+          <a:p>
+            <a:endParaRPr lang="en-US" dirty="0" smtClean="0"/>
+          </a:p>
+          <a:p>
+            <a:r>
+              <a:rPr lang="en-US" dirty="0" smtClean="0"/>
+              <a:t>Mention inter-tier communication options: Service Bus Queue (used in demo to send data key), shared</a:t>
+            </a:r>
+            <a:r>
+              <a:rPr lang="en-US" baseline="0" dirty="0" smtClean="0"/>
+              <a:t> storage / cache (used in demo to get actual data), Internal endpoint for direct communication, etc.</a:t>
+            </a:r>
+          </a:p>
+        </p:txBody>
+      </p:sp>
+      <p:sp>
+        <p:nvSpPr>
+          <p:cNvPr id="4" name="Slide Number Placeholder 3"/>
+          <p:cNvSpPr>
+            <a:spLocks noGrp="1"/>
+          </p:cNvSpPr>
+          <p:nvPr>
+            <p:ph type="sldNum" sz="quarter" idx="10"/>
+          </p:nvPr>
+        </p:nvSpPr>
+        <p:spPr/>
+        <p:txBody>
+          <a:bodyPr/>
+          <a:lstStyle/>
+          <a:p>
+            <a:fld id="{82AABF77-E2E4-44CA-BA5C-65E132CF08D8}" type="slidenum">
+              <a:rPr lang="en-US" smtClean="0"/>
+              <a:pPr/>
+              <a:t>9</a:t>
+            </a:fld>
+            <a:endParaRPr lang="en-US" dirty="0"/>
+          </a:p>
+        </p:txBody>
+      </p:sp>
+    </p:spTree>
+    <p:extLst>
+      <p:ext uri="{BB962C8B-B14F-4D97-AF65-F5344CB8AC3E}">
+        <p14:creationId xmlns:p14="http://schemas.microsoft.com/office/powerpoint/2010/main" val="2466929958"/>
+      </p:ext>
+    </p:extLst>
+  </p:cSld>
+  <p:clrMapOvr>
+    <a:masterClrMapping/>
+  </p:clrMapOvr>
+</p:notes>
 </file>
 
 <file path=ppt/slideLayouts/slideLayout1.xml><?xml version="1.0" encoding="utf-8"?>
@@ -14234,6 +14344,729 @@
 </p:sld>
 </file>
 
+<file path=ppt/slides/slide10.xml><?xml version="1.0" encoding="utf-8"?>
+<p:sld xmlns:a="http://schemas.openxmlformats.org/drawingml/2006/main" xmlns:r="http://schemas.openxmlformats.org/officeDocument/2006/relationships" xmlns:p="http://schemas.openxmlformats.org/presentationml/2006/main">
+  <p:cSld>
+    <p:spTree>
+      <p:nvGrpSpPr>
+        <p:cNvPr id="1" name=""/>
+        <p:cNvGrpSpPr/>
+        <p:nvPr/>
+      </p:nvGrpSpPr>
+      <p:grpSpPr>
+        <a:xfrm>
+          <a:off x="0" y="0"/>
+          <a:ext cx="0" cy="0"/>
+          <a:chOff x="0" y="0"/>
+          <a:chExt cx="0" cy="0"/>
+        </a:xfrm>
+      </p:grpSpPr>
+      <p:sp>
+        <p:nvSpPr>
+          <p:cNvPr id="2" name="Title 1"/>
+          <p:cNvSpPr>
+            <a:spLocks noGrp="1"/>
+          </p:cNvSpPr>
+          <p:nvPr>
+            <p:ph type="ctrTitle"/>
+          </p:nvPr>
+        </p:nvSpPr>
+        <p:spPr/>
+        <p:txBody>
+          <a:bodyPr/>
+          <a:lstStyle/>
+          <a:p>
+            <a:r>
+              <a:rPr lang="en-US" dirty="0" smtClean="0"/>
+              <a:t>n-Tier</a:t>
+            </a:r>
+            <a:endParaRPr lang="en-US" dirty="0"/>
+          </a:p>
+        </p:txBody>
+      </p:sp>
+      <p:sp>
+        <p:nvSpPr>
+          <p:cNvPr id="3" name="Subtitle 2"/>
+          <p:cNvSpPr>
+            <a:spLocks noGrp="1"/>
+          </p:cNvSpPr>
+          <p:nvPr>
+            <p:ph type="subTitle" idx="1"/>
+          </p:nvPr>
+        </p:nvSpPr>
+        <p:spPr>
+          <a:xfrm>
+            <a:off x="1889124" y="5630472"/>
+            <a:ext cx="8406343" cy="461665"/>
+          </a:xfrm>
+        </p:spPr>
+        <p:txBody>
+          <a:bodyPr/>
+          <a:lstStyle/>
+          <a:p>
+            <a:r>
+              <a:rPr lang="en-US" dirty="0" smtClean="0"/>
+              <a:t>User a background worker role to analyze trending data</a:t>
+            </a:r>
+            <a:endParaRPr lang="en-US" dirty="0"/>
+          </a:p>
+        </p:txBody>
+      </p:sp>
+      <p:sp>
+        <p:nvSpPr>
+          <p:cNvPr id="4" name="Text Placeholder 3"/>
+          <p:cNvSpPr>
+            <a:spLocks noGrp="1"/>
+          </p:cNvSpPr>
+          <p:nvPr>
+            <p:ph type="body" sz="quarter" idx="10"/>
+          </p:nvPr>
+        </p:nvSpPr>
+        <p:spPr/>
+        <p:txBody>
+          <a:bodyPr/>
+          <a:lstStyle/>
+          <a:p>
+            <a:r>
+              <a:rPr lang="en-US" dirty="0" smtClean="0"/>
+              <a:t>Twitter Reader</a:t>
+            </a:r>
+            <a:endParaRPr lang="en-US" dirty="0"/>
+          </a:p>
+        </p:txBody>
+      </p:sp>
+    </p:spTree>
+    <p:extLst>
+      <p:ext uri="{BB962C8B-B14F-4D97-AF65-F5344CB8AC3E}">
+        <p14:creationId xmlns:p14="http://schemas.microsoft.com/office/powerpoint/2010/main" val="3492865059"/>
+      </p:ext>
+    </p:extLst>
+  </p:cSld>
+  <p:clrMapOvr>
+    <a:masterClrMapping/>
+  </p:clrMapOvr>
+  <p:transition>
+    <p:fade/>
+  </p:transition>
+  <p:timing>
+    <p:tnLst>
+      <p:par>
+        <p:cTn id="1" dur="indefinite" restart="never" nodeType="tmRoot"/>
+      </p:par>
+    </p:tnLst>
+  </p:timing>
+</p:sld>
+</file>
+
+<file path=ppt/slides/slide11.xml><?xml version="1.0" encoding="utf-8"?>
+<p:sld xmlns:a="http://schemas.openxmlformats.org/drawingml/2006/main" xmlns:r="http://schemas.openxmlformats.org/officeDocument/2006/relationships" xmlns:p="http://schemas.openxmlformats.org/presentationml/2006/main">
+  <p:cSld>
+    <p:spTree>
+      <p:nvGrpSpPr>
+        <p:cNvPr id="1" name=""/>
+        <p:cNvGrpSpPr/>
+        <p:nvPr/>
+      </p:nvGrpSpPr>
+      <p:grpSpPr>
+        <a:xfrm>
+          <a:off x="0" y="0"/>
+          <a:ext cx="0" cy="0"/>
+          <a:chOff x="0" y="0"/>
+          <a:chExt cx="0" cy="0"/>
+        </a:xfrm>
+      </p:grpSpPr>
+      <p:sp>
+        <p:nvSpPr>
+          <p:cNvPr id="2" name="Title 1"/>
+          <p:cNvSpPr>
+            <a:spLocks noGrp="1"/>
+          </p:cNvSpPr>
+          <p:nvPr>
+            <p:ph type="title"/>
+          </p:nvPr>
+        </p:nvSpPr>
+        <p:spPr/>
+        <p:txBody>
+          <a:bodyPr/>
+          <a:lstStyle/>
+          <a:p>
+            <a:r>
+              <a:rPr lang="en-US" dirty="0" smtClean="0"/>
+              <a:t>Windows Azure Store</a:t>
+            </a:r>
+            <a:endParaRPr lang="en-US" dirty="0"/>
+          </a:p>
+        </p:txBody>
+      </p:sp>
+      <p:sp>
+        <p:nvSpPr>
+          <p:cNvPr id="3" name="Text Placeholder 2"/>
+          <p:cNvSpPr>
+            <a:spLocks noGrp="1"/>
+          </p:cNvSpPr>
+          <p:nvPr>
+            <p:ph type="body" sz="quarter" idx="10"/>
+          </p:nvPr>
+        </p:nvSpPr>
+        <p:spPr>
+          <a:xfrm>
+            <a:off x="519112" y="1447799"/>
+            <a:ext cx="11149013" cy="2151358"/>
+          </a:xfrm>
+        </p:spPr>
+        <p:txBody>
+          <a:bodyPr/>
+          <a:lstStyle/>
+          <a:p>
+            <a:pPr marL="574675" indent="-571500">
+              <a:buFont typeface="Arial" panose="020B0604020202020204" pitchFamily="34" charset="0"/>
+              <a:buChar char="•"/>
+            </a:pPr>
+            <a:r>
+              <a:rPr lang="en-US" dirty="0" smtClean="0"/>
+              <a:t>Great Extensions to Windows Azure Ecosystem</a:t>
+            </a:r>
+          </a:p>
+          <a:p>
+            <a:pPr marL="574675" indent="-571500">
+              <a:buFont typeface="Arial" panose="020B0604020202020204" pitchFamily="34" charset="0"/>
+              <a:buChar char="•"/>
+            </a:pPr>
+            <a:r>
+              <a:rPr lang="en-US" dirty="0" smtClean="0"/>
+              <a:t>Great Opportunities</a:t>
+            </a:r>
+          </a:p>
+          <a:p>
+            <a:pPr marL="1830388" lvl="2" indent="-571500">
+              <a:buFont typeface="Arial" panose="020B0604020202020204" pitchFamily="34" charset="0"/>
+              <a:buChar char="•"/>
+            </a:pPr>
+            <a:r>
+              <a:rPr lang="en-US" dirty="0" smtClean="0"/>
+              <a:t>Services</a:t>
+            </a:r>
+          </a:p>
+          <a:p>
+            <a:pPr marL="1830388" lvl="2" indent="-571500">
+              <a:buFont typeface="Arial" panose="020B0604020202020204" pitchFamily="34" charset="0"/>
+              <a:buChar char="•"/>
+            </a:pPr>
+            <a:r>
+              <a:rPr lang="en-US" dirty="0" smtClean="0"/>
+              <a:t>Data</a:t>
+            </a:r>
+          </a:p>
+        </p:txBody>
+      </p:sp>
+      <p:grpSp>
+        <p:nvGrpSpPr>
+          <p:cNvPr id="10" name="Group 9"/>
+          <p:cNvGrpSpPr/>
+          <p:nvPr/>
+        </p:nvGrpSpPr>
+        <p:grpSpPr>
+          <a:xfrm>
+            <a:off x="4946187" y="2223910"/>
+            <a:ext cx="6073267" cy="4119124"/>
+            <a:chOff x="5781565" y="2336799"/>
+            <a:chExt cx="6073267" cy="4119124"/>
+          </a:xfrm>
+        </p:grpSpPr>
+        <p:grpSp>
+          <p:nvGrpSpPr>
+            <p:cNvPr id="4" name="Group 3"/>
+            <p:cNvGrpSpPr/>
+            <p:nvPr/>
+          </p:nvGrpSpPr>
+          <p:grpSpPr>
+            <a:xfrm>
+              <a:off x="8854986" y="2336800"/>
+              <a:ext cx="2999846" cy="4119123"/>
+              <a:chOff x="820276" y="2450957"/>
+              <a:chExt cx="1363038" cy="2580289"/>
+            </a:xfrm>
+          </p:grpSpPr>
+          <p:pic>
+            <p:nvPicPr>
+              <p:cNvPr id="5" name="Picture 4"/>
+              <p:cNvPicPr>
+                <a:picLocks noChangeAspect="1"/>
+              </p:cNvPicPr>
+              <p:nvPr/>
+            </p:nvPicPr>
+            <p:blipFill>
+              <a:blip r:embed="rId2">
+                <a:extLst>
+                  <a:ext uri="{28A0092B-C50C-407E-A947-70E740481C1C}">
+                    <a14:useLocalDpi xmlns:a14="http://schemas.microsoft.com/office/drawing/2010/main" val="0"/>
+                  </a:ext>
+                </a:extLst>
+              </a:blip>
+              <a:stretch>
+                <a:fillRect/>
+              </a:stretch>
+            </p:blipFill>
+            <p:spPr>
+              <a:xfrm>
+                <a:off x="820276" y="2450957"/>
+                <a:ext cx="658972" cy="2580289"/>
+              </a:xfrm>
+              <a:prstGeom prst="rect">
+                <a:avLst/>
+              </a:prstGeom>
+            </p:spPr>
+          </p:pic>
+          <p:pic>
+            <p:nvPicPr>
+              <p:cNvPr id="6" name="Picture 5"/>
+              <p:cNvPicPr>
+                <a:picLocks noChangeAspect="1"/>
+              </p:cNvPicPr>
+              <p:nvPr/>
+            </p:nvPicPr>
+            <p:blipFill>
+              <a:blip r:embed="rId3">
+                <a:extLst>
+                  <a:ext uri="{28A0092B-C50C-407E-A947-70E740481C1C}">
+                    <a14:useLocalDpi xmlns:a14="http://schemas.microsoft.com/office/drawing/2010/main" val="0"/>
+                  </a:ext>
+                </a:extLst>
+              </a:blip>
+              <a:stretch>
+                <a:fillRect/>
+              </a:stretch>
+            </p:blipFill>
+            <p:spPr>
+              <a:xfrm>
+                <a:off x="1512678" y="2450957"/>
+                <a:ext cx="670636" cy="2580289"/>
+              </a:xfrm>
+              <a:prstGeom prst="rect">
+                <a:avLst/>
+              </a:prstGeom>
+            </p:spPr>
+          </p:pic>
+        </p:grpSp>
+        <p:grpSp>
+          <p:nvGrpSpPr>
+            <p:cNvPr id="7" name="Group 6"/>
+            <p:cNvGrpSpPr/>
+            <p:nvPr/>
+          </p:nvGrpSpPr>
+          <p:grpSpPr>
+            <a:xfrm>
+              <a:off x="5781565" y="2336799"/>
+              <a:ext cx="2999846" cy="4119123"/>
+              <a:chOff x="4653224" y="2448281"/>
+              <a:chExt cx="1343090" cy="2585642"/>
+            </a:xfrm>
+          </p:grpSpPr>
+          <p:pic>
+            <p:nvPicPr>
+              <p:cNvPr id="8" name="Picture 7"/>
+              <p:cNvPicPr>
+                <a:picLocks noChangeAspect="1"/>
+              </p:cNvPicPr>
+              <p:nvPr/>
+            </p:nvPicPr>
+            <p:blipFill>
+              <a:blip r:embed="rId4">
+                <a:extLst>
+                  <a:ext uri="{28A0092B-C50C-407E-A947-70E740481C1C}">
+                    <a14:useLocalDpi xmlns:a14="http://schemas.microsoft.com/office/drawing/2010/main" val="0"/>
+                  </a:ext>
+                </a:extLst>
+              </a:blip>
+              <a:stretch>
+                <a:fillRect/>
+              </a:stretch>
+            </p:blipFill>
+            <p:spPr>
+              <a:xfrm>
+                <a:off x="5337343" y="2448281"/>
+                <a:ext cx="658971" cy="2585642"/>
+              </a:xfrm>
+              <a:prstGeom prst="rect">
+                <a:avLst/>
+              </a:prstGeom>
+            </p:spPr>
+          </p:pic>
+          <p:pic>
+            <p:nvPicPr>
+              <p:cNvPr id="9" name="Picture 8"/>
+              <p:cNvPicPr>
+                <a:picLocks noChangeAspect="1"/>
+              </p:cNvPicPr>
+              <p:nvPr/>
+            </p:nvPicPr>
+            <p:blipFill>
+              <a:blip r:embed="rId5">
+                <a:extLst>
+                  <a:ext uri="{28A0092B-C50C-407E-A947-70E740481C1C}">
+                    <a14:useLocalDpi xmlns:a14="http://schemas.microsoft.com/office/drawing/2010/main" val="0"/>
+                  </a:ext>
+                </a:extLst>
+              </a:blip>
+              <a:stretch>
+                <a:fillRect/>
+              </a:stretch>
+            </p:blipFill>
+            <p:spPr>
+              <a:xfrm>
+                <a:off x="4653224" y="2448281"/>
+                <a:ext cx="658972" cy="2585642"/>
+              </a:xfrm>
+              <a:prstGeom prst="rect">
+                <a:avLst/>
+              </a:prstGeom>
+            </p:spPr>
+          </p:pic>
+        </p:grpSp>
+      </p:grpSp>
+    </p:spTree>
+    <p:extLst>
+      <p:ext uri="{BB962C8B-B14F-4D97-AF65-F5344CB8AC3E}">
+        <p14:creationId xmlns:p14="http://schemas.microsoft.com/office/powerpoint/2010/main" val="2641777806"/>
+      </p:ext>
+    </p:extLst>
+  </p:cSld>
+  <p:clrMapOvr>
+    <a:masterClrMapping/>
+  </p:clrMapOvr>
+  <p:transition>
+    <p:fade/>
+  </p:transition>
+  <p:timing>
+    <p:tnLst>
+      <p:par>
+        <p:cTn id="1" dur="indefinite" restart="never" nodeType="tmRoot">
+          <p:childTnLst>
+            <p:seq concurrent="1" nextAc="seek">
+              <p:cTn id="2" dur="indefinite" nodeType="mainSeq">
+                <p:childTnLst>
+                  <p:par>
+                    <p:cTn id="3" fill="hold">
+                      <p:stCondLst>
+                        <p:cond delay="indefinite"/>
+                        <p:cond evt="onBegin" delay="0">
+                          <p:tn val="2"/>
+                        </p:cond>
+                      </p:stCondLst>
+                      <p:childTnLst>
+                        <p:par>
+                          <p:cTn id="4" fill="hold">
+                            <p:stCondLst>
+                              <p:cond delay="0"/>
+                            </p:stCondLst>
+                            <p:childTnLst>
+                              <p:par>
+                                <p:cTn id="5" presetID="10" presetClass="entr" presetSubtype="0" fill="hold" nodeType="afterEffect">
+                                  <p:stCondLst>
+                                    <p:cond delay="0"/>
+                                  </p:stCondLst>
+                                  <p:childTnLst>
+                                    <p:set>
+                                      <p:cBhvr>
+                                        <p:cTn id="6" dur="1" fill="hold">
+                                          <p:stCondLst>
+                                            <p:cond delay="0"/>
+                                          </p:stCondLst>
+                                        </p:cTn>
+                                        <p:tgtEl>
+                                          <p:spTgt spid="10"/>
+                                        </p:tgtEl>
+                                        <p:attrNameLst>
+                                          <p:attrName>style.visibility</p:attrName>
+                                        </p:attrNameLst>
+                                      </p:cBhvr>
+                                      <p:to>
+                                        <p:strVal val="visible"/>
+                                      </p:to>
+                                    </p:set>
+                                    <p:animEffect transition="in" filter="fade">
+                                      <p:cBhvr>
+                                        <p:cTn id="7" dur="500"/>
+                                        <p:tgtEl>
+                                          <p:spTgt spid="10"/>
+                                        </p:tgtEl>
+                                      </p:cBhvr>
+                                    </p:animEffect>
+                                  </p:childTnLst>
+                                </p:cTn>
+                              </p:par>
+                              <p:par>
+                                <p:cTn id="8" presetID="6" presetClass="emph" presetSubtype="0" fill="hold" nodeType="withEffect">
+                                  <p:stCondLst>
+                                    <p:cond delay="0"/>
+                                  </p:stCondLst>
+                                  <p:childTnLst>
+                                    <p:animScale>
+                                      <p:cBhvr>
+                                        <p:cTn id="9" dur="500" fill="hold"/>
+                                        <p:tgtEl>
+                                          <p:spTgt spid="10"/>
+                                        </p:tgtEl>
+                                      </p:cBhvr>
+                                      <p:by x="80000" y="80000"/>
+                                    </p:animScale>
+                                  </p:childTnLst>
+                                </p:cTn>
+                              </p:par>
+                            </p:childTnLst>
+                          </p:cTn>
+                        </p:par>
+                      </p:childTnLst>
+                    </p:cTn>
+                  </p:par>
+                </p:childTnLst>
+              </p:cTn>
+              <p:prevCondLst>
+                <p:cond evt="onPrev" delay="0">
+                  <p:tgtEl>
+                    <p:sldTgt/>
+                  </p:tgtEl>
+                </p:cond>
+              </p:prevCondLst>
+              <p:nextCondLst>
+                <p:cond evt="onNext" delay="0">
+                  <p:tgtEl>
+                    <p:sldTgt/>
+                  </p:tgtEl>
+                </p:cond>
+              </p:nextCondLst>
+            </p:seq>
+          </p:childTnLst>
+        </p:cTn>
+      </p:par>
+    </p:tnLst>
+  </p:timing>
+</p:sld>
+</file>
+
+<file path=ppt/slides/slide12.xml><?xml version="1.0" encoding="utf-8"?>
+<p:sld xmlns:a="http://schemas.openxmlformats.org/drawingml/2006/main" xmlns:r="http://schemas.openxmlformats.org/officeDocument/2006/relationships" xmlns:p="http://schemas.openxmlformats.org/presentationml/2006/main">
+  <p:cSld>
+    <p:spTree>
+      <p:nvGrpSpPr>
+        <p:cNvPr id="1" name=""/>
+        <p:cNvGrpSpPr/>
+        <p:nvPr/>
+      </p:nvGrpSpPr>
+      <p:grpSpPr>
+        <a:xfrm>
+          <a:off x="0" y="0"/>
+          <a:ext cx="0" cy="0"/>
+          <a:chOff x="0" y="0"/>
+          <a:chExt cx="0" cy="0"/>
+        </a:xfrm>
+      </p:grpSpPr>
+      <p:sp>
+        <p:nvSpPr>
+          <p:cNvPr id="2" name="Title 1"/>
+          <p:cNvSpPr>
+            <a:spLocks noGrp="1"/>
+          </p:cNvSpPr>
+          <p:nvPr>
+            <p:ph type="ctrTitle"/>
+          </p:nvPr>
+        </p:nvSpPr>
+        <p:spPr/>
+        <p:txBody>
+          <a:bodyPr/>
+          <a:lstStyle/>
+          <a:p>
+            <a:r>
+              <a:rPr lang="en-US" dirty="0" smtClean="0"/>
+              <a:t>New Relic</a:t>
+            </a:r>
+            <a:endParaRPr lang="en-US" dirty="0"/>
+          </a:p>
+        </p:txBody>
+      </p:sp>
+      <p:sp>
+        <p:nvSpPr>
+          <p:cNvPr id="3" name="Subtitle 2"/>
+          <p:cNvSpPr>
+            <a:spLocks noGrp="1"/>
+          </p:cNvSpPr>
+          <p:nvPr>
+            <p:ph type="subTitle" idx="1"/>
+          </p:nvPr>
+        </p:nvSpPr>
+        <p:spPr>
+          <a:xfrm>
+            <a:off x="1889124" y="5630472"/>
+            <a:ext cx="8406343" cy="461665"/>
+          </a:xfrm>
+        </p:spPr>
+        <p:txBody>
+          <a:bodyPr/>
+          <a:lstStyle/>
+          <a:p>
+            <a:r>
+              <a:rPr lang="en-US" dirty="0" smtClean="0"/>
+              <a:t>Use New Relic to monitor service performance</a:t>
+            </a:r>
+            <a:endParaRPr lang="en-US" dirty="0"/>
+          </a:p>
+        </p:txBody>
+      </p:sp>
+      <p:sp>
+        <p:nvSpPr>
+          <p:cNvPr id="4" name="Text Placeholder 3"/>
+          <p:cNvSpPr>
+            <a:spLocks noGrp="1"/>
+          </p:cNvSpPr>
+          <p:nvPr>
+            <p:ph type="body" sz="quarter" idx="10"/>
+          </p:nvPr>
+        </p:nvSpPr>
+        <p:spPr/>
+        <p:txBody>
+          <a:bodyPr/>
+          <a:lstStyle/>
+          <a:p>
+            <a:r>
+              <a:rPr lang="en-US" dirty="0" smtClean="0"/>
+              <a:t>Twitter Reader</a:t>
+            </a:r>
+            <a:endParaRPr lang="en-US" dirty="0"/>
+          </a:p>
+        </p:txBody>
+      </p:sp>
+    </p:spTree>
+    <p:extLst>
+      <p:ext uri="{BB962C8B-B14F-4D97-AF65-F5344CB8AC3E}">
+        <p14:creationId xmlns:p14="http://schemas.microsoft.com/office/powerpoint/2010/main" val="1376071215"/>
+      </p:ext>
+    </p:extLst>
+  </p:cSld>
+  <p:clrMapOvr>
+    <a:masterClrMapping/>
+  </p:clrMapOvr>
+  <p:transition>
+    <p:fade/>
+  </p:transition>
+  <p:timing>
+    <p:tnLst>
+      <p:par>
+        <p:cTn id="1" dur="indefinite" restart="never" nodeType="tmRoot"/>
+      </p:par>
+    </p:tnLst>
+  </p:timing>
+</p:sld>
+</file>
+
+<file path=ppt/slides/slide13.xml><?xml version="1.0" encoding="utf-8"?>
+<p:sld xmlns:a="http://schemas.openxmlformats.org/drawingml/2006/main" xmlns:r="http://schemas.openxmlformats.org/officeDocument/2006/relationships" xmlns:p="http://schemas.openxmlformats.org/presentationml/2006/main">
+  <p:cSld>
+    <p:spTree>
+      <p:nvGrpSpPr>
+        <p:cNvPr id="1" name=""/>
+        <p:cNvGrpSpPr/>
+        <p:nvPr/>
+      </p:nvGrpSpPr>
+      <p:grpSpPr>
+        <a:xfrm>
+          <a:off x="0" y="0"/>
+          <a:ext cx="0" cy="0"/>
+          <a:chOff x="0" y="0"/>
+          <a:chExt cx="0" cy="0"/>
+        </a:xfrm>
+      </p:grpSpPr>
+      <p:graphicFrame>
+        <p:nvGraphicFramePr>
+          <p:cNvPr id="2" name="Object 1" hidden="1"/>
+          <p:cNvGraphicFramePr>
+            <a:graphicFrameLocks noChangeAspect="1"/>
+          </p:cNvGraphicFramePr>
+          <p:nvPr>
+            <p:custDataLst>
+              <p:tags r:id="rId2"/>
+            </p:custDataLst>
+            <p:extLst>
+              <p:ext uri="{D42A27DB-BD31-4B8C-83A1-F6EECF244321}">
+                <p14:modId xmlns:p14="http://schemas.microsoft.com/office/powerpoint/2010/main" val="3859461230"/>
+              </p:ext>
+            </p:extLst>
+          </p:nvPr>
+        </p:nvGraphicFramePr>
+        <p:xfrm>
+          <a:off x="0" y="0"/>
+          <a:ext cx="158750" cy="158750"/>
+        </p:xfrm>
+        <a:graphic>
+          <a:graphicData uri="http://schemas.openxmlformats.org/presentationml/2006/ole">
+            <mc:AlternateContent xmlns:mc="http://schemas.openxmlformats.org/markup-compatibility/2006">
+              <mc:Choice xmlns:v="urn:schemas-microsoft-com:vml" Requires="v">
+                <p:oleObj spid="_x0000_s58475" name="think-cell Slide" r:id="rId4" imgW="270" imgH="270" progId="TCLayout.ActiveDocument.1">
+                  <p:embed/>
+                </p:oleObj>
+              </mc:Choice>
+              <mc:Fallback>
+                <p:oleObj name="think-cell Slide" r:id="rId4" imgW="270" imgH="270" progId="TCLayout.ActiveDocument.1">
+                  <p:embed/>
+                  <p:pic>
+                    <p:nvPicPr>
+                      <p:cNvPr id="0" name=""/>
+                      <p:cNvPicPr/>
+                      <p:nvPr/>
+                    </p:nvPicPr>
+                    <p:blipFill>
+                      <a:blip r:embed="rId5"/>
+                      <a:stretch>
+                        <a:fillRect/>
+                      </a:stretch>
+                    </p:blipFill>
+                    <p:spPr>
+                      <a:xfrm>
+                        <a:off x="0" y="0"/>
+                        <a:ext cx="158750" cy="158750"/>
+                      </a:xfrm>
+                      <a:prstGeom prst="rect">
+                        <a:avLst/>
+                      </a:prstGeom>
+                    </p:spPr>
+                  </p:pic>
+                </p:oleObj>
+              </mc:Fallback>
+            </mc:AlternateContent>
+          </a:graphicData>
+        </a:graphic>
+      </p:graphicFrame>
+    </p:spTree>
+    <p:extLst>
+      <p:ext uri="{BB962C8B-B14F-4D97-AF65-F5344CB8AC3E}">
+        <p14:creationId xmlns:p14="http://schemas.microsoft.com/office/powerpoint/2010/main" val="1847082904"/>
+      </p:ext>
+    </p:extLst>
+  </p:cSld>
+  <p:clrMapOvr>
+    <a:masterClrMapping/>
+  </p:clrMapOvr>
+  <mc:AlternateContent xmlns:mc="http://schemas.openxmlformats.org/markup-compatibility/2006" xmlns:p14="http://schemas.microsoft.com/office/powerpoint/2010/main">
+    <mc:Choice Requires="p14">
+      <p:transition spd="med" p14:dur="700">
+        <p:fade/>
+      </p:transition>
+    </mc:Choice>
+    <mc:Fallback xmlns="">
+      <p:transition spd="med">
+        <p:fade/>
+      </p:transition>
+    </mc:Fallback>
+  </mc:AlternateContent>
+  <p:timing>
+    <p:tnLst>
+      <p:par>
+        <p:cTn id="1" dur="indefinite" restart="never" nodeType="tmRoot"/>
+      </p:par>
+    </p:tnLst>
+  </p:timing>
+</p:sld>
+</file>
+
 <file path=ppt/slides/slide2.xml><?xml version="1.0" encoding="utf-8"?>
 <p:sld xmlns:a="http://schemas.openxmlformats.org/drawingml/2006/main" xmlns:r="http://schemas.openxmlformats.org/officeDocument/2006/relationships" xmlns:p="http://schemas.openxmlformats.org/presentationml/2006/main">
   <p:cSld>
@@ -14276,7 +15109,7 @@
           <a:graphicData uri="http://schemas.openxmlformats.org/presentationml/2006/ole">
             <mc:AlternateContent xmlns:mc="http://schemas.openxmlformats.org/markup-compatibility/2006">
               <mc:Choice xmlns:v="urn:schemas-microsoft-com:vml" Requires="v">
-                <p:oleObj spid="_x0000_s59486" name="think-cell Slide" r:id="rId4" imgW="270" imgH="270" progId="TCLayout.ActiveDocument.1">
+                <p:oleObj spid="_x0000_s59495" name="think-cell Slide" r:id="rId4" imgW="270" imgH="270" progId="TCLayout.ActiveDocument.1">
                   <p:embed/>
                 </p:oleObj>
               </mc:Choice>
@@ -14452,7 +15285,7 @@
           <a:graphicData uri="http://schemas.openxmlformats.org/presentationml/2006/ole">
             <mc:AlternateContent xmlns:mc="http://schemas.openxmlformats.org/markup-compatibility/2006">
               <mc:Choice xmlns:v="urn:schemas-microsoft-com:vml" Requires="v">
-                <p:oleObj spid="_x0000_s23651" name="think-cell Slide" r:id="rId6" imgW="270" imgH="270" progId="TCLayout.ActiveDocument.1">
+                <p:oleObj spid="_x0000_s23661" name="think-cell Slide" r:id="rId6" imgW="270" imgH="270" progId="TCLayout.ActiveDocument.1">
                   <p:embed/>
                 </p:oleObj>
               </mc:Choice>
@@ -14528,14 +15361,56 @@
         </p:nvSpPr>
         <p:spPr>
           <a:xfrm>
-            <a:off x="3473804" y="3641568"/>
-            <a:ext cx="6945312" cy="794064"/>
+            <a:off x="3616124" y="1966204"/>
+            <a:ext cx="7161539" cy="4148828"/>
           </a:xfrm>
         </p:spPr>
         <p:txBody>
           <a:bodyPr/>
           <a:lstStyle/>
           <a:p>
+            <a:pPr marL="688975" indent="-685800">
+              <a:buFont typeface="Arial" panose="020B0604020202020204" pitchFamily="34" charset="0"/>
+              <a:buChar char="•"/>
+            </a:pPr>
+            <a:r>
+              <a:rPr lang="en-US" dirty="0" smtClean="0"/>
+              <a:t>Using Windows Azure building block services</a:t>
+            </a:r>
+          </a:p>
+          <a:p>
+            <a:pPr marL="1373188" lvl="2" indent="-685800"/>
+            <a:r>
+              <a:rPr lang="en-US" dirty="0" smtClean="0"/>
+              <a:t>Caching</a:t>
+            </a:r>
+          </a:p>
+          <a:p>
+            <a:pPr marL="1373188" lvl="2" indent="-685800"/>
+            <a:r>
+              <a:rPr lang="en-US" dirty="0" smtClean="0"/>
+              <a:t>Storage</a:t>
+            </a:r>
+          </a:p>
+          <a:p>
+            <a:pPr marL="688975" indent="-685800">
+              <a:buFont typeface="Arial" panose="020B0604020202020204" pitchFamily="34" charset="0"/>
+              <a:buChar char="•"/>
+            </a:pPr>
+            <a:r>
+              <a:rPr lang="en-US" dirty="0" smtClean="0"/>
+              <a:t>n-Tier architecture</a:t>
+            </a:r>
+          </a:p>
+          <a:p>
+            <a:pPr marL="688975" indent="-685800">
+              <a:buFont typeface="Arial" panose="020B0604020202020204" pitchFamily="34" charset="0"/>
+              <a:buChar char="•"/>
+            </a:pPr>
+            <a:r>
+              <a:rPr lang="en-US" dirty="0" smtClean="0"/>
+              <a:t>Windows Azure Store</a:t>
+            </a:r>
             <a:endParaRPr lang="en-US" dirty="0"/>
           </a:p>
         </p:txBody>
@@ -14589,88 +15464,6805 @@
           <a:chExt cx="0" cy="0"/>
         </a:xfrm>
       </p:grpSpPr>
-      <p:graphicFrame>
-        <p:nvGraphicFramePr>
-          <p:cNvPr id="2" name="Object 1" hidden="1"/>
-          <p:cNvGraphicFramePr>
-            <a:graphicFrameLocks noChangeAspect="1"/>
-          </p:cNvGraphicFramePr>
-          <p:nvPr>
-            <p:custDataLst>
-              <p:tags r:id="rId2"/>
-            </p:custDataLst>
-            <p:extLst>
-              <p:ext uri="{D42A27DB-BD31-4B8C-83A1-F6EECF244321}">
-                <p14:modId xmlns:p14="http://schemas.microsoft.com/office/powerpoint/2010/main" val="3859461230"/>
-              </p:ext>
-            </p:extLst>
-          </p:nvPr>
-        </p:nvGraphicFramePr>
-        <p:xfrm>
-          <a:off x="0" y="0"/>
-          <a:ext cx="158750" cy="158750"/>
-        </p:xfrm>
-        <a:graphic>
-          <a:graphicData uri="http://schemas.openxmlformats.org/presentationml/2006/ole">
-            <mc:AlternateContent xmlns:mc="http://schemas.openxmlformats.org/markup-compatibility/2006">
-              <mc:Choice xmlns:v="urn:schemas-microsoft-com:vml" Requires="v">
-                <p:oleObj spid="_x0000_s58466" name="think-cell Slide" r:id="rId4" imgW="270" imgH="270" progId="TCLayout.ActiveDocument.1">
-                  <p:embed/>
-                </p:oleObj>
-              </mc:Choice>
-              <mc:Fallback>
-                <p:oleObj name="think-cell Slide" r:id="rId4" imgW="270" imgH="270" progId="TCLayout.ActiveDocument.1">
-                  <p:embed/>
-                  <p:pic>
-                    <p:nvPicPr>
-                      <p:cNvPr id="0" name=""/>
-                      <p:cNvPicPr/>
-                      <p:nvPr/>
-                    </p:nvPicPr>
-                    <p:blipFill>
-                      <a:blip r:embed="rId5"/>
-                      <a:stretch>
-                        <a:fillRect/>
-                      </a:stretch>
-                    </p:blipFill>
-                    <p:spPr>
-                      <a:xfrm>
-                        <a:off x="0" y="0"/>
-                        <a:ext cx="158750" cy="158750"/>
-                      </a:xfrm>
-                      <a:prstGeom prst="rect">
-                        <a:avLst/>
-                      </a:prstGeom>
-                    </p:spPr>
-                  </p:pic>
-                </p:oleObj>
-              </mc:Fallback>
-            </mc:AlternateContent>
-          </a:graphicData>
-        </a:graphic>
-      </p:graphicFrame>
+      <p:sp>
+        <p:nvSpPr>
+          <p:cNvPr id="4" name="Title 3"/>
+          <p:cNvSpPr txBox="1">
+            <a:spLocks/>
+          </p:cNvSpPr>
+          <p:nvPr/>
+        </p:nvSpPr>
+        <p:spPr>
+          <a:xfrm>
+            <a:off x="484560" y="2832400"/>
+            <a:ext cx="4773654" cy="1492241"/>
+          </a:xfrm>
+          <a:prstGeom prst="rect">
+            <a:avLst/>
+          </a:prstGeom>
+        </p:spPr>
+        <p:txBody>
+          <a:bodyPr vert="horz" lIns="91440" tIns="45720" rIns="91440" bIns="45720" rtlCol="0" anchor="ctr">
+            <a:normAutofit/>
+          </a:bodyPr>
+          <a:lstStyle>
+            <a:lvl1pPr algn="ctr" defTabSz="914400" rtl="0" eaLnBrk="1" latinLnBrk="0" hangingPunct="1">
+              <a:spcBef>
+                <a:spcPct val="0"/>
+              </a:spcBef>
+              <a:buNone/>
+              <a:defRPr sz="4400" b="1" kern="1200">
+                <a:solidFill>
+                  <a:schemeClr val="bg1"/>
+                </a:solidFill>
+                <a:latin typeface="微软雅黑" pitchFamily="34" charset="-122"/>
+                <a:ea typeface="微软雅黑" pitchFamily="34" charset="-122"/>
+                <a:cs typeface="+mj-cs"/>
+              </a:defRPr>
+            </a:lvl1pPr>
+          </a:lstStyle>
+          <a:p>
+            <a:r>
+              <a:rPr lang="en-US" altLang="zh-CN" dirty="0" smtClean="0">
+                <a:solidFill>
+                  <a:schemeClr val="tx1">
+                    <a:lumMod val="65000"/>
+                    <a:lumOff val="35000"/>
+                  </a:schemeClr>
+                </a:solidFill>
+              </a:rPr>
+              <a:t>Building Blocks</a:t>
+            </a:r>
+            <a:endParaRPr lang="en-US" dirty="0">
+              <a:solidFill>
+                <a:schemeClr val="tx1">
+                  <a:lumMod val="65000"/>
+                  <a:lumOff val="35000"/>
+                </a:schemeClr>
+              </a:solidFill>
+            </a:endParaRPr>
+          </a:p>
+        </p:txBody>
+      </p:sp>
+      <p:grpSp>
+        <p:nvGrpSpPr>
+          <p:cNvPr id="5" name="Group 4"/>
+          <p:cNvGrpSpPr/>
+          <p:nvPr/>
+        </p:nvGrpSpPr>
+        <p:grpSpPr>
+          <a:xfrm>
+            <a:off x="5680055" y="767577"/>
+            <a:ext cx="1900671" cy="1768432"/>
+            <a:chOff x="5665775" y="2466267"/>
+            <a:chExt cx="1896557" cy="1772642"/>
+          </a:xfrm>
+          <a:solidFill>
+            <a:schemeClr val="accent2">
+              <a:lumMod val="75000"/>
+            </a:schemeClr>
+          </a:solidFill>
+        </p:grpSpPr>
+        <p:sp>
+          <p:nvSpPr>
+            <p:cNvPr id="6" name="Rectangle 5"/>
+            <p:cNvSpPr/>
+            <p:nvPr/>
+          </p:nvSpPr>
+          <p:spPr bwMode="auto">
+            <a:xfrm>
+              <a:off x="5665775" y="2466267"/>
+              <a:ext cx="1896557" cy="1772642"/>
+            </a:xfrm>
+            <a:prstGeom prst="rect">
+              <a:avLst/>
+            </a:prstGeom>
+            <a:grpFill/>
+            <a:ln>
+              <a:solidFill>
+                <a:schemeClr val="accent2">
+                  <a:lumMod val="75000"/>
+                </a:schemeClr>
+              </a:solidFill>
+              <a:headEnd type="none" w="med" len="med"/>
+              <a:tailEnd type="none" w="med" len="med"/>
+            </a:ln>
+          </p:spPr>
+          <p:style>
+            <a:lnRef idx="2">
+              <a:schemeClr val="accent2">
+                <a:shade val="50000"/>
+              </a:schemeClr>
+            </a:lnRef>
+            <a:fillRef idx="1">
+              <a:schemeClr val="accent2"/>
+            </a:fillRef>
+            <a:effectRef idx="0">
+              <a:schemeClr val="accent2"/>
+            </a:effectRef>
+            <a:fontRef idx="minor">
+              <a:schemeClr val="lt1"/>
+            </a:fontRef>
+          </p:style>
+          <p:txBody>
+            <a:bodyPr vert="horz" wrap="square" lIns="91440" tIns="91440" rIns="91436" bIns="91440" numCol="1" rtlCol="0" anchor="b" anchorCtr="0" compatLnSpc="1">
+              <a:prstTxWarp prst="textNoShape">
+                <a:avLst/>
+              </a:prstTxWarp>
+            </a:bodyPr>
+            <a:lstStyle/>
+            <a:p>
+              <a:pPr defTabSz="914099" fontAlgn="base">
+                <a:spcBef>
+                  <a:spcPct val="0"/>
+                </a:spcBef>
+                <a:spcAft>
+                  <a:spcPct val="0"/>
+                </a:spcAft>
+              </a:pPr>
+              <a:r>
+                <a:rPr lang="en-US" altLang="zh-CN" sz="2400" dirty="0" smtClean="0">
+                  <a:gradFill>
+                    <a:gsLst>
+                      <a:gs pos="0">
+                        <a:srgbClr val="FFFFFF"/>
+                      </a:gs>
+                      <a:gs pos="100000">
+                        <a:srgbClr val="FFFFFF"/>
+                      </a:gs>
+                    </a:gsLst>
+                    <a:lin ang="5400000" scaled="0"/>
+                  </a:gradFill>
+                </a:rPr>
+                <a:t>Storage</a:t>
+              </a:r>
+              <a:endParaRPr lang="en-US" sz="2400" dirty="0">
+                <a:gradFill>
+                  <a:gsLst>
+                    <a:gs pos="0">
+                      <a:srgbClr val="FFFFFF"/>
+                    </a:gs>
+                    <a:gs pos="100000">
+                      <a:srgbClr val="FFFFFF"/>
+                    </a:gs>
+                  </a:gsLst>
+                  <a:lin ang="5400000" scaled="0"/>
+                </a:gradFill>
+              </a:endParaRPr>
+            </a:p>
+          </p:txBody>
+        </p:sp>
+        <p:pic>
+          <p:nvPicPr>
+            <p:cNvPr id="7" name="Picture 2" descr="C:\Users\Jonahs\Dropbox\Projects SCOTT\MEET Windows Azure\source\Background\tile-icon-storage.png"/>
+            <p:cNvPicPr>
+              <a:picLocks noChangeAspect="1" noChangeArrowheads="1"/>
+            </p:cNvPicPr>
+            <p:nvPr/>
+          </p:nvPicPr>
+          <p:blipFill>
+            <a:blip r:embed="rId2">
+              <a:extLst>
+                <a:ext uri="{28A0092B-C50C-407E-A947-70E740481C1C}">
+                  <a14:useLocalDpi xmlns:a14="http://schemas.microsoft.com/office/drawing/2010/main" val="0"/>
+                </a:ext>
+              </a:extLst>
+            </a:blip>
+            <a:srcRect/>
+            <a:stretch>
+              <a:fillRect/>
+            </a:stretch>
+          </p:blipFill>
+          <p:spPr bwMode="auto">
+            <a:xfrm>
+              <a:off x="6188309" y="2751666"/>
+              <a:ext cx="851488" cy="851488"/>
+            </a:xfrm>
+            <a:prstGeom prst="rect">
+              <a:avLst/>
+            </a:prstGeom>
+            <a:grpFill/>
+            <a:ln>
+              <a:solidFill>
+                <a:schemeClr val="accent2">
+                  <a:lumMod val="75000"/>
+                </a:schemeClr>
+              </a:solidFill>
+            </a:ln>
+            <a:extLst/>
+          </p:spPr>
+        </p:pic>
+      </p:grpSp>
+      <p:grpSp>
+        <p:nvGrpSpPr>
+          <p:cNvPr id="8" name="Group 7"/>
+          <p:cNvGrpSpPr/>
+          <p:nvPr/>
+        </p:nvGrpSpPr>
+        <p:grpSpPr>
+          <a:xfrm>
+            <a:off x="1646086" y="767577"/>
+            <a:ext cx="1900671" cy="1768432"/>
+            <a:chOff x="1685919" y="596839"/>
+            <a:chExt cx="1896557" cy="1772642"/>
+          </a:xfrm>
+          <a:solidFill>
+            <a:schemeClr val="accent2">
+              <a:lumMod val="75000"/>
+            </a:schemeClr>
+          </a:solidFill>
+        </p:grpSpPr>
+        <p:sp>
+          <p:nvSpPr>
+            <p:cNvPr id="9" name="Rectangle 8"/>
+            <p:cNvSpPr/>
+            <p:nvPr/>
+          </p:nvSpPr>
+          <p:spPr bwMode="auto">
+            <a:xfrm>
+              <a:off x="1685919" y="596839"/>
+              <a:ext cx="1896557" cy="1772642"/>
+            </a:xfrm>
+            <a:prstGeom prst="rect">
+              <a:avLst/>
+            </a:prstGeom>
+            <a:grpFill/>
+            <a:ln>
+              <a:solidFill>
+                <a:schemeClr val="accent2">
+                  <a:lumMod val="75000"/>
+                </a:schemeClr>
+              </a:solidFill>
+              <a:headEnd type="none" w="med" len="med"/>
+              <a:tailEnd type="none" w="med" len="med"/>
+            </a:ln>
+          </p:spPr>
+          <p:style>
+            <a:lnRef idx="2">
+              <a:schemeClr val="accent2">
+                <a:shade val="50000"/>
+              </a:schemeClr>
+            </a:lnRef>
+            <a:fillRef idx="1">
+              <a:schemeClr val="accent2"/>
+            </a:fillRef>
+            <a:effectRef idx="0">
+              <a:schemeClr val="accent2"/>
+            </a:effectRef>
+            <a:fontRef idx="minor">
+              <a:schemeClr val="lt1"/>
+            </a:fontRef>
+          </p:style>
+          <p:txBody>
+            <a:bodyPr vert="horz" wrap="square" lIns="91440" tIns="91440" rIns="91436" bIns="91440" numCol="1" rtlCol="0" anchor="b" anchorCtr="0" compatLnSpc="1">
+              <a:prstTxWarp prst="textNoShape">
+                <a:avLst/>
+              </a:prstTxWarp>
+            </a:bodyPr>
+            <a:lstStyle/>
+            <a:p>
+              <a:pPr defTabSz="914099" fontAlgn="base">
+                <a:spcBef>
+                  <a:spcPct val="0"/>
+                </a:spcBef>
+                <a:spcAft>
+                  <a:spcPct val="0"/>
+                </a:spcAft>
+              </a:pPr>
+              <a:r>
+                <a:rPr lang="en-US" altLang="zh-CN" sz="2400" dirty="0" smtClean="0">
+                  <a:gradFill>
+                    <a:gsLst>
+                      <a:gs pos="0">
+                        <a:srgbClr val="FFFFFF"/>
+                      </a:gs>
+                      <a:gs pos="100000">
+                        <a:srgbClr val="FFFFFF"/>
+                      </a:gs>
+                    </a:gsLst>
+                    <a:lin ang="5400000" scaled="0"/>
+                  </a:gradFill>
+                </a:rPr>
+                <a:t>Big Data</a:t>
+              </a:r>
+              <a:endParaRPr lang="en-US" sz="2400" dirty="0">
+                <a:gradFill>
+                  <a:gsLst>
+                    <a:gs pos="0">
+                      <a:srgbClr val="FFFFFF"/>
+                    </a:gs>
+                    <a:gs pos="100000">
+                      <a:srgbClr val="FFFFFF"/>
+                    </a:gs>
+                  </a:gsLst>
+                  <a:lin ang="5400000" scaled="0"/>
+                </a:gradFill>
+              </a:endParaRPr>
+            </a:p>
+          </p:txBody>
+        </p:sp>
+        <p:pic>
+          <p:nvPicPr>
+            <p:cNvPr id="10" name="Picture 3" descr="C:\Users\Jonahs\Dropbox\Projects SCOTT\MEET Windows Azure\source\Background\tile-icon-bigdata.png"/>
+            <p:cNvPicPr>
+              <a:picLocks noChangeAspect="1" noChangeArrowheads="1"/>
+            </p:cNvPicPr>
+            <p:nvPr/>
+          </p:nvPicPr>
+          <p:blipFill>
+            <a:blip r:embed="rId3">
+              <a:extLst>
+                <a:ext uri="{28A0092B-C50C-407E-A947-70E740481C1C}">
+                  <a14:useLocalDpi xmlns:a14="http://schemas.microsoft.com/office/drawing/2010/main" val="0"/>
+                </a:ext>
+              </a:extLst>
+            </a:blip>
+            <a:srcRect/>
+            <a:stretch>
+              <a:fillRect/>
+            </a:stretch>
+          </p:blipFill>
+          <p:spPr bwMode="auto">
+            <a:xfrm>
+              <a:off x="2252075" y="926787"/>
+              <a:ext cx="851488" cy="851488"/>
+            </a:xfrm>
+            <a:prstGeom prst="rect">
+              <a:avLst/>
+            </a:prstGeom>
+            <a:grpFill/>
+            <a:ln>
+              <a:solidFill>
+                <a:schemeClr val="accent2">
+                  <a:lumMod val="75000"/>
+                </a:schemeClr>
+              </a:solidFill>
+            </a:ln>
+            <a:extLst/>
+          </p:spPr>
+        </p:pic>
+      </p:grpSp>
+      <p:grpSp>
+        <p:nvGrpSpPr>
+          <p:cNvPr id="11" name="Group 10"/>
+          <p:cNvGrpSpPr/>
+          <p:nvPr/>
+        </p:nvGrpSpPr>
+        <p:grpSpPr>
+          <a:xfrm>
+            <a:off x="5680055" y="2657422"/>
+            <a:ext cx="1900671" cy="1768432"/>
+            <a:chOff x="3671322" y="4341709"/>
+            <a:chExt cx="1896557" cy="1772642"/>
+          </a:xfrm>
+          <a:solidFill>
+            <a:schemeClr val="accent2">
+              <a:lumMod val="75000"/>
+            </a:schemeClr>
+          </a:solidFill>
+        </p:grpSpPr>
+        <p:sp>
+          <p:nvSpPr>
+            <p:cNvPr id="12" name="Rectangle 11"/>
+            <p:cNvSpPr/>
+            <p:nvPr/>
+          </p:nvSpPr>
+          <p:spPr bwMode="auto">
+            <a:xfrm>
+              <a:off x="3671322" y="4341709"/>
+              <a:ext cx="1896557" cy="1772642"/>
+            </a:xfrm>
+            <a:prstGeom prst="rect">
+              <a:avLst/>
+            </a:prstGeom>
+            <a:grpFill/>
+            <a:ln>
+              <a:solidFill>
+                <a:schemeClr val="accent2">
+                  <a:lumMod val="75000"/>
+                </a:schemeClr>
+              </a:solidFill>
+              <a:headEnd type="none" w="med" len="med"/>
+              <a:tailEnd type="none" w="med" len="med"/>
+            </a:ln>
+          </p:spPr>
+          <p:style>
+            <a:lnRef idx="2">
+              <a:schemeClr val="accent2">
+                <a:shade val="50000"/>
+              </a:schemeClr>
+            </a:lnRef>
+            <a:fillRef idx="1">
+              <a:schemeClr val="accent2"/>
+            </a:fillRef>
+            <a:effectRef idx="0">
+              <a:schemeClr val="accent2"/>
+            </a:effectRef>
+            <a:fontRef idx="minor">
+              <a:schemeClr val="lt1"/>
+            </a:fontRef>
+          </p:style>
+          <p:txBody>
+            <a:bodyPr vert="horz" wrap="square" lIns="91440" tIns="91440" rIns="91436" bIns="91440" numCol="1" rtlCol="0" anchor="b" anchorCtr="0" compatLnSpc="1">
+              <a:prstTxWarp prst="textNoShape">
+                <a:avLst/>
+              </a:prstTxWarp>
+            </a:bodyPr>
+            <a:lstStyle/>
+            <a:p>
+              <a:pPr defTabSz="914099" fontAlgn="base">
+                <a:spcBef>
+                  <a:spcPct val="0"/>
+                </a:spcBef>
+                <a:spcAft>
+                  <a:spcPct val="0"/>
+                </a:spcAft>
+              </a:pPr>
+              <a:r>
+                <a:rPr lang="en-US" altLang="zh-CN" sz="2400" dirty="0" smtClean="0">
+                  <a:gradFill>
+                    <a:gsLst>
+                      <a:gs pos="0">
+                        <a:srgbClr val="FFFFFF"/>
+                      </a:gs>
+                      <a:gs pos="100000">
+                        <a:srgbClr val="FFFFFF"/>
+                      </a:gs>
+                    </a:gsLst>
+                    <a:lin ang="5400000" scaled="0"/>
+                  </a:gradFill>
+                </a:rPr>
+                <a:t>Caching</a:t>
+              </a:r>
+              <a:endParaRPr lang="en-US" sz="2400" dirty="0">
+                <a:gradFill>
+                  <a:gsLst>
+                    <a:gs pos="0">
+                      <a:srgbClr val="FFFFFF"/>
+                    </a:gs>
+                    <a:gs pos="100000">
+                      <a:srgbClr val="FFFFFF"/>
+                    </a:gs>
+                  </a:gsLst>
+                  <a:lin ang="5400000" scaled="0"/>
+                </a:gradFill>
+              </a:endParaRPr>
+            </a:p>
+          </p:txBody>
+        </p:sp>
+        <p:pic>
+          <p:nvPicPr>
+            <p:cNvPr id="13" name="Picture 4" descr="C:\Users\Jonahs\Dropbox\Projects SCOTT\MEET Windows Azure\source\Background\tile-icon-cache.png"/>
+            <p:cNvPicPr>
+              <a:picLocks noChangeAspect="1" noChangeArrowheads="1"/>
+            </p:cNvPicPr>
+            <p:nvPr/>
+          </p:nvPicPr>
+          <p:blipFill>
+            <a:blip r:embed="rId4">
+              <a:extLst>
+                <a:ext uri="{28A0092B-C50C-407E-A947-70E740481C1C}">
+                  <a14:useLocalDpi xmlns:a14="http://schemas.microsoft.com/office/drawing/2010/main" val="0"/>
+                </a:ext>
+              </a:extLst>
+            </a:blip>
+            <a:srcRect/>
+            <a:stretch>
+              <a:fillRect/>
+            </a:stretch>
+          </p:blipFill>
+          <p:spPr bwMode="auto">
+            <a:xfrm>
+              <a:off x="4193856" y="4643082"/>
+              <a:ext cx="851488" cy="851488"/>
+            </a:xfrm>
+            <a:prstGeom prst="rect">
+              <a:avLst/>
+            </a:prstGeom>
+            <a:grpFill/>
+            <a:ln>
+              <a:solidFill>
+                <a:schemeClr val="accent2">
+                  <a:lumMod val="75000"/>
+                </a:schemeClr>
+              </a:solidFill>
+            </a:ln>
+            <a:extLst/>
+          </p:spPr>
+        </p:pic>
+      </p:grpSp>
+      <p:grpSp>
+        <p:nvGrpSpPr>
+          <p:cNvPr id="14" name="Group 13"/>
+          <p:cNvGrpSpPr/>
+          <p:nvPr/>
+        </p:nvGrpSpPr>
+        <p:grpSpPr>
+          <a:xfrm>
+            <a:off x="5680053" y="4547267"/>
+            <a:ext cx="1900671" cy="1768432"/>
+            <a:chOff x="5656726" y="4341709"/>
+            <a:chExt cx="1896557" cy="1772642"/>
+          </a:xfrm>
+          <a:solidFill>
+            <a:schemeClr val="accent2">
+              <a:lumMod val="75000"/>
+            </a:schemeClr>
+          </a:solidFill>
+        </p:grpSpPr>
+        <p:sp>
+          <p:nvSpPr>
+            <p:cNvPr id="15" name="Rectangle 14"/>
+            <p:cNvSpPr/>
+            <p:nvPr/>
+          </p:nvSpPr>
+          <p:spPr bwMode="auto">
+            <a:xfrm>
+              <a:off x="5656726" y="4341709"/>
+              <a:ext cx="1896557" cy="1772642"/>
+            </a:xfrm>
+            <a:prstGeom prst="rect">
+              <a:avLst/>
+            </a:prstGeom>
+            <a:grpFill/>
+            <a:ln>
+              <a:solidFill>
+                <a:schemeClr val="accent2">
+                  <a:lumMod val="75000"/>
+                </a:schemeClr>
+              </a:solidFill>
+              <a:headEnd type="none" w="med" len="med"/>
+              <a:tailEnd type="none" w="med" len="med"/>
+            </a:ln>
+          </p:spPr>
+          <p:style>
+            <a:lnRef idx="2">
+              <a:schemeClr val="accent2">
+                <a:shade val="50000"/>
+              </a:schemeClr>
+            </a:lnRef>
+            <a:fillRef idx="1">
+              <a:schemeClr val="accent2"/>
+            </a:fillRef>
+            <a:effectRef idx="0">
+              <a:schemeClr val="accent2"/>
+            </a:effectRef>
+            <a:fontRef idx="minor">
+              <a:schemeClr val="lt1"/>
+            </a:fontRef>
+          </p:style>
+          <p:txBody>
+            <a:bodyPr vert="horz" wrap="square" lIns="91440" tIns="91440" rIns="91436" bIns="91440" numCol="1" rtlCol="0" anchor="b" anchorCtr="0" compatLnSpc="1">
+              <a:prstTxWarp prst="textNoShape">
+                <a:avLst/>
+              </a:prstTxWarp>
+            </a:bodyPr>
+            <a:lstStyle/>
+            <a:p>
+              <a:pPr defTabSz="914099" fontAlgn="base">
+                <a:spcBef>
+                  <a:spcPct val="0"/>
+                </a:spcBef>
+                <a:spcAft>
+                  <a:spcPct val="0"/>
+                </a:spcAft>
+              </a:pPr>
+              <a:r>
+                <a:rPr lang="en-US" altLang="zh-CN" sz="2400" dirty="0" smtClean="0">
+                  <a:gradFill>
+                    <a:gsLst>
+                      <a:gs pos="0">
+                        <a:srgbClr val="FFFFFF"/>
+                      </a:gs>
+                      <a:gs pos="100000">
+                        <a:srgbClr val="FFFFFF"/>
+                      </a:gs>
+                    </a:gsLst>
+                    <a:lin ang="5400000" scaled="0"/>
+                  </a:gradFill>
+                </a:rPr>
+                <a:t>CDN</a:t>
+              </a:r>
+              <a:endParaRPr lang="en-US" sz="2400" dirty="0">
+                <a:gradFill>
+                  <a:gsLst>
+                    <a:gs pos="0">
+                      <a:srgbClr val="FFFFFF"/>
+                    </a:gs>
+                    <a:gs pos="100000">
+                      <a:srgbClr val="FFFFFF"/>
+                    </a:gs>
+                  </a:gsLst>
+                  <a:lin ang="5400000" scaled="0"/>
+                </a:gradFill>
+              </a:endParaRPr>
+            </a:p>
+          </p:txBody>
+        </p:sp>
+        <p:pic>
+          <p:nvPicPr>
+            <p:cNvPr id="16" name="Picture 5" descr="C:\Users\Jonahs\Dropbox\Projects SCOTT\MEET Windows Azure\source\Background\tile-icon-CDN.png"/>
+            <p:cNvPicPr>
+              <a:picLocks noChangeAspect="1" noChangeArrowheads="1"/>
+            </p:cNvPicPr>
+            <p:nvPr/>
+          </p:nvPicPr>
+          <p:blipFill>
+            <a:blip r:embed="rId5">
+              <a:extLst>
+                <a:ext uri="{28A0092B-C50C-407E-A947-70E740481C1C}">
+                  <a14:useLocalDpi xmlns:a14="http://schemas.microsoft.com/office/drawing/2010/main" val="0"/>
+                </a:ext>
+              </a:extLst>
+            </a:blip>
+            <a:srcRect/>
+            <a:stretch>
+              <a:fillRect/>
+            </a:stretch>
+          </p:blipFill>
+          <p:spPr bwMode="auto">
+            <a:xfrm>
+              <a:off x="6179260" y="4671657"/>
+              <a:ext cx="851488" cy="851488"/>
+            </a:xfrm>
+            <a:prstGeom prst="rect">
+              <a:avLst/>
+            </a:prstGeom>
+            <a:grpFill/>
+            <a:ln>
+              <a:solidFill>
+                <a:schemeClr val="accent2">
+                  <a:lumMod val="75000"/>
+                </a:schemeClr>
+              </a:solidFill>
+            </a:ln>
+            <a:extLst/>
+          </p:spPr>
+        </p:pic>
+      </p:grpSp>
+      <p:grpSp>
+        <p:nvGrpSpPr>
+          <p:cNvPr id="17" name="Group 16"/>
+          <p:cNvGrpSpPr/>
+          <p:nvPr/>
+        </p:nvGrpSpPr>
+        <p:grpSpPr>
+          <a:xfrm>
+            <a:off x="3663070" y="767575"/>
+            <a:ext cx="1900671" cy="1768432"/>
+            <a:chOff x="3671323" y="596839"/>
+            <a:chExt cx="1896557" cy="1772642"/>
+          </a:xfrm>
+          <a:solidFill>
+            <a:schemeClr val="accent2">
+              <a:lumMod val="75000"/>
+            </a:schemeClr>
+          </a:solidFill>
+        </p:grpSpPr>
+        <p:sp>
+          <p:nvSpPr>
+            <p:cNvPr id="18" name="Rectangle 17"/>
+            <p:cNvSpPr/>
+            <p:nvPr/>
+          </p:nvSpPr>
+          <p:spPr bwMode="auto">
+            <a:xfrm>
+              <a:off x="3671323" y="596839"/>
+              <a:ext cx="1896557" cy="1772642"/>
+            </a:xfrm>
+            <a:prstGeom prst="rect">
+              <a:avLst/>
+            </a:prstGeom>
+            <a:grpFill/>
+            <a:ln>
+              <a:solidFill>
+                <a:schemeClr val="accent2">
+                  <a:lumMod val="75000"/>
+                </a:schemeClr>
+              </a:solidFill>
+              <a:headEnd type="none" w="med" len="med"/>
+              <a:tailEnd type="none" w="med" len="med"/>
+            </a:ln>
+          </p:spPr>
+          <p:style>
+            <a:lnRef idx="2">
+              <a:schemeClr val="accent2">
+                <a:shade val="50000"/>
+              </a:schemeClr>
+            </a:lnRef>
+            <a:fillRef idx="1">
+              <a:schemeClr val="accent2"/>
+            </a:fillRef>
+            <a:effectRef idx="0">
+              <a:schemeClr val="accent2"/>
+            </a:effectRef>
+            <a:fontRef idx="minor">
+              <a:schemeClr val="lt1"/>
+            </a:fontRef>
+          </p:style>
+          <p:txBody>
+            <a:bodyPr vert="horz" wrap="square" lIns="91440" tIns="91440" rIns="91436" bIns="91440" numCol="1" rtlCol="0" anchor="b" anchorCtr="0" compatLnSpc="1">
+              <a:prstTxWarp prst="textNoShape">
+                <a:avLst/>
+              </a:prstTxWarp>
+            </a:bodyPr>
+            <a:lstStyle/>
+            <a:p>
+              <a:pPr defTabSz="914099" fontAlgn="base">
+                <a:spcBef>
+                  <a:spcPct val="0"/>
+                </a:spcBef>
+                <a:spcAft>
+                  <a:spcPct val="0"/>
+                </a:spcAft>
+              </a:pPr>
+              <a:r>
+                <a:rPr lang="en-US" altLang="zh-CN" sz="2400" dirty="0" smtClean="0">
+                  <a:gradFill>
+                    <a:gsLst>
+                      <a:gs pos="0">
+                        <a:srgbClr val="FFFFFF"/>
+                      </a:gs>
+                      <a:gs pos="100000">
+                        <a:srgbClr val="FFFFFF"/>
+                      </a:gs>
+                    </a:gsLst>
+                    <a:lin ang="5400000" scaled="0"/>
+                  </a:gradFill>
+                </a:rPr>
+                <a:t>Database</a:t>
+              </a:r>
+              <a:endParaRPr lang="en-US" sz="2400" dirty="0">
+                <a:gradFill>
+                  <a:gsLst>
+                    <a:gs pos="0">
+                      <a:srgbClr val="FFFFFF"/>
+                    </a:gs>
+                    <a:gs pos="100000">
+                      <a:srgbClr val="FFFFFF"/>
+                    </a:gs>
+                  </a:gsLst>
+                  <a:lin ang="5400000" scaled="0"/>
+                </a:gradFill>
+              </a:endParaRPr>
+            </a:p>
+          </p:txBody>
+        </p:sp>
+        <p:pic>
+          <p:nvPicPr>
+            <p:cNvPr id="19" name="Picture 6" descr="C:\Users\Jonahs\Dropbox\Projects SCOTT\MEET Windows Azure\source\Background\tile-icon-database.png"/>
+            <p:cNvPicPr>
+              <a:picLocks noChangeAspect="1" noChangeArrowheads="1"/>
+            </p:cNvPicPr>
+            <p:nvPr/>
+          </p:nvPicPr>
+          <p:blipFill>
+            <a:blip r:embed="rId6">
+              <a:extLst>
+                <a:ext uri="{28A0092B-C50C-407E-A947-70E740481C1C}">
+                  <a14:useLocalDpi xmlns:a14="http://schemas.microsoft.com/office/drawing/2010/main" val="0"/>
+                </a:ext>
+              </a:extLst>
+            </a:blip>
+            <a:srcRect/>
+            <a:stretch>
+              <a:fillRect/>
+            </a:stretch>
+          </p:blipFill>
+          <p:spPr bwMode="auto">
+            <a:xfrm>
+              <a:off x="4193856" y="926787"/>
+              <a:ext cx="851488" cy="851488"/>
+            </a:xfrm>
+            <a:prstGeom prst="rect">
+              <a:avLst/>
+            </a:prstGeom>
+            <a:grpFill/>
+            <a:ln>
+              <a:solidFill>
+                <a:schemeClr val="accent2">
+                  <a:lumMod val="75000"/>
+                </a:schemeClr>
+              </a:solidFill>
+            </a:ln>
+            <a:extLst/>
+          </p:spPr>
+        </p:pic>
+      </p:grpSp>
+      <p:grpSp>
+        <p:nvGrpSpPr>
+          <p:cNvPr id="20" name="Group 19"/>
+          <p:cNvGrpSpPr/>
+          <p:nvPr/>
+        </p:nvGrpSpPr>
+        <p:grpSpPr>
+          <a:xfrm>
+            <a:off x="9738656" y="2657422"/>
+            <a:ext cx="1900671" cy="1768432"/>
+            <a:chOff x="9645631" y="2476591"/>
+            <a:chExt cx="1896557" cy="1772642"/>
+          </a:xfrm>
+          <a:solidFill>
+            <a:schemeClr val="accent2">
+              <a:lumMod val="75000"/>
+            </a:schemeClr>
+          </a:solidFill>
+        </p:grpSpPr>
+        <p:sp>
+          <p:nvSpPr>
+            <p:cNvPr id="21" name="Rectangle 20"/>
+            <p:cNvSpPr/>
+            <p:nvPr/>
+          </p:nvSpPr>
+          <p:spPr bwMode="auto">
+            <a:xfrm>
+              <a:off x="9645631" y="2476591"/>
+              <a:ext cx="1896557" cy="1772642"/>
+            </a:xfrm>
+            <a:prstGeom prst="rect">
+              <a:avLst/>
+            </a:prstGeom>
+            <a:grpFill/>
+            <a:ln>
+              <a:solidFill>
+                <a:schemeClr val="accent2">
+                  <a:lumMod val="75000"/>
+                </a:schemeClr>
+              </a:solidFill>
+              <a:headEnd type="none" w="med" len="med"/>
+              <a:tailEnd type="none" w="med" len="med"/>
+            </a:ln>
+          </p:spPr>
+          <p:style>
+            <a:lnRef idx="2">
+              <a:schemeClr val="accent2">
+                <a:shade val="50000"/>
+              </a:schemeClr>
+            </a:lnRef>
+            <a:fillRef idx="1">
+              <a:schemeClr val="accent2"/>
+            </a:fillRef>
+            <a:effectRef idx="0">
+              <a:schemeClr val="accent2"/>
+            </a:effectRef>
+            <a:fontRef idx="minor">
+              <a:schemeClr val="lt1"/>
+            </a:fontRef>
+          </p:style>
+          <p:txBody>
+            <a:bodyPr vert="horz" wrap="square" lIns="91440" tIns="91440" rIns="91436" bIns="91440" numCol="1" rtlCol="0" anchor="b" anchorCtr="0" compatLnSpc="1">
+              <a:prstTxWarp prst="textNoShape">
+                <a:avLst/>
+              </a:prstTxWarp>
+            </a:bodyPr>
+            <a:lstStyle/>
+            <a:p>
+              <a:pPr defTabSz="914099" fontAlgn="base">
+                <a:spcBef>
+                  <a:spcPct val="0"/>
+                </a:spcBef>
+                <a:spcAft>
+                  <a:spcPct val="0"/>
+                </a:spcAft>
+              </a:pPr>
+              <a:r>
+                <a:rPr lang="en-US" altLang="zh-CN" sz="2400" dirty="0" smtClean="0">
+                  <a:gradFill>
+                    <a:gsLst>
+                      <a:gs pos="0">
+                        <a:srgbClr val="FFFFFF"/>
+                      </a:gs>
+                      <a:gs pos="100000">
+                        <a:srgbClr val="FFFFFF"/>
+                      </a:gs>
+                    </a:gsLst>
+                    <a:lin ang="5400000" scaled="0"/>
+                  </a:gradFill>
+                </a:rPr>
+                <a:t>Identity</a:t>
+              </a:r>
+              <a:endParaRPr lang="en-US" sz="2400" dirty="0">
+                <a:gradFill>
+                  <a:gsLst>
+                    <a:gs pos="0">
+                      <a:srgbClr val="FFFFFF"/>
+                    </a:gs>
+                    <a:gs pos="100000">
+                      <a:srgbClr val="FFFFFF"/>
+                    </a:gs>
+                  </a:gsLst>
+                  <a:lin ang="5400000" scaled="0"/>
+                </a:gradFill>
+              </a:endParaRPr>
+            </a:p>
+          </p:txBody>
+        </p:sp>
+        <p:pic>
+          <p:nvPicPr>
+            <p:cNvPr id="22" name="Picture 7" descr="C:\Users\Jonahs\Dropbox\Projects SCOTT\MEET Windows Azure\source\Background\tile-icon-identity.png"/>
+            <p:cNvPicPr>
+              <a:picLocks noChangeAspect="1" noChangeArrowheads="1"/>
+            </p:cNvPicPr>
+            <p:nvPr/>
+          </p:nvPicPr>
+          <p:blipFill>
+            <a:blip r:embed="rId7">
+              <a:extLst>
+                <a:ext uri="{28A0092B-C50C-407E-A947-70E740481C1C}">
+                  <a14:useLocalDpi xmlns:a14="http://schemas.microsoft.com/office/drawing/2010/main" val="0"/>
+                </a:ext>
+              </a:extLst>
+            </a:blip>
+            <a:srcRect/>
+            <a:stretch>
+              <a:fillRect/>
+            </a:stretch>
+          </p:blipFill>
+          <p:spPr bwMode="auto">
+            <a:xfrm>
+              <a:off x="10168165" y="2705562"/>
+              <a:ext cx="851488" cy="851488"/>
+            </a:xfrm>
+            <a:prstGeom prst="rect">
+              <a:avLst/>
+            </a:prstGeom>
+            <a:grpFill/>
+            <a:ln>
+              <a:solidFill>
+                <a:schemeClr val="accent2">
+                  <a:lumMod val="75000"/>
+                </a:schemeClr>
+              </a:solidFill>
+            </a:ln>
+            <a:extLst/>
+          </p:spPr>
+        </p:pic>
+      </p:grpSp>
+      <p:grpSp>
+        <p:nvGrpSpPr>
+          <p:cNvPr id="23" name="Group 22"/>
+          <p:cNvGrpSpPr/>
+          <p:nvPr/>
+        </p:nvGrpSpPr>
+        <p:grpSpPr>
+          <a:xfrm>
+            <a:off x="3663070" y="4547266"/>
+            <a:ext cx="1900671" cy="1768432"/>
+            <a:chOff x="5665775" y="596839"/>
+            <a:chExt cx="1896557" cy="1772642"/>
+          </a:xfrm>
+          <a:solidFill>
+            <a:schemeClr val="accent2">
+              <a:lumMod val="75000"/>
+            </a:schemeClr>
+          </a:solidFill>
+        </p:grpSpPr>
+        <p:sp>
+          <p:nvSpPr>
+            <p:cNvPr id="24" name="Rectangle 23"/>
+            <p:cNvSpPr/>
+            <p:nvPr/>
+          </p:nvSpPr>
+          <p:spPr bwMode="auto">
+            <a:xfrm>
+              <a:off x="5665775" y="596839"/>
+              <a:ext cx="1896557" cy="1772642"/>
+            </a:xfrm>
+            <a:prstGeom prst="rect">
+              <a:avLst/>
+            </a:prstGeom>
+            <a:grpFill/>
+            <a:ln>
+              <a:solidFill>
+                <a:schemeClr val="accent2">
+                  <a:lumMod val="75000"/>
+                </a:schemeClr>
+              </a:solidFill>
+              <a:headEnd type="none" w="med" len="med"/>
+              <a:tailEnd type="none" w="med" len="med"/>
+            </a:ln>
+          </p:spPr>
+          <p:style>
+            <a:lnRef idx="2">
+              <a:schemeClr val="accent2">
+                <a:shade val="50000"/>
+              </a:schemeClr>
+            </a:lnRef>
+            <a:fillRef idx="1">
+              <a:schemeClr val="accent2"/>
+            </a:fillRef>
+            <a:effectRef idx="0">
+              <a:schemeClr val="accent2"/>
+            </a:effectRef>
+            <a:fontRef idx="minor">
+              <a:schemeClr val="lt1"/>
+            </a:fontRef>
+          </p:style>
+          <p:txBody>
+            <a:bodyPr vert="horz" wrap="square" lIns="91440" tIns="91440" rIns="91436" bIns="91440" numCol="1" rtlCol="0" anchor="b" anchorCtr="0" compatLnSpc="1">
+              <a:prstTxWarp prst="textNoShape">
+                <a:avLst/>
+              </a:prstTxWarp>
+            </a:bodyPr>
+            <a:lstStyle/>
+            <a:p>
+              <a:pPr defTabSz="914099" fontAlgn="base">
+                <a:spcBef>
+                  <a:spcPct val="0"/>
+                </a:spcBef>
+                <a:spcAft>
+                  <a:spcPct val="0"/>
+                </a:spcAft>
+              </a:pPr>
+              <a:r>
+                <a:rPr lang="en-US" altLang="zh-CN" sz="2400" dirty="0" smtClean="0">
+                  <a:gradFill>
+                    <a:gsLst>
+                      <a:gs pos="0">
+                        <a:srgbClr val="FFFFFF"/>
+                      </a:gs>
+                      <a:gs pos="100000">
+                        <a:srgbClr val="FFFFFF"/>
+                      </a:gs>
+                    </a:gsLst>
+                    <a:lin ang="5400000" scaled="0"/>
+                  </a:gradFill>
+                </a:rPr>
+                <a:t>Media</a:t>
+              </a:r>
+              <a:endParaRPr lang="en-US" sz="2400" dirty="0">
+                <a:gradFill>
+                  <a:gsLst>
+                    <a:gs pos="0">
+                      <a:srgbClr val="FFFFFF"/>
+                    </a:gs>
+                    <a:gs pos="100000">
+                      <a:srgbClr val="FFFFFF"/>
+                    </a:gs>
+                  </a:gsLst>
+                  <a:lin ang="5400000" scaled="0"/>
+                </a:gradFill>
+              </a:endParaRPr>
+            </a:p>
+          </p:txBody>
+        </p:sp>
+        <p:pic>
+          <p:nvPicPr>
+            <p:cNvPr id="25" name="Picture 8" descr="C:\Users\Jonahs\Dropbox\Projects SCOTT\MEET Windows Azure\source\Background\tile-icon-media.png"/>
+            <p:cNvPicPr>
+              <a:picLocks noChangeAspect="1" noChangeArrowheads="1"/>
+            </p:cNvPicPr>
+            <p:nvPr/>
+          </p:nvPicPr>
+          <p:blipFill>
+            <a:blip r:embed="rId8">
+              <a:extLst>
+                <a:ext uri="{28A0092B-C50C-407E-A947-70E740481C1C}">
+                  <a14:useLocalDpi xmlns:a14="http://schemas.microsoft.com/office/drawing/2010/main" val="0"/>
+                </a:ext>
+              </a:extLst>
+            </a:blip>
+            <a:srcRect/>
+            <a:stretch>
+              <a:fillRect/>
+            </a:stretch>
+          </p:blipFill>
+          <p:spPr bwMode="auto">
+            <a:xfrm>
+              <a:off x="6188309" y="898212"/>
+              <a:ext cx="851488" cy="851488"/>
+            </a:xfrm>
+            <a:prstGeom prst="rect">
+              <a:avLst/>
+            </a:prstGeom>
+            <a:grpFill/>
+            <a:ln>
+              <a:solidFill>
+                <a:schemeClr val="accent2">
+                  <a:lumMod val="75000"/>
+                </a:schemeClr>
+              </a:solidFill>
+            </a:ln>
+            <a:extLst/>
+          </p:spPr>
+        </p:pic>
+      </p:grpSp>
+      <p:grpSp>
+        <p:nvGrpSpPr>
+          <p:cNvPr id="26" name="Group 25"/>
+          <p:cNvGrpSpPr/>
+          <p:nvPr/>
+        </p:nvGrpSpPr>
+        <p:grpSpPr>
+          <a:xfrm>
+            <a:off x="7709352" y="4547267"/>
+            <a:ext cx="1900671" cy="1768432"/>
+            <a:chOff x="7651178" y="4341709"/>
+            <a:chExt cx="1896557" cy="1772642"/>
+          </a:xfrm>
+          <a:solidFill>
+            <a:schemeClr val="accent2">
+              <a:lumMod val="75000"/>
+            </a:schemeClr>
+          </a:solidFill>
+        </p:grpSpPr>
+        <p:sp>
+          <p:nvSpPr>
+            <p:cNvPr id="27" name="Rectangle 26"/>
+            <p:cNvSpPr/>
+            <p:nvPr/>
+          </p:nvSpPr>
+          <p:spPr bwMode="auto">
+            <a:xfrm>
+              <a:off x="7651178" y="4341709"/>
+              <a:ext cx="1896557" cy="1772642"/>
+            </a:xfrm>
+            <a:prstGeom prst="rect">
+              <a:avLst/>
+            </a:prstGeom>
+            <a:grpFill/>
+            <a:ln>
+              <a:solidFill>
+                <a:schemeClr val="accent2">
+                  <a:lumMod val="75000"/>
+                </a:schemeClr>
+              </a:solidFill>
+              <a:headEnd type="none" w="med" len="med"/>
+              <a:tailEnd type="none" w="med" len="med"/>
+            </a:ln>
+          </p:spPr>
+          <p:style>
+            <a:lnRef idx="2">
+              <a:schemeClr val="accent2">
+                <a:shade val="50000"/>
+              </a:schemeClr>
+            </a:lnRef>
+            <a:fillRef idx="1">
+              <a:schemeClr val="accent2"/>
+            </a:fillRef>
+            <a:effectRef idx="0">
+              <a:schemeClr val="accent2"/>
+            </a:effectRef>
+            <a:fontRef idx="minor">
+              <a:schemeClr val="lt1"/>
+            </a:fontRef>
+          </p:style>
+          <p:txBody>
+            <a:bodyPr vert="horz" wrap="square" lIns="91440" tIns="91440" rIns="91436" bIns="91440" numCol="1" rtlCol="0" anchor="b" anchorCtr="0" compatLnSpc="1">
+              <a:prstTxWarp prst="textNoShape">
+                <a:avLst/>
+              </a:prstTxWarp>
+            </a:bodyPr>
+            <a:lstStyle/>
+            <a:p>
+              <a:pPr defTabSz="914099" fontAlgn="base">
+                <a:spcBef>
+                  <a:spcPct val="0"/>
+                </a:spcBef>
+                <a:spcAft>
+                  <a:spcPct val="0"/>
+                </a:spcAft>
+              </a:pPr>
+              <a:r>
+                <a:rPr lang="en-US" altLang="zh-CN" sz="2400" dirty="0" smtClean="0">
+                  <a:gradFill>
+                    <a:gsLst>
+                      <a:gs pos="0">
+                        <a:srgbClr val="FFFFFF"/>
+                      </a:gs>
+                      <a:gs pos="100000">
+                        <a:srgbClr val="FFFFFF"/>
+                      </a:gs>
+                    </a:gsLst>
+                    <a:lin ang="5400000" scaled="0"/>
+                  </a:gradFill>
+                </a:rPr>
+                <a:t>Networking</a:t>
+              </a:r>
+              <a:endParaRPr lang="en-US" sz="2400" dirty="0">
+                <a:gradFill>
+                  <a:gsLst>
+                    <a:gs pos="0">
+                      <a:srgbClr val="FFFFFF"/>
+                    </a:gs>
+                    <a:gs pos="100000">
+                      <a:srgbClr val="FFFFFF"/>
+                    </a:gs>
+                  </a:gsLst>
+                  <a:lin ang="5400000" scaled="0"/>
+                </a:gradFill>
+              </a:endParaRPr>
+            </a:p>
+          </p:txBody>
+        </p:sp>
+        <p:pic>
+          <p:nvPicPr>
+            <p:cNvPr id="28" name="Picture 10" descr="C:\Users\Jonahs\Dropbox\Projects SCOTT\MEET Windows Azure\source\Background\tile-icon-network.png"/>
+            <p:cNvPicPr>
+              <a:picLocks noChangeAspect="1" noChangeArrowheads="1"/>
+            </p:cNvPicPr>
+            <p:nvPr/>
+          </p:nvPicPr>
+          <p:blipFill>
+            <a:blip r:embed="rId9">
+              <a:extLst>
+                <a:ext uri="{28A0092B-C50C-407E-A947-70E740481C1C}">
+                  <a14:useLocalDpi xmlns:a14="http://schemas.microsoft.com/office/drawing/2010/main" val="0"/>
+                </a:ext>
+              </a:extLst>
+            </a:blip>
+            <a:srcRect/>
+            <a:stretch>
+              <a:fillRect/>
+            </a:stretch>
+          </p:blipFill>
+          <p:spPr bwMode="auto">
+            <a:xfrm>
+              <a:off x="8173712" y="4671657"/>
+              <a:ext cx="851488" cy="851488"/>
+            </a:xfrm>
+            <a:prstGeom prst="rect">
+              <a:avLst/>
+            </a:prstGeom>
+            <a:grpFill/>
+            <a:ln>
+              <a:solidFill>
+                <a:schemeClr val="accent2">
+                  <a:lumMod val="75000"/>
+                </a:schemeClr>
+              </a:solidFill>
+            </a:ln>
+            <a:extLst/>
+          </p:spPr>
+        </p:pic>
+      </p:grpSp>
+      <p:grpSp>
+        <p:nvGrpSpPr>
+          <p:cNvPr id="29" name="Group 28"/>
+          <p:cNvGrpSpPr/>
+          <p:nvPr/>
+        </p:nvGrpSpPr>
+        <p:grpSpPr>
+          <a:xfrm>
+            <a:off x="7709356" y="767577"/>
+            <a:ext cx="1900671" cy="1768432"/>
+            <a:chOff x="5665775" y="2466267"/>
+            <a:chExt cx="1896557" cy="1772642"/>
+          </a:xfrm>
+          <a:solidFill>
+            <a:schemeClr val="accent2">
+              <a:lumMod val="75000"/>
+            </a:schemeClr>
+          </a:solidFill>
+        </p:grpSpPr>
+        <p:sp>
+          <p:nvSpPr>
+            <p:cNvPr id="30" name="Rectangle 29"/>
+            <p:cNvSpPr/>
+            <p:nvPr/>
+          </p:nvSpPr>
+          <p:spPr bwMode="auto">
+            <a:xfrm>
+              <a:off x="5665775" y="2466267"/>
+              <a:ext cx="1896557" cy="1772642"/>
+            </a:xfrm>
+            <a:prstGeom prst="rect">
+              <a:avLst/>
+            </a:prstGeom>
+            <a:grpFill/>
+            <a:ln>
+              <a:solidFill>
+                <a:schemeClr val="accent2">
+                  <a:lumMod val="75000"/>
+                </a:schemeClr>
+              </a:solidFill>
+              <a:headEnd type="none" w="med" len="med"/>
+              <a:tailEnd type="none" w="med" len="med"/>
+            </a:ln>
+          </p:spPr>
+          <p:style>
+            <a:lnRef idx="2">
+              <a:schemeClr val="accent2">
+                <a:shade val="50000"/>
+              </a:schemeClr>
+            </a:lnRef>
+            <a:fillRef idx="1">
+              <a:schemeClr val="accent2"/>
+            </a:fillRef>
+            <a:effectRef idx="0">
+              <a:schemeClr val="accent2"/>
+            </a:effectRef>
+            <a:fontRef idx="minor">
+              <a:schemeClr val="lt1"/>
+            </a:fontRef>
+          </p:style>
+          <p:txBody>
+            <a:bodyPr vert="horz" wrap="square" lIns="91440" tIns="91440" rIns="91436" bIns="91440" numCol="1" rtlCol="0" anchor="b" anchorCtr="0" compatLnSpc="1">
+              <a:prstTxWarp prst="textNoShape">
+                <a:avLst/>
+              </a:prstTxWarp>
+            </a:bodyPr>
+            <a:lstStyle/>
+            <a:p>
+              <a:pPr defTabSz="914099" fontAlgn="base">
+                <a:spcBef>
+                  <a:spcPct val="0"/>
+                </a:spcBef>
+                <a:spcAft>
+                  <a:spcPct val="0"/>
+                </a:spcAft>
+              </a:pPr>
+              <a:r>
+                <a:rPr lang="en-US" altLang="zh-CN" sz="2400" dirty="0" smtClean="0">
+                  <a:gradFill>
+                    <a:gsLst>
+                      <a:gs pos="0">
+                        <a:srgbClr val="FFFFFF"/>
+                      </a:gs>
+                      <a:gs pos="100000">
+                        <a:srgbClr val="FFFFFF"/>
+                      </a:gs>
+                    </a:gsLst>
+                    <a:lin ang="5400000" scaled="0"/>
+                  </a:gradFill>
+                </a:rPr>
+                <a:t>Traffic</a:t>
+              </a:r>
+              <a:endParaRPr lang="en-US" sz="2400" dirty="0">
+                <a:gradFill>
+                  <a:gsLst>
+                    <a:gs pos="0">
+                      <a:srgbClr val="FFFFFF"/>
+                    </a:gs>
+                    <a:gs pos="100000">
+                      <a:srgbClr val="FFFFFF"/>
+                    </a:gs>
+                  </a:gsLst>
+                  <a:lin ang="5400000" scaled="0"/>
+                </a:gradFill>
+              </a:endParaRPr>
+            </a:p>
+          </p:txBody>
+        </p:sp>
+        <p:pic>
+          <p:nvPicPr>
+            <p:cNvPr id="31" name="Picture 2"/>
+            <p:cNvPicPr>
+              <a:picLocks noChangeAspect="1" noChangeArrowheads="1"/>
+            </p:cNvPicPr>
+            <p:nvPr/>
+          </p:nvPicPr>
+          <p:blipFill>
+            <a:blip r:embed="rId10" cstate="print">
+              <a:extLst>
+                <a:ext uri="{28A0092B-C50C-407E-A947-70E740481C1C}">
+                  <a14:useLocalDpi xmlns:a14="http://schemas.microsoft.com/office/drawing/2010/main" val="0"/>
+                </a:ext>
+              </a:extLst>
+            </a:blip>
+            <a:stretch>
+              <a:fillRect/>
+            </a:stretch>
+          </p:blipFill>
+          <p:spPr bwMode="auto">
+            <a:xfrm>
+              <a:off x="6188309" y="2751666"/>
+              <a:ext cx="851488" cy="851488"/>
+            </a:xfrm>
+            <a:prstGeom prst="rect">
+              <a:avLst/>
+            </a:prstGeom>
+            <a:grpFill/>
+            <a:ln>
+              <a:solidFill>
+                <a:schemeClr val="accent2">
+                  <a:lumMod val="75000"/>
+                </a:schemeClr>
+              </a:solidFill>
+            </a:ln>
+            <a:extLst/>
+          </p:spPr>
+        </p:pic>
+      </p:grpSp>
+      <p:grpSp>
+        <p:nvGrpSpPr>
+          <p:cNvPr id="32" name="Group 31"/>
+          <p:cNvGrpSpPr/>
+          <p:nvPr/>
+        </p:nvGrpSpPr>
+        <p:grpSpPr>
+          <a:xfrm>
+            <a:off x="9721146" y="750719"/>
+            <a:ext cx="1935690" cy="1802143"/>
+            <a:chOff x="10197893" y="3549247"/>
+            <a:chExt cx="1555355" cy="1453733"/>
+          </a:xfrm>
+          <a:solidFill>
+            <a:schemeClr val="accent2">
+              <a:lumMod val="75000"/>
+            </a:schemeClr>
+          </a:solidFill>
+        </p:grpSpPr>
+        <p:sp>
+          <p:nvSpPr>
+            <p:cNvPr id="33" name="Rectangle 32"/>
+            <p:cNvSpPr/>
+            <p:nvPr/>
+          </p:nvSpPr>
+          <p:spPr bwMode="auto">
+            <a:xfrm>
+              <a:off x="10197893" y="3549247"/>
+              <a:ext cx="1555355" cy="1453733"/>
+            </a:xfrm>
+            <a:prstGeom prst="rect">
+              <a:avLst/>
+            </a:prstGeom>
+            <a:grpFill/>
+            <a:ln>
+              <a:solidFill>
+                <a:schemeClr val="accent2">
+                  <a:lumMod val="75000"/>
+                </a:schemeClr>
+              </a:solidFill>
+              <a:headEnd type="none" w="med" len="med"/>
+              <a:tailEnd type="none" w="med" len="med"/>
+            </a:ln>
+            <a:effectLst/>
+          </p:spPr>
+          <p:style>
+            <a:lnRef idx="1">
+              <a:schemeClr val="accent2"/>
+            </a:lnRef>
+            <a:fillRef idx="3">
+              <a:schemeClr val="accent2"/>
+            </a:fillRef>
+            <a:effectRef idx="2">
+              <a:schemeClr val="accent2"/>
+            </a:effectRef>
+            <a:fontRef idx="minor">
+              <a:schemeClr val="lt1"/>
+            </a:fontRef>
+          </p:style>
+          <p:txBody>
+            <a:bodyPr vert="horz" wrap="square" lIns="93260" tIns="93260" rIns="91399" bIns="137160" numCol="1" rtlCol="0" anchor="b" anchorCtr="0" compatLnSpc="1">
+              <a:prstTxWarp prst="textNoShape">
+                <a:avLst/>
+              </a:prstTxWarp>
+            </a:bodyPr>
+            <a:lstStyle/>
+            <a:p>
+              <a:pPr defTabSz="932012" fontAlgn="base">
+                <a:lnSpc>
+                  <a:spcPts val="1200"/>
+                </a:lnSpc>
+                <a:spcBef>
+                  <a:spcPct val="0"/>
+                </a:spcBef>
+                <a:spcAft>
+                  <a:spcPct val="0"/>
+                </a:spcAft>
+              </a:pPr>
+              <a:r>
+                <a:rPr lang="en-US" altLang="zh-CN" sz="2400" dirty="0" smtClean="0">
+                  <a:gradFill>
+                    <a:gsLst>
+                      <a:gs pos="0">
+                        <a:srgbClr val="FFFFFF"/>
+                      </a:gs>
+                      <a:gs pos="100000">
+                        <a:srgbClr val="FFFFFF"/>
+                      </a:gs>
+                    </a:gsLst>
+                    <a:lin ang="5400000" scaled="0"/>
+                  </a:gradFill>
+                </a:rPr>
+                <a:t>Mobile</a:t>
+              </a:r>
+              <a:endParaRPr lang="en-US" sz="2400" dirty="0">
+                <a:gradFill>
+                  <a:gsLst>
+                    <a:gs pos="0">
+                      <a:srgbClr val="FFFFFF"/>
+                    </a:gs>
+                    <a:gs pos="100000">
+                      <a:srgbClr val="FFFFFF"/>
+                    </a:gs>
+                  </a:gsLst>
+                  <a:lin ang="5400000" scaled="0"/>
+                </a:gradFill>
+              </a:endParaRPr>
+            </a:p>
+          </p:txBody>
+        </p:sp>
+        <p:pic>
+          <p:nvPicPr>
+            <p:cNvPr id="34" name="Picture 33"/>
+            <p:cNvPicPr>
+              <a:picLocks noChangeAspect="1"/>
+            </p:cNvPicPr>
+            <p:nvPr/>
+          </p:nvPicPr>
+          <p:blipFill>
+            <a:blip r:embed="rId11" cstate="print">
+              <a:extLst>
+                <a:ext uri="{BEBA8EAE-BF5A-486C-A8C5-ECC9F3942E4B}">
+                  <a14:imgProps xmlns:a14="http://schemas.microsoft.com/office/drawing/2010/main">
+                    <a14:imgLayer r:embed="rId12">
+                      <a14:imgEffect>
+                        <a14:brightnessContrast bright="100000"/>
+                      </a14:imgEffect>
+                    </a14:imgLayer>
+                  </a14:imgProps>
+                </a:ext>
+                <a:ext uri="{28A0092B-C50C-407E-A947-70E740481C1C}">
+                  <a14:useLocalDpi xmlns:a14="http://schemas.microsoft.com/office/drawing/2010/main"/>
+                </a:ext>
+              </a:extLst>
+            </a:blip>
+            <a:stretch>
+              <a:fillRect/>
+            </a:stretch>
+          </p:blipFill>
+          <p:spPr>
+            <a:xfrm>
+              <a:off x="10777075" y="3788257"/>
+              <a:ext cx="406201" cy="689406"/>
+            </a:xfrm>
+            <a:prstGeom prst="rect">
+              <a:avLst/>
+            </a:prstGeom>
+            <a:grpFill/>
+            <a:ln>
+              <a:solidFill>
+                <a:schemeClr val="accent2">
+                  <a:lumMod val="75000"/>
+                </a:schemeClr>
+              </a:solidFill>
+            </a:ln>
+          </p:spPr>
+        </p:pic>
+      </p:grpSp>
+      <p:grpSp>
+        <p:nvGrpSpPr>
+          <p:cNvPr id="35" name="Group 34"/>
+          <p:cNvGrpSpPr/>
+          <p:nvPr/>
+        </p:nvGrpSpPr>
+        <p:grpSpPr>
+          <a:xfrm>
+            <a:off x="7709356" y="2657422"/>
+            <a:ext cx="1900671" cy="1768432"/>
+            <a:chOff x="5733802" y="2427734"/>
+            <a:chExt cx="1492821" cy="1280255"/>
+          </a:xfrm>
+          <a:solidFill>
+            <a:schemeClr val="accent2">
+              <a:lumMod val="75000"/>
+            </a:schemeClr>
+          </a:solidFill>
+        </p:grpSpPr>
+        <p:sp>
+          <p:nvSpPr>
+            <p:cNvPr id="36" name="Rectangle 35"/>
+            <p:cNvSpPr/>
+            <p:nvPr/>
+          </p:nvSpPr>
+          <p:spPr bwMode="auto">
+            <a:xfrm>
+              <a:off x="5733802" y="2427734"/>
+              <a:ext cx="1492821" cy="1280255"/>
+            </a:xfrm>
+            <a:prstGeom prst="rect">
+              <a:avLst/>
+            </a:prstGeom>
+            <a:grpFill/>
+            <a:ln>
+              <a:solidFill>
+                <a:schemeClr val="accent2">
+                  <a:lumMod val="75000"/>
+                </a:schemeClr>
+              </a:solidFill>
+              <a:headEnd type="none" w="med" len="med"/>
+              <a:tailEnd type="none" w="med" len="med"/>
+            </a:ln>
+          </p:spPr>
+          <p:style>
+            <a:lnRef idx="2">
+              <a:schemeClr val="accent2">
+                <a:shade val="50000"/>
+              </a:schemeClr>
+            </a:lnRef>
+            <a:fillRef idx="1">
+              <a:schemeClr val="accent2"/>
+            </a:fillRef>
+            <a:effectRef idx="0">
+              <a:schemeClr val="accent2"/>
+            </a:effectRef>
+            <a:fontRef idx="minor">
+              <a:schemeClr val="lt1"/>
+            </a:fontRef>
+          </p:style>
+          <p:txBody>
+            <a:bodyPr vert="horz" wrap="square" lIns="91440" tIns="91440" rIns="91436" bIns="91440" numCol="1" rtlCol="0" anchor="b" anchorCtr="0" compatLnSpc="1">
+              <a:prstTxWarp prst="textNoShape">
+                <a:avLst/>
+              </a:prstTxWarp>
+            </a:bodyPr>
+            <a:lstStyle/>
+            <a:p>
+              <a:pPr defTabSz="914099" fontAlgn="base">
+                <a:spcBef>
+                  <a:spcPct val="0"/>
+                </a:spcBef>
+                <a:spcAft>
+                  <a:spcPct val="0"/>
+                </a:spcAft>
+              </a:pPr>
+              <a:r>
+                <a:rPr lang="en-US" altLang="zh-CN" sz="2400" dirty="0" smtClean="0">
+                  <a:gradFill>
+                    <a:gsLst>
+                      <a:gs pos="0">
+                        <a:srgbClr val="FFFFFF"/>
+                      </a:gs>
+                      <a:gs pos="100000">
+                        <a:srgbClr val="FFFFFF"/>
+                      </a:gs>
+                    </a:gsLst>
+                    <a:lin ang="5400000" scaled="0"/>
+                  </a:gradFill>
+                </a:rPr>
+                <a:t>Service Bus</a:t>
+              </a:r>
+              <a:endParaRPr lang="en-US" sz="2400" dirty="0">
+                <a:gradFill>
+                  <a:gsLst>
+                    <a:gs pos="0">
+                      <a:srgbClr val="FFFFFF"/>
+                    </a:gs>
+                    <a:gs pos="100000">
+                      <a:srgbClr val="FFFFFF"/>
+                    </a:gs>
+                  </a:gsLst>
+                  <a:lin ang="5400000" scaled="0"/>
+                </a:gradFill>
+              </a:endParaRPr>
+            </a:p>
+          </p:txBody>
+        </p:sp>
+        <p:pic>
+          <p:nvPicPr>
+            <p:cNvPr id="37" name="Picture 36"/>
+            <p:cNvPicPr>
+              <a:picLocks noChangeAspect="1"/>
+            </p:cNvPicPr>
+            <p:nvPr/>
+          </p:nvPicPr>
+          <p:blipFill>
+            <a:blip r:embed="rId13"/>
+            <a:stretch>
+              <a:fillRect/>
+            </a:stretch>
+          </p:blipFill>
+          <p:spPr>
+            <a:xfrm>
+              <a:off x="6186090" y="2645395"/>
+              <a:ext cx="546150" cy="617924"/>
+            </a:xfrm>
+            <a:prstGeom prst="rect">
+              <a:avLst/>
+            </a:prstGeom>
+            <a:grpFill/>
+            <a:ln>
+              <a:solidFill>
+                <a:schemeClr val="accent2">
+                  <a:lumMod val="75000"/>
+                </a:schemeClr>
+              </a:solidFill>
+            </a:ln>
+          </p:spPr>
+        </p:pic>
+      </p:grpSp>
     </p:spTree>
     <p:extLst>
       <p:ext uri="{BB962C8B-B14F-4D97-AF65-F5344CB8AC3E}">
-        <p14:creationId xmlns:p14="http://schemas.microsoft.com/office/powerpoint/2010/main" val="1847082904"/>
+        <p14:creationId xmlns:p14="http://schemas.microsoft.com/office/powerpoint/2010/main" val="3621324871"/>
       </p:ext>
     </p:extLst>
   </p:cSld>
   <p:clrMapOvr>
     <a:masterClrMapping/>
   </p:clrMapOvr>
-  <mc:AlternateContent xmlns:mc="http://schemas.openxmlformats.org/markup-compatibility/2006" xmlns:p14="http://schemas.microsoft.com/office/powerpoint/2010/main">
-    <mc:Choice Requires="p14">
-      <p:transition spd="med" p14:dur="700">
-        <p:fade/>
-      </p:transition>
-    </mc:Choice>
-    <mc:Fallback xmlns="">
-      <p:transition spd="med">
-        <p:fade/>
-      </p:transition>
-    </mc:Fallback>
-  </mc:AlternateContent>
+  <p:transition>
+    <p:fade/>
+  </p:transition>
+  <p:timing>
+    <p:tnLst>
+      <p:par>
+        <p:cTn id="1" dur="indefinite" restart="never" nodeType="tmRoot">
+          <p:childTnLst>
+            <p:seq concurrent="1" nextAc="seek">
+              <p:cTn id="2" dur="indefinite" nodeType="mainSeq">
+                <p:childTnLst>
+                  <p:par>
+                    <p:cTn id="3" fill="hold">
+                      <p:stCondLst>
+                        <p:cond delay="indefinite"/>
+                        <p:cond evt="onBegin" delay="0">
+                          <p:tn val="2"/>
+                        </p:cond>
+                      </p:stCondLst>
+                      <p:childTnLst>
+                        <p:par>
+                          <p:cTn id="4" fill="hold">
+                            <p:stCondLst>
+                              <p:cond delay="0"/>
+                            </p:stCondLst>
+                            <p:childTnLst>
+                              <p:par>
+                                <p:cTn id="5" presetID="10" presetClass="entr" presetSubtype="0" fill="hold" nodeType="afterEffect">
+                                  <p:stCondLst>
+                                    <p:cond delay="0"/>
+                                  </p:stCondLst>
+                                  <p:childTnLst>
+                                    <p:set>
+                                      <p:cBhvr>
+                                        <p:cTn id="6" dur="1" fill="hold">
+                                          <p:stCondLst>
+                                            <p:cond delay="0"/>
+                                          </p:stCondLst>
+                                        </p:cTn>
+                                        <p:tgtEl>
+                                          <p:spTgt spid="8"/>
+                                        </p:tgtEl>
+                                        <p:attrNameLst>
+                                          <p:attrName>style.visibility</p:attrName>
+                                        </p:attrNameLst>
+                                      </p:cBhvr>
+                                      <p:to>
+                                        <p:strVal val="visible"/>
+                                      </p:to>
+                                    </p:set>
+                                    <p:animEffect transition="in" filter="fade">
+                                      <p:cBhvr>
+                                        <p:cTn id="7" dur="250"/>
+                                        <p:tgtEl>
+                                          <p:spTgt spid="8"/>
+                                        </p:tgtEl>
+                                      </p:cBhvr>
+                                    </p:animEffect>
+                                  </p:childTnLst>
+                                </p:cTn>
+                              </p:par>
+                            </p:childTnLst>
+                          </p:cTn>
+                        </p:par>
+                        <p:par>
+                          <p:cTn id="8" fill="hold">
+                            <p:stCondLst>
+                              <p:cond delay="250"/>
+                            </p:stCondLst>
+                            <p:childTnLst>
+                              <p:par>
+                                <p:cTn id="9" presetID="10" presetClass="entr" presetSubtype="0" fill="hold" nodeType="afterEffect">
+                                  <p:stCondLst>
+                                    <p:cond delay="0"/>
+                                  </p:stCondLst>
+                                  <p:childTnLst>
+                                    <p:set>
+                                      <p:cBhvr>
+                                        <p:cTn id="10" dur="1" fill="hold">
+                                          <p:stCondLst>
+                                            <p:cond delay="0"/>
+                                          </p:stCondLst>
+                                        </p:cTn>
+                                        <p:tgtEl>
+                                          <p:spTgt spid="11"/>
+                                        </p:tgtEl>
+                                        <p:attrNameLst>
+                                          <p:attrName>style.visibility</p:attrName>
+                                        </p:attrNameLst>
+                                      </p:cBhvr>
+                                      <p:to>
+                                        <p:strVal val="visible"/>
+                                      </p:to>
+                                    </p:set>
+                                    <p:animEffect transition="in" filter="fade">
+                                      <p:cBhvr>
+                                        <p:cTn id="11" dur="250"/>
+                                        <p:tgtEl>
+                                          <p:spTgt spid="11"/>
+                                        </p:tgtEl>
+                                      </p:cBhvr>
+                                    </p:animEffect>
+                                  </p:childTnLst>
+                                </p:cTn>
+                              </p:par>
+                            </p:childTnLst>
+                          </p:cTn>
+                        </p:par>
+                        <p:par>
+                          <p:cTn id="12" fill="hold">
+                            <p:stCondLst>
+                              <p:cond delay="500"/>
+                            </p:stCondLst>
+                            <p:childTnLst>
+                              <p:par>
+                                <p:cTn id="13" presetID="10" presetClass="entr" presetSubtype="0" fill="hold" nodeType="afterEffect">
+                                  <p:stCondLst>
+                                    <p:cond delay="0"/>
+                                  </p:stCondLst>
+                                  <p:childTnLst>
+                                    <p:set>
+                                      <p:cBhvr>
+                                        <p:cTn id="14" dur="1" fill="hold">
+                                          <p:stCondLst>
+                                            <p:cond delay="0"/>
+                                          </p:stCondLst>
+                                        </p:cTn>
+                                        <p:tgtEl>
+                                          <p:spTgt spid="29"/>
+                                        </p:tgtEl>
+                                        <p:attrNameLst>
+                                          <p:attrName>style.visibility</p:attrName>
+                                        </p:attrNameLst>
+                                      </p:cBhvr>
+                                      <p:to>
+                                        <p:strVal val="visible"/>
+                                      </p:to>
+                                    </p:set>
+                                    <p:animEffect transition="in" filter="fade">
+                                      <p:cBhvr>
+                                        <p:cTn id="15" dur="250"/>
+                                        <p:tgtEl>
+                                          <p:spTgt spid="29"/>
+                                        </p:tgtEl>
+                                      </p:cBhvr>
+                                    </p:animEffect>
+                                  </p:childTnLst>
+                                </p:cTn>
+                              </p:par>
+                            </p:childTnLst>
+                          </p:cTn>
+                        </p:par>
+                        <p:par>
+                          <p:cTn id="16" fill="hold">
+                            <p:stCondLst>
+                              <p:cond delay="750"/>
+                            </p:stCondLst>
+                            <p:childTnLst>
+                              <p:par>
+                                <p:cTn id="17" presetID="10" presetClass="entr" presetSubtype="0" fill="hold" nodeType="afterEffect">
+                                  <p:stCondLst>
+                                    <p:cond delay="0"/>
+                                  </p:stCondLst>
+                                  <p:childTnLst>
+                                    <p:set>
+                                      <p:cBhvr>
+                                        <p:cTn id="18" dur="1" fill="hold">
+                                          <p:stCondLst>
+                                            <p:cond delay="0"/>
+                                          </p:stCondLst>
+                                        </p:cTn>
+                                        <p:tgtEl>
+                                          <p:spTgt spid="23"/>
+                                        </p:tgtEl>
+                                        <p:attrNameLst>
+                                          <p:attrName>style.visibility</p:attrName>
+                                        </p:attrNameLst>
+                                      </p:cBhvr>
+                                      <p:to>
+                                        <p:strVal val="visible"/>
+                                      </p:to>
+                                    </p:set>
+                                    <p:animEffect transition="in" filter="fade">
+                                      <p:cBhvr>
+                                        <p:cTn id="19" dur="250"/>
+                                        <p:tgtEl>
+                                          <p:spTgt spid="23"/>
+                                        </p:tgtEl>
+                                      </p:cBhvr>
+                                    </p:animEffect>
+                                  </p:childTnLst>
+                                </p:cTn>
+                              </p:par>
+                            </p:childTnLst>
+                          </p:cTn>
+                        </p:par>
+                        <p:par>
+                          <p:cTn id="20" fill="hold">
+                            <p:stCondLst>
+                              <p:cond delay="1000"/>
+                            </p:stCondLst>
+                            <p:childTnLst>
+                              <p:par>
+                                <p:cTn id="21" presetID="10" presetClass="entr" presetSubtype="0" fill="hold" nodeType="afterEffect">
+                                  <p:stCondLst>
+                                    <p:cond delay="0"/>
+                                  </p:stCondLst>
+                                  <p:childTnLst>
+                                    <p:set>
+                                      <p:cBhvr>
+                                        <p:cTn id="22" dur="1" fill="hold">
+                                          <p:stCondLst>
+                                            <p:cond delay="0"/>
+                                          </p:stCondLst>
+                                        </p:cTn>
+                                        <p:tgtEl>
+                                          <p:spTgt spid="17"/>
+                                        </p:tgtEl>
+                                        <p:attrNameLst>
+                                          <p:attrName>style.visibility</p:attrName>
+                                        </p:attrNameLst>
+                                      </p:cBhvr>
+                                      <p:to>
+                                        <p:strVal val="visible"/>
+                                      </p:to>
+                                    </p:set>
+                                    <p:animEffect transition="in" filter="fade">
+                                      <p:cBhvr>
+                                        <p:cTn id="23" dur="250"/>
+                                        <p:tgtEl>
+                                          <p:spTgt spid="17"/>
+                                        </p:tgtEl>
+                                      </p:cBhvr>
+                                    </p:animEffect>
+                                  </p:childTnLst>
+                                </p:cTn>
+                              </p:par>
+                            </p:childTnLst>
+                          </p:cTn>
+                        </p:par>
+                        <p:par>
+                          <p:cTn id="24" fill="hold">
+                            <p:stCondLst>
+                              <p:cond delay="1250"/>
+                            </p:stCondLst>
+                            <p:childTnLst>
+                              <p:par>
+                                <p:cTn id="25" presetID="10" presetClass="entr" presetSubtype="0" fill="hold" nodeType="afterEffect">
+                                  <p:stCondLst>
+                                    <p:cond delay="0"/>
+                                  </p:stCondLst>
+                                  <p:childTnLst>
+                                    <p:set>
+                                      <p:cBhvr>
+                                        <p:cTn id="26" dur="1" fill="hold">
+                                          <p:stCondLst>
+                                            <p:cond delay="0"/>
+                                          </p:stCondLst>
+                                        </p:cTn>
+                                        <p:tgtEl>
+                                          <p:spTgt spid="5"/>
+                                        </p:tgtEl>
+                                        <p:attrNameLst>
+                                          <p:attrName>style.visibility</p:attrName>
+                                        </p:attrNameLst>
+                                      </p:cBhvr>
+                                      <p:to>
+                                        <p:strVal val="visible"/>
+                                      </p:to>
+                                    </p:set>
+                                    <p:animEffect transition="in" filter="fade">
+                                      <p:cBhvr>
+                                        <p:cTn id="27" dur="250"/>
+                                        <p:tgtEl>
+                                          <p:spTgt spid="5"/>
+                                        </p:tgtEl>
+                                      </p:cBhvr>
+                                    </p:animEffect>
+                                  </p:childTnLst>
+                                </p:cTn>
+                              </p:par>
+                            </p:childTnLst>
+                          </p:cTn>
+                        </p:par>
+                        <p:par>
+                          <p:cTn id="28" fill="hold">
+                            <p:stCondLst>
+                              <p:cond delay="1500"/>
+                            </p:stCondLst>
+                            <p:childTnLst>
+                              <p:par>
+                                <p:cTn id="29" presetID="10" presetClass="entr" presetSubtype="0" fill="hold" nodeType="afterEffect">
+                                  <p:stCondLst>
+                                    <p:cond delay="0"/>
+                                  </p:stCondLst>
+                                  <p:childTnLst>
+                                    <p:set>
+                                      <p:cBhvr>
+                                        <p:cTn id="30" dur="1" fill="hold">
+                                          <p:stCondLst>
+                                            <p:cond delay="0"/>
+                                          </p:stCondLst>
+                                        </p:cTn>
+                                        <p:tgtEl>
+                                          <p:spTgt spid="20"/>
+                                        </p:tgtEl>
+                                        <p:attrNameLst>
+                                          <p:attrName>style.visibility</p:attrName>
+                                        </p:attrNameLst>
+                                      </p:cBhvr>
+                                      <p:to>
+                                        <p:strVal val="visible"/>
+                                      </p:to>
+                                    </p:set>
+                                    <p:animEffect transition="in" filter="fade">
+                                      <p:cBhvr>
+                                        <p:cTn id="31" dur="250"/>
+                                        <p:tgtEl>
+                                          <p:spTgt spid="20"/>
+                                        </p:tgtEl>
+                                      </p:cBhvr>
+                                    </p:animEffect>
+                                  </p:childTnLst>
+                                </p:cTn>
+                              </p:par>
+                            </p:childTnLst>
+                          </p:cTn>
+                        </p:par>
+                        <p:par>
+                          <p:cTn id="32" fill="hold">
+                            <p:stCondLst>
+                              <p:cond delay="1750"/>
+                            </p:stCondLst>
+                            <p:childTnLst>
+                              <p:par>
+                                <p:cTn id="33" presetID="10" presetClass="entr" presetSubtype="0" fill="hold" nodeType="afterEffect">
+                                  <p:stCondLst>
+                                    <p:cond delay="0"/>
+                                  </p:stCondLst>
+                                  <p:childTnLst>
+                                    <p:set>
+                                      <p:cBhvr>
+                                        <p:cTn id="34" dur="1" fill="hold">
+                                          <p:stCondLst>
+                                            <p:cond delay="0"/>
+                                          </p:stCondLst>
+                                        </p:cTn>
+                                        <p:tgtEl>
+                                          <p:spTgt spid="26"/>
+                                        </p:tgtEl>
+                                        <p:attrNameLst>
+                                          <p:attrName>style.visibility</p:attrName>
+                                        </p:attrNameLst>
+                                      </p:cBhvr>
+                                      <p:to>
+                                        <p:strVal val="visible"/>
+                                      </p:to>
+                                    </p:set>
+                                    <p:animEffect transition="in" filter="fade">
+                                      <p:cBhvr>
+                                        <p:cTn id="35" dur="250"/>
+                                        <p:tgtEl>
+                                          <p:spTgt spid="26"/>
+                                        </p:tgtEl>
+                                      </p:cBhvr>
+                                    </p:animEffect>
+                                  </p:childTnLst>
+                                </p:cTn>
+                              </p:par>
+                            </p:childTnLst>
+                          </p:cTn>
+                        </p:par>
+                        <p:par>
+                          <p:cTn id="36" fill="hold">
+                            <p:stCondLst>
+                              <p:cond delay="2000"/>
+                            </p:stCondLst>
+                            <p:childTnLst>
+                              <p:par>
+                                <p:cTn id="37" presetID="10" presetClass="entr" presetSubtype="0" fill="hold" nodeType="afterEffect">
+                                  <p:stCondLst>
+                                    <p:cond delay="0"/>
+                                  </p:stCondLst>
+                                  <p:childTnLst>
+                                    <p:set>
+                                      <p:cBhvr>
+                                        <p:cTn id="38" dur="1" fill="hold">
+                                          <p:stCondLst>
+                                            <p:cond delay="0"/>
+                                          </p:stCondLst>
+                                        </p:cTn>
+                                        <p:tgtEl>
+                                          <p:spTgt spid="35"/>
+                                        </p:tgtEl>
+                                        <p:attrNameLst>
+                                          <p:attrName>style.visibility</p:attrName>
+                                        </p:attrNameLst>
+                                      </p:cBhvr>
+                                      <p:to>
+                                        <p:strVal val="visible"/>
+                                      </p:to>
+                                    </p:set>
+                                    <p:animEffect transition="in" filter="fade">
+                                      <p:cBhvr>
+                                        <p:cTn id="39" dur="250"/>
+                                        <p:tgtEl>
+                                          <p:spTgt spid="35"/>
+                                        </p:tgtEl>
+                                      </p:cBhvr>
+                                    </p:animEffect>
+                                  </p:childTnLst>
+                                </p:cTn>
+                              </p:par>
+                            </p:childTnLst>
+                          </p:cTn>
+                        </p:par>
+                        <p:par>
+                          <p:cTn id="40" fill="hold">
+                            <p:stCondLst>
+                              <p:cond delay="2250"/>
+                            </p:stCondLst>
+                            <p:childTnLst>
+                              <p:par>
+                                <p:cTn id="41" presetID="10" presetClass="entr" presetSubtype="0" fill="hold" nodeType="afterEffect">
+                                  <p:stCondLst>
+                                    <p:cond delay="0"/>
+                                  </p:stCondLst>
+                                  <p:childTnLst>
+                                    <p:set>
+                                      <p:cBhvr>
+                                        <p:cTn id="42" dur="1" fill="hold">
+                                          <p:stCondLst>
+                                            <p:cond delay="0"/>
+                                          </p:stCondLst>
+                                        </p:cTn>
+                                        <p:tgtEl>
+                                          <p:spTgt spid="32"/>
+                                        </p:tgtEl>
+                                        <p:attrNameLst>
+                                          <p:attrName>style.visibility</p:attrName>
+                                        </p:attrNameLst>
+                                      </p:cBhvr>
+                                      <p:to>
+                                        <p:strVal val="visible"/>
+                                      </p:to>
+                                    </p:set>
+                                    <p:animEffect transition="in" filter="fade">
+                                      <p:cBhvr>
+                                        <p:cTn id="43" dur="250"/>
+                                        <p:tgtEl>
+                                          <p:spTgt spid="32"/>
+                                        </p:tgtEl>
+                                      </p:cBhvr>
+                                    </p:animEffect>
+                                  </p:childTnLst>
+                                </p:cTn>
+                              </p:par>
+                            </p:childTnLst>
+                          </p:cTn>
+                        </p:par>
+                        <p:par>
+                          <p:cTn id="44" fill="hold">
+                            <p:stCondLst>
+                              <p:cond delay="2500"/>
+                            </p:stCondLst>
+                            <p:childTnLst>
+                              <p:par>
+                                <p:cTn id="45" presetID="10" presetClass="entr" presetSubtype="0" fill="hold" nodeType="afterEffect">
+                                  <p:stCondLst>
+                                    <p:cond delay="0"/>
+                                  </p:stCondLst>
+                                  <p:childTnLst>
+                                    <p:set>
+                                      <p:cBhvr>
+                                        <p:cTn id="46" dur="1" fill="hold">
+                                          <p:stCondLst>
+                                            <p:cond delay="0"/>
+                                          </p:stCondLst>
+                                        </p:cTn>
+                                        <p:tgtEl>
+                                          <p:spTgt spid="14"/>
+                                        </p:tgtEl>
+                                        <p:attrNameLst>
+                                          <p:attrName>style.visibility</p:attrName>
+                                        </p:attrNameLst>
+                                      </p:cBhvr>
+                                      <p:to>
+                                        <p:strVal val="visible"/>
+                                      </p:to>
+                                    </p:set>
+                                    <p:animEffect transition="in" filter="fade">
+                                      <p:cBhvr>
+                                        <p:cTn id="47" dur="250"/>
+                                        <p:tgtEl>
+                                          <p:spTgt spid="14"/>
+                                        </p:tgtEl>
+                                      </p:cBhvr>
+                                    </p:animEffect>
+                                  </p:childTnLst>
+                                </p:cTn>
+                              </p:par>
+                            </p:childTnLst>
+                          </p:cTn>
+                        </p:par>
+                      </p:childTnLst>
+                    </p:cTn>
+                  </p:par>
+                </p:childTnLst>
+              </p:cTn>
+              <p:prevCondLst>
+                <p:cond evt="onPrev" delay="0">
+                  <p:tgtEl>
+                    <p:sldTgt/>
+                  </p:tgtEl>
+                </p:cond>
+              </p:prevCondLst>
+              <p:nextCondLst>
+                <p:cond evt="onNext" delay="0">
+                  <p:tgtEl>
+                    <p:sldTgt/>
+                  </p:tgtEl>
+                </p:cond>
+              </p:nextCondLst>
+            </p:seq>
+          </p:childTnLst>
+        </p:cTn>
+      </p:par>
+    </p:tnLst>
+  </p:timing>
+</p:sld>
+</file>
+
+<file path=ppt/slides/slide5.xml><?xml version="1.0" encoding="utf-8"?>
+<p:sld xmlns:a="http://schemas.openxmlformats.org/drawingml/2006/main" xmlns:r="http://schemas.openxmlformats.org/officeDocument/2006/relationships" xmlns:p="http://schemas.openxmlformats.org/presentationml/2006/main">
+  <p:cSld>
+    <p:spTree>
+      <p:nvGrpSpPr>
+        <p:cNvPr id="1" name=""/>
+        <p:cNvGrpSpPr/>
+        <p:nvPr/>
+      </p:nvGrpSpPr>
+      <p:grpSpPr>
+        <a:xfrm>
+          <a:off x="0" y="0"/>
+          <a:ext cx="0" cy="0"/>
+          <a:chOff x="0" y="0"/>
+          <a:chExt cx="0" cy="0"/>
+        </a:xfrm>
+      </p:grpSpPr>
+      <p:sp>
+        <p:nvSpPr>
+          <p:cNvPr id="4" name="Title 3"/>
+          <p:cNvSpPr txBox="1">
+            <a:spLocks/>
+          </p:cNvSpPr>
+          <p:nvPr/>
+        </p:nvSpPr>
+        <p:spPr>
+          <a:xfrm>
+            <a:off x="484560" y="2832400"/>
+            <a:ext cx="4773654" cy="1492241"/>
+          </a:xfrm>
+          <a:prstGeom prst="rect">
+            <a:avLst/>
+          </a:prstGeom>
+        </p:spPr>
+        <p:txBody>
+          <a:bodyPr vert="horz" lIns="91440" tIns="45720" rIns="91440" bIns="45720" rtlCol="0" anchor="ctr">
+            <a:normAutofit/>
+          </a:bodyPr>
+          <a:lstStyle>
+            <a:lvl1pPr algn="ctr" defTabSz="914400" rtl="0" eaLnBrk="1" latinLnBrk="0" hangingPunct="1">
+              <a:spcBef>
+                <a:spcPct val="0"/>
+              </a:spcBef>
+              <a:buNone/>
+              <a:defRPr sz="4400" b="1" kern="1200">
+                <a:solidFill>
+                  <a:schemeClr val="bg1"/>
+                </a:solidFill>
+                <a:latin typeface="微软雅黑" pitchFamily="34" charset="-122"/>
+                <a:ea typeface="微软雅黑" pitchFamily="34" charset="-122"/>
+                <a:cs typeface="+mj-cs"/>
+              </a:defRPr>
+            </a:lvl1pPr>
+          </a:lstStyle>
+          <a:p>
+            <a:r>
+              <a:rPr lang="en-US" altLang="zh-CN" dirty="0" smtClean="0">
+                <a:solidFill>
+                  <a:schemeClr val="tx1">
+                    <a:lumMod val="65000"/>
+                    <a:lumOff val="35000"/>
+                  </a:schemeClr>
+                </a:solidFill>
+              </a:rPr>
+              <a:t>Caching</a:t>
+            </a:r>
+            <a:endParaRPr lang="en-US" dirty="0">
+              <a:solidFill>
+                <a:schemeClr val="tx1">
+                  <a:lumMod val="65000"/>
+                  <a:lumOff val="35000"/>
+                </a:schemeClr>
+              </a:solidFill>
+            </a:endParaRPr>
+          </a:p>
+        </p:txBody>
+      </p:sp>
+      <p:grpSp>
+        <p:nvGrpSpPr>
+          <p:cNvPr id="5" name="Group 4"/>
+          <p:cNvGrpSpPr/>
+          <p:nvPr/>
+        </p:nvGrpSpPr>
+        <p:grpSpPr>
+          <a:xfrm>
+            <a:off x="5680055" y="767577"/>
+            <a:ext cx="1900671" cy="1768432"/>
+            <a:chOff x="5665775" y="2466267"/>
+            <a:chExt cx="1896557" cy="1772642"/>
+          </a:xfrm>
+          <a:solidFill>
+            <a:schemeClr val="accent2">
+              <a:lumMod val="75000"/>
+            </a:schemeClr>
+          </a:solidFill>
+        </p:grpSpPr>
+        <p:sp>
+          <p:nvSpPr>
+            <p:cNvPr id="6" name="Rectangle 5"/>
+            <p:cNvSpPr/>
+            <p:nvPr/>
+          </p:nvSpPr>
+          <p:spPr bwMode="auto">
+            <a:xfrm>
+              <a:off x="5665775" y="2466267"/>
+              <a:ext cx="1896557" cy="1772642"/>
+            </a:xfrm>
+            <a:prstGeom prst="rect">
+              <a:avLst/>
+            </a:prstGeom>
+            <a:grpFill/>
+            <a:ln>
+              <a:solidFill>
+                <a:schemeClr val="accent2">
+                  <a:lumMod val="75000"/>
+                </a:schemeClr>
+              </a:solidFill>
+              <a:headEnd type="none" w="med" len="med"/>
+              <a:tailEnd type="none" w="med" len="med"/>
+            </a:ln>
+          </p:spPr>
+          <p:style>
+            <a:lnRef idx="2">
+              <a:schemeClr val="accent2">
+                <a:shade val="50000"/>
+              </a:schemeClr>
+            </a:lnRef>
+            <a:fillRef idx="1">
+              <a:schemeClr val="accent2"/>
+            </a:fillRef>
+            <a:effectRef idx="0">
+              <a:schemeClr val="accent2"/>
+            </a:effectRef>
+            <a:fontRef idx="minor">
+              <a:schemeClr val="lt1"/>
+            </a:fontRef>
+          </p:style>
+          <p:txBody>
+            <a:bodyPr vert="horz" wrap="square" lIns="91440" tIns="91440" rIns="91436" bIns="91440" numCol="1" rtlCol="0" anchor="b" anchorCtr="0" compatLnSpc="1">
+              <a:prstTxWarp prst="textNoShape">
+                <a:avLst/>
+              </a:prstTxWarp>
+            </a:bodyPr>
+            <a:lstStyle/>
+            <a:p>
+              <a:pPr defTabSz="914099" fontAlgn="base">
+                <a:spcBef>
+                  <a:spcPct val="0"/>
+                </a:spcBef>
+                <a:spcAft>
+                  <a:spcPct val="0"/>
+                </a:spcAft>
+              </a:pPr>
+              <a:r>
+                <a:rPr lang="en-US" altLang="zh-CN" sz="2400" dirty="0" smtClean="0">
+                  <a:gradFill>
+                    <a:gsLst>
+                      <a:gs pos="0">
+                        <a:srgbClr val="FFFFFF"/>
+                      </a:gs>
+                      <a:gs pos="100000">
+                        <a:srgbClr val="FFFFFF"/>
+                      </a:gs>
+                    </a:gsLst>
+                    <a:lin ang="5400000" scaled="0"/>
+                  </a:gradFill>
+                </a:rPr>
+                <a:t>Storage</a:t>
+              </a:r>
+              <a:endParaRPr lang="en-US" sz="2400" dirty="0">
+                <a:gradFill>
+                  <a:gsLst>
+                    <a:gs pos="0">
+                      <a:srgbClr val="FFFFFF"/>
+                    </a:gs>
+                    <a:gs pos="100000">
+                      <a:srgbClr val="FFFFFF"/>
+                    </a:gs>
+                  </a:gsLst>
+                  <a:lin ang="5400000" scaled="0"/>
+                </a:gradFill>
+              </a:endParaRPr>
+            </a:p>
+          </p:txBody>
+        </p:sp>
+        <p:pic>
+          <p:nvPicPr>
+            <p:cNvPr id="7" name="Picture 2" descr="C:\Users\Jonahs\Dropbox\Projects SCOTT\MEET Windows Azure\source\Background\tile-icon-storage.png"/>
+            <p:cNvPicPr>
+              <a:picLocks noChangeAspect="1" noChangeArrowheads="1"/>
+            </p:cNvPicPr>
+            <p:nvPr/>
+          </p:nvPicPr>
+          <p:blipFill>
+            <a:blip r:embed="rId2">
+              <a:extLst>
+                <a:ext uri="{28A0092B-C50C-407E-A947-70E740481C1C}">
+                  <a14:useLocalDpi xmlns:a14="http://schemas.microsoft.com/office/drawing/2010/main" val="0"/>
+                </a:ext>
+              </a:extLst>
+            </a:blip>
+            <a:srcRect/>
+            <a:stretch>
+              <a:fillRect/>
+            </a:stretch>
+          </p:blipFill>
+          <p:spPr bwMode="auto">
+            <a:xfrm>
+              <a:off x="6188309" y="2751666"/>
+              <a:ext cx="851488" cy="851488"/>
+            </a:xfrm>
+            <a:prstGeom prst="rect">
+              <a:avLst/>
+            </a:prstGeom>
+            <a:grpFill/>
+            <a:ln>
+              <a:solidFill>
+                <a:schemeClr val="accent2">
+                  <a:lumMod val="75000"/>
+                </a:schemeClr>
+              </a:solidFill>
+            </a:ln>
+            <a:extLst/>
+          </p:spPr>
+        </p:pic>
+      </p:grpSp>
+      <p:grpSp>
+        <p:nvGrpSpPr>
+          <p:cNvPr id="8" name="Group 7"/>
+          <p:cNvGrpSpPr/>
+          <p:nvPr/>
+        </p:nvGrpSpPr>
+        <p:grpSpPr>
+          <a:xfrm>
+            <a:off x="1646086" y="767577"/>
+            <a:ext cx="1900671" cy="1768432"/>
+            <a:chOff x="1685919" y="596839"/>
+            <a:chExt cx="1896557" cy="1772642"/>
+          </a:xfrm>
+          <a:solidFill>
+            <a:schemeClr val="accent2">
+              <a:lumMod val="75000"/>
+            </a:schemeClr>
+          </a:solidFill>
+        </p:grpSpPr>
+        <p:sp>
+          <p:nvSpPr>
+            <p:cNvPr id="9" name="Rectangle 8"/>
+            <p:cNvSpPr/>
+            <p:nvPr/>
+          </p:nvSpPr>
+          <p:spPr bwMode="auto">
+            <a:xfrm>
+              <a:off x="1685919" y="596839"/>
+              <a:ext cx="1896557" cy="1772642"/>
+            </a:xfrm>
+            <a:prstGeom prst="rect">
+              <a:avLst/>
+            </a:prstGeom>
+            <a:grpFill/>
+            <a:ln>
+              <a:solidFill>
+                <a:schemeClr val="accent2">
+                  <a:lumMod val="75000"/>
+                </a:schemeClr>
+              </a:solidFill>
+              <a:headEnd type="none" w="med" len="med"/>
+              <a:tailEnd type="none" w="med" len="med"/>
+            </a:ln>
+          </p:spPr>
+          <p:style>
+            <a:lnRef idx="2">
+              <a:schemeClr val="accent2">
+                <a:shade val="50000"/>
+              </a:schemeClr>
+            </a:lnRef>
+            <a:fillRef idx="1">
+              <a:schemeClr val="accent2"/>
+            </a:fillRef>
+            <a:effectRef idx="0">
+              <a:schemeClr val="accent2"/>
+            </a:effectRef>
+            <a:fontRef idx="minor">
+              <a:schemeClr val="lt1"/>
+            </a:fontRef>
+          </p:style>
+          <p:txBody>
+            <a:bodyPr vert="horz" wrap="square" lIns="91440" tIns="91440" rIns="91436" bIns="91440" numCol="1" rtlCol="0" anchor="b" anchorCtr="0" compatLnSpc="1">
+              <a:prstTxWarp prst="textNoShape">
+                <a:avLst/>
+              </a:prstTxWarp>
+            </a:bodyPr>
+            <a:lstStyle/>
+            <a:p>
+              <a:pPr defTabSz="914099" fontAlgn="base">
+                <a:spcBef>
+                  <a:spcPct val="0"/>
+                </a:spcBef>
+                <a:spcAft>
+                  <a:spcPct val="0"/>
+                </a:spcAft>
+              </a:pPr>
+              <a:r>
+                <a:rPr lang="en-US" altLang="zh-CN" sz="2400" dirty="0" smtClean="0">
+                  <a:gradFill>
+                    <a:gsLst>
+                      <a:gs pos="0">
+                        <a:srgbClr val="FFFFFF"/>
+                      </a:gs>
+                      <a:gs pos="100000">
+                        <a:srgbClr val="FFFFFF"/>
+                      </a:gs>
+                    </a:gsLst>
+                    <a:lin ang="5400000" scaled="0"/>
+                  </a:gradFill>
+                </a:rPr>
+                <a:t>Big Data</a:t>
+              </a:r>
+              <a:endParaRPr lang="en-US" sz="2400" dirty="0">
+                <a:gradFill>
+                  <a:gsLst>
+                    <a:gs pos="0">
+                      <a:srgbClr val="FFFFFF"/>
+                    </a:gs>
+                    <a:gs pos="100000">
+                      <a:srgbClr val="FFFFFF"/>
+                    </a:gs>
+                  </a:gsLst>
+                  <a:lin ang="5400000" scaled="0"/>
+                </a:gradFill>
+              </a:endParaRPr>
+            </a:p>
+          </p:txBody>
+        </p:sp>
+        <p:pic>
+          <p:nvPicPr>
+            <p:cNvPr id="10" name="Picture 3" descr="C:\Users\Jonahs\Dropbox\Projects SCOTT\MEET Windows Azure\source\Background\tile-icon-bigdata.png"/>
+            <p:cNvPicPr>
+              <a:picLocks noChangeAspect="1" noChangeArrowheads="1"/>
+            </p:cNvPicPr>
+            <p:nvPr/>
+          </p:nvPicPr>
+          <p:blipFill>
+            <a:blip r:embed="rId3">
+              <a:extLst>
+                <a:ext uri="{28A0092B-C50C-407E-A947-70E740481C1C}">
+                  <a14:useLocalDpi xmlns:a14="http://schemas.microsoft.com/office/drawing/2010/main" val="0"/>
+                </a:ext>
+              </a:extLst>
+            </a:blip>
+            <a:srcRect/>
+            <a:stretch>
+              <a:fillRect/>
+            </a:stretch>
+          </p:blipFill>
+          <p:spPr bwMode="auto">
+            <a:xfrm>
+              <a:off x="2252075" y="926787"/>
+              <a:ext cx="851488" cy="851488"/>
+            </a:xfrm>
+            <a:prstGeom prst="rect">
+              <a:avLst/>
+            </a:prstGeom>
+            <a:grpFill/>
+            <a:ln>
+              <a:solidFill>
+                <a:schemeClr val="accent2">
+                  <a:lumMod val="75000"/>
+                </a:schemeClr>
+              </a:solidFill>
+            </a:ln>
+            <a:extLst/>
+          </p:spPr>
+        </p:pic>
+      </p:grpSp>
+      <p:grpSp>
+        <p:nvGrpSpPr>
+          <p:cNvPr id="11" name="Group 10"/>
+          <p:cNvGrpSpPr/>
+          <p:nvPr/>
+        </p:nvGrpSpPr>
+        <p:grpSpPr>
+          <a:xfrm>
+            <a:off x="5680055" y="2657422"/>
+            <a:ext cx="1900671" cy="1768432"/>
+            <a:chOff x="3671322" y="4341709"/>
+            <a:chExt cx="1896557" cy="1772642"/>
+          </a:xfrm>
+          <a:solidFill>
+            <a:schemeClr val="accent2">
+              <a:lumMod val="75000"/>
+            </a:schemeClr>
+          </a:solidFill>
+        </p:grpSpPr>
+        <p:sp>
+          <p:nvSpPr>
+            <p:cNvPr id="12" name="Rectangle 11"/>
+            <p:cNvSpPr/>
+            <p:nvPr/>
+          </p:nvSpPr>
+          <p:spPr bwMode="auto">
+            <a:xfrm>
+              <a:off x="3671322" y="4341709"/>
+              <a:ext cx="1896557" cy="1772642"/>
+            </a:xfrm>
+            <a:prstGeom prst="rect">
+              <a:avLst/>
+            </a:prstGeom>
+            <a:grpFill/>
+            <a:ln>
+              <a:solidFill>
+                <a:schemeClr val="accent2">
+                  <a:lumMod val="75000"/>
+                </a:schemeClr>
+              </a:solidFill>
+              <a:headEnd type="none" w="med" len="med"/>
+              <a:tailEnd type="none" w="med" len="med"/>
+            </a:ln>
+          </p:spPr>
+          <p:style>
+            <a:lnRef idx="2">
+              <a:schemeClr val="accent2">
+                <a:shade val="50000"/>
+              </a:schemeClr>
+            </a:lnRef>
+            <a:fillRef idx="1">
+              <a:schemeClr val="accent2"/>
+            </a:fillRef>
+            <a:effectRef idx="0">
+              <a:schemeClr val="accent2"/>
+            </a:effectRef>
+            <a:fontRef idx="minor">
+              <a:schemeClr val="lt1"/>
+            </a:fontRef>
+          </p:style>
+          <p:txBody>
+            <a:bodyPr vert="horz" wrap="square" lIns="91440" tIns="91440" rIns="91436" bIns="91440" numCol="1" rtlCol="0" anchor="b" anchorCtr="0" compatLnSpc="1">
+              <a:prstTxWarp prst="textNoShape">
+                <a:avLst/>
+              </a:prstTxWarp>
+            </a:bodyPr>
+            <a:lstStyle/>
+            <a:p>
+              <a:pPr defTabSz="914099" fontAlgn="base">
+                <a:spcBef>
+                  <a:spcPct val="0"/>
+                </a:spcBef>
+                <a:spcAft>
+                  <a:spcPct val="0"/>
+                </a:spcAft>
+              </a:pPr>
+              <a:r>
+                <a:rPr lang="en-US" altLang="zh-CN" sz="2400" dirty="0" smtClean="0">
+                  <a:gradFill>
+                    <a:gsLst>
+                      <a:gs pos="0">
+                        <a:srgbClr val="FFFFFF"/>
+                      </a:gs>
+                      <a:gs pos="100000">
+                        <a:srgbClr val="FFFFFF"/>
+                      </a:gs>
+                    </a:gsLst>
+                    <a:lin ang="5400000" scaled="0"/>
+                  </a:gradFill>
+                </a:rPr>
+                <a:t>Cache</a:t>
+              </a:r>
+              <a:endParaRPr lang="en-US" sz="2400" dirty="0">
+                <a:gradFill>
+                  <a:gsLst>
+                    <a:gs pos="0">
+                      <a:srgbClr val="FFFFFF"/>
+                    </a:gs>
+                    <a:gs pos="100000">
+                      <a:srgbClr val="FFFFFF"/>
+                    </a:gs>
+                  </a:gsLst>
+                  <a:lin ang="5400000" scaled="0"/>
+                </a:gradFill>
+              </a:endParaRPr>
+            </a:p>
+          </p:txBody>
+        </p:sp>
+        <p:pic>
+          <p:nvPicPr>
+            <p:cNvPr id="13" name="Picture 4" descr="C:\Users\Jonahs\Dropbox\Projects SCOTT\MEET Windows Azure\source\Background\tile-icon-cache.png"/>
+            <p:cNvPicPr>
+              <a:picLocks noChangeAspect="1" noChangeArrowheads="1"/>
+            </p:cNvPicPr>
+            <p:nvPr/>
+          </p:nvPicPr>
+          <p:blipFill>
+            <a:blip r:embed="rId4">
+              <a:extLst>
+                <a:ext uri="{28A0092B-C50C-407E-A947-70E740481C1C}">
+                  <a14:useLocalDpi xmlns:a14="http://schemas.microsoft.com/office/drawing/2010/main" val="0"/>
+                </a:ext>
+              </a:extLst>
+            </a:blip>
+            <a:srcRect/>
+            <a:stretch>
+              <a:fillRect/>
+            </a:stretch>
+          </p:blipFill>
+          <p:spPr bwMode="auto">
+            <a:xfrm>
+              <a:off x="4193856" y="4643082"/>
+              <a:ext cx="851488" cy="851488"/>
+            </a:xfrm>
+            <a:prstGeom prst="rect">
+              <a:avLst/>
+            </a:prstGeom>
+            <a:grpFill/>
+            <a:ln>
+              <a:solidFill>
+                <a:schemeClr val="accent2">
+                  <a:lumMod val="75000"/>
+                </a:schemeClr>
+              </a:solidFill>
+            </a:ln>
+            <a:extLst/>
+          </p:spPr>
+        </p:pic>
+      </p:grpSp>
+      <p:grpSp>
+        <p:nvGrpSpPr>
+          <p:cNvPr id="14" name="Group 13"/>
+          <p:cNvGrpSpPr/>
+          <p:nvPr/>
+        </p:nvGrpSpPr>
+        <p:grpSpPr>
+          <a:xfrm>
+            <a:off x="5680053" y="4547267"/>
+            <a:ext cx="1900671" cy="1768432"/>
+            <a:chOff x="5656726" y="4341709"/>
+            <a:chExt cx="1896557" cy="1772642"/>
+          </a:xfrm>
+          <a:solidFill>
+            <a:schemeClr val="accent2">
+              <a:lumMod val="75000"/>
+            </a:schemeClr>
+          </a:solidFill>
+        </p:grpSpPr>
+        <p:sp>
+          <p:nvSpPr>
+            <p:cNvPr id="15" name="Rectangle 14"/>
+            <p:cNvSpPr/>
+            <p:nvPr/>
+          </p:nvSpPr>
+          <p:spPr bwMode="auto">
+            <a:xfrm>
+              <a:off x="5656726" y="4341709"/>
+              <a:ext cx="1896557" cy="1772642"/>
+            </a:xfrm>
+            <a:prstGeom prst="rect">
+              <a:avLst/>
+            </a:prstGeom>
+            <a:grpFill/>
+            <a:ln>
+              <a:solidFill>
+                <a:schemeClr val="accent2">
+                  <a:lumMod val="75000"/>
+                </a:schemeClr>
+              </a:solidFill>
+              <a:headEnd type="none" w="med" len="med"/>
+              <a:tailEnd type="none" w="med" len="med"/>
+            </a:ln>
+          </p:spPr>
+          <p:style>
+            <a:lnRef idx="2">
+              <a:schemeClr val="accent2">
+                <a:shade val="50000"/>
+              </a:schemeClr>
+            </a:lnRef>
+            <a:fillRef idx="1">
+              <a:schemeClr val="accent2"/>
+            </a:fillRef>
+            <a:effectRef idx="0">
+              <a:schemeClr val="accent2"/>
+            </a:effectRef>
+            <a:fontRef idx="minor">
+              <a:schemeClr val="lt1"/>
+            </a:fontRef>
+          </p:style>
+          <p:txBody>
+            <a:bodyPr vert="horz" wrap="square" lIns="91440" tIns="91440" rIns="91436" bIns="91440" numCol="1" rtlCol="0" anchor="b" anchorCtr="0" compatLnSpc="1">
+              <a:prstTxWarp prst="textNoShape">
+                <a:avLst/>
+              </a:prstTxWarp>
+            </a:bodyPr>
+            <a:lstStyle/>
+            <a:p>
+              <a:pPr defTabSz="914099" fontAlgn="base">
+                <a:spcBef>
+                  <a:spcPct val="0"/>
+                </a:spcBef>
+                <a:spcAft>
+                  <a:spcPct val="0"/>
+                </a:spcAft>
+              </a:pPr>
+              <a:r>
+                <a:rPr lang="en-US" altLang="zh-CN" sz="2400" dirty="0" smtClean="0">
+                  <a:gradFill>
+                    <a:gsLst>
+                      <a:gs pos="0">
+                        <a:srgbClr val="FFFFFF"/>
+                      </a:gs>
+                      <a:gs pos="100000">
+                        <a:srgbClr val="FFFFFF"/>
+                      </a:gs>
+                    </a:gsLst>
+                    <a:lin ang="5400000" scaled="0"/>
+                  </a:gradFill>
+                </a:rPr>
+                <a:t>CDN</a:t>
+              </a:r>
+              <a:endParaRPr lang="en-US" sz="2400" dirty="0">
+                <a:gradFill>
+                  <a:gsLst>
+                    <a:gs pos="0">
+                      <a:srgbClr val="FFFFFF"/>
+                    </a:gs>
+                    <a:gs pos="100000">
+                      <a:srgbClr val="FFFFFF"/>
+                    </a:gs>
+                  </a:gsLst>
+                  <a:lin ang="5400000" scaled="0"/>
+                </a:gradFill>
+              </a:endParaRPr>
+            </a:p>
+          </p:txBody>
+        </p:sp>
+        <p:pic>
+          <p:nvPicPr>
+            <p:cNvPr id="16" name="Picture 5" descr="C:\Users\Jonahs\Dropbox\Projects SCOTT\MEET Windows Azure\source\Background\tile-icon-CDN.png"/>
+            <p:cNvPicPr>
+              <a:picLocks noChangeAspect="1" noChangeArrowheads="1"/>
+            </p:cNvPicPr>
+            <p:nvPr/>
+          </p:nvPicPr>
+          <p:blipFill>
+            <a:blip r:embed="rId5">
+              <a:extLst>
+                <a:ext uri="{28A0092B-C50C-407E-A947-70E740481C1C}">
+                  <a14:useLocalDpi xmlns:a14="http://schemas.microsoft.com/office/drawing/2010/main" val="0"/>
+                </a:ext>
+              </a:extLst>
+            </a:blip>
+            <a:srcRect/>
+            <a:stretch>
+              <a:fillRect/>
+            </a:stretch>
+          </p:blipFill>
+          <p:spPr bwMode="auto">
+            <a:xfrm>
+              <a:off x="6179260" y="4671657"/>
+              <a:ext cx="851488" cy="851488"/>
+            </a:xfrm>
+            <a:prstGeom prst="rect">
+              <a:avLst/>
+            </a:prstGeom>
+            <a:grpFill/>
+            <a:ln>
+              <a:solidFill>
+                <a:schemeClr val="accent2">
+                  <a:lumMod val="75000"/>
+                </a:schemeClr>
+              </a:solidFill>
+            </a:ln>
+            <a:extLst/>
+          </p:spPr>
+        </p:pic>
+      </p:grpSp>
+      <p:grpSp>
+        <p:nvGrpSpPr>
+          <p:cNvPr id="17" name="Group 16"/>
+          <p:cNvGrpSpPr/>
+          <p:nvPr/>
+        </p:nvGrpSpPr>
+        <p:grpSpPr>
+          <a:xfrm>
+            <a:off x="3663070" y="767575"/>
+            <a:ext cx="1900671" cy="1768432"/>
+            <a:chOff x="3671323" y="596839"/>
+            <a:chExt cx="1896557" cy="1772642"/>
+          </a:xfrm>
+          <a:solidFill>
+            <a:schemeClr val="accent2">
+              <a:lumMod val="75000"/>
+            </a:schemeClr>
+          </a:solidFill>
+        </p:grpSpPr>
+        <p:sp>
+          <p:nvSpPr>
+            <p:cNvPr id="18" name="Rectangle 17"/>
+            <p:cNvSpPr/>
+            <p:nvPr/>
+          </p:nvSpPr>
+          <p:spPr bwMode="auto">
+            <a:xfrm>
+              <a:off x="3671323" y="596839"/>
+              <a:ext cx="1896557" cy="1772642"/>
+            </a:xfrm>
+            <a:prstGeom prst="rect">
+              <a:avLst/>
+            </a:prstGeom>
+            <a:grpFill/>
+            <a:ln>
+              <a:solidFill>
+                <a:schemeClr val="accent2">
+                  <a:lumMod val="75000"/>
+                </a:schemeClr>
+              </a:solidFill>
+              <a:headEnd type="none" w="med" len="med"/>
+              <a:tailEnd type="none" w="med" len="med"/>
+            </a:ln>
+          </p:spPr>
+          <p:style>
+            <a:lnRef idx="2">
+              <a:schemeClr val="accent2">
+                <a:shade val="50000"/>
+              </a:schemeClr>
+            </a:lnRef>
+            <a:fillRef idx="1">
+              <a:schemeClr val="accent2"/>
+            </a:fillRef>
+            <a:effectRef idx="0">
+              <a:schemeClr val="accent2"/>
+            </a:effectRef>
+            <a:fontRef idx="minor">
+              <a:schemeClr val="lt1"/>
+            </a:fontRef>
+          </p:style>
+          <p:txBody>
+            <a:bodyPr vert="horz" wrap="square" lIns="91440" tIns="91440" rIns="91436" bIns="91440" numCol="1" rtlCol="0" anchor="b" anchorCtr="0" compatLnSpc="1">
+              <a:prstTxWarp prst="textNoShape">
+                <a:avLst/>
+              </a:prstTxWarp>
+            </a:bodyPr>
+            <a:lstStyle/>
+            <a:p>
+              <a:pPr defTabSz="914099" fontAlgn="base">
+                <a:spcBef>
+                  <a:spcPct val="0"/>
+                </a:spcBef>
+                <a:spcAft>
+                  <a:spcPct val="0"/>
+                </a:spcAft>
+              </a:pPr>
+              <a:r>
+                <a:rPr lang="en-US" altLang="zh-CN" sz="2400" dirty="0" smtClean="0">
+                  <a:gradFill>
+                    <a:gsLst>
+                      <a:gs pos="0">
+                        <a:srgbClr val="FFFFFF"/>
+                      </a:gs>
+                      <a:gs pos="100000">
+                        <a:srgbClr val="FFFFFF"/>
+                      </a:gs>
+                    </a:gsLst>
+                    <a:lin ang="5400000" scaled="0"/>
+                  </a:gradFill>
+                </a:rPr>
+                <a:t>Database</a:t>
+              </a:r>
+              <a:endParaRPr lang="en-US" sz="2400" dirty="0">
+                <a:gradFill>
+                  <a:gsLst>
+                    <a:gs pos="0">
+                      <a:srgbClr val="FFFFFF"/>
+                    </a:gs>
+                    <a:gs pos="100000">
+                      <a:srgbClr val="FFFFFF"/>
+                    </a:gs>
+                  </a:gsLst>
+                  <a:lin ang="5400000" scaled="0"/>
+                </a:gradFill>
+              </a:endParaRPr>
+            </a:p>
+          </p:txBody>
+        </p:sp>
+        <p:pic>
+          <p:nvPicPr>
+            <p:cNvPr id="19" name="Picture 6" descr="C:\Users\Jonahs\Dropbox\Projects SCOTT\MEET Windows Azure\source\Background\tile-icon-database.png"/>
+            <p:cNvPicPr>
+              <a:picLocks noChangeAspect="1" noChangeArrowheads="1"/>
+            </p:cNvPicPr>
+            <p:nvPr/>
+          </p:nvPicPr>
+          <p:blipFill>
+            <a:blip r:embed="rId6">
+              <a:extLst>
+                <a:ext uri="{28A0092B-C50C-407E-A947-70E740481C1C}">
+                  <a14:useLocalDpi xmlns:a14="http://schemas.microsoft.com/office/drawing/2010/main" val="0"/>
+                </a:ext>
+              </a:extLst>
+            </a:blip>
+            <a:srcRect/>
+            <a:stretch>
+              <a:fillRect/>
+            </a:stretch>
+          </p:blipFill>
+          <p:spPr bwMode="auto">
+            <a:xfrm>
+              <a:off x="4193856" y="926787"/>
+              <a:ext cx="851488" cy="851488"/>
+            </a:xfrm>
+            <a:prstGeom prst="rect">
+              <a:avLst/>
+            </a:prstGeom>
+            <a:grpFill/>
+            <a:ln>
+              <a:solidFill>
+                <a:schemeClr val="accent2">
+                  <a:lumMod val="75000"/>
+                </a:schemeClr>
+              </a:solidFill>
+            </a:ln>
+            <a:extLst/>
+          </p:spPr>
+        </p:pic>
+      </p:grpSp>
+      <p:grpSp>
+        <p:nvGrpSpPr>
+          <p:cNvPr id="20" name="Group 19"/>
+          <p:cNvGrpSpPr/>
+          <p:nvPr/>
+        </p:nvGrpSpPr>
+        <p:grpSpPr>
+          <a:xfrm>
+            <a:off x="9738656" y="2657422"/>
+            <a:ext cx="1900671" cy="1768432"/>
+            <a:chOff x="9645631" y="2476591"/>
+            <a:chExt cx="1896557" cy="1772642"/>
+          </a:xfrm>
+          <a:solidFill>
+            <a:schemeClr val="accent2">
+              <a:lumMod val="75000"/>
+            </a:schemeClr>
+          </a:solidFill>
+        </p:grpSpPr>
+        <p:sp>
+          <p:nvSpPr>
+            <p:cNvPr id="21" name="Rectangle 20"/>
+            <p:cNvSpPr/>
+            <p:nvPr/>
+          </p:nvSpPr>
+          <p:spPr bwMode="auto">
+            <a:xfrm>
+              <a:off x="9645631" y="2476591"/>
+              <a:ext cx="1896557" cy="1772642"/>
+            </a:xfrm>
+            <a:prstGeom prst="rect">
+              <a:avLst/>
+            </a:prstGeom>
+            <a:grpFill/>
+            <a:ln>
+              <a:solidFill>
+                <a:schemeClr val="accent2">
+                  <a:lumMod val="75000"/>
+                </a:schemeClr>
+              </a:solidFill>
+              <a:headEnd type="none" w="med" len="med"/>
+              <a:tailEnd type="none" w="med" len="med"/>
+            </a:ln>
+          </p:spPr>
+          <p:style>
+            <a:lnRef idx="2">
+              <a:schemeClr val="accent2">
+                <a:shade val="50000"/>
+              </a:schemeClr>
+            </a:lnRef>
+            <a:fillRef idx="1">
+              <a:schemeClr val="accent2"/>
+            </a:fillRef>
+            <a:effectRef idx="0">
+              <a:schemeClr val="accent2"/>
+            </a:effectRef>
+            <a:fontRef idx="minor">
+              <a:schemeClr val="lt1"/>
+            </a:fontRef>
+          </p:style>
+          <p:txBody>
+            <a:bodyPr vert="horz" wrap="square" lIns="91440" tIns="91440" rIns="91436" bIns="91440" numCol="1" rtlCol="0" anchor="b" anchorCtr="0" compatLnSpc="1">
+              <a:prstTxWarp prst="textNoShape">
+                <a:avLst/>
+              </a:prstTxWarp>
+            </a:bodyPr>
+            <a:lstStyle/>
+            <a:p>
+              <a:pPr defTabSz="914099" fontAlgn="base">
+                <a:spcBef>
+                  <a:spcPct val="0"/>
+                </a:spcBef>
+                <a:spcAft>
+                  <a:spcPct val="0"/>
+                </a:spcAft>
+              </a:pPr>
+              <a:r>
+                <a:rPr lang="en-US" altLang="zh-CN" sz="2400" dirty="0" smtClean="0">
+                  <a:gradFill>
+                    <a:gsLst>
+                      <a:gs pos="0">
+                        <a:srgbClr val="FFFFFF"/>
+                      </a:gs>
+                      <a:gs pos="100000">
+                        <a:srgbClr val="FFFFFF"/>
+                      </a:gs>
+                    </a:gsLst>
+                    <a:lin ang="5400000" scaled="0"/>
+                  </a:gradFill>
+                </a:rPr>
+                <a:t>Identity</a:t>
+              </a:r>
+              <a:endParaRPr lang="en-US" sz="2400" dirty="0">
+                <a:gradFill>
+                  <a:gsLst>
+                    <a:gs pos="0">
+                      <a:srgbClr val="FFFFFF"/>
+                    </a:gs>
+                    <a:gs pos="100000">
+                      <a:srgbClr val="FFFFFF"/>
+                    </a:gs>
+                  </a:gsLst>
+                  <a:lin ang="5400000" scaled="0"/>
+                </a:gradFill>
+              </a:endParaRPr>
+            </a:p>
+          </p:txBody>
+        </p:sp>
+        <p:pic>
+          <p:nvPicPr>
+            <p:cNvPr id="22" name="Picture 7" descr="C:\Users\Jonahs\Dropbox\Projects SCOTT\MEET Windows Azure\source\Background\tile-icon-identity.png"/>
+            <p:cNvPicPr>
+              <a:picLocks noChangeAspect="1" noChangeArrowheads="1"/>
+            </p:cNvPicPr>
+            <p:nvPr/>
+          </p:nvPicPr>
+          <p:blipFill>
+            <a:blip r:embed="rId7">
+              <a:extLst>
+                <a:ext uri="{28A0092B-C50C-407E-A947-70E740481C1C}">
+                  <a14:useLocalDpi xmlns:a14="http://schemas.microsoft.com/office/drawing/2010/main" val="0"/>
+                </a:ext>
+              </a:extLst>
+            </a:blip>
+            <a:srcRect/>
+            <a:stretch>
+              <a:fillRect/>
+            </a:stretch>
+          </p:blipFill>
+          <p:spPr bwMode="auto">
+            <a:xfrm>
+              <a:off x="10168165" y="2705562"/>
+              <a:ext cx="851488" cy="851488"/>
+            </a:xfrm>
+            <a:prstGeom prst="rect">
+              <a:avLst/>
+            </a:prstGeom>
+            <a:grpFill/>
+            <a:ln>
+              <a:solidFill>
+                <a:schemeClr val="accent2">
+                  <a:lumMod val="75000"/>
+                </a:schemeClr>
+              </a:solidFill>
+            </a:ln>
+            <a:extLst/>
+          </p:spPr>
+        </p:pic>
+      </p:grpSp>
+      <p:grpSp>
+        <p:nvGrpSpPr>
+          <p:cNvPr id="23" name="Group 22"/>
+          <p:cNvGrpSpPr/>
+          <p:nvPr/>
+        </p:nvGrpSpPr>
+        <p:grpSpPr>
+          <a:xfrm>
+            <a:off x="3663070" y="4547266"/>
+            <a:ext cx="1900671" cy="1768432"/>
+            <a:chOff x="5665775" y="596839"/>
+            <a:chExt cx="1896557" cy="1772642"/>
+          </a:xfrm>
+          <a:solidFill>
+            <a:schemeClr val="accent2">
+              <a:lumMod val="75000"/>
+            </a:schemeClr>
+          </a:solidFill>
+        </p:grpSpPr>
+        <p:sp>
+          <p:nvSpPr>
+            <p:cNvPr id="24" name="Rectangle 23"/>
+            <p:cNvSpPr/>
+            <p:nvPr/>
+          </p:nvSpPr>
+          <p:spPr bwMode="auto">
+            <a:xfrm>
+              <a:off x="5665775" y="596839"/>
+              <a:ext cx="1896557" cy="1772642"/>
+            </a:xfrm>
+            <a:prstGeom prst="rect">
+              <a:avLst/>
+            </a:prstGeom>
+            <a:grpFill/>
+            <a:ln>
+              <a:solidFill>
+                <a:schemeClr val="accent2">
+                  <a:lumMod val="75000"/>
+                </a:schemeClr>
+              </a:solidFill>
+              <a:headEnd type="none" w="med" len="med"/>
+              <a:tailEnd type="none" w="med" len="med"/>
+            </a:ln>
+          </p:spPr>
+          <p:style>
+            <a:lnRef idx="2">
+              <a:schemeClr val="accent2">
+                <a:shade val="50000"/>
+              </a:schemeClr>
+            </a:lnRef>
+            <a:fillRef idx="1">
+              <a:schemeClr val="accent2"/>
+            </a:fillRef>
+            <a:effectRef idx="0">
+              <a:schemeClr val="accent2"/>
+            </a:effectRef>
+            <a:fontRef idx="minor">
+              <a:schemeClr val="lt1"/>
+            </a:fontRef>
+          </p:style>
+          <p:txBody>
+            <a:bodyPr vert="horz" wrap="square" lIns="91440" tIns="91440" rIns="91436" bIns="91440" numCol="1" rtlCol="0" anchor="b" anchorCtr="0" compatLnSpc="1">
+              <a:prstTxWarp prst="textNoShape">
+                <a:avLst/>
+              </a:prstTxWarp>
+            </a:bodyPr>
+            <a:lstStyle/>
+            <a:p>
+              <a:pPr defTabSz="914099" fontAlgn="base">
+                <a:spcBef>
+                  <a:spcPct val="0"/>
+                </a:spcBef>
+                <a:spcAft>
+                  <a:spcPct val="0"/>
+                </a:spcAft>
+              </a:pPr>
+              <a:r>
+                <a:rPr lang="en-US" altLang="zh-CN" sz="2400" dirty="0" smtClean="0">
+                  <a:gradFill>
+                    <a:gsLst>
+                      <a:gs pos="0">
+                        <a:srgbClr val="FFFFFF"/>
+                      </a:gs>
+                      <a:gs pos="100000">
+                        <a:srgbClr val="FFFFFF"/>
+                      </a:gs>
+                    </a:gsLst>
+                    <a:lin ang="5400000" scaled="0"/>
+                  </a:gradFill>
+                </a:rPr>
+                <a:t>Media</a:t>
+              </a:r>
+              <a:endParaRPr lang="en-US" sz="2400" dirty="0">
+                <a:gradFill>
+                  <a:gsLst>
+                    <a:gs pos="0">
+                      <a:srgbClr val="FFFFFF"/>
+                    </a:gs>
+                    <a:gs pos="100000">
+                      <a:srgbClr val="FFFFFF"/>
+                    </a:gs>
+                  </a:gsLst>
+                  <a:lin ang="5400000" scaled="0"/>
+                </a:gradFill>
+              </a:endParaRPr>
+            </a:p>
+          </p:txBody>
+        </p:sp>
+        <p:pic>
+          <p:nvPicPr>
+            <p:cNvPr id="25" name="Picture 8" descr="C:\Users\Jonahs\Dropbox\Projects SCOTT\MEET Windows Azure\source\Background\tile-icon-media.png"/>
+            <p:cNvPicPr>
+              <a:picLocks noChangeAspect="1" noChangeArrowheads="1"/>
+            </p:cNvPicPr>
+            <p:nvPr/>
+          </p:nvPicPr>
+          <p:blipFill>
+            <a:blip r:embed="rId8">
+              <a:extLst>
+                <a:ext uri="{28A0092B-C50C-407E-A947-70E740481C1C}">
+                  <a14:useLocalDpi xmlns:a14="http://schemas.microsoft.com/office/drawing/2010/main" val="0"/>
+                </a:ext>
+              </a:extLst>
+            </a:blip>
+            <a:srcRect/>
+            <a:stretch>
+              <a:fillRect/>
+            </a:stretch>
+          </p:blipFill>
+          <p:spPr bwMode="auto">
+            <a:xfrm>
+              <a:off x="6188309" y="898212"/>
+              <a:ext cx="851488" cy="851488"/>
+            </a:xfrm>
+            <a:prstGeom prst="rect">
+              <a:avLst/>
+            </a:prstGeom>
+            <a:grpFill/>
+            <a:ln>
+              <a:solidFill>
+                <a:schemeClr val="accent2">
+                  <a:lumMod val="75000"/>
+                </a:schemeClr>
+              </a:solidFill>
+            </a:ln>
+            <a:extLst/>
+          </p:spPr>
+        </p:pic>
+      </p:grpSp>
+      <p:grpSp>
+        <p:nvGrpSpPr>
+          <p:cNvPr id="26" name="Group 25"/>
+          <p:cNvGrpSpPr/>
+          <p:nvPr/>
+        </p:nvGrpSpPr>
+        <p:grpSpPr>
+          <a:xfrm>
+            <a:off x="7709352" y="4547267"/>
+            <a:ext cx="1900671" cy="1768432"/>
+            <a:chOff x="7651178" y="4341709"/>
+            <a:chExt cx="1896557" cy="1772642"/>
+          </a:xfrm>
+          <a:solidFill>
+            <a:schemeClr val="accent2">
+              <a:lumMod val="75000"/>
+            </a:schemeClr>
+          </a:solidFill>
+        </p:grpSpPr>
+        <p:sp>
+          <p:nvSpPr>
+            <p:cNvPr id="27" name="Rectangle 26"/>
+            <p:cNvSpPr/>
+            <p:nvPr/>
+          </p:nvSpPr>
+          <p:spPr bwMode="auto">
+            <a:xfrm>
+              <a:off x="7651178" y="4341709"/>
+              <a:ext cx="1896557" cy="1772642"/>
+            </a:xfrm>
+            <a:prstGeom prst="rect">
+              <a:avLst/>
+            </a:prstGeom>
+            <a:grpFill/>
+            <a:ln>
+              <a:solidFill>
+                <a:schemeClr val="accent2">
+                  <a:lumMod val="75000"/>
+                </a:schemeClr>
+              </a:solidFill>
+              <a:headEnd type="none" w="med" len="med"/>
+              <a:tailEnd type="none" w="med" len="med"/>
+            </a:ln>
+          </p:spPr>
+          <p:style>
+            <a:lnRef idx="2">
+              <a:schemeClr val="accent2">
+                <a:shade val="50000"/>
+              </a:schemeClr>
+            </a:lnRef>
+            <a:fillRef idx="1">
+              <a:schemeClr val="accent2"/>
+            </a:fillRef>
+            <a:effectRef idx="0">
+              <a:schemeClr val="accent2"/>
+            </a:effectRef>
+            <a:fontRef idx="minor">
+              <a:schemeClr val="lt1"/>
+            </a:fontRef>
+          </p:style>
+          <p:txBody>
+            <a:bodyPr vert="horz" wrap="square" lIns="91440" tIns="91440" rIns="91436" bIns="91440" numCol="1" rtlCol="0" anchor="b" anchorCtr="0" compatLnSpc="1">
+              <a:prstTxWarp prst="textNoShape">
+                <a:avLst/>
+              </a:prstTxWarp>
+            </a:bodyPr>
+            <a:lstStyle/>
+            <a:p>
+              <a:pPr defTabSz="914099" fontAlgn="base">
+                <a:spcBef>
+                  <a:spcPct val="0"/>
+                </a:spcBef>
+                <a:spcAft>
+                  <a:spcPct val="0"/>
+                </a:spcAft>
+              </a:pPr>
+              <a:r>
+                <a:rPr lang="en-US" altLang="zh-CN" sz="2400" dirty="0" smtClean="0">
+                  <a:gradFill>
+                    <a:gsLst>
+                      <a:gs pos="0">
+                        <a:srgbClr val="FFFFFF"/>
+                      </a:gs>
+                      <a:gs pos="100000">
+                        <a:srgbClr val="FFFFFF"/>
+                      </a:gs>
+                    </a:gsLst>
+                    <a:lin ang="5400000" scaled="0"/>
+                  </a:gradFill>
+                </a:rPr>
+                <a:t>Networking</a:t>
+              </a:r>
+              <a:endParaRPr lang="en-US" sz="2400" dirty="0">
+                <a:gradFill>
+                  <a:gsLst>
+                    <a:gs pos="0">
+                      <a:srgbClr val="FFFFFF"/>
+                    </a:gs>
+                    <a:gs pos="100000">
+                      <a:srgbClr val="FFFFFF"/>
+                    </a:gs>
+                  </a:gsLst>
+                  <a:lin ang="5400000" scaled="0"/>
+                </a:gradFill>
+              </a:endParaRPr>
+            </a:p>
+          </p:txBody>
+        </p:sp>
+        <p:pic>
+          <p:nvPicPr>
+            <p:cNvPr id="28" name="Picture 10" descr="C:\Users\Jonahs\Dropbox\Projects SCOTT\MEET Windows Azure\source\Background\tile-icon-network.png"/>
+            <p:cNvPicPr>
+              <a:picLocks noChangeAspect="1" noChangeArrowheads="1"/>
+            </p:cNvPicPr>
+            <p:nvPr/>
+          </p:nvPicPr>
+          <p:blipFill>
+            <a:blip r:embed="rId9">
+              <a:extLst>
+                <a:ext uri="{28A0092B-C50C-407E-A947-70E740481C1C}">
+                  <a14:useLocalDpi xmlns:a14="http://schemas.microsoft.com/office/drawing/2010/main" val="0"/>
+                </a:ext>
+              </a:extLst>
+            </a:blip>
+            <a:srcRect/>
+            <a:stretch>
+              <a:fillRect/>
+            </a:stretch>
+          </p:blipFill>
+          <p:spPr bwMode="auto">
+            <a:xfrm>
+              <a:off x="8173712" y="4671657"/>
+              <a:ext cx="851488" cy="851488"/>
+            </a:xfrm>
+            <a:prstGeom prst="rect">
+              <a:avLst/>
+            </a:prstGeom>
+            <a:grpFill/>
+            <a:ln>
+              <a:solidFill>
+                <a:schemeClr val="accent2">
+                  <a:lumMod val="75000"/>
+                </a:schemeClr>
+              </a:solidFill>
+            </a:ln>
+            <a:extLst/>
+          </p:spPr>
+        </p:pic>
+      </p:grpSp>
+      <p:grpSp>
+        <p:nvGrpSpPr>
+          <p:cNvPr id="29" name="Group 28"/>
+          <p:cNvGrpSpPr/>
+          <p:nvPr/>
+        </p:nvGrpSpPr>
+        <p:grpSpPr>
+          <a:xfrm>
+            <a:off x="7709356" y="767577"/>
+            <a:ext cx="1900671" cy="1768432"/>
+            <a:chOff x="5665775" y="2466267"/>
+            <a:chExt cx="1896557" cy="1772642"/>
+          </a:xfrm>
+          <a:solidFill>
+            <a:schemeClr val="accent2">
+              <a:lumMod val="75000"/>
+            </a:schemeClr>
+          </a:solidFill>
+        </p:grpSpPr>
+        <p:sp>
+          <p:nvSpPr>
+            <p:cNvPr id="30" name="Rectangle 29"/>
+            <p:cNvSpPr/>
+            <p:nvPr/>
+          </p:nvSpPr>
+          <p:spPr bwMode="auto">
+            <a:xfrm>
+              <a:off x="5665775" y="2466267"/>
+              <a:ext cx="1896557" cy="1772642"/>
+            </a:xfrm>
+            <a:prstGeom prst="rect">
+              <a:avLst/>
+            </a:prstGeom>
+            <a:grpFill/>
+            <a:ln>
+              <a:solidFill>
+                <a:schemeClr val="accent2">
+                  <a:lumMod val="75000"/>
+                </a:schemeClr>
+              </a:solidFill>
+              <a:headEnd type="none" w="med" len="med"/>
+              <a:tailEnd type="none" w="med" len="med"/>
+            </a:ln>
+          </p:spPr>
+          <p:style>
+            <a:lnRef idx="2">
+              <a:schemeClr val="accent2">
+                <a:shade val="50000"/>
+              </a:schemeClr>
+            </a:lnRef>
+            <a:fillRef idx="1">
+              <a:schemeClr val="accent2"/>
+            </a:fillRef>
+            <a:effectRef idx="0">
+              <a:schemeClr val="accent2"/>
+            </a:effectRef>
+            <a:fontRef idx="minor">
+              <a:schemeClr val="lt1"/>
+            </a:fontRef>
+          </p:style>
+          <p:txBody>
+            <a:bodyPr vert="horz" wrap="square" lIns="91440" tIns="91440" rIns="91436" bIns="91440" numCol="1" rtlCol="0" anchor="b" anchorCtr="0" compatLnSpc="1">
+              <a:prstTxWarp prst="textNoShape">
+                <a:avLst/>
+              </a:prstTxWarp>
+            </a:bodyPr>
+            <a:lstStyle/>
+            <a:p>
+              <a:pPr defTabSz="914099" fontAlgn="base">
+                <a:spcBef>
+                  <a:spcPct val="0"/>
+                </a:spcBef>
+                <a:spcAft>
+                  <a:spcPct val="0"/>
+                </a:spcAft>
+              </a:pPr>
+              <a:r>
+                <a:rPr lang="en-US" altLang="zh-CN" sz="2400" dirty="0" smtClean="0">
+                  <a:gradFill>
+                    <a:gsLst>
+                      <a:gs pos="0">
+                        <a:srgbClr val="FFFFFF"/>
+                      </a:gs>
+                      <a:gs pos="100000">
+                        <a:srgbClr val="FFFFFF"/>
+                      </a:gs>
+                    </a:gsLst>
+                    <a:lin ang="5400000" scaled="0"/>
+                  </a:gradFill>
+                </a:rPr>
+                <a:t>Traffic</a:t>
+              </a:r>
+              <a:endParaRPr lang="en-US" sz="2400" dirty="0">
+                <a:gradFill>
+                  <a:gsLst>
+                    <a:gs pos="0">
+                      <a:srgbClr val="FFFFFF"/>
+                    </a:gs>
+                    <a:gs pos="100000">
+                      <a:srgbClr val="FFFFFF"/>
+                    </a:gs>
+                  </a:gsLst>
+                  <a:lin ang="5400000" scaled="0"/>
+                </a:gradFill>
+              </a:endParaRPr>
+            </a:p>
+          </p:txBody>
+        </p:sp>
+        <p:pic>
+          <p:nvPicPr>
+            <p:cNvPr id="31" name="Picture 2"/>
+            <p:cNvPicPr>
+              <a:picLocks noChangeAspect="1" noChangeArrowheads="1"/>
+            </p:cNvPicPr>
+            <p:nvPr/>
+          </p:nvPicPr>
+          <p:blipFill>
+            <a:blip r:embed="rId10" cstate="print">
+              <a:extLst>
+                <a:ext uri="{28A0092B-C50C-407E-A947-70E740481C1C}">
+                  <a14:useLocalDpi xmlns:a14="http://schemas.microsoft.com/office/drawing/2010/main" val="0"/>
+                </a:ext>
+              </a:extLst>
+            </a:blip>
+            <a:stretch>
+              <a:fillRect/>
+            </a:stretch>
+          </p:blipFill>
+          <p:spPr bwMode="auto">
+            <a:xfrm>
+              <a:off x="6188309" y="2751666"/>
+              <a:ext cx="851488" cy="851488"/>
+            </a:xfrm>
+            <a:prstGeom prst="rect">
+              <a:avLst/>
+            </a:prstGeom>
+            <a:grpFill/>
+            <a:ln>
+              <a:solidFill>
+                <a:schemeClr val="accent2">
+                  <a:lumMod val="75000"/>
+                </a:schemeClr>
+              </a:solidFill>
+            </a:ln>
+            <a:extLst/>
+          </p:spPr>
+        </p:pic>
+      </p:grpSp>
+      <p:grpSp>
+        <p:nvGrpSpPr>
+          <p:cNvPr id="32" name="Group 31"/>
+          <p:cNvGrpSpPr/>
+          <p:nvPr/>
+        </p:nvGrpSpPr>
+        <p:grpSpPr>
+          <a:xfrm>
+            <a:off x="9721146" y="750719"/>
+            <a:ext cx="1935690" cy="1802143"/>
+            <a:chOff x="10197893" y="3549247"/>
+            <a:chExt cx="1555355" cy="1453733"/>
+          </a:xfrm>
+          <a:solidFill>
+            <a:schemeClr val="accent2">
+              <a:lumMod val="75000"/>
+            </a:schemeClr>
+          </a:solidFill>
+        </p:grpSpPr>
+        <p:sp>
+          <p:nvSpPr>
+            <p:cNvPr id="33" name="Rectangle 32"/>
+            <p:cNvSpPr/>
+            <p:nvPr/>
+          </p:nvSpPr>
+          <p:spPr bwMode="auto">
+            <a:xfrm>
+              <a:off x="10197893" y="3549247"/>
+              <a:ext cx="1555355" cy="1453733"/>
+            </a:xfrm>
+            <a:prstGeom prst="rect">
+              <a:avLst/>
+            </a:prstGeom>
+            <a:grpFill/>
+            <a:ln>
+              <a:solidFill>
+                <a:schemeClr val="accent2">
+                  <a:lumMod val="75000"/>
+                </a:schemeClr>
+              </a:solidFill>
+              <a:headEnd type="none" w="med" len="med"/>
+              <a:tailEnd type="none" w="med" len="med"/>
+            </a:ln>
+            <a:effectLst/>
+          </p:spPr>
+          <p:style>
+            <a:lnRef idx="1">
+              <a:schemeClr val="accent2"/>
+            </a:lnRef>
+            <a:fillRef idx="3">
+              <a:schemeClr val="accent2"/>
+            </a:fillRef>
+            <a:effectRef idx="2">
+              <a:schemeClr val="accent2"/>
+            </a:effectRef>
+            <a:fontRef idx="minor">
+              <a:schemeClr val="lt1"/>
+            </a:fontRef>
+          </p:style>
+          <p:txBody>
+            <a:bodyPr vert="horz" wrap="square" lIns="93260" tIns="93260" rIns="91399" bIns="137160" numCol="1" rtlCol="0" anchor="b" anchorCtr="0" compatLnSpc="1">
+              <a:prstTxWarp prst="textNoShape">
+                <a:avLst/>
+              </a:prstTxWarp>
+            </a:bodyPr>
+            <a:lstStyle/>
+            <a:p>
+              <a:pPr defTabSz="932012" fontAlgn="base">
+                <a:lnSpc>
+                  <a:spcPts val="1200"/>
+                </a:lnSpc>
+                <a:spcBef>
+                  <a:spcPct val="0"/>
+                </a:spcBef>
+                <a:spcAft>
+                  <a:spcPct val="0"/>
+                </a:spcAft>
+              </a:pPr>
+              <a:r>
+                <a:rPr lang="en-US" altLang="zh-CN" sz="2400" dirty="0" smtClean="0">
+                  <a:gradFill>
+                    <a:gsLst>
+                      <a:gs pos="0">
+                        <a:srgbClr val="FFFFFF"/>
+                      </a:gs>
+                      <a:gs pos="100000">
+                        <a:srgbClr val="FFFFFF"/>
+                      </a:gs>
+                    </a:gsLst>
+                    <a:lin ang="5400000" scaled="0"/>
+                  </a:gradFill>
+                </a:rPr>
+                <a:t>Mobile</a:t>
+              </a:r>
+              <a:endParaRPr lang="en-US" sz="2400" dirty="0">
+                <a:gradFill>
+                  <a:gsLst>
+                    <a:gs pos="0">
+                      <a:srgbClr val="FFFFFF"/>
+                    </a:gs>
+                    <a:gs pos="100000">
+                      <a:srgbClr val="FFFFFF"/>
+                    </a:gs>
+                  </a:gsLst>
+                  <a:lin ang="5400000" scaled="0"/>
+                </a:gradFill>
+              </a:endParaRPr>
+            </a:p>
+          </p:txBody>
+        </p:sp>
+        <p:pic>
+          <p:nvPicPr>
+            <p:cNvPr id="34" name="Picture 33"/>
+            <p:cNvPicPr>
+              <a:picLocks noChangeAspect="1"/>
+            </p:cNvPicPr>
+            <p:nvPr/>
+          </p:nvPicPr>
+          <p:blipFill>
+            <a:blip r:embed="rId11" cstate="print">
+              <a:extLst>
+                <a:ext uri="{BEBA8EAE-BF5A-486C-A8C5-ECC9F3942E4B}">
+                  <a14:imgProps xmlns:a14="http://schemas.microsoft.com/office/drawing/2010/main">
+                    <a14:imgLayer r:embed="rId12">
+                      <a14:imgEffect>
+                        <a14:brightnessContrast bright="100000"/>
+                      </a14:imgEffect>
+                    </a14:imgLayer>
+                  </a14:imgProps>
+                </a:ext>
+                <a:ext uri="{28A0092B-C50C-407E-A947-70E740481C1C}">
+                  <a14:useLocalDpi xmlns:a14="http://schemas.microsoft.com/office/drawing/2010/main"/>
+                </a:ext>
+              </a:extLst>
+            </a:blip>
+            <a:stretch>
+              <a:fillRect/>
+            </a:stretch>
+          </p:blipFill>
+          <p:spPr>
+            <a:xfrm>
+              <a:off x="10777075" y="3788257"/>
+              <a:ext cx="406201" cy="689406"/>
+            </a:xfrm>
+            <a:prstGeom prst="rect">
+              <a:avLst/>
+            </a:prstGeom>
+            <a:grpFill/>
+            <a:ln>
+              <a:solidFill>
+                <a:schemeClr val="accent2">
+                  <a:lumMod val="75000"/>
+                </a:schemeClr>
+              </a:solidFill>
+            </a:ln>
+          </p:spPr>
+        </p:pic>
+      </p:grpSp>
+      <p:grpSp>
+        <p:nvGrpSpPr>
+          <p:cNvPr id="35" name="Group 34"/>
+          <p:cNvGrpSpPr/>
+          <p:nvPr/>
+        </p:nvGrpSpPr>
+        <p:grpSpPr>
+          <a:xfrm>
+            <a:off x="7709356" y="2657422"/>
+            <a:ext cx="1900671" cy="1768432"/>
+            <a:chOff x="5733802" y="2427734"/>
+            <a:chExt cx="1492821" cy="1280255"/>
+          </a:xfrm>
+          <a:solidFill>
+            <a:schemeClr val="accent2">
+              <a:lumMod val="75000"/>
+            </a:schemeClr>
+          </a:solidFill>
+        </p:grpSpPr>
+        <p:sp>
+          <p:nvSpPr>
+            <p:cNvPr id="36" name="Rectangle 35"/>
+            <p:cNvSpPr/>
+            <p:nvPr/>
+          </p:nvSpPr>
+          <p:spPr bwMode="auto">
+            <a:xfrm>
+              <a:off x="5733802" y="2427734"/>
+              <a:ext cx="1492821" cy="1280255"/>
+            </a:xfrm>
+            <a:prstGeom prst="rect">
+              <a:avLst/>
+            </a:prstGeom>
+            <a:grpFill/>
+            <a:ln>
+              <a:solidFill>
+                <a:schemeClr val="accent2">
+                  <a:lumMod val="75000"/>
+                </a:schemeClr>
+              </a:solidFill>
+              <a:headEnd type="none" w="med" len="med"/>
+              <a:tailEnd type="none" w="med" len="med"/>
+            </a:ln>
+          </p:spPr>
+          <p:style>
+            <a:lnRef idx="2">
+              <a:schemeClr val="accent2">
+                <a:shade val="50000"/>
+              </a:schemeClr>
+            </a:lnRef>
+            <a:fillRef idx="1">
+              <a:schemeClr val="accent2"/>
+            </a:fillRef>
+            <a:effectRef idx="0">
+              <a:schemeClr val="accent2"/>
+            </a:effectRef>
+            <a:fontRef idx="minor">
+              <a:schemeClr val="lt1"/>
+            </a:fontRef>
+          </p:style>
+          <p:txBody>
+            <a:bodyPr vert="horz" wrap="square" lIns="91440" tIns="91440" rIns="91436" bIns="91440" numCol="1" rtlCol="0" anchor="b" anchorCtr="0" compatLnSpc="1">
+              <a:prstTxWarp prst="textNoShape">
+                <a:avLst/>
+              </a:prstTxWarp>
+            </a:bodyPr>
+            <a:lstStyle/>
+            <a:p>
+              <a:pPr defTabSz="914099" fontAlgn="base">
+                <a:spcBef>
+                  <a:spcPct val="0"/>
+                </a:spcBef>
+                <a:spcAft>
+                  <a:spcPct val="0"/>
+                </a:spcAft>
+              </a:pPr>
+              <a:r>
+                <a:rPr lang="en-US" altLang="zh-CN" sz="2400" dirty="0" smtClean="0">
+                  <a:gradFill>
+                    <a:gsLst>
+                      <a:gs pos="0">
+                        <a:srgbClr val="FFFFFF"/>
+                      </a:gs>
+                      <a:gs pos="100000">
+                        <a:srgbClr val="FFFFFF"/>
+                      </a:gs>
+                    </a:gsLst>
+                    <a:lin ang="5400000" scaled="0"/>
+                  </a:gradFill>
+                </a:rPr>
+                <a:t>Service Bus</a:t>
+              </a:r>
+              <a:endParaRPr lang="en-US" sz="2400" dirty="0">
+                <a:gradFill>
+                  <a:gsLst>
+                    <a:gs pos="0">
+                      <a:srgbClr val="FFFFFF"/>
+                    </a:gs>
+                    <a:gs pos="100000">
+                      <a:srgbClr val="FFFFFF"/>
+                    </a:gs>
+                  </a:gsLst>
+                  <a:lin ang="5400000" scaled="0"/>
+                </a:gradFill>
+              </a:endParaRPr>
+            </a:p>
+          </p:txBody>
+        </p:sp>
+        <p:pic>
+          <p:nvPicPr>
+            <p:cNvPr id="37" name="Picture 36"/>
+            <p:cNvPicPr>
+              <a:picLocks noChangeAspect="1"/>
+            </p:cNvPicPr>
+            <p:nvPr/>
+          </p:nvPicPr>
+          <p:blipFill>
+            <a:blip r:embed="rId13"/>
+            <a:stretch>
+              <a:fillRect/>
+            </a:stretch>
+          </p:blipFill>
+          <p:spPr>
+            <a:xfrm>
+              <a:off x="6186090" y="2645395"/>
+              <a:ext cx="546150" cy="617924"/>
+            </a:xfrm>
+            <a:prstGeom prst="rect">
+              <a:avLst/>
+            </a:prstGeom>
+            <a:grpFill/>
+            <a:ln>
+              <a:solidFill>
+                <a:schemeClr val="accent2">
+                  <a:lumMod val="75000"/>
+                </a:schemeClr>
+              </a:solidFill>
+            </a:ln>
+          </p:spPr>
+        </p:pic>
+      </p:grpSp>
+      <p:grpSp>
+        <p:nvGrpSpPr>
+          <p:cNvPr id="38" name="Group 37"/>
+          <p:cNvGrpSpPr/>
+          <p:nvPr/>
+        </p:nvGrpSpPr>
+        <p:grpSpPr>
+          <a:xfrm>
+            <a:off x="5680051" y="2664608"/>
+            <a:ext cx="1900671" cy="1768433"/>
+            <a:chOff x="3671322" y="4341710"/>
+            <a:chExt cx="1896557" cy="1772642"/>
+          </a:xfrm>
+          <a:solidFill>
+            <a:schemeClr val="accent2">
+              <a:lumMod val="75000"/>
+            </a:schemeClr>
+          </a:solidFill>
+        </p:grpSpPr>
+        <p:sp>
+          <p:nvSpPr>
+            <p:cNvPr id="39" name="Rectangle 38"/>
+            <p:cNvSpPr/>
+            <p:nvPr/>
+          </p:nvSpPr>
+          <p:spPr bwMode="auto">
+            <a:xfrm>
+              <a:off x="3671322" y="4341710"/>
+              <a:ext cx="1896557" cy="1772642"/>
+            </a:xfrm>
+            <a:prstGeom prst="rect">
+              <a:avLst/>
+            </a:prstGeom>
+            <a:grpFill/>
+            <a:ln>
+              <a:solidFill>
+                <a:schemeClr val="accent2">
+                  <a:lumMod val="75000"/>
+                </a:schemeClr>
+              </a:solidFill>
+              <a:headEnd type="none" w="med" len="med"/>
+              <a:tailEnd type="none" w="med" len="med"/>
+            </a:ln>
+          </p:spPr>
+          <p:style>
+            <a:lnRef idx="2">
+              <a:schemeClr val="accent2">
+                <a:shade val="50000"/>
+              </a:schemeClr>
+            </a:lnRef>
+            <a:fillRef idx="1">
+              <a:schemeClr val="accent2"/>
+            </a:fillRef>
+            <a:effectRef idx="0">
+              <a:schemeClr val="accent2"/>
+            </a:effectRef>
+            <a:fontRef idx="minor">
+              <a:schemeClr val="lt1"/>
+            </a:fontRef>
+          </p:style>
+          <p:txBody>
+            <a:bodyPr vert="horz" wrap="square" lIns="91440" tIns="91440" rIns="91436" bIns="91440" numCol="1" rtlCol="0" anchor="b" anchorCtr="0" compatLnSpc="1">
+              <a:prstTxWarp prst="textNoShape">
+                <a:avLst/>
+              </a:prstTxWarp>
+            </a:bodyPr>
+            <a:lstStyle/>
+            <a:p>
+              <a:pPr defTabSz="914099" fontAlgn="base">
+                <a:spcBef>
+                  <a:spcPct val="0"/>
+                </a:spcBef>
+                <a:spcAft>
+                  <a:spcPct val="0"/>
+                </a:spcAft>
+              </a:pPr>
+              <a:r>
+                <a:rPr lang="en-US" altLang="zh-CN" sz="2400" dirty="0" smtClean="0">
+                  <a:gradFill>
+                    <a:gsLst>
+                      <a:gs pos="0">
+                        <a:srgbClr val="FFFFFF"/>
+                      </a:gs>
+                      <a:gs pos="100000">
+                        <a:srgbClr val="FFFFFF"/>
+                      </a:gs>
+                    </a:gsLst>
+                    <a:lin ang="5400000" scaled="0"/>
+                  </a:gradFill>
+                </a:rPr>
+                <a:t>Caching</a:t>
+              </a:r>
+              <a:endParaRPr lang="en-US" sz="2400" dirty="0">
+                <a:gradFill>
+                  <a:gsLst>
+                    <a:gs pos="0">
+                      <a:srgbClr val="FFFFFF"/>
+                    </a:gs>
+                    <a:gs pos="100000">
+                      <a:srgbClr val="FFFFFF"/>
+                    </a:gs>
+                  </a:gsLst>
+                  <a:lin ang="5400000" scaled="0"/>
+                </a:gradFill>
+              </a:endParaRPr>
+            </a:p>
+          </p:txBody>
+        </p:sp>
+        <p:pic>
+          <p:nvPicPr>
+            <p:cNvPr id="40" name="Picture 4" descr="C:\Users\Jonahs\Dropbox\Projects SCOTT\MEET Windows Azure\source\Background\tile-icon-cache.png"/>
+            <p:cNvPicPr>
+              <a:picLocks noChangeAspect="1" noChangeArrowheads="1"/>
+            </p:cNvPicPr>
+            <p:nvPr/>
+          </p:nvPicPr>
+          <p:blipFill>
+            <a:blip r:embed="rId4">
+              <a:extLst>
+                <a:ext uri="{28A0092B-C50C-407E-A947-70E740481C1C}">
+                  <a14:useLocalDpi xmlns:a14="http://schemas.microsoft.com/office/drawing/2010/main" val="0"/>
+                </a:ext>
+              </a:extLst>
+            </a:blip>
+            <a:srcRect/>
+            <a:stretch>
+              <a:fillRect/>
+            </a:stretch>
+          </p:blipFill>
+          <p:spPr bwMode="auto">
+            <a:xfrm>
+              <a:off x="4193856" y="4643085"/>
+              <a:ext cx="851488" cy="851488"/>
+            </a:xfrm>
+            <a:prstGeom prst="rect">
+              <a:avLst/>
+            </a:prstGeom>
+            <a:grpFill/>
+            <a:ln>
+              <a:solidFill>
+                <a:schemeClr val="accent2">
+                  <a:lumMod val="75000"/>
+                </a:schemeClr>
+              </a:solidFill>
+            </a:ln>
+            <a:extLst/>
+          </p:spPr>
+        </p:pic>
+      </p:grpSp>
+      <p:grpSp>
+        <p:nvGrpSpPr>
+          <p:cNvPr id="41" name="Group 40"/>
+          <p:cNvGrpSpPr/>
+          <p:nvPr/>
+        </p:nvGrpSpPr>
+        <p:grpSpPr>
+          <a:xfrm>
+            <a:off x="5680051" y="2650235"/>
+            <a:ext cx="1900671" cy="1782806"/>
+            <a:chOff x="3671322" y="4341710"/>
+            <a:chExt cx="1896557" cy="1772642"/>
+          </a:xfrm>
+          <a:solidFill>
+            <a:schemeClr val="accent2">
+              <a:lumMod val="75000"/>
+            </a:schemeClr>
+          </a:solidFill>
+        </p:grpSpPr>
+        <p:sp>
+          <p:nvSpPr>
+            <p:cNvPr id="42" name="Rectangle 41"/>
+            <p:cNvSpPr/>
+            <p:nvPr/>
+          </p:nvSpPr>
+          <p:spPr bwMode="auto">
+            <a:xfrm>
+              <a:off x="3671322" y="4341710"/>
+              <a:ext cx="1896557" cy="1772642"/>
+            </a:xfrm>
+            <a:prstGeom prst="rect">
+              <a:avLst/>
+            </a:prstGeom>
+            <a:solidFill>
+              <a:schemeClr val="accent1"/>
+            </a:solidFill>
+            <a:ln>
+              <a:solidFill>
+                <a:schemeClr val="accent1"/>
+              </a:solidFill>
+              <a:headEnd type="none" w="med" len="med"/>
+              <a:tailEnd type="none" w="med" len="med"/>
+            </a:ln>
+          </p:spPr>
+          <p:style>
+            <a:lnRef idx="2">
+              <a:schemeClr val="accent2">
+                <a:shade val="50000"/>
+              </a:schemeClr>
+            </a:lnRef>
+            <a:fillRef idx="1">
+              <a:schemeClr val="accent2"/>
+            </a:fillRef>
+            <a:effectRef idx="0">
+              <a:schemeClr val="accent2"/>
+            </a:effectRef>
+            <a:fontRef idx="minor">
+              <a:schemeClr val="lt1"/>
+            </a:fontRef>
+          </p:style>
+          <p:txBody>
+            <a:bodyPr vert="horz" wrap="square" lIns="91440" tIns="91440" rIns="91436" bIns="91440" numCol="1" rtlCol="0" anchor="b" anchorCtr="0" compatLnSpc="1">
+              <a:prstTxWarp prst="textNoShape">
+                <a:avLst/>
+              </a:prstTxWarp>
+            </a:bodyPr>
+            <a:lstStyle/>
+            <a:p>
+              <a:pPr defTabSz="914099" fontAlgn="base">
+                <a:spcBef>
+                  <a:spcPct val="0"/>
+                </a:spcBef>
+                <a:spcAft>
+                  <a:spcPct val="0"/>
+                </a:spcAft>
+              </a:pPr>
+              <a:r>
+                <a:rPr lang="en-US" altLang="zh-CN" sz="2400" dirty="0" smtClean="0">
+                  <a:gradFill>
+                    <a:gsLst>
+                      <a:gs pos="0">
+                        <a:srgbClr val="FFFFFF"/>
+                      </a:gs>
+                      <a:gs pos="100000">
+                        <a:srgbClr val="FFFFFF"/>
+                      </a:gs>
+                    </a:gsLst>
+                    <a:lin ang="5400000" scaled="0"/>
+                  </a:gradFill>
+                </a:rPr>
+                <a:t>Caching</a:t>
+              </a:r>
+              <a:endParaRPr lang="en-US" sz="2400" dirty="0">
+                <a:gradFill>
+                  <a:gsLst>
+                    <a:gs pos="0">
+                      <a:srgbClr val="FFFFFF"/>
+                    </a:gs>
+                    <a:gs pos="100000">
+                      <a:srgbClr val="FFFFFF"/>
+                    </a:gs>
+                  </a:gsLst>
+                  <a:lin ang="5400000" scaled="0"/>
+                </a:gradFill>
+              </a:endParaRPr>
+            </a:p>
+          </p:txBody>
+        </p:sp>
+        <p:pic>
+          <p:nvPicPr>
+            <p:cNvPr id="43" name="Picture 4" descr="C:\Users\Jonahs\Dropbox\Projects SCOTT\MEET Windows Azure\source\Background\tile-icon-cache.png"/>
+            <p:cNvPicPr>
+              <a:picLocks noChangeAspect="1" noChangeArrowheads="1"/>
+            </p:cNvPicPr>
+            <p:nvPr/>
+          </p:nvPicPr>
+          <p:blipFill>
+            <a:blip r:embed="rId4">
+              <a:extLst>
+                <a:ext uri="{28A0092B-C50C-407E-A947-70E740481C1C}">
+                  <a14:useLocalDpi xmlns:a14="http://schemas.microsoft.com/office/drawing/2010/main" val="0"/>
+                </a:ext>
+              </a:extLst>
+            </a:blip>
+            <a:srcRect/>
+            <a:stretch>
+              <a:fillRect/>
+            </a:stretch>
+          </p:blipFill>
+          <p:spPr bwMode="auto">
+            <a:xfrm>
+              <a:off x="4193856" y="4643085"/>
+              <a:ext cx="851488" cy="851488"/>
+            </a:xfrm>
+            <a:prstGeom prst="rect">
+              <a:avLst/>
+            </a:prstGeom>
+            <a:solidFill>
+              <a:schemeClr val="accent1"/>
+            </a:solidFill>
+            <a:ln>
+              <a:solidFill>
+                <a:schemeClr val="accent1"/>
+              </a:solidFill>
+            </a:ln>
+            <a:extLst/>
+          </p:spPr>
+        </p:pic>
+      </p:grpSp>
+    </p:spTree>
+    <p:extLst>
+      <p:ext uri="{BB962C8B-B14F-4D97-AF65-F5344CB8AC3E}">
+        <p14:creationId xmlns:p14="http://schemas.microsoft.com/office/powerpoint/2010/main" val="1830846132"/>
+      </p:ext>
+    </p:extLst>
+  </p:cSld>
+  <p:clrMapOvr>
+    <a:masterClrMapping/>
+  </p:clrMapOvr>
+  <p:transition>
+    <p:fade/>
+  </p:transition>
+  <p:timing>
+    <p:tnLst>
+      <p:par>
+        <p:cTn id="1" dur="indefinite" restart="never" nodeType="tmRoot">
+          <p:childTnLst>
+            <p:seq concurrent="1" nextAc="seek">
+              <p:cTn id="2" dur="indefinite" nodeType="mainSeq">
+                <p:childTnLst>
+                  <p:par>
+                    <p:cTn id="3" fill="hold">
+                      <p:stCondLst>
+                        <p:cond delay="indefinite"/>
+                        <p:cond evt="onBegin" delay="0">
+                          <p:tn val="2"/>
+                        </p:cond>
+                      </p:stCondLst>
+                      <p:childTnLst>
+                        <p:par>
+                          <p:cTn id="4" fill="hold">
+                            <p:stCondLst>
+                              <p:cond delay="0"/>
+                            </p:stCondLst>
+                            <p:childTnLst>
+                              <p:par>
+                                <p:cTn id="5" presetID="10" presetClass="entr" presetSubtype="0" fill="hold" nodeType="afterEffect">
+                                  <p:stCondLst>
+                                    <p:cond delay="0"/>
+                                  </p:stCondLst>
+                                  <p:childTnLst>
+                                    <p:set>
+                                      <p:cBhvr>
+                                        <p:cTn id="6" dur="1" fill="hold">
+                                          <p:stCondLst>
+                                            <p:cond delay="0"/>
+                                          </p:stCondLst>
+                                        </p:cTn>
+                                        <p:tgtEl>
+                                          <p:spTgt spid="41"/>
+                                        </p:tgtEl>
+                                        <p:attrNameLst>
+                                          <p:attrName>style.visibility</p:attrName>
+                                        </p:attrNameLst>
+                                      </p:cBhvr>
+                                      <p:to>
+                                        <p:strVal val="visible"/>
+                                      </p:to>
+                                    </p:set>
+                                    <p:animEffect transition="in" filter="fade">
+                                      <p:cBhvr>
+                                        <p:cTn id="7" dur="500"/>
+                                        <p:tgtEl>
+                                          <p:spTgt spid="41"/>
+                                        </p:tgtEl>
+                                      </p:cBhvr>
+                                    </p:animEffect>
+                                  </p:childTnLst>
+                                </p:cTn>
+                              </p:par>
+                            </p:childTnLst>
+                          </p:cTn>
+                        </p:par>
+                      </p:childTnLst>
+                    </p:cTn>
+                  </p:par>
+                </p:childTnLst>
+              </p:cTn>
+              <p:prevCondLst>
+                <p:cond evt="onPrev" delay="0">
+                  <p:tgtEl>
+                    <p:sldTgt/>
+                  </p:tgtEl>
+                </p:cond>
+              </p:prevCondLst>
+              <p:nextCondLst>
+                <p:cond evt="onNext" delay="0">
+                  <p:tgtEl>
+                    <p:sldTgt/>
+                  </p:tgtEl>
+                </p:cond>
+              </p:nextCondLst>
+            </p:seq>
+          </p:childTnLst>
+        </p:cTn>
+      </p:par>
+    </p:tnLst>
+  </p:timing>
+</p:sld>
+</file>
+
+<file path=ppt/slides/slide6.xml><?xml version="1.0" encoding="utf-8"?>
+<p:sld xmlns:a="http://schemas.openxmlformats.org/drawingml/2006/main" xmlns:r="http://schemas.openxmlformats.org/officeDocument/2006/relationships" xmlns:p="http://schemas.openxmlformats.org/presentationml/2006/main">
+  <p:cSld>
+    <p:spTree>
+      <p:nvGrpSpPr>
+        <p:cNvPr id="1" name=""/>
+        <p:cNvGrpSpPr/>
+        <p:nvPr/>
+      </p:nvGrpSpPr>
+      <p:grpSpPr>
+        <a:xfrm>
+          <a:off x="0" y="0"/>
+          <a:ext cx="0" cy="0"/>
+          <a:chOff x="0" y="0"/>
+          <a:chExt cx="0" cy="0"/>
+        </a:xfrm>
+      </p:grpSpPr>
+      <p:sp>
+        <p:nvSpPr>
+          <p:cNvPr id="2" name="Title 1"/>
+          <p:cNvSpPr>
+            <a:spLocks noGrp="1"/>
+          </p:cNvSpPr>
+          <p:nvPr>
+            <p:ph type="ctrTitle"/>
+          </p:nvPr>
+        </p:nvSpPr>
+        <p:spPr/>
+        <p:txBody>
+          <a:bodyPr/>
+          <a:lstStyle/>
+          <a:p>
+            <a:r>
+              <a:rPr lang="en-US" dirty="0" smtClean="0"/>
+              <a:t>Caching</a:t>
+            </a:r>
+            <a:endParaRPr lang="en-US" dirty="0"/>
+          </a:p>
+        </p:txBody>
+      </p:sp>
+      <p:sp>
+        <p:nvSpPr>
+          <p:cNvPr id="3" name="Subtitle 2"/>
+          <p:cNvSpPr>
+            <a:spLocks noGrp="1"/>
+          </p:cNvSpPr>
+          <p:nvPr>
+            <p:ph type="subTitle" idx="1"/>
+          </p:nvPr>
+        </p:nvSpPr>
+        <p:spPr>
+          <a:xfrm>
+            <a:off x="1889124" y="5630472"/>
+            <a:ext cx="5392209" cy="461665"/>
+          </a:xfrm>
+        </p:spPr>
+        <p:txBody>
+          <a:bodyPr/>
+          <a:lstStyle/>
+          <a:p>
+            <a:r>
+              <a:rPr lang="en-US" dirty="0" smtClean="0"/>
+              <a:t>Use Caching to improve performance</a:t>
+            </a:r>
+            <a:endParaRPr lang="en-US" dirty="0"/>
+          </a:p>
+        </p:txBody>
+      </p:sp>
+      <p:sp>
+        <p:nvSpPr>
+          <p:cNvPr id="4" name="Text Placeholder 3"/>
+          <p:cNvSpPr>
+            <a:spLocks noGrp="1"/>
+          </p:cNvSpPr>
+          <p:nvPr>
+            <p:ph type="body" sz="quarter" idx="10"/>
+          </p:nvPr>
+        </p:nvSpPr>
+        <p:spPr/>
+        <p:txBody>
+          <a:bodyPr/>
+          <a:lstStyle/>
+          <a:p>
+            <a:r>
+              <a:rPr lang="en-US" dirty="0" smtClean="0"/>
+              <a:t>Twitter Reader</a:t>
+            </a:r>
+            <a:endParaRPr lang="en-US" dirty="0"/>
+          </a:p>
+        </p:txBody>
+      </p:sp>
+    </p:spTree>
+    <p:extLst>
+      <p:ext uri="{BB962C8B-B14F-4D97-AF65-F5344CB8AC3E}">
+        <p14:creationId xmlns:p14="http://schemas.microsoft.com/office/powerpoint/2010/main" val="764928468"/>
+      </p:ext>
+    </p:extLst>
+  </p:cSld>
+  <p:clrMapOvr>
+    <a:masterClrMapping/>
+  </p:clrMapOvr>
+  <p:transition>
+    <p:fade/>
+  </p:transition>
+  <p:timing>
+    <p:tnLst>
+      <p:par>
+        <p:cTn id="1" dur="indefinite" restart="never" nodeType="tmRoot"/>
+      </p:par>
+    </p:tnLst>
+  </p:timing>
+</p:sld>
+</file>
+
+<file path=ppt/slides/slide7.xml><?xml version="1.0" encoding="utf-8"?>
+<p:sld xmlns:a="http://schemas.openxmlformats.org/drawingml/2006/main" xmlns:r="http://schemas.openxmlformats.org/officeDocument/2006/relationships" xmlns:p="http://schemas.openxmlformats.org/presentationml/2006/main">
+  <p:cSld>
+    <p:spTree>
+      <p:nvGrpSpPr>
+        <p:cNvPr id="1" name=""/>
+        <p:cNvGrpSpPr/>
+        <p:nvPr/>
+      </p:nvGrpSpPr>
+      <p:grpSpPr>
+        <a:xfrm>
+          <a:off x="0" y="0"/>
+          <a:ext cx="0" cy="0"/>
+          <a:chOff x="0" y="0"/>
+          <a:chExt cx="0" cy="0"/>
+        </a:xfrm>
+      </p:grpSpPr>
+      <p:sp>
+        <p:nvSpPr>
+          <p:cNvPr id="4" name="Title 3"/>
+          <p:cNvSpPr txBox="1">
+            <a:spLocks/>
+          </p:cNvSpPr>
+          <p:nvPr/>
+        </p:nvSpPr>
+        <p:spPr>
+          <a:xfrm>
+            <a:off x="484560" y="2832400"/>
+            <a:ext cx="4773654" cy="1492241"/>
+          </a:xfrm>
+          <a:prstGeom prst="rect">
+            <a:avLst/>
+          </a:prstGeom>
+        </p:spPr>
+        <p:txBody>
+          <a:bodyPr vert="horz" lIns="91440" tIns="45720" rIns="91440" bIns="45720" rtlCol="0" anchor="ctr">
+            <a:normAutofit/>
+          </a:bodyPr>
+          <a:lstStyle>
+            <a:lvl1pPr algn="ctr" defTabSz="914400" rtl="0" eaLnBrk="1" latinLnBrk="0" hangingPunct="1">
+              <a:spcBef>
+                <a:spcPct val="0"/>
+              </a:spcBef>
+              <a:buNone/>
+              <a:defRPr sz="4400" b="1" kern="1200">
+                <a:solidFill>
+                  <a:schemeClr val="bg1"/>
+                </a:solidFill>
+                <a:latin typeface="微软雅黑" pitchFamily="34" charset="-122"/>
+                <a:ea typeface="微软雅黑" pitchFamily="34" charset="-122"/>
+                <a:cs typeface="+mj-cs"/>
+              </a:defRPr>
+            </a:lvl1pPr>
+          </a:lstStyle>
+          <a:p>
+            <a:r>
+              <a:rPr lang="en-US" altLang="zh-CN" dirty="0" smtClean="0">
+                <a:solidFill>
+                  <a:schemeClr val="tx1">
+                    <a:lumMod val="65000"/>
+                    <a:lumOff val="35000"/>
+                  </a:schemeClr>
+                </a:solidFill>
+              </a:rPr>
+              <a:t>Storage</a:t>
+            </a:r>
+            <a:endParaRPr lang="en-US" dirty="0">
+              <a:solidFill>
+                <a:schemeClr val="tx1">
+                  <a:lumMod val="65000"/>
+                  <a:lumOff val="35000"/>
+                </a:schemeClr>
+              </a:solidFill>
+            </a:endParaRPr>
+          </a:p>
+        </p:txBody>
+      </p:sp>
+      <p:grpSp>
+        <p:nvGrpSpPr>
+          <p:cNvPr id="5" name="Group 4"/>
+          <p:cNvGrpSpPr/>
+          <p:nvPr/>
+        </p:nvGrpSpPr>
+        <p:grpSpPr>
+          <a:xfrm>
+            <a:off x="5674860" y="767575"/>
+            <a:ext cx="1900671" cy="1768432"/>
+            <a:chOff x="5665775" y="2466267"/>
+            <a:chExt cx="1896557" cy="1772642"/>
+          </a:xfrm>
+          <a:solidFill>
+            <a:schemeClr val="accent2">
+              <a:lumMod val="75000"/>
+            </a:schemeClr>
+          </a:solidFill>
+        </p:grpSpPr>
+        <p:sp>
+          <p:nvSpPr>
+            <p:cNvPr id="6" name="Rectangle 5"/>
+            <p:cNvSpPr/>
+            <p:nvPr/>
+          </p:nvSpPr>
+          <p:spPr bwMode="auto">
+            <a:xfrm>
+              <a:off x="5665775" y="2466267"/>
+              <a:ext cx="1896557" cy="1772642"/>
+            </a:xfrm>
+            <a:prstGeom prst="rect">
+              <a:avLst/>
+            </a:prstGeom>
+            <a:grpFill/>
+            <a:ln>
+              <a:solidFill>
+                <a:schemeClr val="accent2">
+                  <a:lumMod val="75000"/>
+                </a:schemeClr>
+              </a:solidFill>
+              <a:headEnd type="none" w="med" len="med"/>
+              <a:tailEnd type="none" w="med" len="med"/>
+            </a:ln>
+          </p:spPr>
+          <p:style>
+            <a:lnRef idx="2">
+              <a:schemeClr val="accent2">
+                <a:shade val="50000"/>
+              </a:schemeClr>
+            </a:lnRef>
+            <a:fillRef idx="1">
+              <a:schemeClr val="accent2"/>
+            </a:fillRef>
+            <a:effectRef idx="0">
+              <a:schemeClr val="accent2"/>
+            </a:effectRef>
+            <a:fontRef idx="minor">
+              <a:schemeClr val="lt1"/>
+            </a:fontRef>
+          </p:style>
+          <p:txBody>
+            <a:bodyPr vert="horz" wrap="square" lIns="91440" tIns="91440" rIns="91436" bIns="91440" numCol="1" rtlCol="0" anchor="b" anchorCtr="0" compatLnSpc="1">
+              <a:prstTxWarp prst="textNoShape">
+                <a:avLst/>
+              </a:prstTxWarp>
+            </a:bodyPr>
+            <a:lstStyle/>
+            <a:p>
+              <a:pPr defTabSz="914099" fontAlgn="base">
+                <a:spcBef>
+                  <a:spcPct val="0"/>
+                </a:spcBef>
+                <a:spcAft>
+                  <a:spcPct val="0"/>
+                </a:spcAft>
+              </a:pPr>
+              <a:r>
+                <a:rPr lang="en-US" altLang="zh-CN" sz="2400" dirty="0" smtClean="0">
+                  <a:gradFill>
+                    <a:gsLst>
+                      <a:gs pos="0">
+                        <a:srgbClr val="FFFFFF"/>
+                      </a:gs>
+                      <a:gs pos="100000">
+                        <a:srgbClr val="FFFFFF"/>
+                      </a:gs>
+                    </a:gsLst>
+                    <a:lin ang="5400000" scaled="0"/>
+                  </a:gradFill>
+                </a:rPr>
+                <a:t>Storage</a:t>
+              </a:r>
+              <a:endParaRPr lang="en-US" sz="2400" dirty="0">
+                <a:gradFill>
+                  <a:gsLst>
+                    <a:gs pos="0">
+                      <a:srgbClr val="FFFFFF"/>
+                    </a:gs>
+                    <a:gs pos="100000">
+                      <a:srgbClr val="FFFFFF"/>
+                    </a:gs>
+                  </a:gsLst>
+                  <a:lin ang="5400000" scaled="0"/>
+                </a:gradFill>
+              </a:endParaRPr>
+            </a:p>
+          </p:txBody>
+        </p:sp>
+        <p:pic>
+          <p:nvPicPr>
+            <p:cNvPr id="7" name="Picture 2" descr="C:\Users\Jonahs\Dropbox\Projects SCOTT\MEET Windows Azure\source\Background\tile-icon-storage.png"/>
+            <p:cNvPicPr>
+              <a:picLocks noChangeAspect="1" noChangeArrowheads="1"/>
+            </p:cNvPicPr>
+            <p:nvPr/>
+          </p:nvPicPr>
+          <p:blipFill>
+            <a:blip r:embed="rId2">
+              <a:extLst>
+                <a:ext uri="{28A0092B-C50C-407E-A947-70E740481C1C}">
+                  <a14:useLocalDpi xmlns:a14="http://schemas.microsoft.com/office/drawing/2010/main" val="0"/>
+                </a:ext>
+              </a:extLst>
+            </a:blip>
+            <a:srcRect/>
+            <a:stretch>
+              <a:fillRect/>
+            </a:stretch>
+          </p:blipFill>
+          <p:spPr bwMode="auto">
+            <a:xfrm>
+              <a:off x="6188309" y="2751666"/>
+              <a:ext cx="851488" cy="851488"/>
+            </a:xfrm>
+            <a:prstGeom prst="rect">
+              <a:avLst/>
+            </a:prstGeom>
+            <a:grpFill/>
+            <a:ln>
+              <a:solidFill>
+                <a:schemeClr val="accent2">
+                  <a:lumMod val="75000"/>
+                </a:schemeClr>
+              </a:solidFill>
+            </a:ln>
+            <a:extLst/>
+          </p:spPr>
+        </p:pic>
+      </p:grpSp>
+      <p:grpSp>
+        <p:nvGrpSpPr>
+          <p:cNvPr id="8" name="Group 7"/>
+          <p:cNvGrpSpPr/>
+          <p:nvPr/>
+        </p:nvGrpSpPr>
+        <p:grpSpPr>
+          <a:xfrm>
+            <a:off x="1646086" y="767577"/>
+            <a:ext cx="1900671" cy="1768432"/>
+            <a:chOff x="1685919" y="596839"/>
+            <a:chExt cx="1896557" cy="1772642"/>
+          </a:xfrm>
+          <a:solidFill>
+            <a:schemeClr val="accent2">
+              <a:lumMod val="75000"/>
+            </a:schemeClr>
+          </a:solidFill>
+        </p:grpSpPr>
+        <p:sp>
+          <p:nvSpPr>
+            <p:cNvPr id="9" name="Rectangle 8"/>
+            <p:cNvSpPr/>
+            <p:nvPr/>
+          </p:nvSpPr>
+          <p:spPr bwMode="auto">
+            <a:xfrm>
+              <a:off x="1685919" y="596839"/>
+              <a:ext cx="1896557" cy="1772642"/>
+            </a:xfrm>
+            <a:prstGeom prst="rect">
+              <a:avLst/>
+            </a:prstGeom>
+            <a:grpFill/>
+            <a:ln>
+              <a:solidFill>
+                <a:schemeClr val="accent2">
+                  <a:lumMod val="75000"/>
+                </a:schemeClr>
+              </a:solidFill>
+              <a:headEnd type="none" w="med" len="med"/>
+              <a:tailEnd type="none" w="med" len="med"/>
+            </a:ln>
+          </p:spPr>
+          <p:style>
+            <a:lnRef idx="2">
+              <a:schemeClr val="accent2">
+                <a:shade val="50000"/>
+              </a:schemeClr>
+            </a:lnRef>
+            <a:fillRef idx="1">
+              <a:schemeClr val="accent2"/>
+            </a:fillRef>
+            <a:effectRef idx="0">
+              <a:schemeClr val="accent2"/>
+            </a:effectRef>
+            <a:fontRef idx="minor">
+              <a:schemeClr val="lt1"/>
+            </a:fontRef>
+          </p:style>
+          <p:txBody>
+            <a:bodyPr vert="horz" wrap="square" lIns="91440" tIns="91440" rIns="91436" bIns="91440" numCol="1" rtlCol="0" anchor="b" anchorCtr="0" compatLnSpc="1">
+              <a:prstTxWarp prst="textNoShape">
+                <a:avLst/>
+              </a:prstTxWarp>
+            </a:bodyPr>
+            <a:lstStyle/>
+            <a:p>
+              <a:pPr defTabSz="914099" fontAlgn="base">
+                <a:spcBef>
+                  <a:spcPct val="0"/>
+                </a:spcBef>
+                <a:spcAft>
+                  <a:spcPct val="0"/>
+                </a:spcAft>
+              </a:pPr>
+              <a:r>
+                <a:rPr lang="en-US" altLang="zh-CN" sz="2400" dirty="0" smtClean="0">
+                  <a:gradFill>
+                    <a:gsLst>
+                      <a:gs pos="0">
+                        <a:srgbClr val="FFFFFF"/>
+                      </a:gs>
+                      <a:gs pos="100000">
+                        <a:srgbClr val="FFFFFF"/>
+                      </a:gs>
+                    </a:gsLst>
+                    <a:lin ang="5400000" scaled="0"/>
+                  </a:gradFill>
+                </a:rPr>
+                <a:t>Big Data</a:t>
+              </a:r>
+              <a:endParaRPr lang="en-US" sz="2400" dirty="0">
+                <a:gradFill>
+                  <a:gsLst>
+                    <a:gs pos="0">
+                      <a:srgbClr val="FFFFFF"/>
+                    </a:gs>
+                    <a:gs pos="100000">
+                      <a:srgbClr val="FFFFFF"/>
+                    </a:gs>
+                  </a:gsLst>
+                  <a:lin ang="5400000" scaled="0"/>
+                </a:gradFill>
+              </a:endParaRPr>
+            </a:p>
+          </p:txBody>
+        </p:sp>
+        <p:pic>
+          <p:nvPicPr>
+            <p:cNvPr id="10" name="Picture 3" descr="C:\Users\Jonahs\Dropbox\Projects SCOTT\MEET Windows Azure\source\Background\tile-icon-bigdata.png"/>
+            <p:cNvPicPr>
+              <a:picLocks noChangeAspect="1" noChangeArrowheads="1"/>
+            </p:cNvPicPr>
+            <p:nvPr/>
+          </p:nvPicPr>
+          <p:blipFill>
+            <a:blip r:embed="rId3">
+              <a:extLst>
+                <a:ext uri="{28A0092B-C50C-407E-A947-70E740481C1C}">
+                  <a14:useLocalDpi xmlns:a14="http://schemas.microsoft.com/office/drawing/2010/main" val="0"/>
+                </a:ext>
+              </a:extLst>
+            </a:blip>
+            <a:srcRect/>
+            <a:stretch>
+              <a:fillRect/>
+            </a:stretch>
+          </p:blipFill>
+          <p:spPr bwMode="auto">
+            <a:xfrm>
+              <a:off x="2252075" y="926787"/>
+              <a:ext cx="851488" cy="851488"/>
+            </a:xfrm>
+            <a:prstGeom prst="rect">
+              <a:avLst/>
+            </a:prstGeom>
+            <a:grpFill/>
+            <a:ln>
+              <a:solidFill>
+                <a:schemeClr val="accent2">
+                  <a:lumMod val="75000"/>
+                </a:schemeClr>
+              </a:solidFill>
+            </a:ln>
+            <a:extLst/>
+          </p:spPr>
+        </p:pic>
+      </p:grpSp>
+      <p:grpSp>
+        <p:nvGrpSpPr>
+          <p:cNvPr id="11" name="Group 10"/>
+          <p:cNvGrpSpPr/>
+          <p:nvPr/>
+        </p:nvGrpSpPr>
+        <p:grpSpPr>
+          <a:xfrm>
+            <a:off x="5680055" y="2657422"/>
+            <a:ext cx="1900671" cy="1768432"/>
+            <a:chOff x="3671322" y="4341709"/>
+            <a:chExt cx="1896557" cy="1772642"/>
+          </a:xfrm>
+          <a:solidFill>
+            <a:schemeClr val="accent2">
+              <a:lumMod val="75000"/>
+            </a:schemeClr>
+          </a:solidFill>
+        </p:grpSpPr>
+        <p:sp>
+          <p:nvSpPr>
+            <p:cNvPr id="12" name="Rectangle 11"/>
+            <p:cNvSpPr/>
+            <p:nvPr/>
+          </p:nvSpPr>
+          <p:spPr bwMode="auto">
+            <a:xfrm>
+              <a:off x="3671322" y="4341709"/>
+              <a:ext cx="1896557" cy="1772642"/>
+            </a:xfrm>
+            <a:prstGeom prst="rect">
+              <a:avLst/>
+            </a:prstGeom>
+            <a:grpFill/>
+            <a:ln>
+              <a:solidFill>
+                <a:schemeClr val="accent2">
+                  <a:lumMod val="75000"/>
+                </a:schemeClr>
+              </a:solidFill>
+              <a:headEnd type="none" w="med" len="med"/>
+              <a:tailEnd type="none" w="med" len="med"/>
+            </a:ln>
+          </p:spPr>
+          <p:style>
+            <a:lnRef idx="2">
+              <a:schemeClr val="accent2">
+                <a:shade val="50000"/>
+              </a:schemeClr>
+            </a:lnRef>
+            <a:fillRef idx="1">
+              <a:schemeClr val="accent2"/>
+            </a:fillRef>
+            <a:effectRef idx="0">
+              <a:schemeClr val="accent2"/>
+            </a:effectRef>
+            <a:fontRef idx="minor">
+              <a:schemeClr val="lt1"/>
+            </a:fontRef>
+          </p:style>
+          <p:txBody>
+            <a:bodyPr vert="horz" wrap="square" lIns="91440" tIns="91440" rIns="91436" bIns="91440" numCol="1" rtlCol="0" anchor="b" anchorCtr="0" compatLnSpc="1">
+              <a:prstTxWarp prst="textNoShape">
+                <a:avLst/>
+              </a:prstTxWarp>
+            </a:bodyPr>
+            <a:lstStyle/>
+            <a:p>
+              <a:pPr defTabSz="914099" fontAlgn="base">
+                <a:spcBef>
+                  <a:spcPct val="0"/>
+                </a:spcBef>
+                <a:spcAft>
+                  <a:spcPct val="0"/>
+                </a:spcAft>
+              </a:pPr>
+              <a:r>
+                <a:rPr lang="en-US" altLang="zh-CN" sz="2400" dirty="0" smtClean="0">
+                  <a:gradFill>
+                    <a:gsLst>
+                      <a:gs pos="0">
+                        <a:srgbClr val="FFFFFF"/>
+                      </a:gs>
+                      <a:gs pos="100000">
+                        <a:srgbClr val="FFFFFF"/>
+                      </a:gs>
+                    </a:gsLst>
+                    <a:lin ang="5400000" scaled="0"/>
+                  </a:gradFill>
+                </a:rPr>
+                <a:t>Cache</a:t>
+              </a:r>
+              <a:endParaRPr lang="en-US" sz="2400" dirty="0">
+                <a:gradFill>
+                  <a:gsLst>
+                    <a:gs pos="0">
+                      <a:srgbClr val="FFFFFF"/>
+                    </a:gs>
+                    <a:gs pos="100000">
+                      <a:srgbClr val="FFFFFF"/>
+                    </a:gs>
+                  </a:gsLst>
+                  <a:lin ang="5400000" scaled="0"/>
+                </a:gradFill>
+              </a:endParaRPr>
+            </a:p>
+          </p:txBody>
+        </p:sp>
+        <p:pic>
+          <p:nvPicPr>
+            <p:cNvPr id="13" name="Picture 4" descr="C:\Users\Jonahs\Dropbox\Projects SCOTT\MEET Windows Azure\source\Background\tile-icon-cache.png"/>
+            <p:cNvPicPr>
+              <a:picLocks noChangeAspect="1" noChangeArrowheads="1"/>
+            </p:cNvPicPr>
+            <p:nvPr/>
+          </p:nvPicPr>
+          <p:blipFill>
+            <a:blip r:embed="rId4">
+              <a:extLst>
+                <a:ext uri="{28A0092B-C50C-407E-A947-70E740481C1C}">
+                  <a14:useLocalDpi xmlns:a14="http://schemas.microsoft.com/office/drawing/2010/main" val="0"/>
+                </a:ext>
+              </a:extLst>
+            </a:blip>
+            <a:srcRect/>
+            <a:stretch>
+              <a:fillRect/>
+            </a:stretch>
+          </p:blipFill>
+          <p:spPr bwMode="auto">
+            <a:xfrm>
+              <a:off x="4193856" y="4643082"/>
+              <a:ext cx="851488" cy="851488"/>
+            </a:xfrm>
+            <a:prstGeom prst="rect">
+              <a:avLst/>
+            </a:prstGeom>
+            <a:grpFill/>
+            <a:ln>
+              <a:solidFill>
+                <a:schemeClr val="accent2">
+                  <a:lumMod val="75000"/>
+                </a:schemeClr>
+              </a:solidFill>
+            </a:ln>
+            <a:extLst/>
+          </p:spPr>
+        </p:pic>
+      </p:grpSp>
+      <p:grpSp>
+        <p:nvGrpSpPr>
+          <p:cNvPr id="14" name="Group 13"/>
+          <p:cNvGrpSpPr/>
+          <p:nvPr/>
+        </p:nvGrpSpPr>
+        <p:grpSpPr>
+          <a:xfrm>
+            <a:off x="5680053" y="4547267"/>
+            <a:ext cx="1900671" cy="1768432"/>
+            <a:chOff x="5656726" y="4341709"/>
+            <a:chExt cx="1896557" cy="1772642"/>
+          </a:xfrm>
+          <a:solidFill>
+            <a:schemeClr val="accent2">
+              <a:lumMod val="75000"/>
+            </a:schemeClr>
+          </a:solidFill>
+        </p:grpSpPr>
+        <p:sp>
+          <p:nvSpPr>
+            <p:cNvPr id="15" name="Rectangle 14"/>
+            <p:cNvSpPr/>
+            <p:nvPr/>
+          </p:nvSpPr>
+          <p:spPr bwMode="auto">
+            <a:xfrm>
+              <a:off x="5656726" y="4341709"/>
+              <a:ext cx="1896557" cy="1772642"/>
+            </a:xfrm>
+            <a:prstGeom prst="rect">
+              <a:avLst/>
+            </a:prstGeom>
+            <a:grpFill/>
+            <a:ln>
+              <a:solidFill>
+                <a:schemeClr val="accent2">
+                  <a:lumMod val="75000"/>
+                </a:schemeClr>
+              </a:solidFill>
+              <a:headEnd type="none" w="med" len="med"/>
+              <a:tailEnd type="none" w="med" len="med"/>
+            </a:ln>
+          </p:spPr>
+          <p:style>
+            <a:lnRef idx="2">
+              <a:schemeClr val="accent2">
+                <a:shade val="50000"/>
+              </a:schemeClr>
+            </a:lnRef>
+            <a:fillRef idx="1">
+              <a:schemeClr val="accent2"/>
+            </a:fillRef>
+            <a:effectRef idx="0">
+              <a:schemeClr val="accent2"/>
+            </a:effectRef>
+            <a:fontRef idx="minor">
+              <a:schemeClr val="lt1"/>
+            </a:fontRef>
+          </p:style>
+          <p:txBody>
+            <a:bodyPr vert="horz" wrap="square" lIns="91440" tIns="91440" rIns="91436" bIns="91440" numCol="1" rtlCol="0" anchor="b" anchorCtr="0" compatLnSpc="1">
+              <a:prstTxWarp prst="textNoShape">
+                <a:avLst/>
+              </a:prstTxWarp>
+            </a:bodyPr>
+            <a:lstStyle/>
+            <a:p>
+              <a:pPr defTabSz="914099" fontAlgn="base">
+                <a:spcBef>
+                  <a:spcPct val="0"/>
+                </a:spcBef>
+                <a:spcAft>
+                  <a:spcPct val="0"/>
+                </a:spcAft>
+              </a:pPr>
+              <a:r>
+                <a:rPr lang="en-US" altLang="zh-CN" sz="2400" dirty="0" smtClean="0">
+                  <a:gradFill>
+                    <a:gsLst>
+                      <a:gs pos="0">
+                        <a:srgbClr val="FFFFFF"/>
+                      </a:gs>
+                      <a:gs pos="100000">
+                        <a:srgbClr val="FFFFFF"/>
+                      </a:gs>
+                    </a:gsLst>
+                    <a:lin ang="5400000" scaled="0"/>
+                  </a:gradFill>
+                </a:rPr>
+                <a:t>CDN</a:t>
+              </a:r>
+              <a:endParaRPr lang="en-US" sz="2400" dirty="0">
+                <a:gradFill>
+                  <a:gsLst>
+                    <a:gs pos="0">
+                      <a:srgbClr val="FFFFFF"/>
+                    </a:gs>
+                    <a:gs pos="100000">
+                      <a:srgbClr val="FFFFFF"/>
+                    </a:gs>
+                  </a:gsLst>
+                  <a:lin ang="5400000" scaled="0"/>
+                </a:gradFill>
+              </a:endParaRPr>
+            </a:p>
+          </p:txBody>
+        </p:sp>
+        <p:pic>
+          <p:nvPicPr>
+            <p:cNvPr id="16" name="Picture 5" descr="C:\Users\Jonahs\Dropbox\Projects SCOTT\MEET Windows Azure\source\Background\tile-icon-CDN.png"/>
+            <p:cNvPicPr>
+              <a:picLocks noChangeAspect="1" noChangeArrowheads="1"/>
+            </p:cNvPicPr>
+            <p:nvPr/>
+          </p:nvPicPr>
+          <p:blipFill>
+            <a:blip r:embed="rId5">
+              <a:extLst>
+                <a:ext uri="{28A0092B-C50C-407E-A947-70E740481C1C}">
+                  <a14:useLocalDpi xmlns:a14="http://schemas.microsoft.com/office/drawing/2010/main" val="0"/>
+                </a:ext>
+              </a:extLst>
+            </a:blip>
+            <a:srcRect/>
+            <a:stretch>
+              <a:fillRect/>
+            </a:stretch>
+          </p:blipFill>
+          <p:spPr bwMode="auto">
+            <a:xfrm>
+              <a:off x="6179260" y="4671657"/>
+              <a:ext cx="851488" cy="851488"/>
+            </a:xfrm>
+            <a:prstGeom prst="rect">
+              <a:avLst/>
+            </a:prstGeom>
+            <a:grpFill/>
+            <a:ln>
+              <a:solidFill>
+                <a:schemeClr val="accent2">
+                  <a:lumMod val="75000"/>
+                </a:schemeClr>
+              </a:solidFill>
+            </a:ln>
+            <a:extLst/>
+          </p:spPr>
+        </p:pic>
+      </p:grpSp>
+      <p:grpSp>
+        <p:nvGrpSpPr>
+          <p:cNvPr id="17" name="Group 16"/>
+          <p:cNvGrpSpPr/>
+          <p:nvPr/>
+        </p:nvGrpSpPr>
+        <p:grpSpPr>
+          <a:xfrm>
+            <a:off x="3663070" y="767575"/>
+            <a:ext cx="1900671" cy="1768432"/>
+            <a:chOff x="3671323" y="596839"/>
+            <a:chExt cx="1896557" cy="1772642"/>
+          </a:xfrm>
+          <a:solidFill>
+            <a:schemeClr val="accent2">
+              <a:lumMod val="75000"/>
+            </a:schemeClr>
+          </a:solidFill>
+        </p:grpSpPr>
+        <p:sp>
+          <p:nvSpPr>
+            <p:cNvPr id="18" name="Rectangle 17"/>
+            <p:cNvSpPr/>
+            <p:nvPr/>
+          </p:nvSpPr>
+          <p:spPr bwMode="auto">
+            <a:xfrm>
+              <a:off x="3671323" y="596839"/>
+              <a:ext cx="1896557" cy="1772642"/>
+            </a:xfrm>
+            <a:prstGeom prst="rect">
+              <a:avLst/>
+            </a:prstGeom>
+            <a:grpFill/>
+            <a:ln>
+              <a:solidFill>
+                <a:schemeClr val="accent2">
+                  <a:lumMod val="75000"/>
+                </a:schemeClr>
+              </a:solidFill>
+              <a:headEnd type="none" w="med" len="med"/>
+              <a:tailEnd type="none" w="med" len="med"/>
+            </a:ln>
+          </p:spPr>
+          <p:style>
+            <a:lnRef idx="2">
+              <a:schemeClr val="accent2">
+                <a:shade val="50000"/>
+              </a:schemeClr>
+            </a:lnRef>
+            <a:fillRef idx="1">
+              <a:schemeClr val="accent2"/>
+            </a:fillRef>
+            <a:effectRef idx="0">
+              <a:schemeClr val="accent2"/>
+            </a:effectRef>
+            <a:fontRef idx="minor">
+              <a:schemeClr val="lt1"/>
+            </a:fontRef>
+          </p:style>
+          <p:txBody>
+            <a:bodyPr vert="horz" wrap="square" lIns="91440" tIns="91440" rIns="91436" bIns="91440" numCol="1" rtlCol="0" anchor="b" anchorCtr="0" compatLnSpc="1">
+              <a:prstTxWarp prst="textNoShape">
+                <a:avLst/>
+              </a:prstTxWarp>
+            </a:bodyPr>
+            <a:lstStyle/>
+            <a:p>
+              <a:pPr defTabSz="914099" fontAlgn="base">
+                <a:spcBef>
+                  <a:spcPct val="0"/>
+                </a:spcBef>
+                <a:spcAft>
+                  <a:spcPct val="0"/>
+                </a:spcAft>
+              </a:pPr>
+              <a:r>
+                <a:rPr lang="en-US" altLang="zh-CN" sz="2400" dirty="0" smtClean="0">
+                  <a:gradFill>
+                    <a:gsLst>
+                      <a:gs pos="0">
+                        <a:srgbClr val="FFFFFF"/>
+                      </a:gs>
+                      <a:gs pos="100000">
+                        <a:srgbClr val="FFFFFF"/>
+                      </a:gs>
+                    </a:gsLst>
+                    <a:lin ang="5400000" scaled="0"/>
+                  </a:gradFill>
+                </a:rPr>
+                <a:t>Database</a:t>
+              </a:r>
+              <a:endParaRPr lang="en-US" sz="2400" dirty="0">
+                <a:gradFill>
+                  <a:gsLst>
+                    <a:gs pos="0">
+                      <a:srgbClr val="FFFFFF"/>
+                    </a:gs>
+                    <a:gs pos="100000">
+                      <a:srgbClr val="FFFFFF"/>
+                    </a:gs>
+                  </a:gsLst>
+                  <a:lin ang="5400000" scaled="0"/>
+                </a:gradFill>
+              </a:endParaRPr>
+            </a:p>
+          </p:txBody>
+        </p:sp>
+        <p:pic>
+          <p:nvPicPr>
+            <p:cNvPr id="19" name="Picture 6" descr="C:\Users\Jonahs\Dropbox\Projects SCOTT\MEET Windows Azure\source\Background\tile-icon-database.png"/>
+            <p:cNvPicPr>
+              <a:picLocks noChangeAspect="1" noChangeArrowheads="1"/>
+            </p:cNvPicPr>
+            <p:nvPr/>
+          </p:nvPicPr>
+          <p:blipFill>
+            <a:blip r:embed="rId6">
+              <a:extLst>
+                <a:ext uri="{28A0092B-C50C-407E-A947-70E740481C1C}">
+                  <a14:useLocalDpi xmlns:a14="http://schemas.microsoft.com/office/drawing/2010/main" val="0"/>
+                </a:ext>
+              </a:extLst>
+            </a:blip>
+            <a:srcRect/>
+            <a:stretch>
+              <a:fillRect/>
+            </a:stretch>
+          </p:blipFill>
+          <p:spPr bwMode="auto">
+            <a:xfrm>
+              <a:off x="4193856" y="926787"/>
+              <a:ext cx="851488" cy="851488"/>
+            </a:xfrm>
+            <a:prstGeom prst="rect">
+              <a:avLst/>
+            </a:prstGeom>
+            <a:grpFill/>
+            <a:ln>
+              <a:solidFill>
+                <a:schemeClr val="accent2">
+                  <a:lumMod val="75000"/>
+                </a:schemeClr>
+              </a:solidFill>
+            </a:ln>
+            <a:extLst/>
+          </p:spPr>
+        </p:pic>
+      </p:grpSp>
+      <p:grpSp>
+        <p:nvGrpSpPr>
+          <p:cNvPr id="20" name="Group 19"/>
+          <p:cNvGrpSpPr/>
+          <p:nvPr/>
+        </p:nvGrpSpPr>
+        <p:grpSpPr>
+          <a:xfrm>
+            <a:off x="9738656" y="2657422"/>
+            <a:ext cx="1900671" cy="1768432"/>
+            <a:chOff x="9645631" y="2476591"/>
+            <a:chExt cx="1896557" cy="1772642"/>
+          </a:xfrm>
+          <a:solidFill>
+            <a:schemeClr val="accent2">
+              <a:lumMod val="75000"/>
+            </a:schemeClr>
+          </a:solidFill>
+        </p:grpSpPr>
+        <p:sp>
+          <p:nvSpPr>
+            <p:cNvPr id="21" name="Rectangle 20"/>
+            <p:cNvSpPr/>
+            <p:nvPr/>
+          </p:nvSpPr>
+          <p:spPr bwMode="auto">
+            <a:xfrm>
+              <a:off x="9645631" y="2476591"/>
+              <a:ext cx="1896557" cy="1772642"/>
+            </a:xfrm>
+            <a:prstGeom prst="rect">
+              <a:avLst/>
+            </a:prstGeom>
+            <a:grpFill/>
+            <a:ln>
+              <a:solidFill>
+                <a:schemeClr val="accent2">
+                  <a:lumMod val="75000"/>
+                </a:schemeClr>
+              </a:solidFill>
+              <a:headEnd type="none" w="med" len="med"/>
+              <a:tailEnd type="none" w="med" len="med"/>
+            </a:ln>
+          </p:spPr>
+          <p:style>
+            <a:lnRef idx="2">
+              <a:schemeClr val="accent2">
+                <a:shade val="50000"/>
+              </a:schemeClr>
+            </a:lnRef>
+            <a:fillRef idx="1">
+              <a:schemeClr val="accent2"/>
+            </a:fillRef>
+            <a:effectRef idx="0">
+              <a:schemeClr val="accent2"/>
+            </a:effectRef>
+            <a:fontRef idx="minor">
+              <a:schemeClr val="lt1"/>
+            </a:fontRef>
+          </p:style>
+          <p:txBody>
+            <a:bodyPr vert="horz" wrap="square" lIns="91440" tIns="91440" rIns="91436" bIns="91440" numCol="1" rtlCol="0" anchor="b" anchorCtr="0" compatLnSpc="1">
+              <a:prstTxWarp prst="textNoShape">
+                <a:avLst/>
+              </a:prstTxWarp>
+            </a:bodyPr>
+            <a:lstStyle/>
+            <a:p>
+              <a:pPr defTabSz="914099" fontAlgn="base">
+                <a:spcBef>
+                  <a:spcPct val="0"/>
+                </a:spcBef>
+                <a:spcAft>
+                  <a:spcPct val="0"/>
+                </a:spcAft>
+              </a:pPr>
+              <a:r>
+                <a:rPr lang="en-US" altLang="zh-CN" sz="2400" dirty="0" smtClean="0">
+                  <a:gradFill>
+                    <a:gsLst>
+                      <a:gs pos="0">
+                        <a:srgbClr val="FFFFFF"/>
+                      </a:gs>
+                      <a:gs pos="100000">
+                        <a:srgbClr val="FFFFFF"/>
+                      </a:gs>
+                    </a:gsLst>
+                    <a:lin ang="5400000" scaled="0"/>
+                  </a:gradFill>
+                </a:rPr>
+                <a:t>Identity</a:t>
+              </a:r>
+              <a:endParaRPr lang="en-US" sz="2400" dirty="0">
+                <a:gradFill>
+                  <a:gsLst>
+                    <a:gs pos="0">
+                      <a:srgbClr val="FFFFFF"/>
+                    </a:gs>
+                    <a:gs pos="100000">
+                      <a:srgbClr val="FFFFFF"/>
+                    </a:gs>
+                  </a:gsLst>
+                  <a:lin ang="5400000" scaled="0"/>
+                </a:gradFill>
+              </a:endParaRPr>
+            </a:p>
+          </p:txBody>
+        </p:sp>
+        <p:pic>
+          <p:nvPicPr>
+            <p:cNvPr id="22" name="Picture 7" descr="C:\Users\Jonahs\Dropbox\Projects SCOTT\MEET Windows Azure\source\Background\tile-icon-identity.png"/>
+            <p:cNvPicPr>
+              <a:picLocks noChangeAspect="1" noChangeArrowheads="1"/>
+            </p:cNvPicPr>
+            <p:nvPr/>
+          </p:nvPicPr>
+          <p:blipFill>
+            <a:blip r:embed="rId7">
+              <a:extLst>
+                <a:ext uri="{28A0092B-C50C-407E-A947-70E740481C1C}">
+                  <a14:useLocalDpi xmlns:a14="http://schemas.microsoft.com/office/drawing/2010/main" val="0"/>
+                </a:ext>
+              </a:extLst>
+            </a:blip>
+            <a:srcRect/>
+            <a:stretch>
+              <a:fillRect/>
+            </a:stretch>
+          </p:blipFill>
+          <p:spPr bwMode="auto">
+            <a:xfrm>
+              <a:off x="10168165" y="2705562"/>
+              <a:ext cx="851488" cy="851488"/>
+            </a:xfrm>
+            <a:prstGeom prst="rect">
+              <a:avLst/>
+            </a:prstGeom>
+            <a:grpFill/>
+            <a:ln>
+              <a:solidFill>
+                <a:schemeClr val="accent2">
+                  <a:lumMod val="75000"/>
+                </a:schemeClr>
+              </a:solidFill>
+            </a:ln>
+            <a:extLst/>
+          </p:spPr>
+        </p:pic>
+      </p:grpSp>
+      <p:grpSp>
+        <p:nvGrpSpPr>
+          <p:cNvPr id="23" name="Group 22"/>
+          <p:cNvGrpSpPr/>
+          <p:nvPr/>
+        </p:nvGrpSpPr>
+        <p:grpSpPr>
+          <a:xfrm>
+            <a:off x="3663070" y="4547266"/>
+            <a:ext cx="1900671" cy="1768432"/>
+            <a:chOff x="5665775" y="596839"/>
+            <a:chExt cx="1896557" cy="1772642"/>
+          </a:xfrm>
+          <a:solidFill>
+            <a:schemeClr val="accent2">
+              <a:lumMod val="75000"/>
+            </a:schemeClr>
+          </a:solidFill>
+        </p:grpSpPr>
+        <p:sp>
+          <p:nvSpPr>
+            <p:cNvPr id="24" name="Rectangle 23"/>
+            <p:cNvSpPr/>
+            <p:nvPr/>
+          </p:nvSpPr>
+          <p:spPr bwMode="auto">
+            <a:xfrm>
+              <a:off x="5665775" y="596839"/>
+              <a:ext cx="1896557" cy="1772642"/>
+            </a:xfrm>
+            <a:prstGeom prst="rect">
+              <a:avLst/>
+            </a:prstGeom>
+            <a:grpFill/>
+            <a:ln>
+              <a:solidFill>
+                <a:schemeClr val="accent2">
+                  <a:lumMod val="75000"/>
+                </a:schemeClr>
+              </a:solidFill>
+              <a:headEnd type="none" w="med" len="med"/>
+              <a:tailEnd type="none" w="med" len="med"/>
+            </a:ln>
+          </p:spPr>
+          <p:style>
+            <a:lnRef idx="2">
+              <a:schemeClr val="accent2">
+                <a:shade val="50000"/>
+              </a:schemeClr>
+            </a:lnRef>
+            <a:fillRef idx="1">
+              <a:schemeClr val="accent2"/>
+            </a:fillRef>
+            <a:effectRef idx="0">
+              <a:schemeClr val="accent2"/>
+            </a:effectRef>
+            <a:fontRef idx="minor">
+              <a:schemeClr val="lt1"/>
+            </a:fontRef>
+          </p:style>
+          <p:txBody>
+            <a:bodyPr vert="horz" wrap="square" lIns="91440" tIns="91440" rIns="91436" bIns="91440" numCol="1" rtlCol="0" anchor="b" anchorCtr="0" compatLnSpc="1">
+              <a:prstTxWarp prst="textNoShape">
+                <a:avLst/>
+              </a:prstTxWarp>
+            </a:bodyPr>
+            <a:lstStyle/>
+            <a:p>
+              <a:pPr defTabSz="914099" fontAlgn="base">
+                <a:spcBef>
+                  <a:spcPct val="0"/>
+                </a:spcBef>
+                <a:spcAft>
+                  <a:spcPct val="0"/>
+                </a:spcAft>
+              </a:pPr>
+              <a:r>
+                <a:rPr lang="en-US" altLang="zh-CN" sz="2400" dirty="0" smtClean="0">
+                  <a:gradFill>
+                    <a:gsLst>
+                      <a:gs pos="0">
+                        <a:srgbClr val="FFFFFF"/>
+                      </a:gs>
+                      <a:gs pos="100000">
+                        <a:srgbClr val="FFFFFF"/>
+                      </a:gs>
+                    </a:gsLst>
+                    <a:lin ang="5400000" scaled="0"/>
+                  </a:gradFill>
+                </a:rPr>
+                <a:t>Media</a:t>
+              </a:r>
+              <a:endParaRPr lang="en-US" sz="2400" dirty="0">
+                <a:gradFill>
+                  <a:gsLst>
+                    <a:gs pos="0">
+                      <a:srgbClr val="FFFFFF"/>
+                    </a:gs>
+                    <a:gs pos="100000">
+                      <a:srgbClr val="FFFFFF"/>
+                    </a:gs>
+                  </a:gsLst>
+                  <a:lin ang="5400000" scaled="0"/>
+                </a:gradFill>
+              </a:endParaRPr>
+            </a:p>
+          </p:txBody>
+        </p:sp>
+        <p:pic>
+          <p:nvPicPr>
+            <p:cNvPr id="25" name="Picture 8" descr="C:\Users\Jonahs\Dropbox\Projects SCOTT\MEET Windows Azure\source\Background\tile-icon-media.png"/>
+            <p:cNvPicPr>
+              <a:picLocks noChangeAspect="1" noChangeArrowheads="1"/>
+            </p:cNvPicPr>
+            <p:nvPr/>
+          </p:nvPicPr>
+          <p:blipFill>
+            <a:blip r:embed="rId8">
+              <a:extLst>
+                <a:ext uri="{28A0092B-C50C-407E-A947-70E740481C1C}">
+                  <a14:useLocalDpi xmlns:a14="http://schemas.microsoft.com/office/drawing/2010/main" val="0"/>
+                </a:ext>
+              </a:extLst>
+            </a:blip>
+            <a:srcRect/>
+            <a:stretch>
+              <a:fillRect/>
+            </a:stretch>
+          </p:blipFill>
+          <p:spPr bwMode="auto">
+            <a:xfrm>
+              <a:off x="6188309" y="898212"/>
+              <a:ext cx="851488" cy="851488"/>
+            </a:xfrm>
+            <a:prstGeom prst="rect">
+              <a:avLst/>
+            </a:prstGeom>
+            <a:grpFill/>
+            <a:ln>
+              <a:solidFill>
+                <a:schemeClr val="accent2">
+                  <a:lumMod val="75000"/>
+                </a:schemeClr>
+              </a:solidFill>
+            </a:ln>
+            <a:extLst/>
+          </p:spPr>
+        </p:pic>
+      </p:grpSp>
+      <p:grpSp>
+        <p:nvGrpSpPr>
+          <p:cNvPr id="26" name="Group 25"/>
+          <p:cNvGrpSpPr/>
+          <p:nvPr/>
+        </p:nvGrpSpPr>
+        <p:grpSpPr>
+          <a:xfrm>
+            <a:off x="7709352" y="4547267"/>
+            <a:ext cx="1900671" cy="1768432"/>
+            <a:chOff x="7651178" y="4341709"/>
+            <a:chExt cx="1896557" cy="1772642"/>
+          </a:xfrm>
+          <a:solidFill>
+            <a:schemeClr val="accent2">
+              <a:lumMod val="75000"/>
+            </a:schemeClr>
+          </a:solidFill>
+        </p:grpSpPr>
+        <p:sp>
+          <p:nvSpPr>
+            <p:cNvPr id="27" name="Rectangle 26"/>
+            <p:cNvSpPr/>
+            <p:nvPr/>
+          </p:nvSpPr>
+          <p:spPr bwMode="auto">
+            <a:xfrm>
+              <a:off x="7651178" y="4341709"/>
+              <a:ext cx="1896557" cy="1772642"/>
+            </a:xfrm>
+            <a:prstGeom prst="rect">
+              <a:avLst/>
+            </a:prstGeom>
+            <a:grpFill/>
+            <a:ln>
+              <a:solidFill>
+                <a:schemeClr val="accent2">
+                  <a:lumMod val="75000"/>
+                </a:schemeClr>
+              </a:solidFill>
+              <a:headEnd type="none" w="med" len="med"/>
+              <a:tailEnd type="none" w="med" len="med"/>
+            </a:ln>
+          </p:spPr>
+          <p:style>
+            <a:lnRef idx="2">
+              <a:schemeClr val="accent2">
+                <a:shade val="50000"/>
+              </a:schemeClr>
+            </a:lnRef>
+            <a:fillRef idx="1">
+              <a:schemeClr val="accent2"/>
+            </a:fillRef>
+            <a:effectRef idx="0">
+              <a:schemeClr val="accent2"/>
+            </a:effectRef>
+            <a:fontRef idx="minor">
+              <a:schemeClr val="lt1"/>
+            </a:fontRef>
+          </p:style>
+          <p:txBody>
+            <a:bodyPr vert="horz" wrap="square" lIns="91440" tIns="91440" rIns="91436" bIns="91440" numCol="1" rtlCol="0" anchor="b" anchorCtr="0" compatLnSpc="1">
+              <a:prstTxWarp prst="textNoShape">
+                <a:avLst/>
+              </a:prstTxWarp>
+            </a:bodyPr>
+            <a:lstStyle/>
+            <a:p>
+              <a:pPr defTabSz="914099" fontAlgn="base">
+                <a:spcBef>
+                  <a:spcPct val="0"/>
+                </a:spcBef>
+                <a:spcAft>
+                  <a:spcPct val="0"/>
+                </a:spcAft>
+              </a:pPr>
+              <a:r>
+                <a:rPr lang="en-US" altLang="zh-CN" sz="2400" dirty="0" smtClean="0">
+                  <a:gradFill>
+                    <a:gsLst>
+                      <a:gs pos="0">
+                        <a:srgbClr val="FFFFFF"/>
+                      </a:gs>
+                      <a:gs pos="100000">
+                        <a:srgbClr val="FFFFFF"/>
+                      </a:gs>
+                    </a:gsLst>
+                    <a:lin ang="5400000" scaled="0"/>
+                  </a:gradFill>
+                </a:rPr>
+                <a:t>Networking</a:t>
+              </a:r>
+              <a:endParaRPr lang="en-US" sz="2400" dirty="0">
+                <a:gradFill>
+                  <a:gsLst>
+                    <a:gs pos="0">
+                      <a:srgbClr val="FFFFFF"/>
+                    </a:gs>
+                    <a:gs pos="100000">
+                      <a:srgbClr val="FFFFFF"/>
+                    </a:gs>
+                  </a:gsLst>
+                  <a:lin ang="5400000" scaled="0"/>
+                </a:gradFill>
+              </a:endParaRPr>
+            </a:p>
+          </p:txBody>
+        </p:sp>
+        <p:pic>
+          <p:nvPicPr>
+            <p:cNvPr id="28" name="Picture 10" descr="C:\Users\Jonahs\Dropbox\Projects SCOTT\MEET Windows Azure\source\Background\tile-icon-network.png"/>
+            <p:cNvPicPr>
+              <a:picLocks noChangeAspect="1" noChangeArrowheads="1"/>
+            </p:cNvPicPr>
+            <p:nvPr/>
+          </p:nvPicPr>
+          <p:blipFill>
+            <a:blip r:embed="rId9">
+              <a:extLst>
+                <a:ext uri="{28A0092B-C50C-407E-A947-70E740481C1C}">
+                  <a14:useLocalDpi xmlns:a14="http://schemas.microsoft.com/office/drawing/2010/main" val="0"/>
+                </a:ext>
+              </a:extLst>
+            </a:blip>
+            <a:srcRect/>
+            <a:stretch>
+              <a:fillRect/>
+            </a:stretch>
+          </p:blipFill>
+          <p:spPr bwMode="auto">
+            <a:xfrm>
+              <a:off x="8173712" y="4671657"/>
+              <a:ext cx="851488" cy="851488"/>
+            </a:xfrm>
+            <a:prstGeom prst="rect">
+              <a:avLst/>
+            </a:prstGeom>
+            <a:grpFill/>
+            <a:ln>
+              <a:solidFill>
+                <a:schemeClr val="accent2">
+                  <a:lumMod val="75000"/>
+                </a:schemeClr>
+              </a:solidFill>
+            </a:ln>
+            <a:extLst/>
+          </p:spPr>
+        </p:pic>
+      </p:grpSp>
+      <p:grpSp>
+        <p:nvGrpSpPr>
+          <p:cNvPr id="29" name="Group 28"/>
+          <p:cNvGrpSpPr/>
+          <p:nvPr/>
+        </p:nvGrpSpPr>
+        <p:grpSpPr>
+          <a:xfrm>
+            <a:off x="7709356" y="767577"/>
+            <a:ext cx="1900671" cy="1768432"/>
+            <a:chOff x="5665775" y="2466267"/>
+            <a:chExt cx="1896557" cy="1772642"/>
+          </a:xfrm>
+          <a:solidFill>
+            <a:schemeClr val="accent2">
+              <a:lumMod val="75000"/>
+            </a:schemeClr>
+          </a:solidFill>
+        </p:grpSpPr>
+        <p:sp>
+          <p:nvSpPr>
+            <p:cNvPr id="30" name="Rectangle 29"/>
+            <p:cNvSpPr/>
+            <p:nvPr/>
+          </p:nvSpPr>
+          <p:spPr bwMode="auto">
+            <a:xfrm>
+              <a:off x="5665775" y="2466267"/>
+              <a:ext cx="1896557" cy="1772642"/>
+            </a:xfrm>
+            <a:prstGeom prst="rect">
+              <a:avLst/>
+            </a:prstGeom>
+            <a:grpFill/>
+            <a:ln>
+              <a:solidFill>
+                <a:schemeClr val="accent2">
+                  <a:lumMod val="75000"/>
+                </a:schemeClr>
+              </a:solidFill>
+              <a:headEnd type="none" w="med" len="med"/>
+              <a:tailEnd type="none" w="med" len="med"/>
+            </a:ln>
+          </p:spPr>
+          <p:style>
+            <a:lnRef idx="2">
+              <a:schemeClr val="accent2">
+                <a:shade val="50000"/>
+              </a:schemeClr>
+            </a:lnRef>
+            <a:fillRef idx="1">
+              <a:schemeClr val="accent2"/>
+            </a:fillRef>
+            <a:effectRef idx="0">
+              <a:schemeClr val="accent2"/>
+            </a:effectRef>
+            <a:fontRef idx="minor">
+              <a:schemeClr val="lt1"/>
+            </a:fontRef>
+          </p:style>
+          <p:txBody>
+            <a:bodyPr vert="horz" wrap="square" lIns="91440" tIns="91440" rIns="91436" bIns="91440" numCol="1" rtlCol="0" anchor="b" anchorCtr="0" compatLnSpc="1">
+              <a:prstTxWarp prst="textNoShape">
+                <a:avLst/>
+              </a:prstTxWarp>
+            </a:bodyPr>
+            <a:lstStyle/>
+            <a:p>
+              <a:pPr defTabSz="914099" fontAlgn="base">
+                <a:spcBef>
+                  <a:spcPct val="0"/>
+                </a:spcBef>
+                <a:spcAft>
+                  <a:spcPct val="0"/>
+                </a:spcAft>
+              </a:pPr>
+              <a:r>
+                <a:rPr lang="en-US" altLang="zh-CN" sz="2400" dirty="0" smtClean="0">
+                  <a:gradFill>
+                    <a:gsLst>
+                      <a:gs pos="0">
+                        <a:srgbClr val="FFFFFF"/>
+                      </a:gs>
+                      <a:gs pos="100000">
+                        <a:srgbClr val="FFFFFF"/>
+                      </a:gs>
+                    </a:gsLst>
+                    <a:lin ang="5400000" scaled="0"/>
+                  </a:gradFill>
+                </a:rPr>
+                <a:t>Traffic</a:t>
+              </a:r>
+              <a:endParaRPr lang="en-US" sz="2400" dirty="0">
+                <a:gradFill>
+                  <a:gsLst>
+                    <a:gs pos="0">
+                      <a:srgbClr val="FFFFFF"/>
+                    </a:gs>
+                    <a:gs pos="100000">
+                      <a:srgbClr val="FFFFFF"/>
+                    </a:gs>
+                  </a:gsLst>
+                  <a:lin ang="5400000" scaled="0"/>
+                </a:gradFill>
+              </a:endParaRPr>
+            </a:p>
+          </p:txBody>
+        </p:sp>
+        <p:pic>
+          <p:nvPicPr>
+            <p:cNvPr id="31" name="Picture 2"/>
+            <p:cNvPicPr>
+              <a:picLocks noChangeAspect="1" noChangeArrowheads="1"/>
+            </p:cNvPicPr>
+            <p:nvPr/>
+          </p:nvPicPr>
+          <p:blipFill>
+            <a:blip r:embed="rId10" cstate="print">
+              <a:extLst>
+                <a:ext uri="{28A0092B-C50C-407E-A947-70E740481C1C}">
+                  <a14:useLocalDpi xmlns:a14="http://schemas.microsoft.com/office/drawing/2010/main" val="0"/>
+                </a:ext>
+              </a:extLst>
+            </a:blip>
+            <a:stretch>
+              <a:fillRect/>
+            </a:stretch>
+          </p:blipFill>
+          <p:spPr bwMode="auto">
+            <a:xfrm>
+              <a:off x="6188309" y="2751666"/>
+              <a:ext cx="851488" cy="851488"/>
+            </a:xfrm>
+            <a:prstGeom prst="rect">
+              <a:avLst/>
+            </a:prstGeom>
+            <a:grpFill/>
+            <a:ln>
+              <a:solidFill>
+                <a:schemeClr val="accent2">
+                  <a:lumMod val="75000"/>
+                </a:schemeClr>
+              </a:solidFill>
+            </a:ln>
+            <a:extLst/>
+          </p:spPr>
+        </p:pic>
+      </p:grpSp>
+      <p:grpSp>
+        <p:nvGrpSpPr>
+          <p:cNvPr id="32" name="Group 31"/>
+          <p:cNvGrpSpPr/>
+          <p:nvPr/>
+        </p:nvGrpSpPr>
+        <p:grpSpPr>
+          <a:xfrm>
+            <a:off x="9721146" y="750719"/>
+            <a:ext cx="1935690" cy="1802143"/>
+            <a:chOff x="10197893" y="3549247"/>
+            <a:chExt cx="1555355" cy="1453733"/>
+          </a:xfrm>
+          <a:solidFill>
+            <a:schemeClr val="accent2">
+              <a:lumMod val="75000"/>
+            </a:schemeClr>
+          </a:solidFill>
+        </p:grpSpPr>
+        <p:sp>
+          <p:nvSpPr>
+            <p:cNvPr id="33" name="Rectangle 32"/>
+            <p:cNvSpPr/>
+            <p:nvPr/>
+          </p:nvSpPr>
+          <p:spPr bwMode="auto">
+            <a:xfrm>
+              <a:off x="10197893" y="3549247"/>
+              <a:ext cx="1555355" cy="1453733"/>
+            </a:xfrm>
+            <a:prstGeom prst="rect">
+              <a:avLst/>
+            </a:prstGeom>
+            <a:grpFill/>
+            <a:ln>
+              <a:solidFill>
+                <a:schemeClr val="accent2">
+                  <a:lumMod val="75000"/>
+                </a:schemeClr>
+              </a:solidFill>
+              <a:headEnd type="none" w="med" len="med"/>
+              <a:tailEnd type="none" w="med" len="med"/>
+            </a:ln>
+            <a:effectLst/>
+          </p:spPr>
+          <p:style>
+            <a:lnRef idx="1">
+              <a:schemeClr val="accent2"/>
+            </a:lnRef>
+            <a:fillRef idx="3">
+              <a:schemeClr val="accent2"/>
+            </a:fillRef>
+            <a:effectRef idx="2">
+              <a:schemeClr val="accent2"/>
+            </a:effectRef>
+            <a:fontRef idx="minor">
+              <a:schemeClr val="lt1"/>
+            </a:fontRef>
+          </p:style>
+          <p:txBody>
+            <a:bodyPr vert="horz" wrap="square" lIns="93260" tIns="93260" rIns="91399" bIns="137160" numCol="1" rtlCol="0" anchor="b" anchorCtr="0" compatLnSpc="1">
+              <a:prstTxWarp prst="textNoShape">
+                <a:avLst/>
+              </a:prstTxWarp>
+            </a:bodyPr>
+            <a:lstStyle/>
+            <a:p>
+              <a:pPr defTabSz="932012" fontAlgn="base">
+                <a:lnSpc>
+                  <a:spcPts val="1200"/>
+                </a:lnSpc>
+                <a:spcBef>
+                  <a:spcPct val="0"/>
+                </a:spcBef>
+                <a:spcAft>
+                  <a:spcPct val="0"/>
+                </a:spcAft>
+              </a:pPr>
+              <a:r>
+                <a:rPr lang="en-US" altLang="zh-CN" sz="2400" dirty="0" smtClean="0">
+                  <a:gradFill>
+                    <a:gsLst>
+                      <a:gs pos="0">
+                        <a:srgbClr val="FFFFFF"/>
+                      </a:gs>
+                      <a:gs pos="100000">
+                        <a:srgbClr val="FFFFFF"/>
+                      </a:gs>
+                    </a:gsLst>
+                    <a:lin ang="5400000" scaled="0"/>
+                  </a:gradFill>
+                </a:rPr>
+                <a:t>Mobile</a:t>
+              </a:r>
+              <a:endParaRPr lang="en-US" sz="2400" dirty="0">
+                <a:gradFill>
+                  <a:gsLst>
+                    <a:gs pos="0">
+                      <a:srgbClr val="FFFFFF"/>
+                    </a:gs>
+                    <a:gs pos="100000">
+                      <a:srgbClr val="FFFFFF"/>
+                    </a:gs>
+                  </a:gsLst>
+                  <a:lin ang="5400000" scaled="0"/>
+                </a:gradFill>
+              </a:endParaRPr>
+            </a:p>
+          </p:txBody>
+        </p:sp>
+        <p:pic>
+          <p:nvPicPr>
+            <p:cNvPr id="34" name="Picture 33"/>
+            <p:cNvPicPr>
+              <a:picLocks noChangeAspect="1"/>
+            </p:cNvPicPr>
+            <p:nvPr/>
+          </p:nvPicPr>
+          <p:blipFill>
+            <a:blip r:embed="rId11" cstate="print">
+              <a:extLst>
+                <a:ext uri="{BEBA8EAE-BF5A-486C-A8C5-ECC9F3942E4B}">
+                  <a14:imgProps xmlns:a14="http://schemas.microsoft.com/office/drawing/2010/main">
+                    <a14:imgLayer r:embed="rId12">
+                      <a14:imgEffect>
+                        <a14:brightnessContrast bright="100000"/>
+                      </a14:imgEffect>
+                    </a14:imgLayer>
+                  </a14:imgProps>
+                </a:ext>
+                <a:ext uri="{28A0092B-C50C-407E-A947-70E740481C1C}">
+                  <a14:useLocalDpi xmlns:a14="http://schemas.microsoft.com/office/drawing/2010/main"/>
+                </a:ext>
+              </a:extLst>
+            </a:blip>
+            <a:stretch>
+              <a:fillRect/>
+            </a:stretch>
+          </p:blipFill>
+          <p:spPr>
+            <a:xfrm>
+              <a:off x="10777075" y="3788257"/>
+              <a:ext cx="406201" cy="689406"/>
+            </a:xfrm>
+            <a:prstGeom prst="rect">
+              <a:avLst/>
+            </a:prstGeom>
+            <a:grpFill/>
+            <a:ln>
+              <a:solidFill>
+                <a:schemeClr val="accent2">
+                  <a:lumMod val="75000"/>
+                </a:schemeClr>
+              </a:solidFill>
+            </a:ln>
+          </p:spPr>
+        </p:pic>
+      </p:grpSp>
+      <p:grpSp>
+        <p:nvGrpSpPr>
+          <p:cNvPr id="35" name="Group 34"/>
+          <p:cNvGrpSpPr/>
+          <p:nvPr/>
+        </p:nvGrpSpPr>
+        <p:grpSpPr>
+          <a:xfrm>
+            <a:off x="7709356" y="2657422"/>
+            <a:ext cx="1900671" cy="1768432"/>
+            <a:chOff x="5733802" y="2427734"/>
+            <a:chExt cx="1492821" cy="1280255"/>
+          </a:xfrm>
+          <a:solidFill>
+            <a:schemeClr val="accent2">
+              <a:lumMod val="75000"/>
+            </a:schemeClr>
+          </a:solidFill>
+        </p:grpSpPr>
+        <p:sp>
+          <p:nvSpPr>
+            <p:cNvPr id="36" name="Rectangle 35"/>
+            <p:cNvSpPr/>
+            <p:nvPr/>
+          </p:nvSpPr>
+          <p:spPr bwMode="auto">
+            <a:xfrm>
+              <a:off x="5733802" y="2427734"/>
+              <a:ext cx="1492821" cy="1280255"/>
+            </a:xfrm>
+            <a:prstGeom prst="rect">
+              <a:avLst/>
+            </a:prstGeom>
+            <a:grpFill/>
+            <a:ln>
+              <a:solidFill>
+                <a:schemeClr val="accent2">
+                  <a:lumMod val="75000"/>
+                </a:schemeClr>
+              </a:solidFill>
+              <a:headEnd type="none" w="med" len="med"/>
+              <a:tailEnd type="none" w="med" len="med"/>
+            </a:ln>
+          </p:spPr>
+          <p:style>
+            <a:lnRef idx="2">
+              <a:schemeClr val="accent2">
+                <a:shade val="50000"/>
+              </a:schemeClr>
+            </a:lnRef>
+            <a:fillRef idx="1">
+              <a:schemeClr val="accent2"/>
+            </a:fillRef>
+            <a:effectRef idx="0">
+              <a:schemeClr val="accent2"/>
+            </a:effectRef>
+            <a:fontRef idx="minor">
+              <a:schemeClr val="lt1"/>
+            </a:fontRef>
+          </p:style>
+          <p:txBody>
+            <a:bodyPr vert="horz" wrap="square" lIns="91440" tIns="91440" rIns="91436" bIns="91440" numCol="1" rtlCol="0" anchor="b" anchorCtr="0" compatLnSpc="1">
+              <a:prstTxWarp prst="textNoShape">
+                <a:avLst/>
+              </a:prstTxWarp>
+            </a:bodyPr>
+            <a:lstStyle/>
+            <a:p>
+              <a:pPr defTabSz="914099" fontAlgn="base">
+                <a:spcBef>
+                  <a:spcPct val="0"/>
+                </a:spcBef>
+                <a:spcAft>
+                  <a:spcPct val="0"/>
+                </a:spcAft>
+              </a:pPr>
+              <a:r>
+                <a:rPr lang="en-US" altLang="zh-CN" sz="2400" dirty="0" smtClean="0">
+                  <a:gradFill>
+                    <a:gsLst>
+                      <a:gs pos="0">
+                        <a:srgbClr val="FFFFFF"/>
+                      </a:gs>
+                      <a:gs pos="100000">
+                        <a:srgbClr val="FFFFFF"/>
+                      </a:gs>
+                    </a:gsLst>
+                    <a:lin ang="5400000" scaled="0"/>
+                  </a:gradFill>
+                </a:rPr>
+                <a:t>Service Bus</a:t>
+              </a:r>
+              <a:endParaRPr lang="en-US" sz="2400" dirty="0">
+                <a:gradFill>
+                  <a:gsLst>
+                    <a:gs pos="0">
+                      <a:srgbClr val="FFFFFF"/>
+                    </a:gs>
+                    <a:gs pos="100000">
+                      <a:srgbClr val="FFFFFF"/>
+                    </a:gs>
+                  </a:gsLst>
+                  <a:lin ang="5400000" scaled="0"/>
+                </a:gradFill>
+              </a:endParaRPr>
+            </a:p>
+          </p:txBody>
+        </p:sp>
+        <p:pic>
+          <p:nvPicPr>
+            <p:cNvPr id="37" name="Picture 36"/>
+            <p:cNvPicPr>
+              <a:picLocks noChangeAspect="1"/>
+            </p:cNvPicPr>
+            <p:nvPr/>
+          </p:nvPicPr>
+          <p:blipFill>
+            <a:blip r:embed="rId13"/>
+            <a:stretch>
+              <a:fillRect/>
+            </a:stretch>
+          </p:blipFill>
+          <p:spPr>
+            <a:xfrm>
+              <a:off x="6186090" y="2645395"/>
+              <a:ext cx="546150" cy="617924"/>
+            </a:xfrm>
+            <a:prstGeom prst="rect">
+              <a:avLst/>
+            </a:prstGeom>
+            <a:grpFill/>
+            <a:ln>
+              <a:solidFill>
+                <a:schemeClr val="accent2">
+                  <a:lumMod val="75000"/>
+                </a:schemeClr>
+              </a:solidFill>
+            </a:ln>
+          </p:spPr>
+        </p:pic>
+      </p:grpSp>
+      <p:grpSp>
+        <p:nvGrpSpPr>
+          <p:cNvPr id="38" name="Group 37"/>
+          <p:cNvGrpSpPr/>
+          <p:nvPr/>
+        </p:nvGrpSpPr>
+        <p:grpSpPr>
+          <a:xfrm>
+            <a:off x="5680051" y="2664608"/>
+            <a:ext cx="1900671" cy="1768433"/>
+            <a:chOff x="3671322" y="4341710"/>
+            <a:chExt cx="1896557" cy="1772642"/>
+          </a:xfrm>
+          <a:solidFill>
+            <a:schemeClr val="accent2">
+              <a:lumMod val="75000"/>
+            </a:schemeClr>
+          </a:solidFill>
+        </p:grpSpPr>
+        <p:sp>
+          <p:nvSpPr>
+            <p:cNvPr id="39" name="Rectangle 38"/>
+            <p:cNvSpPr/>
+            <p:nvPr/>
+          </p:nvSpPr>
+          <p:spPr bwMode="auto">
+            <a:xfrm>
+              <a:off x="3671322" y="4341710"/>
+              <a:ext cx="1896557" cy="1772642"/>
+            </a:xfrm>
+            <a:prstGeom prst="rect">
+              <a:avLst/>
+            </a:prstGeom>
+            <a:grpFill/>
+            <a:ln>
+              <a:solidFill>
+                <a:schemeClr val="accent2">
+                  <a:lumMod val="75000"/>
+                </a:schemeClr>
+              </a:solidFill>
+              <a:headEnd type="none" w="med" len="med"/>
+              <a:tailEnd type="none" w="med" len="med"/>
+            </a:ln>
+          </p:spPr>
+          <p:style>
+            <a:lnRef idx="2">
+              <a:schemeClr val="accent2">
+                <a:shade val="50000"/>
+              </a:schemeClr>
+            </a:lnRef>
+            <a:fillRef idx="1">
+              <a:schemeClr val="accent2"/>
+            </a:fillRef>
+            <a:effectRef idx="0">
+              <a:schemeClr val="accent2"/>
+            </a:effectRef>
+            <a:fontRef idx="minor">
+              <a:schemeClr val="lt1"/>
+            </a:fontRef>
+          </p:style>
+          <p:txBody>
+            <a:bodyPr vert="horz" wrap="square" lIns="91440" tIns="91440" rIns="91436" bIns="91440" numCol="1" rtlCol="0" anchor="b" anchorCtr="0" compatLnSpc="1">
+              <a:prstTxWarp prst="textNoShape">
+                <a:avLst/>
+              </a:prstTxWarp>
+            </a:bodyPr>
+            <a:lstStyle/>
+            <a:p>
+              <a:pPr defTabSz="914099" fontAlgn="base">
+                <a:spcBef>
+                  <a:spcPct val="0"/>
+                </a:spcBef>
+                <a:spcAft>
+                  <a:spcPct val="0"/>
+                </a:spcAft>
+              </a:pPr>
+              <a:r>
+                <a:rPr lang="en-US" altLang="zh-CN" sz="2400" dirty="0" smtClean="0">
+                  <a:gradFill>
+                    <a:gsLst>
+                      <a:gs pos="0">
+                        <a:srgbClr val="FFFFFF"/>
+                      </a:gs>
+                      <a:gs pos="100000">
+                        <a:srgbClr val="FFFFFF"/>
+                      </a:gs>
+                    </a:gsLst>
+                    <a:lin ang="5400000" scaled="0"/>
+                  </a:gradFill>
+                </a:rPr>
+                <a:t>Caching</a:t>
+              </a:r>
+              <a:endParaRPr lang="en-US" sz="2400" dirty="0">
+                <a:gradFill>
+                  <a:gsLst>
+                    <a:gs pos="0">
+                      <a:srgbClr val="FFFFFF"/>
+                    </a:gs>
+                    <a:gs pos="100000">
+                      <a:srgbClr val="FFFFFF"/>
+                    </a:gs>
+                  </a:gsLst>
+                  <a:lin ang="5400000" scaled="0"/>
+                </a:gradFill>
+              </a:endParaRPr>
+            </a:p>
+          </p:txBody>
+        </p:sp>
+        <p:pic>
+          <p:nvPicPr>
+            <p:cNvPr id="40" name="Picture 4" descr="C:\Users\Jonahs\Dropbox\Projects SCOTT\MEET Windows Azure\source\Background\tile-icon-cache.png"/>
+            <p:cNvPicPr>
+              <a:picLocks noChangeAspect="1" noChangeArrowheads="1"/>
+            </p:cNvPicPr>
+            <p:nvPr/>
+          </p:nvPicPr>
+          <p:blipFill>
+            <a:blip r:embed="rId4">
+              <a:extLst>
+                <a:ext uri="{28A0092B-C50C-407E-A947-70E740481C1C}">
+                  <a14:useLocalDpi xmlns:a14="http://schemas.microsoft.com/office/drawing/2010/main" val="0"/>
+                </a:ext>
+              </a:extLst>
+            </a:blip>
+            <a:srcRect/>
+            <a:stretch>
+              <a:fillRect/>
+            </a:stretch>
+          </p:blipFill>
+          <p:spPr bwMode="auto">
+            <a:xfrm>
+              <a:off x="4193856" y="4643085"/>
+              <a:ext cx="851488" cy="851488"/>
+            </a:xfrm>
+            <a:prstGeom prst="rect">
+              <a:avLst/>
+            </a:prstGeom>
+            <a:grpFill/>
+            <a:ln>
+              <a:solidFill>
+                <a:schemeClr val="accent2">
+                  <a:lumMod val="75000"/>
+                </a:schemeClr>
+              </a:solidFill>
+            </a:ln>
+            <a:extLst/>
+          </p:spPr>
+        </p:pic>
+      </p:grpSp>
+      <p:grpSp>
+        <p:nvGrpSpPr>
+          <p:cNvPr id="44" name="Group 43"/>
+          <p:cNvGrpSpPr/>
+          <p:nvPr/>
+        </p:nvGrpSpPr>
+        <p:grpSpPr>
+          <a:xfrm>
+            <a:off x="5674858" y="767575"/>
+            <a:ext cx="1900671" cy="1768432"/>
+            <a:chOff x="5665775" y="2466267"/>
+            <a:chExt cx="1896557" cy="1772642"/>
+          </a:xfrm>
+          <a:solidFill>
+            <a:schemeClr val="accent1"/>
+          </a:solidFill>
+        </p:grpSpPr>
+        <p:sp>
+          <p:nvSpPr>
+            <p:cNvPr id="45" name="Rectangle 44"/>
+            <p:cNvSpPr/>
+            <p:nvPr/>
+          </p:nvSpPr>
+          <p:spPr bwMode="auto">
+            <a:xfrm>
+              <a:off x="5665775" y="2466267"/>
+              <a:ext cx="1896557" cy="1772642"/>
+            </a:xfrm>
+            <a:prstGeom prst="rect">
+              <a:avLst/>
+            </a:prstGeom>
+            <a:grpFill/>
+            <a:ln>
+              <a:solidFill>
+                <a:schemeClr val="accent1"/>
+              </a:solidFill>
+              <a:headEnd type="none" w="med" len="med"/>
+              <a:tailEnd type="none" w="med" len="med"/>
+            </a:ln>
+          </p:spPr>
+          <p:style>
+            <a:lnRef idx="2">
+              <a:schemeClr val="accent2">
+                <a:shade val="50000"/>
+              </a:schemeClr>
+            </a:lnRef>
+            <a:fillRef idx="1">
+              <a:schemeClr val="accent2"/>
+            </a:fillRef>
+            <a:effectRef idx="0">
+              <a:schemeClr val="accent2"/>
+            </a:effectRef>
+            <a:fontRef idx="minor">
+              <a:schemeClr val="lt1"/>
+            </a:fontRef>
+          </p:style>
+          <p:txBody>
+            <a:bodyPr vert="horz" wrap="square" lIns="91440" tIns="91440" rIns="91436" bIns="91440" numCol="1" rtlCol="0" anchor="b" anchorCtr="0" compatLnSpc="1">
+              <a:prstTxWarp prst="textNoShape">
+                <a:avLst/>
+              </a:prstTxWarp>
+            </a:bodyPr>
+            <a:lstStyle/>
+            <a:p>
+              <a:pPr defTabSz="914099" fontAlgn="base">
+                <a:spcBef>
+                  <a:spcPct val="0"/>
+                </a:spcBef>
+                <a:spcAft>
+                  <a:spcPct val="0"/>
+                </a:spcAft>
+              </a:pPr>
+              <a:r>
+                <a:rPr lang="en-US" altLang="zh-CN" sz="2400" dirty="0" smtClean="0">
+                  <a:gradFill>
+                    <a:gsLst>
+                      <a:gs pos="0">
+                        <a:srgbClr val="FFFFFF"/>
+                      </a:gs>
+                      <a:gs pos="100000">
+                        <a:srgbClr val="FFFFFF"/>
+                      </a:gs>
+                    </a:gsLst>
+                    <a:lin ang="5400000" scaled="0"/>
+                  </a:gradFill>
+                </a:rPr>
+                <a:t>Storage</a:t>
+              </a:r>
+              <a:endParaRPr lang="en-US" sz="2400" dirty="0">
+                <a:gradFill>
+                  <a:gsLst>
+                    <a:gs pos="0">
+                      <a:srgbClr val="FFFFFF"/>
+                    </a:gs>
+                    <a:gs pos="100000">
+                      <a:srgbClr val="FFFFFF"/>
+                    </a:gs>
+                  </a:gsLst>
+                  <a:lin ang="5400000" scaled="0"/>
+                </a:gradFill>
+              </a:endParaRPr>
+            </a:p>
+          </p:txBody>
+        </p:sp>
+        <p:pic>
+          <p:nvPicPr>
+            <p:cNvPr id="46" name="Picture 2" descr="C:\Users\Jonahs\Dropbox\Projects SCOTT\MEET Windows Azure\source\Background\tile-icon-storage.png"/>
+            <p:cNvPicPr>
+              <a:picLocks noChangeAspect="1" noChangeArrowheads="1"/>
+            </p:cNvPicPr>
+            <p:nvPr/>
+          </p:nvPicPr>
+          <p:blipFill>
+            <a:blip r:embed="rId2">
+              <a:extLst>
+                <a:ext uri="{28A0092B-C50C-407E-A947-70E740481C1C}">
+                  <a14:useLocalDpi xmlns:a14="http://schemas.microsoft.com/office/drawing/2010/main" val="0"/>
+                </a:ext>
+              </a:extLst>
+            </a:blip>
+            <a:srcRect/>
+            <a:stretch>
+              <a:fillRect/>
+            </a:stretch>
+          </p:blipFill>
+          <p:spPr bwMode="auto">
+            <a:xfrm>
+              <a:off x="6188309" y="2751666"/>
+              <a:ext cx="851488" cy="851488"/>
+            </a:xfrm>
+            <a:prstGeom prst="rect">
+              <a:avLst/>
+            </a:prstGeom>
+            <a:grpFill/>
+            <a:ln>
+              <a:solidFill>
+                <a:schemeClr val="accent1"/>
+              </a:solidFill>
+            </a:ln>
+            <a:extLst/>
+          </p:spPr>
+        </p:pic>
+      </p:grpSp>
+    </p:spTree>
+    <p:extLst>
+      <p:ext uri="{BB962C8B-B14F-4D97-AF65-F5344CB8AC3E}">
+        <p14:creationId xmlns:p14="http://schemas.microsoft.com/office/powerpoint/2010/main" val="713436702"/>
+      </p:ext>
+    </p:extLst>
+  </p:cSld>
+  <p:clrMapOvr>
+    <a:masterClrMapping/>
+  </p:clrMapOvr>
+  <p:transition>
+    <p:fade/>
+  </p:transition>
+  <p:timing>
+    <p:tnLst>
+      <p:par>
+        <p:cTn id="1" dur="indefinite" restart="never" nodeType="tmRoot">
+          <p:childTnLst>
+            <p:seq concurrent="1" nextAc="seek">
+              <p:cTn id="2" dur="indefinite" nodeType="mainSeq">
+                <p:childTnLst>
+                  <p:par>
+                    <p:cTn id="3" fill="hold">
+                      <p:stCondLst>
+                        <p:cond delay="indefinite"/>
+                        <p:cond evt="onBegin" delay="0">
+                          <p:tn val="2"/>
+                        </p:cond>
+                      </p:stCondLst>
+                      <p:childTnLst>
+                        <p:par>
+                          <p:cTn id="4" fill="hold">
+                            <p:stCondLst>
+                              <p:cond delay="0"/>
+                            </p:stCondLst>
+                            <p:childTnLst>
+                              <p:par>
+                                <p:cTn id="5" presetID="10" presetClass="entr" presetSubtype="0" fill="hold" nodeType="afterEffect">
+                                  <p:stCondLst>
+                                    <p:cond delay="0"/>
+                                  </p:stCondLst>
+                                  <p:childTnLst>
+                                    <p:set>
+                                      <p:cBhvr>
+                                        <p:cTn id="6" dur="1" fill="hold">
+                                          <p:stCondLst>
+                                            <p:cond delay="0"/>
+                                          </p:stCondLst>
+                                        </p:cTn>
+                                        <p:tgtEl>
+                                          <p:spTgt spid="44"/>
+                                        </p:tgtEl>
+                                        <p:attrNameLst>
+                                          <p:attrName>style.visibility</p:attrName>
+                                        </p:attrNameLst>
+                                      </p:cBhvr>
+                                      <p:to>
+                                        <p:strVal val="visible"/>
+                                      </p:to>
+                                    </p:set>
+                                    <p:animEffect transition="in" filter="fade">
+                                      <p:cBhvr>
+                                        <p:cTn id="7" dur="500"/>
+                                        <p:tgtEl>
+                                          <p:spTgt spid="44"/>
+                                        </p:tgtEl>
+                                      </p:cBhvr>
+                                    </p:animEffect>
+                                  </p:childTnLst>
+                                </p:cTn>
+                              </p:par>
+                            </p:childTnLst>
+                          </p:cTn>
+                        </p:par>
+                      </p:childTnLst>
+                    </p:cTn>
+                  </p:par>
+                </p:childTnLst>
+              </p:cTn>
+              <p:prevCondLst>
+                <p:cond evt="onPrev" delay="0">
+                  <p:tgtEl>
+                    <p:sldTgt/>
+                  </p:tgtEl>
+                </p:cond>
+              </p:prevCondLst>
+              <p:nextCondLst>
+                <p:cond evt="onNext" delay="0">
+                  <p:tgtEl>
+                    <p:sldTgt/>
+                  </p:tgtEl>
+                </p:cond>
+              </p:nextCondLst>
+            </p:seq>
+          </p:childTnLst>
+        </p:cTn>
+      </p:par>
+    </p:tnLst>
+  </p:timing>
+</p:sld>
+</file>
+
+<file path=ppt/slides/slide8.xml><?xml version="1.0" encoding="utf-8"?>
+<p:sld xmlns:a="http://schemas.openxmlformats.org/drawingml/2006/main" xmlns:r="http://schemas.openxmlformats.org/officeDocument/2006/relationships" xmlns:p="http://schemas.openxmlformats.org/presentationml/2006/main">
+  <p:cSld>
+    <p:spTree>
+      <p:nvGrpSpPr>
+        <p:cNvPr id="1" name=""/>
+        <p:cNvGrpSpPr/>
+        <p:nvPr/>
+      </p:nvGrpSpPr>
+      <p:grpSpPr>
+        <a:xfrm>
+          <a:off x="0" y="0"/>
+          <a:ext cx="0" cy="0"/>
+          <a:chOff x="0" y="0"/>
+          <a:chExt cx="0" cy="0"/>
+        </a:xfrm>
+      </p:grpSpPr>
+      <p:sp>
+        <p:nvSpPr>
+          <p:cNvPr id="2" name="Title 1"/>
+          <p:cNvSpPr>
+            <a:spLocks noGrp="1"/>
+          </p:cNvSpPr>
+          <p:nvPr>
+            <p:ph type="ctrTitle"/>
+          </p:nvPr>
+        </p:nvSpPr>
+        <p:spPr/>
+        <p:txBody>
+          <a:bodyPr/>
+          <a:lstStyle/>
+          <a:p>
+            <a:r>
+              <a:rPr lang="en-US" dirty="0" smtClean="0"/>
+              <a:t>Storage</a:t>
+            </a:r>
+            <a:endParaRPr lang="en-US" dirty="0"/>
+          </a:p>
+        </p:txBody>
+      </p:sp>
+      <p:sp>
+        <p:nvSpPr>
+          <p:cNvPr id="3" name="Subtitle 2"/>
+          <p:cNvSpPr>
+            <a:spLocks noGrp="1"/>
+          </p:cNvSpPr>
+          <p:nvPr>
+            <p:ph type="subTitle" idx="1"/>
+          </p:nvPr>
+        </p:nvSpPr>
+        <p:spPr>
+          <a:xfrm>
+            <a:off x="1889124" y="5630472"/>
+            <a:ext cx="8406343" cy="461665"/>
+          </a:xfrm>
+        </p:spPr>
+        <p:txBody>
+          <a:bodyPr/>
+          <a:lstStyle/>
+          <a:p>
+            <a:r>
+              <a:rPr lang="en-US" dirty="0" smtClean="0"/>
+              <a:t>Use Windows Azure Table Storage to save hot topics</a:t>
+            </a:r>
+            <a:endParaRPr lang="en-US" dirty="0"/>
+          </a:p>
+        </p:txBody>
+      </p:sp>
+      <p:sp>
+        <p:nvSpPr>
+          <p:cNvPr id="4" name="Text Placeholder 3"/>
+          <p:cNvSpPr>
+            <a:spLocks noGrp="1"/>
+          </p:cNvSpPr>
+          <p:nvPr>
+            <p:ph type="body" sz="quarter" idx="10"/>
+          </p:nvPr>
+        </p:nvSpPr>
+        <p:spPr/>
+        <p:txBody>
+          <a:bodyPr/>
+          <a:lstStyle/>
+          <a:p>
+            <a:r>
+              <a:rPr lang="en-US" dirty="0" smtClean="0"/>
+              <a:t>Twitter Reader</a:t>
+            </a:r>
+            <a:endParaRPr lang="en-US" dirty="0"/>
+          </a:p>
+        </p:txBody>
+      </p:sp>
+    </p:spTree>
+    <p:extLst>
+      <p:ext uri="{BB962C8B-B14F-4D97-AF65-F5344CB8AC3E}">
+        <p14:creationId xmlns:p14="http://schemas.microsoft.com/office/powerpoint/2010/main" val="3281253215"/>
+      </p:ext>
+    </p:extLst>
+  </p:cSld>
+  <p:clrMapOvr>
+    <a:masterClrMapping/>
+  </p:clrMapOvr>
+  <p:transition>
+    <p:fade/>
+  </p:transition>
+  <p:timing>
+    <p:tnLst>
+      <p:par>
+        <p:cTn id="1" dur="indefinite" restart="never" nodeType="tmRoot"/>
+      </p:par>
+    </p:tnLst>
+  </p:timing>
+</p:sld>
+</file>
+
+<file path=ppt/slides/slide9.xml><?xml version="1.0" encoding="utf-8"?>
+<p:sld xmlns:a="http://schemas.openxmlformats.org/drawingml/2006/main" xmlns:r="http://schemas.openxmlformats.org/officeDocument/2006/relationships" xmlns:p="http://schemas.openxmlformats.org/presentationml/2006/main">
+  <p:cSld>
+    <p:spTree>
+      <p:nvGrpSpPr>
+        <p:cNvPr id="1" name=""/>
+        <p:cNvGrpSpPr/>
+        <p:nvPr/>
+      </p:nvGrpSpPr>
+      <p:grpSpPr>
+        <a:xfrm>
+          <a:off x="0" y="0"/>
+          <a:ext cx="0" cy="0"/>
+          <a:chOff x="0" y="0"/>
+          <a:chExt cx="0" cy="0"/>
+        </a:xfrm>
+      </p:grpSpPr>
+      <p:sp>
+        <p:nvSpPr>
+          <p:cNvPr id="2" name="Title 1"/>
+          <p:cNvSpPr>
+            <a:spLocks noGrp="1"/>
+          </p:cNvSpPr>
+          <p:nvPr>
+            <p:ph type="title"/>
+          </p:nvPr>
+        </p:nvSpPr>
+        <p:spPr/>
+        <p:txBody>
+          <a:bodyPr/>
+          <a:lstStyle/>
+          <a:p>
+            <a:r>
+              <a:rPr lang="en-US" dirty="0" smtClean="0"/>
+              <a:t>n-Tier</a:t>
+            </a:r>
+            <a:endParaRPr lang="en-US" dirty="0"/>
+          </a:p>
+        </p:txBody>
+      </p:sp>
+      <p:sp>
+        <p:nvSpPr>
+          <p:cNvPr id="3" name="Text Placeholder 2"/>
+          <p:cNvSpPr>
+            <a:spLocks noGrp="1"/>
+          </p:cNvSpPr>
+          <p:nvPr>
+            <p:ph type="body" sz="quarter" idx="10"/>
+          </p:nvPr>
+        </p:nvSpPr>
+        <p:spPr>
+          <a:xfrm>
+            <a:off x="519112" y="1447799"/>
+            <a:ext cx="11149013" cy="1892826"/>
+          </a:xfrm>
+        </p:spPr>
+        <p:txBody>
+          <a:bodyPr/>
+          <a:lstStyle/>
+          <a:p>
+            <a:pPr marL="574675" indent="-571500">
+              <a:buFont typeface="Arial" panose="020B0604020202020204" pitchFamily="34" charset="0"/>
+              <a:buChar char="•"/>
+            </a:pPr>
+            <a:r>
+              <a:rPr lang="en-US" dirty="0" smtClean="0"/>
+              <a:t>Separation of concerns</a:t>
+            </a:r>
+          </a:p>
+          <a:p>
+            <a:pPr marL="574675" indent="-571500">
+              <a:buFont typeface="Arial" panose="020B0604020202020204" pitchFamily="34" charset="0"/>
+              <a:buChar char="•"/>
+            </a:pPr>
+            <a:r>
+              <a:rPr lang="en-US" dirty="0" smtClean="0"/>
+              <a:t>Scale different layers separately</a:t>
+            </a:r>
+          </a:p>
+          <a:p>
+            <a:pPr marL="574675" indent="-571500">
+              <a:buFont typeface="Arial" panose="020B0604020202020204" pitchFamily="34" charset="0"/>
+              <a:buChar char="•"/>
+            </a:pPr>
+            <a:r>
+              <a:rPr lang="en-US" dirty="0" smtClean="0"/>
+              <a:t>Asynchronous workload processing</a:t>
+            </a:r>
+          </a:p>
+        </p:txBody>
+      </p:sp>
+    </p:spTree>
+    <p:extLst>
+      <p:ext uri="{BB962C8B-B14F-4D97-AF65-F5344CB8AC3E}">
+        <p14:creationId xmlns:p14="http://schemas.microsoft.com/office/powerpoint/2010/main" val="2877175604"/>
+      </p:ext>
+    </p:extLst>
+  </p:cSld>
+  <p:clrMapOvr>
+    <a:masterClrMapping/>
+  </p:clrMapOvr>
+  <p:transition>
+    <p:fade/>
+  </p:transition>
   <p:timing>
     <p:tnLst>
       <p:par>
@@ -15923,14 +23515,12 @@
 </file>
 
 <file path=customXml/item1.xml><?xml version="1.0" encoding="utf-8"?>
-<p:properties xmlns:p="http://schemas.microsoft.com/office/2006/metadata/properties" xmlns:xsi="http://www.w3.org/2001/XMLSchema-instance" xmlns:pc="http://schemas.microsoft.com/office/infopath/2007/PartnerControls">
-  <documentManagement>
-    <TaxKeywordTaxHTField xmlns="230e9df3-be65-4c73-a93b-d1236ebd677e">
-      <Terms xmlns="http://schemas.microsoft.com/office/infopath/2007/PartnerControls"/>
-    </TaxKeywordTaxHTField>
-    <TaxCatchAll xmlns="230e9df3-be65-4c73-a93b-d1236ebd677e"/>
-  </documentManagement>
-</p:properties>
+<?mso-contentType ?>
+<FormTemplates xmlns="http://schemas.microsoft.com/sharepoint/v3/contenttype/forms">
+  <Display>DocumentLibraryForm</Display>
+  <Edit>DocumentLibraryForm</Edit>
+  <New>DocumentLibraryForm</New>
+</FormTemplates>
 </file>
 
 <file path=customXml/item2.xml><?xml version="1.0" encoding="utf-8"?>
@@ -16086,26 +23676,20 @@
 </file>
 
 <file path=customXml/item3.xml><?xml version="1.0" encoding="utf-8"?>
-<?mso-contentType ?>
-<FormTemplates xmlns="http://schemas.microsoft.com/sharepoint/v3/contenttype/forms">
-  <Display>DocumentLibraryForm</Display>
-  <Edit>DocumentLibraryForm</Edit>
-  <New>DocumentLibraryForm</New>
-</FormTemplates>
+<p:properties xmlns:p="http://schemas.microsoft.com/office/2006/metadata/properties" xmlns:xsi="http://www.w3.org/2001/XMLSchema-instance" xmlns:pc="http://schemas.microsoft.com/office/infopath/2007/PartnerControls">
+  <documentManagement>
+    <TaxKeywordTaxHTField xmlns="230e9df3-be65-4c73-a93b-d1236ebd677e">
+      <Terms xmlns="http://schemas.microsoft.com/office/infopath/2007/PartnerControls"/>
+    </TaxKeywordTaxHTField>
+    <TaxCatchAll xmlns="230e9df3-be65-4c73-a93b-d1236ebd677e"/>
+  </documentManagement>
+</p:properties>
 </file>
 
 <file path=customXml/itemProps1.xml><?xml version="1.0" encoding="utf-8"?>
-<ds:datastoreItem xmlns:ds="http://schemas.openxmlformats.org/officeDocument/2006/customXml" ds:itemID="{69B2F97D-0457-4986-9734-D03EB073C5EA}">
+<ds:datastoreItem xmlns:ds="http://schemas.openxmlformats.org/officeDocument/2006/customXml" ds:itemID="{B882D8D6-9D38-4159-A398-AAC3689D3D7C}">
   <ds:schemaRefs>
-    <ds:schemaRef ds:uri="http://schemas.microsoft.com/office/infopath/2007/PartnerControls"/>
-    <ds:schemaRef ds:uri="http://purl.org/dc/terms/"/>
-    <ds:schemaRef ds:uri="http://schemas.microsoft.com/office/2006/documentManagement/types"/>
-    <ds:schemaRef ds:uri="http://purl.org/dc/elements/1.1/"/>
-    <ds:schemaRef ds:uri="http://schemas.openxmlformats.org/package/2006/metadata/core-properties"/>
-    <ds:schemaRef ds:uri="230e9df3-be65-4c73-a93b-d1236ebd677e"/>
-    <ds:schemaRef ds:uri="http://schemas.microsoft.com/office/2006/metadata/properties"/>
-    <ds:schemaRef ds:uri="http://www.w3.org/XML/1998/namespace"/>
-    <ds:schemaRef ds:uri="http://purl.org/dc/dcmitype/"/>
+    <ds:schemaRef ds:uri="http://schemas.microsoft.com/sharepoint/v3/contenttype/forms"/>
   </ds:schemaRefs>
 </ds:datastoreItem>
 </file>
@@ -16129,9 +23713,17 @@
 </file>
 
 <file path=customXml/itemProps3.xml><?xml version="1.0" encoding="utf-8"?>
-<ds:datastoreItem xmlns:ds="http://schemas.openxmlformats.org/officeDocument/2006/customXml" ds:itemID="{B882D8D6-9D38-4159-A398-AAC3689D3D7C}">
+<ds:datastoreItem xmlns:ds="http://schemas.openxmlformats.org/officeDocument/2006/customXml" ds:itemID="{69B2F97D-0457-4986-9734-D03EB073C5EA}">
   <ds:schemaRefs>
-    <ds:schemaRef ds:uri="http://schemas.microsoft.com/sharepoint/v3/contenttype/forms"/>
+    <ds:schemaRef ds:uri="http://schemas.microsoft.com/office/infopath/2007/PartnerControls"/>
+    <ds:schemaRef ds:uri="http://purl.org/dc/terms/"/>
+    <ds:schemaRef ds:uri="http://schemas.microsoft.com/office/2006/documentManagement/types"/>
+    <ds:schemaRef ds:uri="http://purl.org/dc/elements/1.1/"/>
+    <ds:schemaRef ds:uri="http://schemas.openxmlformats.org/package/2006/metadata/core-properties"/>
+    <ds:schemaRef ds:uri="230e9df3-be65-4c73-a93b-d1236ebd677e"/>
+    <ds:schemaRef ds:uri="http://schemas.microsoft.com/office/2006/metadata/properties"/>
+    <ds:schemaRef ds:uri="http://www.w3.org/XML/1998/namespace"/>
+    <ds:schemaRef ds:uri="http://purl.org/dc/dcmitype/"/>
   </ds:schemaRefs>
 </ds:datastoreItem>
 </file>
--- a/UsingCloudApplicationServices.pptx
+++ b/UsingCloudApplicationServices.pptx
@@ -6,30 +6,29 @@
     <p:sldMasterId id="2147483779" r:id="rId5"/>
   </p:sldMasterIdLst>
   <p:notesMasterIdLst>
-    <p:notesMasterId r:id="rId19"/>
+    <p:notesMasterId r:id="rId18"/>
   </p:notesMasterIdLst>
   <p:handoutMasterIdLst>
-    <p:handoutMasterId r:id="rId20"/>
+    <p:handoutMasterId r:id="rId19"/>
   </p:handoutMasterIdLst>
   <p:sldIdLst>
     <p:sldId id="296" r:id="rId6"/>
     <p:sldId id="293" r:id="rId7"/>
     <p:sldId id="257" r:id="rId8"/>
-    <p:sldId id="297" r:id="rId9"/>
-    <p:sldId id="298" r:id="rId10"/>
-    <p:sldId id="299" r:id="rId11"/>
-    <p:sldId id="300" r:id="rId12"/>
-    <p:sldId id="301" r:id="rId13"/>
-    <p:sldId id="302" r:id="rId14"/>
-    <p:sldId id="303" r:id="rId15"/>
-    <p:sldId id="304" r:id="rId16"/>
-    <p:sldId id="305" r:id="rId17"/>
-    <p:sldId id="292" r:id="rId18"/>
+    <p:sldId id="306" r:id="rId9"/>
+    <p:sldId id="297" r:id="rId10"/>
+    <p:sldId id="307" r:id="rId11"/>
+    <p:sldId id="298" r:id="rId12"/>
+    <p:sldId id="299" r:id="rId13"/>
+    <p:sldId id="300" r:id="rId14"/>
+    <p:sldId id="304" r:id="rId15"/>
+    <p:sldId id="305" r:id="rId16"/>
+    <p:sldId id="292" r:id="rId17"/>
   </p:sldIdLst>
   <p:sldSz cx="12188825" cy="6858000"/>
   <p:notesSz cx="6858000" cy="9296400"/>
   <p:custDataLst>
-    <p:tags r:id="rId21"/>
+    <p:tags r:id="rId20"/>
   </p:custDataLst>
   <p:defaultTextStyle>
     <a:defPPr>
@@ -276,7 +275,7 @@
               <a:rPr lang="en-US" smtClean="0">
                 <a:latin typeface="Segoe UI" pitchFamily="34" charset="0"/>
               </a:rPr>
-              <a:t>11/30/2012</a:t>
+              <a:t>12/21/2012</a:t>
             </a:fld>
             <a:endParaRPr lang="en-US" dirty="0">
               <a:latin typeface="Segoe UI" pitchFamily="34" charset="0"/>
@@ -458,7 +457,7 @@
             <a:fld id="{CAE3F082-F902-42D8-A765-720E172C3194}" type="datetimeFigureOut">
               <a:rPr lang="en-US" smtClean="0"/>
               <a:pPr/>
-              <a:t>11/30/2012</a:t>
+              <a:t>12/21/2012</a:t>
             </a:fld>
             <a:endParaRPr lang="en-US" dirty="0"/>
           </a:p>
@@ -729,107 +728,6 @@
     </a:lvl9pPr>
   </p:notesStyle>
 </p:notesMaster>
-</file>
-
-<file path=ppt/notesSlides/notesSlide1.xml><?xml version="1.0" encoding="utf-8"?>
-<p:notes xmlns:a="http://schemas.openxmlformats.org/drawingml/2006/main" xmlns:r="http://schemas.openxmlformats.org/officeDocument/2006/relationships" xmlns:p="http://schemas.openxmlformats.org/presentationml/2006/main">
-  <p:cSld>
-    <p:spTree>
-      <p:nvGrpSpPr>
-        <p:cNvPr id="1" name=""/>
-        <p:cNvGrpSpPr/>
-        <p:nvPr/>
-      </p:nvGrpSpPr>
-      <p:grpSpPr>
-        <a:xfrm>
-          <a:off x="0" y="0"/>
-          <a:ext cx="0" cy="0"/>
-          <a:chOff x="0" y="0"/>
-          <a:chExt cx="0" cy="0"/>
-        </a:xfrm>
-      </p:grpSpPr>
-      <p:sp>
-        <p:nvSpPr>
-          <p:cNvPr id="2" name="Slide Image Placeholder 1"/>
-          <p:cNvSpPr>
-            <a:spLocks noGrp="1" noRot="1" noChangeAspect="1"/>
-          </p:cNvSpPr>
-          <p:nvPr>
-            <p:ph type="sldImg"/>
-          </p:nvPr>
-        </p:nvSpPr>
-        <p:spPr/>
-      </p:sp>
-      <p:sp>
-        <p:nvSpPr>
-          <p:cNvPr id="3" name="Notes Placeholder 2"/>
-          <p:cNvSpPr>
-            <a:spLocks noGrp="1"/>
-          </p:cNvSpPr>
-          <p:nvPr>
-            <p:ph type="body" idx="1"/>
-          </p:nvPr>
-        </p:nvSpPr>
-        <p:spPr/>
-        <p:txBody>
-          <a:bodyPr/>
-          <a:lstStyle/>
-          <a:p>
-            <a:r>
-              <a:rPr lang="en-US" b="1" dirty="0" smtClean="0"/>
-              <a:t>Speaker Notes:</a:t>
-            </a:r>
-          </a:p>
-          <a:p>
-            <a:endParaRPr lang="en-US" dirty="0" smtClean="0"/>
-          </a:p>
-          <a:p>
-            <a:r>
-              <a:rPr lang="en-US" dirty="0" smtClean="0"/>
-              <a:t>Mention inter-tier communication options: Service Bus Queue (used in demo to send data key), shared</a:t>
-            </a:r>
-            <a:r>
-              <a:rPr lang="en-US" baseline="0" dirty="0" smtClean="0"/>
-              <a:t> storage / cache (used in demo to get actual data), Internal endpoint for direct communication, etc.</a:t>
-            </a:r>
-          </a:p>
-        </p:txBody>
-      </p:sp>
-      <p:sp>
-        <p:nvSpPr>
-          <p:cNvPr id="4" name="Slide Number Placeholder 3"/>
-          <p:cNvSpPr>
-            <a:spLocks noGrp="1"/>
-          </p:cNvSpPr>
-          <p:nvPr>
-            <p:ph type="sldNum" sz="quarter" idx="10"/>
-          </p:nvPr>
-        </p:nvSpPr>
-        <p:spPr/>
-        <p:txBody>
-          <a:bodyPr/>
-          <a:lstStyle/>
-          <a:p>
-            <a:fld id="{82AABF77-E2E4-44CA-BA5C-65E132CF08D8}" type="slidenum">
-              <a:rPr lang="en-US" smtClean="0"/>
-              <a:pPr/>
-              <a:t>9</a:t>
-            </a:fld>
-            <a:endParaRPr lang="en-US" dirty="0"/>
-          </a:p>
-        </p:txBody>
-      </p:sp>
-    </p:spTree>
-    <p:extLst>
-      <p:ext uri="{BB962C8B-B14F-4D97-AF65-F5344CB8AC3E}">
-        <p14:creationId xmlns:p14="http://schemas.microsoft.com/office/powerpoint/2010/main" val="2466929958"/>
-      </p:ext>
-    </p:extLst>
-  </p:cSld>
-  <p:clrMapOvr>
-    <a:masterClrMapping/>
-  </p:clrMapOvr>
-</p:notes>
 </file>
 
 <file path=ppt/slideLayouts/slideLayout1.xml><?xml version="1.0" encoding="utf-8"?>
@@ -5092,40 +4990,6 @@
           <a:chExt cx="0" cy="0"/>
         </a:xfrm>
       </p:grpSpPr>
-      <p:pic>
-        <p:nvPicPr>
-          <p:cNvPr id="2" name="Picture 2"/>
-          <p:cNvPicPr>
-            <a:picLocks noChangeAspect="1" noChangeArrowheads="1"/>
-          </p:cNvPicPr>
-          <p:nvPr userDrawn="1"/>
-        </p:nvPicPr>
-        <p:blipFill>
-          <a:blip r:embed="rId3">
-            <a:extLst>
-              <a:ext uri="{28A0092B-C50C-407E-A947-70E740481C1C}">
-                <a14:useLocalDpi xmlns:a14="http://schemas.microsoft.com/office/drawing/2010/main" val="0"/>
-              </a:ext>
-            </a:extLst>
-          </a:blip>
-          <a:stretch>
-            <a:fillRect/>
-          </a:stretch>
-        </p:blipFill>
-        <p:spPr bwMode="black">
-          <a:xfrm>
-            <a:off x="4321174" y="3140274"/>
-            <a:ext cx="3546476" cy="577452"/>
-          </a:xfrm>
-          <a:prstGeom prst="rect">
-            <a:avLst/>
-          </a:prstGeom>
-          <a:noFill/>
-          <a:ln>
-            <a:noFill/>
-          </a:ln>
-        </p:spPr>
-      </p:pic>
       <p:sp>
         <p:nvSpPr>
           <p:cNvPr id="3" name="Text Box 3"/>
@@ -5239,6 +5103,36 @@
           </a:p>
         </p:txBody>
       </p:sp>
+      <p:pic>
+        <p:nvPicPr>
+          <p:cNvPr id="4" name="Picture 3"/>
+          <p:cNvPicPr>
+            <a:picLocks noChangeAspect="1"/>
+          </p:cNvPicPr>
+          <p:nvPr userDrawn="1"/>
+        </p:nvPicPr>
+        <p:blipFill>
+          <a:blip r:embed="rId3" cstate="print">
+            <a:extLst>
+              <a:ext uri="{28A0092B-C50C-407E-A947-70E740481C1C}">
+                <a14:useLocalDpi xmlns:a14="http://schemas.microsoft.com/office/drawing/2010/main" val="0"/>
+              </a:ext>
+            </a:extLst>
+          </a:blip>
+          <a:stretch>
+            <a:fillRect/>
+          </a:stretch>
+        </p:blipFill>
+        <p:spPr bwMode="invGray">
+          <a:xfrm>
+            <a:off x="4482902" y="3072036"/>
+            <a:ext cx="3223021" cy="690417"/>
+          </a:xfrm>
+          <a:prstGeom prst="rect">
+            <a:avLst/>
+          </a:prstGeom>
+        </p:spPr>
+      </p:pic>
     </p:spTree>
     <p:extLst>
       <p:ext uri="{BB962C8B-B14F-4D97-AF65-F5344CB8AC3E}">
@@ -12506,23 +12400,6 @@
                 </a:rPr>
               </a:br>
               <a:r>
-                <a:rPr lang="en-US" sz="2600" spc="-100" dirty="0" err="1">
-                  <a:gradFill>
-                    <a:gsLst>
-                      <a:gs pos="0">
-                        <a:srgbClr val="595959"/>
-                      </a:gs>
-                      <a:gs pos="86000">
-                        <a:srgbClr val="595959"/>
-                      </a:gs>
-                    </a:gsLst>
-                    <a:lin ang="5400000" scaled="0"/>
-                  </a:gradFill>
-                  <a:latin typeface="Segoe UI Light" pitchFamily="34" charset="0"/>
-                </a:rPr>
-                <a:t>Hashtag</a:t>
-              </a:r>
-              <a:r>
                 <a:rPr lang="en-US" sz="2600" spc="-100" dirty="0">
                   <a:gradFill>
                     <a:gsLst>
@@ -12537,7 +12414,7 @@
                   </a:gradFill>
                   <a:latin typeface="Segoe UI Light" pitchFamily="34" charset="0"/>
                 </a:rPr>
-                <a:t> </a:t>
+                <a:t>Hashtag </a:t>
               </a:r>
               <a:r>
                 <a:rPr lang="en-US" sz="2600" spc="-100" dirty="0" smtClean="0">
@@ -12557,7 +12434,7 @@
                 <a:t>#</a:t>
               </a:r>
               <a:r>
-                <a:rPr lang="en-US" sz="2600" spc="-100" smtClean="0">
+                <a:rPr lang="en-US" sz="2600" spc="-100" dirty="0" err="1" smtClean="0">
                   <a:gradFill>
                     <a:gsLst>
                       <a:gs pos="0">
@@ -12571,7 +12448,7 @@
                   </a:gradFill>
                   <a:latin typeface="Segoe UI Light" pitchFamily="34" charset="0"/>
                 </a:rPr>
-                <a:t>devamps</a:t>
+                <a:t>devcamps</a:t>
               </a:r>
               <a:endParaRPr lang="en-US" sz="2600" spc="-100" dirty="0">
                 <a:gradFill>
@@ -12599,7 +12476,7 @@
                 <a:buSzPct val="80000"/>
               </a:pPr>
               <a:r>
-                <a:rPr lang="en-US" sz="2600" spc="-100" dirty="0">
+                <a:rPr lang="en-US" sz="2600" spc="-100" dirty="0" smtClean="0">
                   <a:gradFill>
                     <a:gsLst>
                       <a:gs pos="0">
@@ -12613,8 +12490,22 @@
                   </a:gradFill>
                   <a:latin typeface="Segoe UI Light" pitchFamily="34" charset="0"/>
                 </a:rPr>
-                <a:t>SPEAKER NAME/HANDLE HERE</a:t>
+                <a:t>[Speaker] / [Twitter]</a:t>
               </a:r>
+              <a:endParaRPr lang="en-US" sz="2600" spc="-100" dirty="0">
+                <a:gradFill>
+                  <a:gsLst>
+                    <a:gs pos="0">
+                      <a:srgbClr val="595959"/>
+                    </a:gs>
+                    <a:gs pos="86000">
+                      <a:srgbClr val="595959"/>
+                    </a:gs>
+                  </a:gsLst>
+                  <a:lin ang="5400000" scaled="0"/>
+                </a:gradFill>
+                <a:latin typeface="Segoe UI Light" pitchFamily="34" charset="0"/>
+              </a:endParaRPr>
             </a:p>
           </p:txBody>
         </p:sp>
@@ -14368,120 +14259,6 @@
             <a:spLocks noGrp="1"/>
           </p:cNvSpPr>
           <p:nvPr>
-            <p:ph type="ctrTitle"/>
-          </p:nvPr>
-        </p:nvSpPr>
-        <p:spPr/>
-        <p:txBody>
-          <a:bodyPr/>
-          <a:lstStyle/>
-          <a:p>
-            <a:r>
-              <a:rPr lang="en-US" dirty="0" smtClean="0"/>
-              <a:t>n-Tier</a:t>
-            </a:r>
-            <a:endParaRPr lang="en-US" dirty="0"/>
-          </a:p>
-        </p:txBody>
-      </p:sp>
-      <p:sp>
-        <p:nvSpPr>
-          <p:cNvPr id="3" name="Subtitle 2"/>
-          <p:cNvSpPr>
-            <a:spLocks noGrp="1"/>
-          </p:cNvSpPr>
-          <p:nvPr>
-            <p:ph type="subTitle" idx="1"/>
-          </p:nvPr>
-        </p:nvSpPr>
-        <p:spPr>
-          <a:xfrm>
-            <a:off x="1889124" y="5630472"/>
-            <a:ext cx="8406343" cy="461665"/>
-          </a:xfrm>
-        </p:spPr>
-        <p:txBody>
-          <a:bodyPr/>
-          <a:lstStyle/>
-          <a:p>
-            <a:r>
-              <a:rPr lang="en-US" dirty="0" smtClean="0"/>
-              <a:t>User a background worker role to analyze trending data</a:t>
-            </a:r>
-            <a:endParaRPr lang="en-US" dirty="0"/>
-          </a:p>
-        </p:txBody>
-      </p:sp>
-      <p:sp>
-        <p:nvSpPr>
-          <p:cNvPr id="4" name="Text Placeholder 3"/>
-          <p:cNvSpPr>
-            <a:spLocks noGrp="1"/>
-          </p:cNvSpPr>
-          <p:nvPr>
-            <p:ph type="body" sz="quarter" idx="10"/>
-          </p:nvPr>
-        </p:nvSpPr>
-        <p:spPr/>
-        <p:txBody>
-          <a:bodyPr/>
-          <a:lstStyle/>
-          <a:p>
-            <a:r>
-              <a:rPr lang="en-US" dirty="0" smtClean="0"/>
-              <a:t>Twitter Reader</a:t>
-            </a:r>
-            <a:endParaRPr lang="en-US" dirty="0"/>
-          </a:p>
-        </p:txBody>
-      </p:sp>
-    </p:spTree>
-    <p:extLst>
-      <p:ext uri="{BB962C8B-B14F-4D97-AF65-F5344CB8AC3E}">
-        <p14:creationId xmlns:p14="http://schemas.microsoft.com/office/powerpoint/2010/main" val="3492865059"/>
-      </p:ext>
-    </p:extLst>
-  </p:cSld>
-  <p:clrMapOvr>
-    <a:masterClrMapping/>
-  </p:clrMapOvr>
-  <p:transition>
-    <p:fade/>
-  </p:transition>
-  <p:timing>
-    <p:tnLst>
-      <p:par>
-        <p:cTn id="1" dur="indefinite" restart="never" nodeType="tmRoot"/>
-      </p:par>
-    </p:tnLst>
-  </p:timing>
-</p:sld>
-</file>
-
-<file path=ppt/slides/slide11.xml><?xml version="1.0" encoding="utf-8"?>
-<p:sld xmlns:a="http://schemas.openxmlformats.org/drawingml/2006/main" xmlns:r="http://schemas.openxmlformats.org/officeDocument/2006/relationships" xmlns:p="http://schemas.openxmlformats.org/presentationml/2006/main">
-  <p:cSld>
-    <p:spTree>
-      <p:nvGrpSpPr>
-        <p:cNvPr id="1" name=""/>
-        <p:cNvGrpSpPr/>
-        <p:nvPr/>
-      </p:nvGrpSpPr>
-      <p:grpSpPr>
-        <a:xfrm>
-          <a:off x="0" y="0"/>
-          <a:ext cx="0" cy="0"/>
-          <a:chOff x="0" y="0"/>
-          <a:chExt cx="0" cy="0"/>
-        </a:xfrm>
-      </p:grpSpPr>
-      <p:sp>
-        <p:nvSpPr>
-          <p:cNvPr id="2" name="Title 1"/>
-          <p:cNvSpPr>
-            <a:spLocks noGrp="1"/>
-          </p:cNvSpPr>
-          <p:nvPr>
             <p:ph type="title"/>
           </p:nvPr>
         </p:nvSpPr>
@@ -14844,7 +14621,7 @@
 </p:sld>
 </file>
 
-<file path=ppt/slides/slide12.xml><?xml version="1.0" encoding="utf-8"?>
+<file path=ppt/slides/slide11.xml><?xml version="1.0" encoding="utf-8"?>
 <p:sld xmlns:a="http://schemas.openxmlformats.org/drawingml/2006/main" xmlns:r="http://schemas.openxmlformats.org/officeDocument/2006/relationships" xmlns:p="http://schemas.openxmlformats.org/presentationml/2006/main">
   <p:cSld>
     <p:spTree>
@@ -14958,7 +14735,7 @@
 </p:sld>
 </file>
 
-<file path=ppt/slides/slide13.xml><?xml version="1.0" encoding="utf-8"?>
+<file path=ppt/slides/slide12.xml><?xml version="1.0" encoding="utf-8"?>
 <p:sld xmlns:a="http://schemas.openxmlformats.org/drawingml/2006/main" xmlns:r="http://schemas.openxmlformats.org/officeDocument/2006/relationships" xmlns:p="http://schemas.openxmlformats.org/presentationml/2006/main">
   <p:cSld>
     <p:spTree>
@@ -15000,7 +14777,7 @@
           <a:graphicData uri="http://schemas.openxmlformats.org/presentationml/2006/ole">
             <mc:AlternateContent xmlns:mc="http://schemas.openxmlformats.org/markup-compatibility/2006">
               <mc:Choice xmlns:v="urn:schemas-microsoft-com:vml" Requires="v">
-                <p:oleObj spid="_x0000_s58475" name="think-cell Slide" r:id="rId4" imgW="270" imgH="270" progId="TCLayout.ActiveDocument.1">
+                <p:oleObj spid="_x0000_s58480" name="think-cell Slide" r:id="rId4" imgW="270" imgH="270" progId="TCLayout.ActiveDocument.1">
                   <p:embed/>
                 </p:oleObj>
               </mc:Choice>
@@ -15109,7 +14886,7 @@
           <a:graphicData uri="http://schemas.openxmlformats.org/presentationml/2006/ole">
             <mc:AlternateContent xmlns:mc="http://schemas.openxmlformats.org/markup-compatibility/2006">
               <mc:Choice xmlns:v="urn:schemas-microsoft-com:vml" Requires="v">
-                <p:oleObj spid="_x0000_s59495" name="think-cell Slide" r:id="rId4" imgW="270" imgH="270" progId="TCLayout.ActiveDocument.1">
+                <p:oleObj spid="_x0000_s59500" name="think-cell Slide" r:id="rId4" imgW="270" imgH="270" progId="TCLayout.ActiveDocument.1">
                   <p:embed/>
                 </p:oleObj>
               </mc:Choice>
@@ -15166,11 +14943,14 @@
           <a:p>
             <a:r>
               <a:rPr lang="en-US" dirty="0" smtClean="0"/>
-              <a:t>Using Cloud </a:t>
+              <a:t>Going further </a:t>
             </a:r>
+            <a:br>
+              <a:rPr lang="en-US" dirty="0" smtClean="0"/>
+            </a:br>
             <a:r>
-              <a:rPr lang="en-US" smtClean="0"/>
-              <a:t>Application Services</a:t>
+              <a:rPr lang="en-US" dirty="0" smtClean="0"/>
+              <a:t>with Windows Azure</a:t>
             </a:r>
             <a:endParaRPr lang="en-US" dirty="0"/>
           </a:p>
@@ -15186,26 +14966,25 @@
             <p:ph type="body" sz="quarter" idx="11"/>
           </p:nvPr>
         </p:nvSpPr>
-        <p:spPr/>
+        <p:spPr>
+          <a:xfrm>
+            <a:off x="519113" y="5313381"/>
+            <a:ext cx="5454333" cy="738664"/>
+          </a:xfrm>
+        </p:spPr>
         <p:txBody>
           <a:bodyPr/>
           <a:lstStyle/>
           <a:p>
             <a:r>
-              <a:rPr lang="en-US" smtClean="0"/>
-              <a:t>Name</a:t>
+              <a:rPr lang="en-US" dirty="0" smtClean="0"/>
+              <a:t>[Speaker]</a:t>
             </a:r>
           </a:p>
           <a:p>
             <a:r>
-              <a:rPr lang="en-US" smtClean="0"/>
-              <a:t>Title</a:t>
-            </a:r>
-          </a:p>
-          <a:p>
-            <a:r>
-              <a:rPr lang="en-US" smtClean="0"/>
-              <a:t>Microsoft Corporation</a:t>
+              <a:rPr lang="en-US" dirty="0" smtClean="0"/>
+              <a:t>[Company]</a:t>
             </a:r>
             <a:endParaRPr lang="en-US" dirty="0"/>
           </a:p>
@@ -15285,7 +15064,7 @@
           <a:graphicData uri="http://schemas.openxmlformats.org/presentationml/2006/ole">
             <mc:AlternateContent xmlns:mc="http://schemas.openxmlformats.org/markup-compatibility/2006">
               <mc:Choice xmlns:v="urn:schemas-microsoft-com:vml" Requires="v">
-                <p:oleObj spid="_x0000_s23661" name="think-cell Slide" r:id="rId6" imgW="270" imgH="270" progId="TCLayout.ActiveDocument.1">
+                <p:oleObj spid="_x0000_s23666" name="think-cell Slide" r:id="rId6" imgW="270" imgH="270" progId="TCLayout.ActiveDocument.1">
                   <p:embed/>
                 </p:oleObj>
               </mc:Choice>
@@ -15361,8 +15140,8 @@
         </p:nvSpPr>
         <p:spPr>
           <a:xfrm>
-            <a:off x="3616124" y="1966204"/>
-            <a:ext cx="7161539" cy="4148828"/>
+            <a:off x="3616124" y="1846171"/>
+            <a:ext cx="7161539" cy="4388894"/>
           </a:xfrm>
         </p:spPr>
         <p:txBody>
@@ -15375,21 +15154,15 @@
             </a:pPr>
             <a:r>
               <a:rPr lang="en-US" dirty="0" smtClean="0"/>
-              <a:t>Using Windows Azure building block services</a:t>
+              <a:t>Scale (up </a:t>
             </a:r>
-          </a:p>
-          <a:p>
-            <a:pPr marL="1373188" lvl="2" indent="-685800"/>
+            <a:r>
+              <a:rPr lang="en-US" u="sng" dirty="0" smtClean="0"/>
+              <a:t>and</a:t>
+            </a:r>
             <a:r>
               <a:rPr lang="en-US" dirty="0" smtClean="0"/>
-              <a:t>Caching</a:t>
-            </a:r>
-          </a:p>
-          <a:p>
-            <a:pPr marL="1373188" lvl="2" indent="-685800"/>
-            <a:r>
-              <a:rPr lang="en-US" dirty="0" smtClean="0"/>
-              <a:t>Storage</a:t>
+              <a:t> down)</a:t>
             </a:r>
           </a:p>
           <a:p>
@@ -15399,7 +15172,27 @@
             </a:pPr>
             <a:r>
               <a:rPr lang="en-US" dirty="0" smtClean="0"/>
-              <a:t>n-Tier architecture</a:t>
+              <a:t>Mobile Services</a:t>
+            </a:r>
+          </a:p>
+          <a:p>
+            <a:pPr marL="688975" indent="-685800">
+              <a:buFont typeface="Arial" panose="020B0604020202020204" pitchFamily="34" charset="0"/>
+              <a:buChar char="•"/>
+            </a:pPr>
+            <a:r>
+              <a:rPr lang="en-US" dirty="0" smtClean="0"/>
+              <a:t>Virtual Machines</a:t>
+            </a:r>
+          </a:p>
+          <a:p>
+            <a:pPr marL="688975" indent="-685800">
+              <a:buFont typeface="Arial" panose="020B0604020202020204" pitchFamily="34" charset="0"/>
+              <a:buChar char="•"/>
+            </a:pPr>
+            <a:r>
+              <a:rPr lang="en-US" dirty="0" smtClean="0"/>
+              <a:t>Caching and Storage</a:t>
             </a:r>
           </a:p>
           <a:p>
@@ -15448,6 +15241,116 @@
 </file>
 
 <file path=ppt/slides/slide4.xml><?xml version="1.0" encoding="utf-8"?>
+<p:sld xmlns:a="http://schemas.openxmlformats.org/drawingml/2006/main" xmlns:r="http://schemas.openxmlformats.org/officeDocument/2006/relationships" xmlns:p="http://schemas.openxmlformats.org/presentationml/2006/main">
+  <p:cSld>
+    <p:spTree>
+      <p:nvGrpSpPr>
+        <p:cNvPr id="1" name=""/>
+        <p:cNvGrpSpPr/>
+        <p:nvPr/>
+      </p:nvGrpSpPr>
+      <p:grpSpPr>
+        <a:xfrm>
+          <a:off x="0" y="0"/>
+          <a:ext cx="0" cy="0"/>
+          <a:chOff x="0" y="0"/>
+          <a:chExt cx="0" cy="0"/>
+        </a:xfrm>
+      </p:grpSpPr>
+      <p:sp>
+        <p:nvSpPr>
+          <p:cNvPr id="2" name="Title 1"/>
+          <p:cNvSpPr>
+            <a:spLocks noGrp="1"/>
+          </p:cNvSpPr>
+          <p:nvPr>
+            <p:ph type="ctrTitle"/>
+          </p:nvPr>
+        </p:nvSpPr>
+        <p:spPr/>
+        <p:txBody>
+          <a:bodyPr/>
+          <a:lstStyle/>
+          <a:p>
+            <a:r>
+              <a:rPr lang="en-US" dirty="0" smtClean="0"/>
+              <a:t>Scale</a:t>
+            </a:r>
+            <a:endParaRPr lang="en-US" dirty="0"/>
+          </a:p>
+        </p:txBody>
+      </p:sp>
+      <p:sp>
+        <p:nvSpPr>
+          <p:cNvPr id="3" name="Subtitle 2"/>
+          <p:cNvSpPr>
+            <a:spLocks noGrp="1"/>
+          </p:cNvSpPr>
+          <p:nvPr>
+            <p:ph type="subTitle" idx="1"/>
+          </p:nvPr>
+        </p:nvSpPr>
+        <p:spPr>
+          <a:xfrm>
+            <a:off x="1889124" y="5630472"/>
+            <a:ext cx="5392209" cy="461665"/>
+          </a:xfrm>
+        </p:spPr>
+        <p:txBody>
+          <a:bodyPr/>
+          <a:lstStyle/>
+          <a:p>
+            <a:endParaRPr lang="en-US" dirty="0"/>
+          </a:p>
+        </p:txBody>
+      </p:sp>
+      <p:sp>
+        <p:nvSpPr>
+          <p:cNvPr id="4" name="Text Placeholder 3"/>
+          <p:cNvSpPr>
+            <a:spLocks noGrp="1"/>
+          </p:cNvSpPr>
+          <p:nvPr>
+            <p:ph type="body" sz="quarter" idx="10"/>
+          </p:nvPr>
+        </p:nvSpPr>
+        <p:spPr/>
+        <p:txBody>
+          <a:bodyPr/>
+          <a:lstStyle/>
+          <a:p>
+            <a:r>
+              <a:rPr lang="en-US" dirty="0" smtClean="0"/>
+              <a:t>devcamps.ms</a:t>
+            </a:r>
+            <a:endParaRPr lang="en-US" dirty="0"/>
+          </a:p>
+        </p:txBody>
+      </p:sp>
+    </p:spTree>
+    <p:extLst>
+      <p:ext uri="{BB962C8B-B14F-4D97-AF65-F5344CB8AC3E}">
+        <p14:creationId xmlns:p14="http://schemas.microsoft.com/office/powerpoint/2010/main" val="903887581"/>
+      </p:ext>
+    </p:extLst>
+  </p:cSld>
+  <p:clrMapOvr>
+    <a:masterClrMapping/>
+  </p:clrMapOvr>
+  <p:transition>
+    <p:fade/>
+  </p:transition>
+  <p:timing>
+    <p:tnLst>
+      <p:par>
+        <p:cTn id="1" dur="indefinite" restart="never" nodeType="tmRoot"/>
+      </p:par>
+    </p:tnLst>
+  </p:timing>
+</p:sld>
+</file>
+
+<file path=ppt/slides/slide5.xml><?xml version="1.0" encoding="utf-8"?>
 <p:sld xmlns:a="http://schemas.openxmlformats.org/drawingml/2006/main" xmlns:r="http://schemas.openxmlformats.org/officeDocument/2006/relationships" xmlns:p="http://schemas.openxmlformats.org/presentationml/2006/main">
   <p:cSld>
     <p:spTree>
@@ -17705,7 +17608,2197 @@
 </p:sld>
 </file>
 
-<file path=ppt/slides/slide5.xml><?xml version="1.0" encoding="utf-8"?>
+<file path=ppt/slides/slide6.xml><?xml version="1.0" encoding="utf-8"?>
+<p:sld xmlns:a="http://schemas.openxmlformats.org/drawingml/2006/main" xmlns:r="http://schemas.openxmlformats.org/officeDocument/2006/relationships" xmlns:p="http://schemas.openxmlformats.org/presentationml/2006/main">
+  <p:cSld>
+    <p:spTree>
+      <p:nvGrpSpPr>
+        <p:cNvPr id="1" name=""/>
+        <p:cNvGrpSpPr/>
+        <p:nvPr/>
+      </p:nvGrpSpPr>
+      <p:grpSpPr>
+        <a:xfrm>
+          <a:off x="0" y="0"/>
+          <a:ext cx="0" cy="0"/>
+          <a:chOff x="0" y="0"/>
+          <a:chExt cx="0" cy="0"/>
+        </a:xfrm>
+      </p:grpSpPr>
+      <p:sp>
+        <p:nvSpPr>
+          <p:cNvPr id="4" name="Title 3"/>
+          <p:cNvSpPr txBox="1">
+            <a:spLocks/>
+          </p:cNvSpPr>
+          <p:nvPr/>
+        </p:nvSpPr>
+        <p:spPr>
+          <a:xfrm>
+            <a:off x="484560" y="2832400"/>
+            <a:ext cx="4773654" cy="1492241"/>
+          </a:xfrm>
+          <a:prstGeom prst="rect">
+            <a:avLst/>
+          </a:prstGeom>
+        </p:spPr>
+        <p:txBody>
+          <a:bodyPr vert="horz" lIns="91440" tIns="45720" rIns="91440" bIns="45720" rtlCol="0" anchor="ctr">
+            <a:normAutofit/>
+          </a:bodyPr>
+          <a:lstStyle>
+            <a:lvl1pPr algn="ctr" defTabSz="914400" rtl="0" eaLnBrk="1" latinLnBrk="0" hangingPunct="1">
+              <a:spcBef>
+                <a:spcPct val="0"/>
+              </a:spcBef>
+              <a:buNone/>
+              <a:defRPr sz="4400" b="1" kern="1200">
+                <a:solidFill>
+                  <a:schemeClr val="bg1"/>
+                </a:solidFill>
+                <a:latin typeface="微软雅黑" pitchFamily="34" charset="-122"/>
+                <a:ea typeface="微软雅黑" pitchFamily="34" charset="-122"/>
+                <a:cs typeface="+mj-cs"/>
+              </a:defRPr>
+            </a:lvl1pPr>
+          </a:lstStyle>
+          <a:p>
+            <a:r>
+              <a:rPr lang="en-US" altLang="zh-CN" dirty="0" smtClean="0">
+                <a:solidFill>
+                  <a:schemeClr val="tx1">
+                    <a:lumMod val="65000"/>
+                    <a:lumOff val="35000"/>
+                  </a:schemeClr>
+                </a:solidFill>
+              </a:rPr>
+              <a:t>Mobile Services</a:t>
+            </a:r>
+            <a:endParaRPr lang="en-US" dirty="0">
+              <a:solidFill>
+                <a:schemeClr val="tx1">
+                  <a:lumMod val="65000"/>
+                  <a:lumOff val="35000"/>
+                </a:schemeClr>
+              </a:solidFill>
+            </a:endParaRPr>
+          </a:p>
+        </p:txBody>
+      </p:sp>
+      <p:grpSp>
+        <p:nvGrpSpPr>
+          <p:cNvPr id="5" name="Group 4"/>
+          <p:cNvGrpSpPr/>
+          <p:nvPr/>
+        </p:nvGrpSpPr>
+        <p:grpSpPr>
+          <a:xfrm>
+            <a:off x="5680055" y="767577"/>
+            <a:ext cx="1900671" cy="1768432"/>
+            <a:chOff x="5665775" y="2466267"/>
+            <a:chExt cx="1896557" cy="1772642"/>
+          </a:xfrm>
+          <a:solidFill>
+            <a:schemeClr val="accent2">
+              <a:lumMod val="75000"/>
+            </a:schemeClr>
+          </a:solidFill>
+        </p:grpSpPr>
+        <p:sp>
+          <p:nvSpPr>
+            <p:cNvPr id="6" name="Rectangle 5"/>
+            <p:cNvSpPr/>
+            <p:nvPr/>
+          </p:nvSpPr>
+          <p:spPr bwMode="auto">
+            <a:xfrm>
+              <a:off x="5665775" y="2466267"/>
+              <a:ext cx="1896557" cy="1772642"/>
+            </a:xfrm>
+            <a:prstGeom prst="rect">
+              <a:avLst/>
+            </a:prstGeom>
+            <a:grpFill/>
+            <a:ln>
+              <a:solidFill>
+                <a:schemeClr val="accent2">
+                  <a:lumMod val="75000"/>
+                </a:schemeClr>
+              </a:solidFill>
+              <a:headEnd type="none" w="med" len="med"/>
+              <a:tailEnd type="none" w="med" len="med"/>
+            </a:ln>
+          </p:spPr>
+          <p:style>
+            <a:lnRef idx="2">
+              <a:schemeClr val="accent2">
+                <a:shade val="50000"/>
+              </a:schemeClr>
+            </a:lnRef>
+            <a:fillRef idx="1">
+              <a:schemeClr val="accent2"/>
+            </a:fillRef>
+            <a:effectRef idx="0">
+              <a:schemeClr val="accent2"/>
+            </a:effectRef>
+            <a:fontRef idx="minor">
+              <a:schemeClr val="lt1"/>
+            </a:fontRef>
+          </p:style>
+          <p:txBody>
+            <a:bodyPr vert="horz" wrap="square" lIns="91440" tIns="91440" rIns="91436" bIns="91440" numCol="1" rtlCol="0" anchor="b" anchorCtr="0" compatLnSpc="1">
+              <a:prstTxWarp prst="textNoShape">
+                <a:avLst/>
+              </a:prstTxWarp>
+            </a:bodyPr>
+            <a:lstStyle/>
+            <a:p>
+              <a:pPr defTabSz="914099" fontAlgn="base">
+                <a:spcBef>
+                  <a:spcPct val="0"/>
+                </a:spcBef>
+                <a:spcAft>
+                  <a:spcPct val="0"/>
+                </a:spcAft>
+              </a:pPr>
+              <a:r>
+                <a:rPr lang="en-US" altLang="zh-CN" sz="2400" dirty="0" smtClean="0">
+                  <a:gradFill>
+                    <a:gsLst>
+                      <a:gs pos="0">
+                        <a:srgbClr val="FFFFFF"/>
+                      </a:gs>
+                      <a:gs pos="100000">
+                        <a:srgbClr val="FFFFFF"/>
+                      </a:gs>
+                    </a:gsLst>
+                    <a:lin ang="5400000" scaled="0"/>
+                  </a:gradFill>
+                </a:rPr>
+                <a:t>Storage</a:t>
+              </a:r>
+              <a:endParaRPr lang="en-US" sz="2400" dirty="0">
+                <a:gradFill>
+                  <a:gsLst>
+                    <a:gs pos="0">
+                      <a:srgbClr val="FFFFFF"/>
+                    </a:gs>
+                    <a:gs pos="100000">
+                      <a:srgbClr val="FFFFFF"/>
+                    </a:gs>
+                  </a:gsLst>
+                  <a:lin ang="5400000" scaled="0"/>
+                </a:gradFill>
+              </a:endParaRPr>
+            </a:p>
+          </p:txBody>
+        </p:sp>
+        <p:pic>
+          <p:nvPicPr>
+            <p:cNvPr id="7" name="Picture 2" descr="C:\Users\Jonahs\Dropbox\Projects SCOTT\MEET Windows Azure\source\Background\tile-icon-storage.png"/>
+            <p:cNvPicPr>
+              <a:picLocks noChangeAspect="1" noChangeArrowheads="1"/>
+            </p:cNvPicPr>
+            <p:nvPr/>
+          </p:nvPicPr>
+          <p:blipFill>
+            <a:blip r:embed="rId2">
+              <a:extLst>
+                <a:ext uri="{28A0092B-C50C-407E-A947-70E740481C1C}">
+                  <a14:useLocalDpi xmlns:a14="http://schemas.microsoft.com/office/drawing/2010/main" val="0"/>
+                </a:ext>
+              </a:extLst>
+            </a:blip>
+            <a:srcRect/>
+            <a:stretch>
+              <a:fillRect/>
+            </a:stretch>
+          </p:blipFill>
+          <p:spPr bwMode="auto">
+            <a:xfrm>
+              <a:off x="6188309" y="2751666"/>
+              <a:ext cx="851488" cy="851488"/>
+            </a:xfrm>
+            <a:prstGeom prst="rect">
+              <a:avLst/>
+            </a:prstGeom>
+            <a:grpFill/>
+            <a:ln>
+              <a:solidFill>
+                <a:schemeClr val="accent2">
+                  <a:lumMod val="75000"/>
+                </a:schemeClr>
+              </a:solidFill>
+            </a:ln>
+            <a:extLst/>
+          </p:spPr>
+        </p:pic>
+      </p:grpSp>
+      <p:grpSp>
+        <p:nvGrpSpPr>
+          <p:cNvPr id="8" name="Group 7"/>
+          <p:cNvGrpSpPr/>
+          <p:nvPr/>
+        </p:nvGrpSpPr>
+        <p:grpSpPr>
+          <a:xfrm>
+            <a:off x="1646086" y="767577"/>
+            <a:ext cx="1900671" cy="1768432"/>
+            <a:chOff x="1685919" y="596839"/>
+            <a:chExt cx="1896557" cy="1772642"/>
+          </a:xfrm>
+          <a:solidFill>
+            <a:schemeClr val="accent2">
+              <a:lumMod val="75000"/>
+            </a:schemeClr>
+          </a:solidFill>
+        </p:grpSpPr>
+        <p:sp>
+          <p:nvSpPr>
+            <p:cNvPr id="9" name="Rectangle 8"/>
+            <p:cNvSpPr/>
+            <p:nvPr/>
+          </p:nvSpPr>
+          <p:spPr bwMode="auto">
+            <a:xfrm>
+              <a:off x="1685919" y="596839"/>
+              <a:ext cx="1896557" cy="1772642"/>
+            </a:xfrm>
+            <a:prstGeom prst="rect">
+              <a:avLst/>
+            </a:prstGeom>
+            <a:grpFill/>
+            <a:ln>
+              <a:solidFill>
+                <a:schemeClr val="accent2">
+                  <a:lumMod val="75000"/>
+                </a:schemeClr>
+              </a:solidFill>
+              <a:headEnd type="none" w="med" len="med"/>
+              <a:tailEnd type="none" w="med" len="med"/>
+            </a:ln>
+          </p:spPr>
+          <p:style>
+            <a:lnRef idx="2">
+              <a:schemeClr val="accent2">
+                <a:shade val="50000"/>
+              </a:schemeClr>
+            </a:lnRef>
+            <a:fillRef idx="1">
+              <a:schemeClr val="accent2"/>
+            </a:fillRef>
+            <a:effectRef idx="0">
+              <a:schemeClr val="accent2"/>
+            </a:effectRef>
+            <a:fontRef idx="minor">
+              <a:schemeClr val="lt1"/>
+            </a:fontRef>
+          </p:style>
+          <p:txBody>
+            <a:bodyPr vert="horz" wrap="square" lIns="91440" tIns="91440" rIns="91436" bIns="91440" numCol="1" rtlCol="0" anchor="b" anchorCtr="0" compatLnSpc="1">
+              <a:prstTxWarp prst="textNoShape">
+                <a:avLst/>
+              </a:prstTxWarp>
+            </a:bodyPr>
+            <a:lstStyle/>
+            <a:p>
+              <a:pPr defTabSz="914099" fontAlgn="base">
+                <a:spcBef>
+                  <a:spcPct val="0"/>
+                </a:spcBef>
+                <a:spcAft>
+                  <a:spcPct val="0"/>
+                </a:spcAft>
+              </a:pPr>
+              <a:r>
+                <a:rPr lang="en-US" altLang="zh-CN" sz="2400" dirty="0" smtClean="0">
+                  <a:gradFill>
+                    <a:gsLst>
+                      <a:gs pos="0">
+                        <a:srgbClr val="FFFFFF"/>
+                      </a:gs>
+                      <a:gs pos="100000">
+                        <a:srgbClr val="FFFFFF"/>
+                      </a:gs>
+                    </a:gsLst>
+                    <a:lin ang="5400000" scaled="0"/>
+                  </a:gradFill>
+                </a:rPr>
+                <a:t>Big Data</a:t>
+              </a:r>
+              <a:endParaRPr lang="en-US" sz="2400" dirty="0">
+                <a:gradFill>
+                  <a:gsLst>
+                    <a:gs pos="0">
+                      <a:srgbClr val="FFFFFF"/>
+                    </a:gs>
+                    <a:gs pos="100000">
+                      <a:srgbClr val="FFFFFF"/>
+                    </a:gs>
+                  </a:gsLst>
+                  <a:lin ang="5400000" scaled="0"/>
+                </a:gradFill>
+              </a:endParaRPr>
+            </a:p>
+          </p:txBody>
+        </p:sp>
+        <p:pic>
+          <p:nvPicPr>
+            <p:cNvPr id="10" name="Picture 3" descr="C:\Users\Jonahs\Dropbox\Projects SCOTT\MEET Windows Azure\source\Background\tile-icon-bigdata.png"/>
+            <p:cNvPicPr>
+              <a:picLocks noChangeAspect="1" noChangeArrowheads="1"/>
+            </p:cNvPicPr>
+            <p:nvPr/>
+          </p:nvPicPr>
+          <p:blipFill>
+            <a:blip r:embed="rId3">
+              <a:extLst>
+                <a:ext uri="{28A0092B-C50C-407E-A947-70E740481C1C}">
+                  <a14:useLocalDpi xmlns:a14="http://schemas.microsoft.com/office/drawing/2010/main" val="0"/>
+                </a:ext>
+              </a:extLst>
+            </a:blip>
+            <a:srcRect/>
+            <a:stretch>
+              <a:fillRect/>
+            </a:stretch>
+          </p:blipFill>
+          <p:spPr bwMode="auto">
+            <a:xfrm>
+              <a:off x="2252075" y="926787"/>
+              <a:ext cx="851488" cy="851488"/>
+            </a:xfrm>
+            <a:prstGeom prst="rect">
+              <a:avLst/>
+            </a:prstGeom>
+            <a:grpFill/>
+            <a:ln>
+              <a:solidFill>
+                <a:schemeClr val="accent2">
+                  <a:lumMod val="75000"/>
+                </a:schemeClr>
+              </a:solidFill>
+            </a:ln>
+            <a:extLst/>
+          </p:spPr>
+        </p:pic>
+      </p:grpSp>
+      <p:grpSp>
+        <p:nvGrpSpPr>
+          <p:cNvPr id="11" name="Group 10"/>
+          <p:cNvGrpSpPr/>
+          <p:nvPr/>
+        </p:nvGrpSpPr>
+        <p:grpSpPr>
+          <a:xfrm>
+            <a:off x="5680055" y="2657422"/>
+            <a:ext cx="1900671" cy="1768432"/>
+            <a:chOff x="3671322" y="4341709"/>
+            <a:chExt cx="1896557" cy="1772642"/>
+          </a:xfrm>
+          <a:solidFill>
+            <a:schemeClr val="accent2">
+              <a:lumMod val="75000"/>
+            </a:schemeClr>
+          </a:solidFill>
+        </p:grpSpPr>
+        <p:sp>
+          <p:nvSpPr>
+            <p:cNvPr id="12" name="Rectangle 11"/>
+            <p:cNvSpPr/>
+            <p:nvPr/>
+          </p:nvSpPr>
+          <p:spPr bwMode="auto">
+            <a:xfrm>
+              <a:off x="3671322" y="4341709"/>
+              <a:ext cx="1896557" cy="1772642"/>
+            </a:xfrm>
+            <a:prstGeom prst="rect">
+              <a:avLst/>
+            </a:prstGeom>
+            <a:grpFill/>
+            <a:ln>
+              <a:solidFill>
+                <a:schemeClr val="accent2">
+                  <a:lumMod val="75000"/>
+                </a:schemeClr>
+              </a:solidFill>
+              <a:headEnd type="none" w="med" len="med"/>
+              <a:tailEnd type="none" w="med" len="med"/>
+            </a:ln>
+          </p:spPr>
+          <p:style>
+            <a:lnRef idx="2">
+              <a:schemeClr val="accent2">
+                <a:shade val="50000"/>
+              </a:schemeClr>
+            </a:lnRef>
+            <a:fillRef idx="1">
+              <a:schemeClr val="accent2"/>
+            </a:fillRef>
+            <a:effectRef idx="0">
+              <a:schemeClr val="accent2"/>
+            </a:effectRef>
+            <a:fontRef idx="minor">
+              <a:schemeClr val="lt1"/>
+            </a:fontRef>
+          </p:style>
+          <p:txBody>
+            <a:bodyPr vert="horz" wrap="square" lIns="91440" tIns="91440" rIns="91436" bIns="91440" numCol="1" rtlCol="0" anchor="b" anchorCtr="0" compatLnSpc="1">
+              <a:prstTxWarp prst="textNoShape">
+                <a:avLst/>
+              </a:prstTxWarp>
+            </a:bodyPr>
+            <a:lstStyle/>
+            <a:p>
+              <a:pPr defTabSz="914099" fontAlgn="base">
+                <a:spcBef>
+                  <a:spcPct val="0"/>
+                </a:spcBef>
+                <a:spcAft>
+                  <a:spcPct val="0"/>
+                </a:spcAft>
+              </a:pPr>
+              <a:r>
+                <a:rPr lang="en-US" altLang="zh-CN" sz="2400" dirty="0" smtClean="0">
+                  <a:gradFill>
+                    <a:gsLst>
+                      <a:gs pos="0">
+                        <a:srgbClr val="FFFFFF"/>
+                      </a:gs>
+                      <a:gs pos="100000">
+                        <a:srgbClr val="FFFFFF"/>
+                      </a:gs>
+                    </a:gsLst>
+                    <a:lin ang="5400000" scaled="0"/>
+                  </a:gradFill>
+                </a:rPr>
+                <a:t>Caching</a:t>
+              </a:r>
+              <a:endParaRPr lang="en-US" sz="2400" dirty="0">
+                <a:gradFill>
+                  <a:gsLst>
+                    <a:gs pos="0">
+                      <a:srgbClr val="FFFFFF"/>
+                    </a:gs>
+                    <a:gs pos="100000">
+                      <a:srgbClr val="FFFFFF"/>
+                    </a:gs>
+                  </a:gsLst>
+                  <a:lin ang="5400000" scaled="0"/>
+                </a:gradFill>
+              </a:endParaRPr>
+            </a:p>
+          </p:txBody>
+        </p:sp>
+        <p:pic>
+          <p:nvPicPr>
+            <p:cNvPr id="13" name="Picture 4" descr="C:\Users\Jonahs\Dropbox\Projects SCOTT\MEET Windows Azure\source\Background\tile-icon-cache.png"/>
+            <p:cNvPicPr>
+              <a:picLocks noChangeAspect="1" noChangeArrowheads="1"/>
+            </p:cNvPicPr>
+            <p:nvPr/>
+          </p:nvPicPr>
+          <p:blipFill>
+            <a:blip r:embed="rId4">
+              <a:extLst>
+                <a:ext uri="{28A0092B-C50C-407E-A947-70E740481C1C}">
+                  <a14:useLocalDpi xmlns:a14="http://schemas.microsoft.com/office/drawing/2010/main" val="0"/>
+                </a:ext>
+              </a:extLst>
+            </a:blip>
+            <a:srcRect/>
+            <a:stretch>
+              <a:fillRect/>
+            </a:stretch>
+          </p:blipFill>
+          <p:spPr bwMode="auto">
+            <a:xfrm>
+              <a:off x="4193856" y="4643082"/>
+              <a:ext cx="851488" cy="851488"/>
+            </a:xfrm>
+            <a:prstGeom prst="rect">
+              <a:avLst/>
+            </a:prstGeom>
+            <a:grpFill/>
+            <a:ln>
+              <a:solidFill>
+                <a:schemeClr val="accent2">
+                  <a:lumMod val="75000"/>
+                </a:schemeClr>
+              </a:solidFill>
+            </a:ln>
+            <a:extLst/>
+          </p:spPr>
+        </p:pic>
+      </p:grpSp>
+      <p:grpSp>
+        <p:nvGrpSpPr>
+          <p:cNvPr id="14" name="Group 13"/>
+          <p:cNvGrpSpPr/>
+          <p:nvPr/>
+        </p:nvGrpSpPr>
+        <p:grpSpPr>
+          <a:xfrm>
+            <a:off x="5680053" y="4547267"/>
+            <a:ext cx="1900671" cy="1768432"/>
+            <a:chOff x="5656726" y="4341709"/>
+            <a:chExt cx="1896557" cy="1772642"/>
+          </a:xfrm>
+          <a:solidFill>
+            <a:schemeClr val="accent2">
+              <a:lumMod val="75000"/>
+            </a:schemeClr>
+          </a:solidFill>
+        </p:grpSpPr>
+        <p:sp>
+          <p:nvSpPr>
+            <p:cNvPr id="15" name="Rectangle 14"/>
+            <p:cNvSpPr/>
+            <p:nvPr/>
+          </p:nvSpPr>
+          <p:spPr bwMode="auto">
+            <a:xfrm>
+              <a:off x="5656726" y="4341709"/>
+              <a:ext cx="1896557" cy="1772642"/>
+            </a:xfrm>
+            <a:prstGeom prst="rect">
+              <a:avLst/>
+            </a:prstGeom>
+            <a:grpFill/>
+            <a:ln>
+              <a:solidFill>
+                <a:schemeClr val="accent2">
+                  <a:lumMod val="75000"/>
+                </a:schemeClr>
+              </a:solidFill>
+              <a:headEnd type="none" w="med" len="med"/>
+              <a:tailEnd type="none" w="med" len="med"/>
+            </a:ln>
+          </p:spPr>
+          <p:style>
+            <a:lnRef idx="2">
+              <a:schemeClr val="accent2">
+                <a:shade val="50000"/>
+              </a:schemeClr>
+            </a:lnRef>
+            <a:fillRef idx="1">
+              <a:schemeClr val="accent2"/>
+            </a:fillRef>
+            <a:effectRef idx="0">
+              <a:schemeClr val="accent2"/>
+            </a:effectRef>
+            <a:fontRef idx="minor">
+              <a:schemeClr val="lt1"/>
+            </a:fontRef>
+          </p:style>
+          <p:txBody>
+            <a:bodyPr vert="horz" wrap="square" lIns="91440" tIns="91440" rIns="91436" bIns="91440" numCol="1" rtlCol="0" anchor="b" anchorCtr="0" compatLnSpc="1">
+              <a:prstTxWarp prst="textNoShape">
+                <a:avLst/>
+              </a:prstTxWarp>
+            </a:bodyPr>
+            <a:lstStyle/>
+            <a:p>
+              <a:pPr defTabSz="914099" fontAlgn="base">
+                <a:spcBef>
+                  <a:spcPct val="0"/>
+                </a:spcBef>
+                <a:spcAft>
+                  <a:spcPct val="0"/>
+                </a:spcAft>
+              </a:pPr>
+              <a:r>
+                <a:rPr lang="en-US" altLang="zh-CN" sz="2400" dirty="0" smtClean="0">
+                  <a:gradFill>
+                    <a:gsLst>
+                      <a:gs pos="0">
+                        <a:srgbClr val="FFFFFF"/>
+                      </a:gs>
+                      <a:gs pos="100000">
+                        <a:srgbClr val="FFFFFF"/>
+                      </a:gs>
+                    </a:gsLst>
+                    <a:lin ang="5400000" scaled="0"/>
+                  </a:gradFill>
+                </a:rPr>
+                <a:t>CDN</a:t>
+              </a:r>
+              <a:endParaRPr lang="en-US" sz="2400" dirty="0">
+                <a:gradFill>
+                  <a:gsLst>
+                    <a:gs pos="0">
+                      <a:srgbClr val="FFFFFF"/>
+                    </a:gs>
+                    <a:gs pos="100000">
+                      <a:srgbClr val="FFFFFF"/>
+                    </a:gs>
+                  </a:gsLst>
+                  <a:lin ang="5400000" scaled="0"/>
+                </a:gradFill>
+              </a:endParaRPr>
+            </a:p>
+          </p:txBody>
+        </p:sp>
+        <p:pic>
+          <p:nvPicPr>
+            <p:cNvPr id="16" name="Picture 5" descr="C:\Users\Jonahs\Dropbox\Projects SCOTT\MEET Windows Azure\source\Background\tile-icon-CDN.png"/>
+            <p:cNvPicPr>
+              <a:picLocks noChangeAspect="1" noChangeArrowheads="1"/>
+            </p:cNvPicPr>
+            <p:nvPr/>
+          </p:nvPicPr>
+          <p:blipFill>
+            <a:blip r:embed="rId5">
+              <a:extLst>
+                <a:ext uri="{28A0092B-C50C-407E-A947-70E740481C1C}">
+                  <a14:useLocalDpi xmlns:a14="http://schemas.microsoft.com/office/drawing/2010/main" val="0"/>
+                </a:ext>
+              </a:extLst>
+            </a:blip>
+            <a:srcRect/>
+            <a:stretch>
+              <a:fillRect/>
+            </a:stretch>
+          </p:blipFill>
+          <p:spPr bwMode="auto">
+            <a:xfrm>
+              <a:off x="6179260" y="4671657"/>
+              <a:ext cx="851488" cy="851488"/>
+            </a:xfrm>
+            <a:prstGeom prst="rect">
+              <a:avLst/>
+            </a:prstGeom>
+            <a:grpFill/>
+            <a:ln>
+              <a:solidFill>
+                <a:schemeClr val="accent2">
+                  <a:lumMod val="75000"/>
+                </a:schemeClr>
+              </a:solidFill>
+            </a:ln>
+            <a:extLst/>
+          </p:spPr>
+        </p:pic>
+      </p:grpSp>
+      <p:grpSp>
+        <p:nvGrpSpPr>
+          <p:cNvPr id="17" name="Group 16"/>
+          <p:cNvGrpSpPr/>
+          <p:nvPr/>
+        </p:nvGrpSpPr>
+        <p:grpSpPr>
+          <a:xfrm>
+            <a:off x="3663070" y="767575"/>
+            <a:ext cx="1900671" cy="1768432"/>
+            <a:chOff x="3671323" y="596839"/>
+            <a:chExt cx="1896557" cy="1772642"/>
+          </a:xfrm>
+          <a:solidFill>
+            <a:schemeClr val="accent2">
+              <a:lumMod val="75000"/>
+            </a:schemeClr>
+          </a:solidFill>
+        </p:grpSpPr>
+        <p:sp>
+          <p:nvSpPr>
+            <p:cNvPr id="18" name="Rectangle 17"/>
+            <p:cNvSpPr/>
+            <p:nvPr/>
+          </p:nvSpPr>
+          <p:spPr bwMode="auto">
+            <a:xfrm>
+              <a:off x="3671323" y="596839"/>
+              <a:ext cx="1896557" cy="1772642"/>
+            </a:xfrm>
+            <a:prstGeom prst="rect">
+              <a:avLst/>
+            </a:prstGeom>
+            <a:grpFill/>
+            <a:ln>
+              <a:solidFill>
+                <a:schemeClr val="accent2">
+                  <a:lumMod val="75000"/>
+                </a:schemeClr>
+              </a:solidFill>
+              <a:headEnd type="none" w="med" len="med"/>
+              <a:tailEnd type="none" w="med" len="med"/>
+            </a:ln>
+          </p:spPr>
+          <p:style>
+            <a:lnRef idx="2">
+              <a:schemeClr val="accent2">
+                <a:shade val="50000"/>
+              </a:schemeClr>
+            </a:lnRef>
+            <a:fillRef idx="1">
+              <a:schemeClr val="accent2"/>
+            </a:fillRef>
+            <a:effectRef idx="0">
+              <a:schemeClr val="accent2"/>
+            </a:effectRef>
+            <a:fontRef idx="minor">
+              <a:schemeClr val="lt1"/>
+            </a:fontRef>
+          </p:style>
+          <p:txBody>
+            <a:bodyPr vert="horz" wrap="square" lIns="91440" tIns="91440" rIns="91436" bIns="91440" numCol="1" rtlCol="0" anchor="b" anchorCtr="0" compatLnSpc="1">
+              <a:prstTxWarp prst="textNoShape">
+                <a:avLst/>
+              </a:prstTxWarp>
+            </a:bodyPr>
+            <a:lstStyle/>
+            <a:p>
+              <a:pPr defTabSz="914099" fontAlgn="base">
+                <a:spcBef>
+                  <a:spcPct val="0"/>
+                </a:spcBef>
+                <a:spcAft>
+                  <a:spcPct val="0"/>
+                </a:spcAft>
+              </a:pPr>
+              <a:r>
+                <a:rPr lang="en-US" altLang="zh-CN" sz="2400" dirty="0" smtClean="0">
+                  <a:gradFill>
+                    <a:gsLst>
+                      <a:gs pos="0">
+                        <a:srgbClr val="FFFFFF"/>
+                      </a:gs>
+                      <a:gs pos="100000">
+                        <a:srgbClr val="FFFFFF"/>
+                      </a:gs>
+                    </a:gsLst>
+                    <a:lin ang="5400000" scaled="0"/>
+                  </a:gradFill>
+                </a:rPr>
+                <a:t>Database</a:t>
+              </a:r>
+              <a:endParaRPr lang="en-US" sz="2400" dirty="0">
+                <a:gradFill>
+                  <a:gsLst>
+                    <a:gs pos="0">
+                      <a:srgbClr val="FFFFFF"/>
+                    </a:gs>
+                    <a:gs pos="100000">
+                      <a:srgbClr val="FFFFFF"/>
+                    </a:gs>
+                  </a:gsLst>
+                  <a:lin ang="5400000" scaled="0"/>
+                </a:gradFill>
+              </a:endParaRPr>
+            </a:p>
+          </p:txBody>
+        </p:sp>
+        <p:pic>
+          <p:nvPicPr>
+            <p:cNvPr id="19" name="Picture 6" descr="C:\Users\Jonahs\Dropbox\Projects SCOTT\MEET Windows Azure\source\Background\tile-icon-database.png"/>
+            <p:cNvPicPr>
+              <a:picLocks noChangeAspect="1" noChangeArrowheads="1"/>
+            </p:cNvPicPr>
+            <p:nvPr/>
+          </p:nvPicPr>
+          <p:blipFill>
+            <a:blip r:embed="rId6">
+              <a:extLst>
+                <a:ext uri="{28A0092B-C50C-407E-A947-70E740481C1C}">
+                  <a14:useLocalDpi xmlns:a14="http://schemas.microsoft.com/office/drawing/2010/main" val="0"/>
+                </a:ext>
+              </a:extLst>
+            </a:blip>
+            <a:srcRect/>
+            <a:stretch>
+              <a:fillRect/>
+            </a:stretch>
+          </p:blipFill>
+          <p:spPr bwMode="auto">
+            <a:xfrm>
+              <a:off x="4193856" y="926787"/>
+              <a:ext cx="851488" cy="851488"/>
+            </a:xfrm>
+            <a:prstGeom prst="rect">
+              <a:avLst/>
+            </a:prstGeom>
+            <a:grpFill/>
+            <a:ln>
+              <a:solidFill>
+                <a:schemeClr val="accent2">
+                  <a:lumMod val="75000"/>
+                </a:schemeClr>
+              </a:solidFill>
+            </a:ln>
+            <a:extLst/>
+          </p:spPr>
+        </p:pic>
+      </p:grpSp>
+      <p:grpSp>
+        <p:nvGrpSpPr>
+          <p:cNvPr id="20" name="Group 19"/>
+          <p:cNvGrpSpPr/>
+          <p:nvPr/>
+        </p:nvGrpSpPr>
+        <p:grpSpPr>
+          <a:xfrm>
+            <a:off x="9738656" y="2657422"/>
+            <a:ext cx="1900671" cy="1768432"/>
+            <a:chOff x="9645631" y="2476591"/>
+            <a:chExt cx="1896557" cy="1772642"/>
+          </a:xfrm>
+          <a:solidFill>
+            <a:schemeClr val="accent2">
+              <a:lumMod val="75000"/>
+            </a:schemeClr>
+          </a:solidFill>
+        </p:grpSpPr>
+        <p:sp>
+          <p:nvSpPr>
+            <p:cNvPr id="21" name="Rectangle 20"/>
+            <p:cNvSpPr/>
+            <p:nvPr/>
+          </p:nvSpPr>
+          <p:spPr bwMode="auto">
+            <a:xfrm>
+              <a:off x="9645631" y="2476591"/>
+              <a:ext cx="1896557" cy="1772642"/>
+            </a:xfrm>
+            <a:prstGeom prst="rect">
+              <a:avLst/>
+            </a:prstGeom>
+            <a:grpFill/>
+            <a:ln>
+              <a:solidFill>
+                <a:schemeClr val="accent2">
+                  <a:lumMod val="75000"/>
+                </a:schemeClr>
+              </a:solidFill>
+              <a:headEnd type="none" w="med" len="med"/>
+              <a:tailEnd type="none" w="med" len="med"/>
+            </a:ln>
+          </p:spPr>
+          <p:style>
+            <a:lnRef idx="2">
+              <a:schemeClr val="accent2">
+                <a:shade val="50000"/>
+              </a:schemeClr>
+            </a:lnRef>
+            <a:fillRef idx="1">
+              <a:schemeClr val="accent2"/>
+            </a:fillRef>
+            <a:effectRef idx="0">
+              <a:schemeClr val="accent2"/>
+            </a:effectRef>
+            <a:fontRef idx="minor">
+              <a:schemeClr val="lt1"/>
+            </a:fontRef>
+          </p:style>
+          <p:txBody>
+            <a:bodyPr vert="horz" wrap="square" lIns="91440" tIns="91440" rIns="91436" bIns="91440" numCol="1" rtlCol="0" anchor="b" anchorCtr="0" compatLnSpc="1">
+              <a:prstTxWarp prst="textNoShape">
+                <a:avLst/>
+              </a:prstTxWarp>
+            </a:bodyPr>
+            <a:lstStyle/>
+            <a:p>
+              <a:pPr defTabSz="914099" fontAlgn="base">
+                <a:spcBef>
+                  <a:spcPct val="0"/>
+                </a:spcBef>
+                <a:spcAft>
+                  <a:spcPct val="0"/>
+                </a:spcAft>
+              </a:pPr>
+              <a:r>
+                <a:rPr lang="en-US" altLang="zh-CN" sz="2400" dirty="0" smtClean="0">
+                  <a:gradFill>
+                    <a:gsLst>
+                      <a:gs pos="0">
+                        <a:srgbClr val="FFFFFF"/>
+                      </a:gs>
+                      <a:gs pos="100000">
+                        <a:srgbClr val="FFFFFF"/>
+                      </a:gs>
+                    </a:gsLst>
+                    <a:lin ang="5400000" scaled="0"/>
+                  </a:gradFill>
+                </a:rPr>
+                <a:t>Identity</a:t>
+              </a:r>
+              <a:endParaRPr lang="en-US" sz="2400" dirty="0">
+                <a:gradFill>
+                  <a:gsLst>
+                    <a:gs pos="0">
+                      <a:srgbClr val="FFFFFF"/>
+                    </a:gs>
+                    <a:gs pos="100000">
+                      <a:srgbClr val="FFFFFF"/>
+                    </a:gs>
+                  </a:gsLst>
+                  <a:lin ang="5400000" scaled="0"/>
+                </a:gradFill>
+              </a:endParaRPr>
+            </a:p>
+          </p:txBody>
+        </p:sp>
+        <p:pic>
+          <p:nvPicPr>
+            <p:cNvPr id="22" name="Picture 7" descr="C:\Users\Jonahs\Dropbox\Projects SCOTT\MEET Windows Azure\source\Background\tile-icon-identity.png"/>
+            <p:cNvPicPr>
+              <a:picLocks noChangeAspect="1" noChangeArrowheads="1"/>
+            </p:cNvPicPr>
+            <p:nvPr/>
+          </p:nvPicPr>
+          <p:blipFill>
+            <a:blip r:embed="rId7">
+              <a:extLst>
+                <a:ext uri="{28A0092B-C50C-407E-A947-70E740481C1C}">
+                  <a14:useLocalDpi xmlns:a14="http://schemas.microsoft.com/office/drawing/2010/main" val="0"/>
+                </a:ext>
+              </a:extLst>
+            </a:blip>
+            <a:srcRect/>
+            <a:stretch>
+              <a:fillRect/>
+            </a:stretch>
+          </p:blipFill>
+          <p:spPr bwMode="auto">
+            <a:xfrm>
+              <a:off x="10168165" y="2705562"/>
+              <a:ext cx="851488" cy="851488"/>
+            </a:xfrm>
+            <a:prstGeom prst="rect">
+              <a:avLst/>
+            </a:prstGeom>
+            <a:grpFill/>
+            <a:ln>
+              <a:solidFill>
+                <a:schemeClr val="accent2">
+                  <a:lumMod val="75000"/>
+                </a:schemeClr>
+              </a:solidFill>
+            </a:ln>
+            <a:extLst/>
+          </p:spPr>
+        </p:pic>
+      </p:grpSp>
+      <p:grpSp>
+        <p:nvGrpSpPr>
+          <p:cNvPr id="23" name="Group 22"/>
+          <p:cNvGrpSpPr/>
+          <p:nvPr/>
+        </p:nvGrpSpPr>
+        <p:grpSpPr>
+          <a:xfrm>
+            <a:off x="3663070" y="4547266"/>
+            <a:ext cx="1900671" cy="1768432"/>
+            <a:chOff x="5665775" y="596839"/>
+            <a:chExt cx="1896557" cy="1772642"/>
+          </a:xfrm>
+          <a:solidFill>
+            <a:schemeClr val="accent2">
+              <a:lumMod val="75000"/>
+            </a:schemeClr>
+          </a:solidFill>
+        </p:grpSpPr>
+        <p:sp>
+          <p:nvSpPr>
+            <p:cNvPr id="24" name="Rectangle 23"/>
+            <p:cNvSpPr/>
+            <p:nvPr/>
+          </p:nvSpPr>
+          <p:spPr bwMode="auto">
+            <a:xfrm>
+              <a:off x="5665775" y="596839"/>
+              <a:ext cx="1896557" cy="1772642"/>
+            </a:xfrm>
+            <a:prstGeom prst="rect">
+              <a:avLst/>
+            </a:prstGeom>
+            <a:grpFill/>
+            <a:ln>
+              <a:solidFill>
+                <a:schemeClr val="accent2">
+                  <a:lumMod val="75000"/>
+                </a:schemeClr>
+              </a:solidFill>
+              <a:headEnd type="none" w="med" len="med"/>
+              <a:tailEnd type="none" w="med" len="med"/>
+            </a:ln>
+          </p:spPr>
+          <p:style>
+            <a:lnRef idx="2">
+              <a:schemeClr val="accent2">
+                <a:shade val="50000"/>
+              </a:schemeClr>
+            </a:lnRef>
+            <a:fillRef idx="1">
+              <a:schemeClr val="accent2"/>
+            </a:fillRef>
+            <a:effectRef idx="0">
+              <a:schemeClr val="accent2"/>
+            </a:effectRef>
+            <a:fontRef idx="minor">
+              <a:schemeClr val="lt1"/>
+            </a:fontRef>
+          </p:style>
+          <p:txBody>
+            <a:bodyPr vert="horz" wrap="square" lIns="91440" tIns="91440" rIns="91436" bIns="91440" numCol="1" rtlCol="0" anchor="b" anchorCtr="0" compatLnSpc="1">
+              <a:prstTxWarp prst="textNoShape">
+                <a:avLst/>
+              </a:prstTxWarp>
+            </a:bodyPr>
+            <a:lstStyle/>
+            <a:p>
+              <a:pPr defTabSz="914099" fontAlgn="base">
+                <a:spcBef>
+                  <a:spcPct val="0"/>
+                </a:spcBef>
+                <a:spcAft>
+                  <a:spcPct val="0"/>
+                </a:spcAft>
+              </a:pPr>
+              <a:r>
+                <a:rPr lang="en-US" altLang="zh-CN" sz="2400" dirty="0" smtClean="0">
+                  <a:gradFill>
+                    <a:gsLst>
+                      <a:gs pos="0">
+                        <a:srgbClr val="FFFFFF"/>
+                      </a:gs>
+                      <a:gs pos="100000">
+                        <a:srgbClr val="FFFFFF"/>
+                      </a:gs>
+                    </a:gsLst>
+                    <a:lin ang="5400000" scaled="0"/>
+                  </a:gradFill>
+                </a:rPr>
+                <a:t>Media</a:t>
+              </a:r>
+              <a:endParaRPr lang="en-US" sz="2400" dirty="0">
+                <a:gradFill>
+                  <a:gsLst>
+                    <a:gs pos="0">
+                      <a:srgbClr val="FFFFFF"/>
+                    </a:gs>
+                    <a:gs pos="100000">
+                      <a:srgbClr val="FFFFFF"/>
+                    </a:gs>
+                  </a:gsLst>
+                  <a:lin ang="5400000" scaled="0"/>
+                </a:gradFill>
+              </a:endParaRPr>
+            </a:p>
+          </p:txBody>
+        </p:sp>
+        <p:pic>
+          <p:nvPicPr>
+            <p:cNvPr id="25" name="Picture 8" descr="C:\Users\Jonahs\Dropbox\Projects SCOTT\MEET Windows Azure\source\Background\tile-icon-media.png"/>
+            <p:cNvPicPr>
+              <a:picLocks noChangeAspect="1" noChangeArrowheads="1"/>
+            </p:cNvPicPr>
+            <p:nvPr/>
+          </p:nvPicPr>
+          <p:blipFill>
+            <a:blip r:embed="rId8">
+              <a:extLst>
+                <a:ext uri="{28A0092B-C50C-407E-A947-70E740481C1C}">
+                  <a14:useLocalDpi xmlns:a14="http://schemas.microsoft.com/office/drawing/2010/main" val="0"/>
+                </a:ext>
+              </a:extLst>
+            </a:blip>
+            <a:srcRect/>
+            <a:stretch>
+              <a:fillRect/>
+            </a:stretch>
+          </p:blipFill>
+          <p:spPr bwMode="auto">
+            <a:xfrm>
+              <a:off x="6188309" y="898212"/>
+              <a:ext cx="851488" cy="851488"/>
+            </a:xfrm>
+            <a:prstGeom prst="rect">
+              <a:avLst/>
+            </a:prstGeom>
+            <a:grpFill/>
+            <a:ln>
+              <a:solidFill>
+                <a:schemeClr val="accent2">
+                  <a:lumMod val="75000"/>
+                </a:schemeClr>
+              </a:solidFill>
+            </a:ln>
+            <a:extLst/>
+          </p:spPr>
+        </p:pic>
+      </p:grpSp>
+      <p:grpSp>
+        <p:nvGrpSpPr>
+          <p:cNvPr id="26" name="Group 25"/>
+          <p:cNvGrpSpPr/>
+          <p:nvPr/>
+        </p:nvGrpSpPr>
+        <p:grpSpPr>
+          <a:xfrm>
+            <a:off x="7709352" y="4547267"/>
+            <a:ext cx="1900671" cy="1768432"/>
+            <a:chOff x="7651178" y="4341709"/>
+            <a:chExt cx="1896557" cy="1772642"/>
+          </a:xfrm>
+          <a:solidFill>
+            <a:schemeClr val="accent2">
+              <a:lumMod val="75000"/>
+            </a:schemeClr>
+          </a:solidFill>
+        </p:grpSpPr>
+        <p:sp>
+          <p:nvSpPr>
+            <p:cNvPr id="27" name="Rectangle 26"/>
+            <p:cNvSpPr/>
+            <p:nvPr/>
+          </p:nvSpPr>
+          <p:spPr bwMode="auto">
+            <a:xfrm>
+              <a:off x="7651178" y="4341709"/>
+              <a:ext cx="1896557" cy="1772642"/>
+            </a:xfrm>
+            <a:prstGeom prst="rect">
+              <a:avLst/>
+            </a:prstGeom>
+            <a:grpFill/>
+            <a:ln>
+              <a:solidFill>
+                <a:schemeClr val="accent2">
+                  <a:lumMod val="75000"/>
+                </a:schemeClr>
+              </a:solidFill>
+              <a:headEnd type="none" w="med" len="med"/>
+              <a:tailEnd type="none" w="med" len="med"/>
+            </a:ln>
+          </p:spPr>
+          <p:style>
+            <a:lnRef idx="2">
+              <a:schemeClr val="accent2">
+                <a:shade val="50000"/>
+              </a:schemeClr>
+            </a:lnRef>
+            <a:fillRef idx="1">
+              <a:schemeClr val="accent2"/>
+            </a:fillRef>
+            <a:effectRef idx="0">
+              <a:schemeClr val="accent2"/>
+            </a:effectRef>
+            <a:fontRef idx="minor">
+              <a:schemeClr val="lt1"/>
+            </a:fontRef>
+          </p:style>
+          <p:txBody>
+            <a:bodyPr vert="horz" wrap="square" lIns="91440" tIns="91440" rIns="91436" bIns="91440" numCol="1" rtlCol="0" anchor="b" anchorCtr="0" compatLnSpc="1">
+              <a:prstTxWarp prst="textNoShape">
+                <a:avLst/>
+              </a:prstTxWarp>
+            </a:bodyPr>
+            <a:lstStyle/>
+            <a:p>
+              <a:pPr defTabSz="914099" fontAlgn="base">
+                <a:spcBef>
+                  <a:spcPct val="0"/>
+                </a:spcBef>
+                <a:spcAft>
+                  <a:spcPct val="0"/>
+                </a:spcAft>
+              </a:pPr>
+              <a:r>
+                <a:rPr lang="en-US" altLang="zh-CN" sz="2400" dirty="0" smtClean="0">
+                  <a:gradFill>
+                    <a:gsLst>
+                      <a:gs pos="0">
+                        <a:srgbClr val="FFFFFF"/>
+                      </a:gs>
+                      <a:gs pos="100000">
+                        <a:srgbClr val="FFFFFF"/>
+                      </a:gs>
+                    </a:gsLst>
+                    <a:lin ang="5400000" scaled="0"/>
+                  </a:gradFill>
+                </a:rPr>
+                <a:t>Networking</a:t>
+              </a:r>
+              <a:endParaRPr lang="en-US" sz="2400" dirty="0">
+                <a:gradFill>
+                  <a:gsLst>
+                    <a:gs pos="0">
+                      <a:srgbClr val="FFFFFF"/>
+                    </a:gs>
+                    <a:gs pos="100000">
+                      <a:srgbClr val="FFFFFF"/>
+                    </a:gs>
+                  </a:gsLst>
+                  <a:lin ang="5400000" scaled="0"/>
+                </a:gradFill>
+              </a:endParaRPr>
+            </a:p>
+          </p:txBody>
+        </p:sp>
+        <p:pic>
+          <p:nvPicPr>
+            <p:cNvPr id="28" name="Picture 10" descr="C:\Users\Jonahs\Dropbox\Projects SCOTT\MEET Windows Azure\source\Background\tile-icon-network.png"/>
+            <p:cNvPicPr>
+              <a:picLocks noChangeAspect="1" noChangeArrowheads="1"/>
+            </p:cNvPicPr>
+            <p:nvPr/>
+          </p:nvPicPr>
+          <p:blipFill>
+            <a:blip r:embed="rId9">
+              <a:extLst>
+                <a:ext uri="{28A0092B-C50C-407E-A947-70E740481C1C}">
+                  <a14:useLocalDpi xmlns:a14="http://schemas.microsoft.com/office/drawing/2010/main" val="0"/>
+                </a:ext>
+              </a:extLst>
+            </a:blip>
+            <a:srcRect/>
+            <a:stretch>
+              <a:fillRect/>
+            </a:stretch>
+          </p:blipFill>
+          <p:spPr bwMode="auto">
+            <a:xfrm>
+              <a:off x="8173712" y="4671657"/>
+              <a:ext cx="851488" cy="851488"/>
+            </a:xfrm>
+            <a:prstGeom prst="rect">
+              <a:avLst/>
+            </a:prstGeom>
+            <a:grpFill/>
+            <a:ln>
+              <a:solidFill>
+                <a:schemeClr val="accent2">
+                  <a:lumMod val="75000"/>
+                </a:schemeClr>
+              </a:solidFill>
+            </a:ln>
+            <a:extLst/>
+          </p:spPr>
+        </p:pic>
+      </p:grpSp>
+      <p:grpSp>
+        <p:nvGrpSpPr>
+          <p:cNvPr id="29" name="Group 28"/>
+          <p:cNvGrpSpPr/>
+          <p:nvPr/>
+        </p:nvGrpSpPr>
+        <p:grpSpPr>
+          <a:xfrm>
+            <a:off x="7709356" y="767577"/>
+            <a:ext cx="1900671" cy="1768432"/>
+            <a:chOff x="5665775" y="2466267"/>
+            <a:chExt cx="1896557" cy="1772642"/>
+          </a:xfrm>
+          <a:solidFill>
+            <a:schemeClr val="accent2">
+              <a:lumMod val="75000"/>
+            </a:schemeClr>
+          </a:solidFill>
+        </p:grpSpPr>
+        <p:sp>
+          <p:nvSpPr>
+            <p:cNvPr id="30" name="Rectangle 29"/>
+            <p:cNvSpPr/>
+            <p:nvPr/>
+          </p:nvSpPr>
+          <p:spPr bwMode="auto">
+            <a:xfrm>
+              <a:off x="5665775" y="2466267"/>
+              <a:ext cx="1896557" cy="1772642"/>
+            </a:xfrm>
+            <a:prstGeom prst="rect">
+              <a:avLst/>
+            </a:prstGeom>
+            <a:grpFill/>
+            <a:ln>
+              <a:solidFill>
+                <a:schemeClr val="accent2">
+                  <a:lumMod val="75000"/>
+                </a:schemeClr>
+              </a:solidFill>
+              <a:headEnd type="none" w="med" len="med"/>
+              <a:tailEnd type="none" w="med" len="med"/>
+            </a:ln>
+          </p:spPr>
+          <p:style>
+            <a:lnRef idx="2">
+              <a:schemeClr val="accent2">
+                <a:shade val="50000"/>
+              </a:schemeClr>
+            </a:lnRef>
+            <a:fillRef idx="1">
+              <a:schemeClr val="accent2"/>
+            </a:fillRef>
+            <a:effectRef idx="0">
+              <a:schemeClr val="accent2"/>
+            </a:effectRef>
+            <a:fontRef idx="minor">
+              <a:schemeClr val="lt1"/>
+            </a:fontRef>
+          </p:style>
+          <p:txBody>
+            <a:bodyPr vert="horz" wrap="square" lIns="91440" tIns="91440" rIns="91436" bIns="91440" numCol="1" rtlCol="0" anchor="b" anchorCtr="0" compatLnSpc="1">
+              <a:prstTxWarp prst="textNoShape">
+                <a:avLst/>
+              </a:prstTxWarp>
+            </a:bodyPr>
+            <a:lstStyle/>
+            <a:p>
+              <a:pPr defTabSz="914099" fontAlgn="base">
+                <a:spcBef>
+                  <a:spcPct val="0"/>
+                </a:spcBef>
+                <a:spcAft>
+                  <a:spcPct val="0"/>
+                </a:spcAft>
+              </a:pPr>
+              <a:r>
+                <a:rPr lang="en-US" altLang="zh-CN" sz="2400" dirty="0" smtClean="0">
+                  <a:gradFill>
+                    <a:gsLst>
+                      <a:gs pos="0">
+                        <a:srgbClr val="FFFFFF"/>
+                      </a:gs>
+                      <a:gs pos="100000">
+                        <a:srgbClr val="FFFFFF"/>
+                      </a:gs>
+                    </a:gsLst>
+                    <a:lin ang="5400000" scaled="0"/>
+                  </a:gradFill>
+                </a:rPr>
+                <a:t>Traffic</a:t>
+              </a:r>
+              <a:endParaRPr lang="en-US" sz="2400" dirty="0">
+                <a:gradFill>
+                  <a:gsLst>
+                    <a:gs pos="0">
+                      <a:srgbClr val="FFFFFF"/>
+                    </a:gs>
+                    <a:gs pos="100000">
+                      <a:srgbClr val="FFFFFF"/>
+                    </a:gs>
+                  </a:gsLst>
+                  <a:lin ang="5400000" scaled="0"/>
+                </a:gradFill>
+              </a:endParaRPr>
+            </a:p>
+          </p:txBody>
+        </p:sp>
+        <p:pic>
+          <p:nvPicPr>
+            <p:cNvPr id="31" name="Picture 2"/>
+            <p:cNvPicPr>
+              <a:picLocks noChangeAspect="1" noChangeArrowheads="1"/>
+            </p:cNvPicPr>
+            <p:nvPr/>
+          </p:nvPicPr>
+          <p:blipFill>
+            <a:blip r:embed="rId10" cstate="print">
+              <a:extLst>
+                <a:ext uri="{28A0092B-C50C-407E-A947-70E740481C1C}">
+                  <a14:useLocalDpi xmlns:a14="http://schemas.microsoft.com/office/drawing/2010/main" val="0"/>
+                </a:ext>
+              </a:extLst>
+            </a:blip>
+            <a:stretch>
+              <a:fillRect/>
+            </a:stretch>
+          </p:blipFill>
+          <p:spPr bwMode="auto">
+            <a:xfrm>
+              <a:off x="6188309" y="2751666"/>
+              <a:ext cx="851488" cy="851488"/>
+            </a:xfrm>
+            <a:prstGeom prst="rect">
+              <a:avLst/>
+            </a:prstGeom>
+            <a:grpFill/>
+            <a:ln>
+              <a:solidFill>
+                <a:schemeClr val="accent2">
+                  <a:lumMod val="75000"/>
+                </a:schemeClr>
+              </a:solidFill>
+            </a:ln>
+            <a:extLst/>
+          </p:spPr>
+        </p:pic>
+      </p:grpSp>
+      <p:sp>
+        <p:nvSpPr>
+          <p:cNvPr id="33" name="Rectangle 32"/>
+          <p:cNvSpPr/>
+          <p:nvPr/>
+        </p:nvSpPr>
+        <p:spPr bwMode="auto">
+          <a:xfrm>
+            <a:off x="9721146" y="750719"/>
+            <a:ext cx="1935690" cy="1802143"/>
+          </a:xfrm>
+          <a:prstGeom prst="rect">
+            <a:avLst/>
+          </a:prstGeom>
+          <a:solidFill>
+            <a:schemeClr val="accent1"/>
+          </a:solidFill>
+          <a:ln>
+            <a:noFill/>
+            <a:headEnd type="none" w="med" len="med"/>
+            <a:tailEnd type="none" w="med" len="med"/>
+          </a:ln>
+          <a:effectLst/>
+        </p:spPr>
+        <p:style>
+          <a:lnRef idx="1">
+            <a:schemeClr val="accent2"/>
+          </a:lnRef>
+          <a:fillRef idx="3">
+            <a:schemeClr val="accent2"/>
+          </a:fillRef>
+          <a:effectRef idx="2">
+            <a:schemeClr val="accent2"/>
+          </a:effectRef>
+          <a:fontRef idx="minor">
+            <a:schemeClr val="lt1"/>
+          </a:fontRef>
+        </p:style>
+        <p:txBody>
+          <a:bodyPr vert="horz" wrap="square" lIns="93260" tIns="93260" rIns="91399" bIns="137160" numCol="1" rtlCol="0" anchor="b" anchorCtr="0" compatLnSpc="1">
+            <a:prstTxWarp prst="textNoShape">
+              <a:avLst/>
+            </a:prstTxWarp>
+          </a:bodyPr>
+          <a:lstStyle/>
+          <a:p>
+            <a:pPr defTabSz="932012" fontAlgn="base">
+              <a:lnSpc>
+                <a:spcPts val="1200"/>
+              </a:lnSpc>
+              <a:spcBef>
+                <a:spcPct val="0"/>
+              </a:spcBef>
+              <a:spcAft>
+                <a:spcPct val="0"/>
+              </a:spcAft>
+            </a:pPr>
+            <a:r>
+              <a:rPr lang="en-US" altLang="zh-CN" sz="2400" dirty="0" smtClean="0">
+                <a:gradFill>
+                  <a:gsLst>
+                    <a:gs pos="0">
+                      <a:srgbClr val="FFFFFF"/>
+                    </a:gs>
+                    <a:gs pos="100000">
+                      <a:srgbClr val="FFFFFF"/>
+                    </a:gs>
+                  </a:gsLst>
+                  <a:lin ang="5400000" scaled="0"/>
+                </a:gradFill>
+              </a:rPr>
+              <a:t>Mobile</a:t>
+            </a:r>
+            <a:endParaRPr lang="en-US" sz="2400" dirty="0">
+              <a:gradFill>
+                <a:gsLst>
+                  <a:gs pos="0">
+                    <a:srgbClr val="FFFFFF"/>
+                  </a:gs>
+                  <a:gs pos="100000">
+                    <a:srgbClr val="FFFFFF"/>
+                  </a:gs>
+                </a:gsLst>
+                <a:lin ang="5400000" scaled="0"/>
+              </a:gradFill>
+            </a:endParaRPr>
+          </a:p>
+        </p:txBody>
+      </p:sp>
+      <p:pic>
+        <p:nvPicPr>
+          <p:cNvPr id="34" name="Picture 33"/>
+          <p:cNvPicPr>
+            <a:picLocks noChangeAspect="1"/>
+          </p:cNvPicPr>
+          <p:nvPr/>
+        </p:nvPicPr>
+        <p:blipFill>
+          <a:blip r:embed="rId11" cstate="print">
+            <a:extLst>
+              <a:ext uri="{BEBA8EAE-BF5A-486C-A8C5-ECC9F3942E4B}">
+                <a14:imgProps xmlns:a14="http://schemas.microsoft.com/office/drawing/2010/main">
+                  <a14:imgLayer r:embed="rId12">
+                    <a14:imgEffect>
+                      <a14:brightnessContrast bright="100000"/>
+                    </a14:imgEffect>
+                  </a14:imgLayer>
+                </a14:imgProps>
+              </a:ext>
+              <a:ext uri="{28A0092B-C50C-407E-A947-70E740481C1C}">
+                <a14:useLocalDpi xmlns:a14="http://schemas.microsoft.com/office/drawing/2010/main"/>
+              </a:ext>
+            </a:extLst>
+          </a:blip>
+          <a:stretch>
+            <a:fillRect/>
+          </a:stretch>
+        </p:blipFill>
+        <p:spPr>
+          <a:xfrm>
+            <a:off x="10441957" y="1047012"/>
+            <a:ext cx="505530" cy="854633"/>
+          </a:xfrm>
+          <a:prstGeom prst="rect">
+            <a:avLst/>
+          </a:prstGeom>
+          <a:solidFill>
+            <a:schemeClr val="accent1"/>
+          </a:solidFill>
+          <a:ln>
+            <a:noFill/>
+          </a:ln>
+        </p:spPr>
+      </p:pic>
+      <p:grpSp>
+        <p:nvGrpSpPr>
+          <p:cNvPr id="35" name="Group 34"/>
+          <p:cNvGrpSpPr/>
+          <p:nvPr/>
+        </p:nvGrpSpPr>
+        <p:grpSpPr>
+          <a:xfrm>
+            <a:off x="7709356" y="2657422"/>
+            <a:ext cx="1900671" cy="1768432"/>
+            <a:chOff x="5733802" y="2427734"/>
+            <a:chExt cx="1492821" cy="1280255"/>
+          </a:xfrm>
+          <a:solidFill>
+            <a:schemeClr val="accent2">
+              <a:lumMod val="75000"/>
+            </a:schemeClr>
+          </a:solidFill>
+        </p:grpSpPr>
+        <p:sp>
+          <p:nvSpPr>
+            <p:cNvPr id="36" name="Rectangle 35"/>
+            <p:cNvSpPr/>
+            <p:nvPr/>
+          </p:nvSpPr>
+          <p:spPr bwMode="auto">
+            <a:xfrm>
+              <a:off x="5733802" y="2427734"/>
+              <a:ext cx="1492821" cy="1280255"/>
+            </a:xfrm>
+            <a:prstGeom prst="rect">
+              <a:avLst/>
+            </a:prstGeom>
+            <a:grpFill/>
+            <a:ln>
+              <a:solidFill>
+                <a:schemeClr val="accent2">
+                  <a:lumMod val="75000"/>
+                </a:schemeClr>
+              </a:solidFill>
+              <a:headEnd type="none" w="med" len="med"/>
+              <a:tailEnd type="none" w="med" len="med"/>
+            </a:ln>
+          </p:spPr>
+          <p:style>
+            <a:lnRef idx="2">
+              <a:schemeClr val="accent2">
+                <a:shade val="50000"/>
+              </a:schemeClr>
+            </a:lnRef>
+            <a:fillRef idx="1">
+              <a:schemeClr val="accent2"/>
+            </a:fillRef>
+            <a:effectRef idx="0">
+              <a:schemeClr val="accent2"/>
+            </a:effectRef>
+            <a:fontRef idx="minor">
+              <a:schemeClr val="lt1"/>
+            </a:fontRef>
+          </p:style>
+          <p:txBody>
+            <a:bodyPr vert="horz" wrap="square" lIns="91440" tIns="91440" rIns="91436" bIns="91440" numCol="1" rtlCol="0" anchor="b" anchorCtr="0" compatLnSpc="1">
+              <a:prstTxWarp prst="textNoShape">
+                <a:avLst/>
+              </a:prstTxWarp>
+            </a:bodyPr>
+            <a:lstStyle/>
+            <a:p>
+              <a:pPr defTabSz="914099" fontAlgn="base">
+                <a:spcBef>
+                  <a:spcPct val="0"/>
+                </a:spcBef>
+                <a:spcAft>
+                  <a:spcPct val="0"/>
+                </a:spcAft>
+              </a:pPr>
+              <a:r>
+                <a:rPr lang="en-US" altLang="zh-CN" sz="2400" dirty="0" smtClean="0">
+                  <a:gradFill>
+                    <a:gsLst>
+                      <a:gs pos="0">
+                        <a:srgbClr val="FFFFFF"/>
+                      </a:gs>
+                      <a:gs pos="100000">
+                        <a:srgbClr val="FFFFFF"/>
+                      </a:gs>
+                    </a:gsLst>
+                    <a:lin ang="5400000" scaled="0"/>
+                  </a:gradFill>
+                </a:rPr>
+                <a:t>Service Bus</a:t>
+              </a:r>
+              <a:endParaRPr lang="en-US" sz="2400" dirty="0">
+                <a:gradFill>
+                  <a:gsLst>
+                    <a:gs pos="0">
+                      <a:srgbClr val="FFFFFF"/>
+                    </a:gs>
+                    <a:gs pos="100000">
+                      <a:srgbClr val="FFFFFF"/>
+                    </a:gs>
+                  </a:gsLst>
+                  <a:lin ang="5400000" scaled="0"/>
+                </a:gradFill>
+              </a:endParaRPr>
+            </a:p>
+          </p:txBody>
+        </p:sp>
+        <p:pic>
+          <p:nvPicPr>
+            <p:cNvPr id="37" name="Picture 36"/>
+            <p:cNvPicPr>
+              <a:picLocks noChangeAspect="1"/>
+            </p:cNvPicPr>
+            <p:nvPr/>
+          </p:nvPicPr>
+          <p:blipFill>
+            <a:blip r:embed="rId13"/>
+            <a:stretch>
+              <a:fillRect/>
+            </a:stretch>
+          </p:blipFill>
+          <p:spPr>
+            <a:xfrm>
+              <a:off x="6186090" y="2645395"/>
+              <a:ext cx="546150" cy="617924"/>
+            </a:xfrm>
+            <a:prstGeom prst="rect">
+              <a:avLst/>
+            </a:prstGeom>
+            <a:grpFill/>
+            <a:ln>
+              <a:solidFill>
+                <a:schemeClr val="accent2">
+                  <a:lumMod val="75000"/>
+                </a:schemeClr>
+              </a:solidFill>
+            </a:ln>
+          </p:spPr>
+        </p:pic>
+      </p:grpSp>
+    </p:spTree>
+    <p:extLst>
+      <p:ext uri="{BB962C8B-B14F-4D97-AF65-F5344CB8AC3E}">
+        <p14:creationId xmlns:p14="http://schemas.microsoft.com/office/powerpoint/2010/main" val="3958492535"/>
+      </p:ext>
+    </p:extLst>
+  </p:cSld>
+  <p:clrMapOvr>
+    <a:masterClrMapping/>
+  </p:clrMapOvr>
+  <p:transition>
+    <p:fade/>
+  </p:transition>
+  <p:timing>
+    <p:tnLst>
+      <p:par>
+        <p:cTn id="1" dur="indefinite" restart="never" nodeType="tmRoot">
+          <p:childTnLst>
+            <p:seq concurrent="1" nextAc="seek">
+              <p:cTn id="2" dur="indefinite" nodeType="mainSeq">
+                <p:childTnLst>
+                  <p:par>
+                    <p:cTn id="3" fill="hold">
+                      <p:stCondLst>
+                        <p:cond delay="indefinite"/>
+                        <p:cond evt="onBegin" delay="0">
+                          <p:tn val="2"/>
+                        </p:cond>
+                      </p:stCondLst>
+                      <p:childTnLst>
+                        <p:par>
+                          <p:cTn id="4" fill="hold">
+                            <p:stCondLst>
+                              <p:cond delay="0"/>
+                            </p:stCondLst>
+                            <p:childTnLst>
+                              <p:par>
+                                <p:cTn id="5" presetID="10" presetClass="entr" presetSubtype="0" fill="hold" nodeType="afterEffect">
+                                  <p:stCondLst>
+                                    <p:cond delay="0"/>
+                                  </p:stCondLst>
+                                  <p:childTnLst>
+                                    <p:set>
+                                      <p:cBhvr>
+                                        <p:cTn id="6" dur="1" fill="hold">
+                                          <p:stCondLst>
+                                            <p:cond delay="0"/>
+                                          </p:stCondLst>
+                                        </p:cTn>
+                                        <p:tgtEl>
+                                          <p:spTgt spid="8"/>
+                                        </p:tgtEl>
+                                        <p:attrNameLst>
+                                          <p:attrName>style.visibility</p:attrName>
+                                        </p:attrNameLst>
+                                      </p:cBhvr>
+                                      <p:to>
+                                        <p:strVal val="visible"/>
+                                      </p:to>
+                                    </p:set>
+                                    <p:animEffect transition="in" filter="fade">
+                                      <p:cBhvr>
+                                        <p:cTn id="7" dur="250"/>
+                                        <p:tgtEl>
+                                          <p:spTgt spid="8"/>
+                                        </p:tgtEl>
+                                      </p:cBhvr>
+                                    </p:animEffect>
+                                  </p:childTnLst>
+                                </p:cTn>
+                              </p:par>
+                            </p:childTnLst>
+                          </p:cTn>
+                        </p:par>
+                        <p:par>
+                          <p:cTn id="8" fill="hold">
+                            <p:stCondLst>
+                              <p:cond delay="250"/>
+                            </p:stCondLst>
+                            <p:childTnLst>
+                              <p:par>
+                                <p:cTn id="9" presetID="10" presetClass="entr" presetSubtype="0" fill="hold" nodeType="afterEffect">
+                                  <p:stCondLst>
+                                    <p:cond delay="0"/>
+                                  </p:stCondLst>
+                                  <p:childTnLst>
+                                    <p:set>
+                                      <p:cBhvr>
+                                        <p:cTn id="10" dur="1" fill="hold">
+                                          <p:stCondLst>
+                                            <p:cond delay="0"/>
+                                          </p:stCondLst>
+                                        </p:cTn>
+                                        <p:tgtEl>
+                                          <p:spTgt spid="11"/>
+                                        </p:tgtEl>
+                                        <p:attrNameLst>
+                                          <p:attrName>style.visibility</p:attrName>
+                                        </p:attrNameLst>
+                                      </p:cBhvr>
+                                      <p:to>
+                                        <p:strVal val="visible"/>
+                                      </p:to>
+                                    </p:set>
+                                    <p:animEffect transition="in" filter="fade">
+                                      <p:cBhvr>
+                                        <p:cTn id="11" dur="250"/>
+                                        <p:tgtEl>
+                                          <p:spTgt spid="11"/>
+                                        </p:tgtEl>
+                                      </p:cBhvr>
+                                    </p:animEffect>
+                                  </p:childTnLst>
+                                </p:cTn>
+                              </p:par>
+                            </p:childTnLst>
+                          </p:cTn>
+                        </p:par>
+                        <p:par>
+                          <p:cTn id="12" fill="hold">
+                            <p:stCondLst>
+                              <p:cond delay="500"/>
+                            </p:stCondLst>
+                            <p:childTnLst>
+                              <p:par>
+                                <p:cTn id="13" presetID="10" presetClass="entr" presetSubtype="0" fill="hold" nodeType="afterEffect">
+                                  <p:stCondLst>
+                                    <p:cond delay="0"/>
+                                  </p:stCondLst>
+                                  <p:childTnLst>
+                                    <p:set>
+                                      <p:cBhvr>
+                                        <p:cTn id="14" dur="1" fill="hold">
+                                          <p:stCondLst>
+                                            <p:cond delay="0"/>
+                                          </p:stCondLst>
+                                        </p:cTn>
+                                        <p:tgtEl>
+                                          <p:spTgt spid="29"/>
+                                        </p:tgtEl>
+                                        <p:attrNameLst>
+                                          <p:attrName>style.visibility</p:attrName>
+                                        </p:attrNameLst>
+                                      </p:cBhvr>
+                                      <p:to>
+                                        <p:strVal val="visible"/>
+                                      </p:to>
+                                    </p:set>
+                                    <p:animEffect transition="in" filter="fade">
+                                      <p:cBhvr>
+                                        <p:cTn id="15" dur="250"/>
+                                        <p:tgtEl>
+                                          <p:spTgt spid="29"/>
+                                        </p:tgtEl>
+                                      </p:cBhvr>
+                                    </p:animEffect>
+                                  </p:childTnLst>
+                                </p:cTn>
+                              </p:par>
+                            </p:childTnLst>
+                          </p:cTn>
+                        </p:par>
+                        <p:par>
+                          <p:cTn id="16" fill="hold">
+                            <p:stCondLst>
+                              <p:cond delay="750"/>
+                            </p:stCondLst>
+                            <p:childTnLst>
+                              <p:par>
+                                <p:cTn id="17" presetID="10" presetClass="entr" presetSubtype="0" fill="hold" nodeType="afterEffect">
+                                  <p:stCondLst>
+                                    <p:cond delay="0"/>
+                                  </p:stCondLst>
+                                  <p:childTnLst>
+                                    <p:set>
+                                      <p:cBhvr>
+                                        <p:cTn id="18" dur="1" fill="hold">
+                                          <p:stCondLst>
+                                            <p:cond delay="0"/>
+                                          </p:stCondLst>
+                                        </p:cTn>
+                                        <p:tgtEl>
+                                          <p:spTgt spid="23"/>
+                                        </p:tgtEl>
+                                        <p:attrNameLst>
+                                          <p:attrName>style.visibility</p:attrName>
+                                        </p:attrNameLst>
+                                      </p:cBhvr>
+                                      <p:to>
+                                        <p:strVal val="visible"/>
+                                      </p:to>
+                                    </p:set>
+                                    <p:animEffect transition="in" filter="fade">
+                                      <p:cBhvr>
+                                        <p:cTn id="19" dur="250"/>
+                                        <p:tgtEl>
+                                          <p:spTgt spid="23"/>
+                                        </p:tgtEl>
+                                      </p:cBhvr>
+                                    </p:animEffect>
+                                  </p:childTnLst>
+                                </p:cTn>
+                              </p:par>
+                            </p:childTnLst>
+                          </p:cTn>
+                        </p:par>
+                        <p:par>
+                          <p:cTn id="20" fill="hold">
+                            <p:stCondLst>
+                              <p:cond delay="1000"/>
+                            </p:stCondLst>
+                            <p:childTnLst>
+                              <p:par>
+                                <p:cTn id="21" presetID="10" presetClass="entr" presetSubtype="0" fill="hold" nodeType="afterEffect">
+                                  <p:stCondLst>
+                                    <p:cond delay="0"/>
+                                  </p:stCondLst>
+                                  <p:childTnLst>
+                                    <p:set>
+                                      <p:cBhvr>
+                                        <p:cTn id="22" dur="1" fill="hold">
+                                          <p:stCondLst>
+                                            <p:cond delay="0"/>
+                                          </p:stCondLst>
+                                        </p:cTn>
+                                        <p:tgtEl>
+                                          <p:spTgt spid="17"/>
+                                        </p:tgtEl>
+                                        <p:attrNameLst>
+                                          <p:attrName>style.visibility</p:attrName>
+                                        </p:attrNameLst>
+                                      </p:cBhvr>
+                                      <p:to>
+                                        <p:strVal val="visible"/>
+                                      </p:to>
+                                    </p:set>
+                                    <p:animEffect transition="in" filter="fade">
+                                      <p:cBhvr>
+                                        <p:cTn id="23" dur="250"/>
+                                        <p:tgtEl>
+                                          <p:spTgt spid="17"/>
+                                        </p:tgtEl>
+                                      </p:cBhvr>
+                                    </p:animEffect>
+                                  </p:childTnLst>
+                                </p:cTn>
+                              </p:par>
+                            </p:childTnLst>
+                          </p:cTn>
+                        </p:par>
+                        <p:par>
+                          <p:cTn id="24" fill="hold">
+                            <p:stCondLst>
+                              <p:cond delay="1250"/>
+                            </p:stCondLst>
+                            <p:childTnLst>
+                              <p:par>
+                                <p:cTn id="25" presetID="10" presetClass="entr" presetSubtype="0" fill="hold" nodeType="afterEffect">
+                                  <p:stCondLst>
+                                    <p:cond delay="0"/>
+                                  </p:stCondLst>
+                                  <p:childTnLst>
+                                    <p:set>
+                                      <p:cBhvr>
+                                        <p:cTn id="26" dur="1" fill="hold">
+                                          <p:stCondLst>
+                                            <p:cond delay="0"/>
+                                          </p:stCondLst>
+                                        </p:cTn>
+                                        <p:tgtEl>
+                                          <p:spTgt spid="5"/>
+                                        </p:tgtEl>
+                                        <p:attrNameLst>
+                                          <p:attrName>style.visibility</p:attrName>
+                                        </p:attrNameLst>
+                                      </p:cBhvr>
+                                      <p:to>
+                                        <p:strVal val="visible"/>
+                                      </p:to>
+                                    </p:set>
+                                    <p:animEffect transition="in" filter="fade">
+                                      <p:cBhvr>
+                                        <p:cTn id="27" dur="250"/>
+                                        <p:tgtEl>
+                                          <p:spTgt spid="5"/>
+                                        </p:tgtEl>
+                                      </p:cBhvr>
+                                    </p:animEffect>
+                                  </p:childTnLst>
+                                </p:cTn>
+                              </p:par>
+                            </p:childTnLst>
+                          </p:cTn>
+                        </p:par>
+                        <p:par>
+                          <p:cTn id="28" fill="hold">
+                            <p:stCondLst>
+                              <p:cond delay="1500"/>
+                            </p:stCondLst>
+                            <p:childTnLst>
+                              <p:par>
+                                <p:cTn id="29" presetID="10" presetClass="entr" presetSubtype="0" fill="hold" nodeType="afterEffect">
+                                  <p:stCondLst>
+                                    <p:cond delay="0"/>
+                                  </p:stCondLst>
+                                  <p:childTnLst>
+                                    <p:set>
+                                      <p:cBhvr>
+                                        <p:cTn id="30" dur="1" fill="hold">
+                                          <p:stCondLst>
+                                            <p:cond delay="0"/>
+                                          </p:stCondLst>
+                                        </p:cTn>
+                                        <p:tgtEl>
+                                          <p:spTgt spid="20"/>
+                                        </p:tgtEl>
+                                        <p:attrNameLst>
+                                          <p:attrName>style.visibility</p:attrName>
+                                        </p:attrNameLst>
+                                      </p:cBhvr>
+                                      <p:to>
+                                        <p:strVal val="visible"/>
+                                      </p:to>
+                                    </p:set>
+                                    <p:animEffect transition="in" filter="fade">
+                                      <p:cBhvr>
+                                        <p:cTn id="31" dur="250"/>
+                                        <p:tgtEl>
+                                          <p:spTgt spid="20"/>
+                                        </p:tgtEl>
+                                      </p:cBhvr>
+                                    </p:animEffect>
+                                  </p:childTnLst>
+                                </p:cTn>
+                              </p:par>
+                            </p:childTnLst>
+                          </p:cTn>
+                        </p:par>
+                        <p:par>
+                          <p:cTn id="32" fill="hold">
+                            <p:stCondLst>
+                              <p:cond delay="1750"/>
+                            </p:stCondLst>
+                            <p:childTnLst>
+                              <p:par>
+                                <p:cTn id="33" presetID="10" presetClass="entr" presetSubtype="0" fill="hold" nodeType="afterEffect">
+                                  <p:stCondLst>
+                                    <p:cond delay="0"/>
+                                  </p:stCondLst>
+                                  <p:childTnLst>
+                                    <p:set>
+                                      <p:cBhvr>
+                                        <p:cTn id="34" dur="1" fill="hold">
+                                          <p:stCondLst>
+                                            <p:cond delay="0"/>
+                                          </p:stCondLst>
+                                        </p:cTn>
+                                        <p:tgtEl>
+                                          <p:spTgt spid="26"/>
+                                        </p:tgtEl>
+                                        <p:attrNameLst>
+                                          <p:attrName>style.visibility</p:attrName>
+                                        </p:attrNameLst>
+                                      </p:cBhvr>
+                                      <p:to>
+                                        <p:strVal val="visible"/>
+                                      </p:to>
+                                    </p:set>
+                                    <p:animEffect transition="in" filter="fade">
+                                      <p:cBhvr>
+                                        <p:cTn id="35" dur="250"/>
+                                        <p:tgtEl>
+                                          <p:spTgt spid="26"/>
+                                        </p:tgtEl>
+                                      </p:cBhvr>
+                                    </p:animEffect>
+                                  </p:childTnLst>
+                                </p:cTn>
+                              </p:par>
+                            </p:childTnLst>
+                          </p:cTn>
+                        </p:par>
+                        <p:par>
+                          <p:cTn id="36" fill="hold">
+                            <p:stCondLst>
+                              <p:cond delay="2000"/>
+                            </p:stCondLst>
+                            <p:childTnLst>
+                              <p:par>
+                                <p:cTn id="37" presetID="10" presetClass="entr" presetSubtype="0" fill="hold" nodeType="afterEffect">
+                                  <p:stCondLst>
+                                    <p:cond delay="0"/>
+                                  </p:stCondLst>
+                                  <p:childTnLst>
+                                    <p:set>
+                                      <p:cBhvr>
+                                        <p:cTn id="38" dur="1" fill="hold">
+                                          <p:stCondLst>
+                                            <p:cond delay="0"/>
+                                          </p:stCondLst>
+                                        </p:cTn>
+                                        <p:tgtEl>
+                                          <p:spTgt spid="35"/>
+                                        </p:tgtEl>
+                                        <p:attrNameLst>
+                                          <p:attrName>style.visibility</p:attrName>
+                                        </p:attrNameLst>
+                                      </p:cBhvr>
+                                      <p:to>
+                                        <p:strVal val="visible"/>
+                                      </p:to>
+                                    </p:set>
+                                    <p:animEffect transition="in" filter="fade">
+                                      <p:cBhvr>
+                                        <p:cTn id="39" dur="250"/>
+                                        <p:tgtEl>
+                                          <p:spTgt spid="35"/>
+                                        </p:tgtEl>
+                                      </p:cBhvr>
+                                    </p:animEffect>
+                                  </p:childTnLst>
+                                </p:cTn>
+                              </p:par>
+                            </p:childTnLst>
+                          </p:cTn>
+                        </p:par>
+                        <p:par>
+                          <p:cTn id="40" fill="hold">
+                            <p:stCondLst>
+                              <p:cond delay="2250"/>
+                            </p:stCondLst>
+                            <p:childTnLst>
+                              <p:par>
+                                <p:cTn id="41" presetID="10" presetClass="entr" presetSubtype="0" fill="hold" nodeType="afterEffect">
+                                  <p:stCondLst>
+                                    <p:cond delay="0"/>
+                                  </p:stCondLst>
+                                  <p:childTnLst>
+                                    <p:set>
+                                      <p:cBhvr>
+                                        <p:cTn id="42" dur="1" fill="hold">
+                                          <p:stCondLst>
+                                            <p:cond delay="0"/>
+                                          </p:stCondLst>
+                                        </p:cTn>
+                                        <p:tgtEl>
+                                          <p:spTgt spid="14"/>
+                                        </p:tgtEl>
+                                        <p:attrNameLst>
+                                          <p:attrName>style.visibility</p:attrName>
+                                        </p:attrNameLst>
+                                      </p:cBhvr>
+                                      <p:to>
+                                        <p:strVal val="visible"/>
+                                      </p:to>
+                                    </p:set>
+                                    <p:animEffect transition="in" filter="fade">
+                                      <p:cBhvr>
+                                        <p:cTn id="43" dur="250"/>
+                                        <p:tgtEl>
+                                          <p:spTgt spid="14"/>
+                                        </p:tgtEl>
+                                      </p:cBhvr>
+                                    </p:animEffect>
+                                  </p:childTnLst>
+                                </p:cTn>
+                              </p:par>
+                            </p:childTnLst>
+                          </p:cTn>
+                        </p:par>
+                      </p:childTnLst>
+                    </p:cTn>
+                  </p:par>
+                </p:childTnLst>
+              </p:cTn>
+              <p:prevCondLst>
+                <p:cond evt="onPrev" delay="0">
+                  <p:tgtEl>
+                    <p:sldTgt/>
+                  </p:tgtEl>
+                </p:cond>
+              </p:prevCondLst>
+              <p:nextCondLst>
+                <p:cond evt="onNext" delay="0">
+                  <p:tgtEl>
+                    <p:sldTgt/>
+                  </p:tgtEl>
+                </p:cond>
+              </p:nextCondLst>
+            </p:seq>
+          </p:childTnLst>
+        </p:cTn>
+      </p:par>
+    </p:tnLst>
+  </p:timing>
+</p:sld>
+</file>
+
+<file path=ppt/slides/slide7.xml><?xml version="1.0" encoding="utf-8"?>
 <p:sld xmlns:a="http://schemas.openxmlformats.org/drawingml/2006/main" xmlns:r="http://schemas.openxmlformats.org/officeDocument/2006/relationships" xmlns:p="http://schemas.openxmlformats.org/presentationml/2006/main">
   <p:cSld>
     <p:spTree>
@@ -19821,7 +21914,7 @@
 </p:sld>
 </file>
 
-<file path=ppt/slides/slide6.xml><?xml version="1.0" encoding="utf-8"?>
+<file path=ppt/slides/slide8.xml><?xml version="1.0" encoding="utf-8"?>
 <p:sld xmlns:a="http://schemas.openxmlformats.org/drawingml/2006/main" xmlns:r="http://schemas.openxmlformats.org/officeDocument/2006/relationships" xmlns:p="http://schemas.openxmlformats.org/presentationml/2006/main">
   <p:cSld>
     <p:spTree>
@@ -19935,8 +22028,8 @@
 </p:sld>
 </file>
 
-<file path=ppt/slides/slide7.xml><?xml version="1.0" encoding="utf-8"?>
-<p:sld xmlns:a="http://schemas.openxmlformats.org/drawingml/2006/main" xmlns:r="http://schemas.openxmlformats.org/officeDocument/2006/relationships" xmlns:p="http://schemas.openxmlformats.org/presentationml/2006/main">
+<file path=ppt/slides/slide9.xml><?xml version="1.0" encoding="utf-8"?>
+<p:sld xmlns:a="http://schemas.openxmlformats.org/drawingml/2006/main" xmlns:r="http://schemas.openxmlformats.org/officeDocument/2006/relationships" xmlns:p="http://schemas.openxmlformats.org/presentationml/2006/main" show="0">
   <p:cSld>
     <p:spTree>
       <p:nvGrpSpPr>
@@ -22045,234 +24138,6 @@
 </p:sld>
 </file>
 
-<file path=ppt/slides/slide8.xml><?xml version="1.0" encoding="utf-8"?>
-<p:sld xmlns:a="http://schemas.openxmlformats.org/drawingml/2006/main" xmlns:r="http://schemas.openxmlformats.org/officeDocument/2006/relationships" xmlns:p="http://schemas.openxmlformats.org/presentationml/2006/main">
-  <p:cSld>
-    <p:spTree>
-      <p:nvGrpSpPr>
-        <p:cNvPr id="1" name=""/>
-        <p:cNvGrpSpPr/>
-        <p:nvPr/>
-      </p:nvGrpSpPr>
-      <p:grpSpPr>
-        <a:xfrm>
-          <a:off x="0" y="0"/>
-          <a:ext cx="0" cy="0"/>
-          <a:chOff x="0" y="0"/>
-          <a:chExt cx="0" cy="0"/>
-        </a:xfrm>
-      </p:grpSpPr>
-      <p:sp>
-        <p:nvSpPr>
-          <p:cNvPr id="2" name="Title 1"/>
-          <p:cNvSpPr>
-            <a:spLocks noGrp="1"/>
-          </p:cNvSpPr>
-          <p:nvPr>
-            <p:ph type="ctrTitle"/>
-          </p:nvPr>
-        </p:nvSpPr>
-        <p:spPr/>
-        <p:txBody>
-          <a:bodyPr/>
-          <a:lstStyle/>
-          <a:p>
-            <a:r>
-              <a:rPr lang="en-US" dirty="0" smtClean="0"/>
-              <a:t>Storage</a:t>
-            </a:r>
-            <a:endParaRPr lang="en-US" dirty="0"/>
-          </a:p>
-        </p:txBody>
-      </p:sp>
-      <p:sp>
-        <p:nvSpPr>
-          <p:cNvPr id="3" name="Subtitle 2"/>
-          <p:cNvSpPr>
-            <a:spLocks noGrp="1"/>
-          </p:cNvSpPr>
-          <p:nvPr>
-            <p:ph type="subTitle" idx="1"/>
-          </p:nvPr>
-        </p:nvSpPr>
-        <p:spPr>
-          <a:xfrm>
-            <a:off x="1889124" y="5630472"/>
-            <a:ext cx="8406343" cy="461665"/>
-          </a:xfrm>
-        </p:spPr>
-        <p:txBody>
-          <a:bodyPr/>
-          <a:lstStyle/>
-          <a:p>
-            <a:r>
-              <a:rPr lang="en-US" dirty="0" smtClean="0"/>
-              <a:t>Use Windows Azure Table Storage to save hot topics</a:t>
-            </a:r>
-            <a:endParaRPr lang="en-US" dirty="0"/>
-          </a:p>
-        </p:txBody>
-      </p:sp>
-      <p:sp>
-        <p:nvSpPr>
-          <p:cNvPr id="4" name="Text Placeholder 3"/>
-          <p:cNvSpPr>
-            <a:spLocks noGrp="1"/>
-          </p:cNvSpPr>
-          <p:nvPr>
-            <p:ph type="body" sz="quarter" idx="10"/>
-          </p:nvPr>
-        </p:nvSpPr>
-        <p:spPr/>
-        <p:txBody>
-          <a:bodyPr/>
-          <a:lstStyle/>
-          <a:p>
-            <a:r>
-              <a:rPr lang="en-US" dirty="0" smtClean="0"/>
-              <a:t>Twitter Reader</a:t>
-            </a:r>
-            <a:endParaRPr lang="en-US" dirty="0"/>
-          </a:p>
-        </p:txBody>
-      </p:sp>
-    </p:spTree>
-    <p:extLst>
-      <p:ext uri="{BB962C8B-B14F-4D97-AF65-F5344CB8AC3E}">
-        <p14:creationId xmlns:p14="http://schemas.microsoft.com/office/powerpoint/2010/main" val="3281253215"/>
-      </p:ext>
-    </p:extLst>
-  </p:cSld>
-  <p:clrMapOvr>
-    <a:masterClrMapping/>
-  </p:clrMapOvr>
-  <p:transition>
-    <p:fade/>
-  </p:transition>
-  <p:timing>
-    <p:tnLst>
-      <p:par>
-        <p:cTn id="1" dur="indefinite" restart="never" nodeType="tmRoot"/>
-      </p:par>
-    </p:tnLst>
-  </p:timing>
-</p:sld>
-</file>
-
-<file path=ppt/slides/slide9.xml><?xml version="1.0" encoding="utf-8"?>
-<p:sld xmlns:a="http://schemas.openxmlformats.org/drawingml/2006/main" xmlns:r="http://schemas.openxmlformats.org/officeDocument/2006/relationships" xmlns:p="http://schemas.openxmlformats.org/presentationml/2006/main">
-  <p:cSld>
-    <p:spTree>
-      <p:nvGrpSpPr>
-        <p:cNvPr id="1" name=""/>
-        <p:cNvGrpSpPr/>
-        <p:nvPr/>
-      </p:nvGrpSpPr>
-      <p:grpSpPr>
-        <a:xfrm>
-          <a:off x="0" y="0"/>
-          <a:ext cx="0" cy="0"/>
-          <a:chOff x="0" y="0"/>
-          <a:chExt cx="0" cy="0"/>
-        </a:xfrm>
-      </p:grpSpPr>
-      <p:sp>
-        <p:nvSpPr>
-          <p:cNvPr id="2" name="Title 1"/>
-          <p:cNvSpPr>
-            <a:spLocks noGrp="1"/>
-          </p:cNvSpPr>
-          <p:nvPr>
-            <p:ph type="title"/>
-          </p:nvPr>
-        </p:nvSpPr>
-        <p:spPr/>
-        <p:txBody>
-          <a:bodyPr/>
-          <a:lstStyle/>
-          <a:p>
-            <a:r>
-              <a:rPr lang="en-US" dirty="0" smtClean="0"/>
-              <a:t>n-Tier</a:t>
-            </a:r>
-            <a:endParaRPr lang="en-US" dirty="0"/>
-          </a:p>
-        </p:txBody>
-      </p:sp>
-      <p:sp>
-        <p:nvSpPr>
-          <p:cNvPr id="3" name="Text Placeholder 2"/>
-          <p:cNvSpPr>
-            <a:spLocks noGrp="1"/>
-          </p:cNvSpPr>
-          <p:nvPr>
-            <p:ph type="body" sz="quarter" idx="10"/>
-          </p:nvPr>
-        </p:nvSpPr>
-        <p:spPr>
-          <a:xfrm>
-            <a:off x="519112" y="1447799"/>
-            <a:ext cx="11149013" cy="1892826"/>
-          </a:xfrm>
-        </p:spPr>
-        <p:txBody>
-          <a:bodyPr/>
-          <a:lstStyle/>
-          <a:p>
-            <a:pPr marL="574675" indent="-571500">
-              <a:buFont typeface="Arial" panose="020B0604020202020204" pitchFamily="34" charset="0"/>
-              <a:buChar char="•"/>
-            </a:pPr>
-            <a:r>
-              <a:rPr lang="en-US" dirty="0" smtClean="0"/>
-              <a:t>Separation of concerns</a:t>
-            </a:r>
-          </a:p>
-          <a:p>
-            <a:pPr marL="574675" indent="-571500">
-              <a:buFont typeface="Arial" panose="020B0604020202020204" pitchFamily="34" charset="0"/>
-              <a:buChar char="•"/>
-            </a:pPr>
-            <a:r>
-              <a:rPr lang="en-US" dirty="0" smtClean="0"/>
-              <a:t>Scale different layers separately</a:t>
-            </a:r>
-          </a:p>
-          <a:p>
-            <a:pPr marL="574675" indent="-571500">
-              <a:buFont typeface="Arial" panose="020B0604020202020204" pitchFamily="34" charset="0"/>
-              <a:buChar char="•"/>
-            </a:pPr>
-            <a:r>
-              <a:rPr lang="en-US" dirty="0" smtClean="0"/>
-              <a:t>Asynchronous workload processing</a:t>
-            </a:r>
-          </a:p>
-        </p:txBody>
-      </p:sp>
-    </p:spTree>
-    <p:extLst>
-      <p:ext uri="{BB962C8B-B14F-4D97-AF65-F5344CB8AC3E}">
-        <p14:creationId xmlns:p14="http://schemas.microsoft.com/office/powerpoint/2010/main" val="2877175604"/>
-      </p:ext>
-    </p:extLst>
-  </p:cSld>
-  <p:clrMapOvr>
-    <a:masterClrMapping/>
-  </p:clrMapOvr>
-  <p:transition>
-    <p:fade/>
-  </p:transition>
-  <p:timing>
-    <p:tnLst>
-      <p:par>
-        <p:cTn id="1" dur="indefinite" restart="never" nodeType="tmRoot"/>
-      </p:par>
-    </p:tnLst>
-  </p:timing>
-</p:sld>
-</file>
-
 <file path=ppt/tags/tag1.xml><?xml version="1.0" encoding="utf-8"?>
 <p:tagLst xmlns:a="http://schemas.openxmlformats.org/drawingml/2006/main" xmlns:r="http://schemas.openxmlformats.org/officeDocument/2006/relationships" xmlns:p="http://schemas.openxmlformats.org/presentationml/2006/main">
   <p:tag name="THINKCELLUNDODONOTDELETE" val="26"/>
@@ -23515,6 +25380,17 @@
 </file>
 
 <file path=customXml/item1.xml><?xml version="1.0" encoding="utf-8"?>
+<p:properties xmlns:p="http://schemas.microsoft.com/office/2006/metadata/properties" xmlns:xsi="http://www.w3.org/2001/XMLSchema-instance" xmlns:pc="http://schemas.microsoft.com/office/infopath/2007/PartnerControls">
+  <documentManagement>
+    <TaxKeywordTaxHTField xmlns="230e9df3-be65-4c73-a93b-d1236ebd677e">
+      <Terms xmlns="http://schemas.microsoft.com/office/infopath/2007/PartnerControls"/>
+    </TaxKeywordTaxHTField>
+    <TaxCatchAll xmlns="230e9df3-be65-4c73-a93b-d1236ebd677e"/>
+  </documentManagement>
+</p:properties>
+</file>
+
+<file path=customXml/item2.xml><?xml version="1.0" encoding="utf-8"?>
 <?mso-contentType ?>
 <FormTemplates xmlns="http://schemas.microsoft.com/sharepoint/v3/contenttype/forms">
   <Display>DocumentLibraryForm</Display>
@@ -23523,7 +25399,7 @@
 </FormTemplates>
 </file>
 
-<file path=customXml/item2.xml><?xml version="1.0" encoding="utf-8"?>
+<file path=customXml/item3.xml><?xml version="1.0" encoding="utf-8"?>
 <ct:contentTypeSchema xmlns:ct="http://schemas.microsoft.com/office/2006/metadata/contentType" xmlns:ma="http://schemas.microsoft.com/office/2006/metadata/properties/metaAttributes" ct:_="" ma:_="" ma:contentTypeName="Document" ma:contentTypeID="0x010100CA05B43BE68FE54B90DD26FDFB72BB05" ma:contentTypeVersion="0" ma:contentTypeDescription="Create a new document." ma:contentTypeScope="" ma:versionID="6df1bece345c1749bd9b91e82fa4a03a">
   <xsd:schema xmlns:xsd="http://www.w3.org/2001/XMLSchema" xmlns:xs="http://www.w3.org/2001/XMLSchema" xmlns:p="http://schemas.microsoft.com/office/2006/metadata/properties" xmlns:ns2="230e9df3-be65-4c73-a93b-d1236ebd677e" targetNamespace="http://schemas.microsoft.com/office/2006/metadata/properties" ma:root="true" ma:fieldsID="e317b0b832c9845d3aae3abd1bb0954e" ns2:_="">
     <xsd:import namespace="230e9df3-be65-4c73-a93b-d1236ebd677e"/>
@@ -23675,18 +25551,23 @@
 </ct:contentTypeSchema>
 </file>
 
-<file path=customXml/item3.xml><?xml version="1.0" encoding="utf-8"?>
-<p:properties xmlns:p="http://schemas.microsoft.com/office/2006/metadata/properties" xmlns:xsi="http://www.w3.org/2001/XMLSchema-instance" xmlns:pc="http://schemas.microsoft.com/office/infopath/2007/PartnerControls">
-  <documentManagement>
-    <TaxKeywordTaxHTField xmlns="230e9df3-be65-4c73-a93b-d1236ebd677e">
-      <Terms xmlns="http://schemas.microsoft.com/office/infopath/2007/PartnerControls"/>
-    </TaxKeywordTaxHTField>
-    <TaxCatchAll xmlns="230e9df3-be65-4c73-a93b-d1236ebd677e"/>
-  </documentManagement>
-</p:properties>
+<file path=customXml/itemProps1.xml><?xml version="1.0" encoding="utf-8"?>
+<ds:datastoreItem xmlns:ds="http://schemas.openxmlformats.org/officeDocument/2006/customXml" ds:itemID="{69B2F97D-0457-4986-9734-D03EB073C5EA}">
+  <ds:schemaRefs>
+    <ds:schemaRef ds:uri="http://schemas.microsoft.com/office/infopath/2007/PartnerControls"/>
+    <ds:schemaRef ds:uri="http://purl.org/dc/terms/"/>
+    <ds:schemaRef ds:uri="http://schemas.microsoft.com/office/2006/documentManagement/types"/>
+    <ds:schemaRef ds:uri="http://purl.org/dc/elements/1.1/"/>
+    <ds:schemaRef ds:uri="http://schemas.openxmlformats.org/package/2006/metadata/core-properties"/>
+    <ds:schemaRef ds:uri="230e9df3-be65-4c73-a93b-d1236ebd677e"/>
+    <ds:schemaRef ds:uri="http://schemas.microsoft.com/office/2006/metadata/properties"/>
+    <ds:schemaRef ds:uri="http://www.w3.org/XML/1998/namespace"/>
+    <ds:schemaRef ds:uri="http://purl.org/dc/dcmitype/"/>
+  </ds:schemaRefs>
+</ds:datastoreItem>
 </file>
 
-<file path=customXml/itemProps1.xml><?xml version="1.0" encoding="utf-8"?>
+<file path=customXml/itemProps2.xml><?xml version="1.0" encoding="utf-8"?>
 <ds:datastoreItem xmlns:ds="http://schemas.openxmlformats.org/officeDocument/2006/customXml" ds:itemID="{B882D8D6-9D38-4159-A398-AAC3689D3D7C}">
   <ds:schemaRefs>
     <ds:schemaRef ds:uri="http://schemas.microsoft.com/sharepoint/v3/contenttype/forms"/>
@@ -23694,7 +25575,7 @@
 </ds:datastoreItem>
 </file>
 
-<file path=customXml/itemProps2.xml><?xml version="1.0" encoding="utf-8"?>
+<file path=customXml/itemProps3.xml><?xml version="1.0" encoding="utf-8"?>
 <ds:datastoreItem xmlns:ds="http://schemas.openxmlformats.org/officeDocument/2006/customXml" ds:itemID="{8F590144-748D-417B-8B69-088F107B0F98}">
   <ds:schemaRefs>
     <ds:schemaRef ds:uri="http://schemas.microsoft.com/office/2006/metadata/contentType"/>
@@ -23710,20 +25591,4 @@
     <ds:schemaRef ds:uri="http://schemas.microsoft.com/internal/obd"/>
   </ds:schemaRefs>
 </ds:datastoreItem>
-</file>
-
-<file path=customXml/itemProps3.xml><?xml version="1.0" encoding="utf-8"?>
-<ds:datastoreItem xmlns:ds="http://schemas.openxmlformats.org/officeDocument/2006/customXml" ds:itemID="{69B2F97D-0457-4986-9734-D03EB073C5EA}">
-  <ds:schemaRefs>
-    <ds:schemaRef ds:uri="http://schemas.microsoft.com/office/infopath/2007/PartnerControls"/>
-    <ds:schemaRef ds:uri="http://purl.org/dc/terms/"/>
-    <ds:schemaRef ds:uri="http://schemas.microsoft.com/office/2006/documentManagement/types"/>
-    <ds:schemaRef ds:uri="http://purl.org/dc/elements/1.1/"/>
-    <ds:schemaRef ds:uri="http://schemas.openxmlformats.org/package/2006/metadata/core-properties"/>
-    <ds:schemaRef ds:uri="230e9df3-be65-4c73-a93b-d1236ebd677e"/>
-    <ds:schemaRef ds:uri="http://schemas.microsoft.com/office/2006/metadata/properties"/>
-    <ds:schemaRef ds:uri="http://www.w3.org/XML/1998/namespace"/>
-    <ds:schemaRef ds:uri="http://purl.org/dc/dcmitype/"/>
-  </ds:schemaRefs>
-</ds:datastoreItem>
 </file>